--- a/reproducibility.pptx
+++ b/reproducibility.pptx
@@ -5,10 +5,10 @@
     <p:sldMasterId id="2147483935" r:id="rId4"/>
   </p:sldMasterIdLst>
   <p:notesMasterIdLst>
-    <p:notesMasterId r:id="rId38"/>
+    <p:notesMasterId r:id="rId37"/>
   </p:notesMasterIdLst>
   <p:handoutMasterIdLst>
-    <p:handoutMasterId r:id="rId39"/>
+    <p:handoutMasterId r:id="rId38"/>
   </p:handoutMasterIdLst>
   <p:sldIdLst>
     <p:sldId id="318" r:id="rId5"/>
@@ -35,15 +35,14 @@
     <p:sldId id="1831" r:id="rId26"/>
     <p:sldId id="1842" r:id="rId27"/>
     <p:sldId id="1830" r:id="rId28"/>
-    <p:sldId id="267" r:id="rId29"/>
-    <p:sldId id="1844" r:id="rId30"/>
-    <p:sldId id="1841" r:id="rId31"/>
-    <p:sldId id="1806" r:id="rId32"/>
-    <p:sldId id="1807" r:id="rId33"/>
-    <p:sldId id="1811" r:id="rId34"/>
-    <p:sldId id="313" r:id="rId35"/>
-    <p:sldId id="1836" r:id="rId36"/>
-    <p:sldId id="1837" r:id="rId37"/>
+    <p:sldId id="1844" r:id="rId29"/>
+    <p:sldId id="1841" r:id="rId30"/>
+    <p:sldId id="1806" r:id="rId31"/>
+    <p:sldId id="1807" r:id="rId32"/>
+    <p:sldId id="1811" r:id="rId33"/>
+    <p:sldId id="313" r:id="rId34"/>
+    <p:sldId id="1836" r:id="rId35"/>
+    <p:sldId id="1837" r:id="rId36"/>
   </p:sldIdLst>
   <p:sldSz cx="12188825" cy="6858000"/>
   <p:notesSz cx="7010400" cy="9296400"/>
@@ -189,12 +188,12 @@
     </p:ext>
     <p:ext uri="{2D200454-40CA-4A62-9FC3-DE9A4176ACB9}">
       <p15:notesGuideLst xmlns:p15="http://schemas.microsoft.com/office/powerpoint/2012/main">
-        <p15:guide id="1" orient="horz" pos="2928" userDrawn="1">
+        <p15:guide id="1" orient="horz" pos="2928">
           <p15:clr>
             <a:srgbClr val="A4A3A4"/>
           </p15:clr>
         </p15:guide>
-        <p15:guide id="2" pos="2208" userDrawn="1">
+        <p15:guide id="2" pos="2208">
           <p15:clr>
             <a:srgbClr val="A4A3A4"/>
           </p15:clr>
@@ -239,7 +238,7 @@
         </p:nvSpPr>
         <p:spPr>
           <a:xfrm>
-            <a:off x="1" y="0"/>
+            <a:off x="0" y="0"/>
             <a:ext cx="3038475" cy="465138"/>
           </a:xfrm>
           <a:prstGeom prst="rect">
@@ -305,7 +304,7 @@
         </p:nvSpPr>
         <p:spPr>
           <a:xfrm>
-            <a:off x="1" y="8829675"/>
+            <a:off x="0" y="8829675"/>
             <a:ext cx="3038475" cy="465138"/>
           </a:xfrm>
           <a:prstGeom prst="rect">
@@ -404,7 +403,7 @@
         </p:nvSpPr>
         <p:spPr>
           <a:xfrm>
-            <a:off x="1" y="0"/>
+            <a:off x="0" y="0"/>
             <a:ext cx="3038475" cy="465138"/>
           </a:xfrm>
           <a:prstGeom prst="rect">
@@ -503,7 +502,7 @@
         </p:nvSpPr>
         <p:spPr>
           <a:xfrm>
-            <a:off x="701675" y="4416426"/>
+            <a:off x="701675" y="4416425"/>
             <a:ext cx="5607050" cy="4183063"/>
           </a:xfrm>
           <a:prstGeom prst="rect">
@@ -516,35 +515,35 @@
           <a:p>
             <a:pPr lvl="0"/>
             <a:r>
-              <a:rPr lang="en-US" dirty="0"/>
+              <a:rPr lang="en-US"/>
               <a:t>Click to edit Master text styles</a:t>
             </a:r>
           </a:p>
           <a:p>
             <a:pPr lvl="1"/>
             <a:r>
-              <a:rPr lang="en-US" dirty="0"/>
+              <a:rPr lang="en-US"/>
               <a:t>Second level</a:t>
             </a:r>
           </a:p>
           <a:p>
             <a:pPr lvl="2"/>
             <a:r>
-              <a:rPr lang="en-US" dirty="0"/>
+              <a:rPr lang="en-US"/>
               <a:t>Third level</a:t>
             </a:r>
           </a:p>
           <a:p>
             <a:pPr lvl="3"/>
             <a:r>
-              <a:rPr lang="en-US" dirty="0"/>
+              <a:rPr lang="en-US"/>
               <a:t>Fourth level</a:t>
             </a:r>
           </a:p>
           <a:p>
             <a:pPr lvl="4"/>
             <a:r>
-              <a:rPr lang="en-US" dirty="0"/>
+              <a:rPr lang="en-US"/>
               <a:t>Fifth level</a:t>
             </a:r>
           </a:p>
@@ -562,7 +561,7 @@
         </p:nvSpPr>
         <p:spPr>
           <a:xfrm>
-            <a:off x="1" y="8829675"/>
+            <a:off x="0" y="8829675"/>
             <a:ext cx="3038475" cy="465138"/>
           </a:xfrm>
           <a:prstGeom prst="rect">
@@ -1889,7 +1888,7 @@
         </p:blipFill>
         <p:spPr>
           <a:xfrm>
-            <a:off x="360640" y="483164"/>
+            <a:off x="360639" y="483164"/>
             <a:ext cx="2050840" cy="935496"/>
           </a:xfrm>
           <a:prstGeom prst="rect">
@@ -1976,45 +1975,10 @@
       </p:pic>
       <p:pic>
         <p:nvPicPr>
-          <p:cNvPr id="11" name="Picture 10">
+          <p:cNvPr id="8" name="Picture 7" descr="A picture containing shape&#10;&#10;Description automatically generated">
             <a:extLst>
               <a:ext uri="{FF2B5EF4-FFF2-40B4-BE49-F238E27FC236}">
-                <a16:creationId xmlns:a16="http://schemas.microsoft.com/office/drawing/2014/main" id="{FEB516F4-C09A-4E83-A0F1-168C638F25AA}"/>
-              </a:ext>
-            </a:extLst>
-          </p:cNvPr>
-          <p:cNvPicPr>
-            <a:picLocks noChangeAspect="1"/>
-          </p:cNvPicPr>
-          <p:nvPr userDrawn="1"/>
-        </p:nvPicPr>
-        <p:blipFill rotWithShape="1">
-          <a:blip r:embed="rId7">
-            <a:extLst>
-              <a:ext uri="{28A0092B-C50C-407E-A947-70E740481C1C}">
-                <a14:useLocalDpi xmlns:a14="http://schemas.microsoft.com/office/drawing/2010/main" val="0"/>
-              </a:ext>
-            </a:extLst>
-          </a:blip>
-          <a:srcRect r="58932" b="1495"/>
-          <a:stretch/>
-        </p:blipFill>
-        <p:spPr>
-          <a:xfrm rot="10800000">
-            <a:off x="-1" y="1572767"/>
-            <a:ext cx="2852965" cy="4078297"/>
-          </a:xfrm>
-          <a:prstGeom prst="rect">
-            <a:avLst/>
-          </a:prstGeom>
-        </p:spPr>
-      </p:pic>
-      <p:pic>
-        <p:nvPicPr>
-          <p:cNvPr id="10" name="Picture 9" descr="IDEAS_logo.png">
-            <a:extLst>
-              <a:ext uri="{FF2B5EF4-FFF2-40B4-BE49-F238E27FC236}">
-                <a16:creationId xmlns:a16="http://schemas.microsoft.com/office/drawing/2014/main" id="{9DE86E9C-D24A-4552-A542-495444B5B047}"/>
+                <a16:creationId xmlns:a16="http://schemas.microsoft.com/office/drawing/2014/main" id="{C432A180-7341-4E28-8C2B-73F9AB53D13F}"/>
               </a:ext>
             </a:extLst>
           </p:cNvPr>
@@ -2024,10 +1988,10 @@
           <p:nvPr userDrawn="1"/>
         </p:nvPicPr>
         <p:blipFill>
-          <a:blip r:embed="rId8" cstate="print">
+          <a:blip r:embed="rId7">
             <a:extLst>
               <a:ext uri="{28A0092B-C50C-407E-A947-70E740481C1C}">
-                <a14:useLocalDpi xmlns:a14="http://schemas.microsoft.com/office/drawing/2010/main"/>
+                <a14:useLocalDpi xmlns:a14="http://schemas.microsoft.com/office/drawing/2010/main" val="0"/>
               </a:ext>
             </a:extLst>
           </a:blip>
@@ -2037,8 +2001,8 @@
         </p:blipFill>
         <p:spPr>
           <a:xfrm>
-            <a:off x="211056" y="1848659"/>
-            <a:ext cx="2350008" cy="815135"/>
+            <a:off x="331810" y="1848659"/>
+            <a:ext cx="2108499" cy="914400"/>
           </a:xfrm>
           <a:prstGeom prst="rect">
             <a:avLst/>
@@ -2059,6 +2023,604 @@
 </file>
 
 <file path=ppt/slideLayouts/slideLayout2.xml><?xml version="1.0" encoding="utf-8"?>
+<p:sldLayout xmlns:a="http://schemas.openxmlformats.org/drawingml/2006/main" xmlns:r="http://schemas.openxmlformats.org/officeDocument/2006/relationships" xmlns:p="http://schemas.openxmlformats.org/presentationml/2006/main" showMasterSp="0" preserve="1" userDrawn="1">
+  <p:cSld name="8_Title Slide">
+    <p:spTree>
+      <p:nvGrpSpPr>
+        <p:cNvPr id="1" name=""/>
+        <p:cNvGrpSpPr/>
+        <p:nvPr/>
+      </p:nvGrpSpPr>
+      <p:grpSpPr>
+        <a:xfrm>
+          <a:off x="0" y="0"/>
+          <a:ext cx="0" cy="0"/>
+          <a:chOff x="0" y="0"/>
+          <a:chExt cx="0" cy="0"/>
+        </a:xfrm>
+      </p:grpSpPr>
+      <p:sp>
+        <p:nvSpPr>
+          <p:cNvPr id="4" name="Rectangle 3">
+            <a:extLst>
+              <a:ext uri="{FF2B5EF4-FFF2-40B4-BE49-F238E27FC236}">
+                <a16:creationId xmlns:a16="http://schemas.microsoft.com/office/drawing/2014/main" id="{2E2177C6-060C-4445-8C10-ADA6D3CE5F74}"/>
+              </a:ext>
+            </a:extLst>
+          </p:cNvPr>
+          <p:cNvSpPr/>
+          <p:nvPr userDrawn="1"/>
+        </p:nvSpPr>
+        <p:spPr>
+          <a:xfrm>
+            <a:off x="0" y="6186396"/>
+            <a:ext cx="12188825" cy="671604"/>
+          </a:xfrm>
+          <a:prstGeom prst="rect">
+            <a:avLst/>
+          </a:prstGeom>
+          <a:solidFill>
+            <a:schemeClr val="accent1">
+              <a:lumMod val="75000"/>
+            </a:schemeClr>
+          </a:solidFill>
+          <a:ln>
+            <a:noFill/>
+          </a:ln>
+          <a:effectLst/>
+          <a:scene3d>
+            <a:camera prst="orthographicFront">
+              <a:rot lat="0" lon="0" rev="0"/>
+            </a:camera>
+            <a:lightRig rig="threePt" dir="t">
+              <a:rot lat="0" lon="0" rev="1200000"/>
+            </a:lightRig>
+          </a:scene3d>
+          <a:sp3d/>
+        </p:spPr>
+        <p:style>
+          <a:lnRef idx="0">
+            <a:schemeClr val="accent1"/>
+          </a:lnRef>
+          <a:fillRef idx="3">
+            <a:schemeClr val="accent1"/>
+          </a:fillRef>
+          <a:effectRef idx="3">
+            <a:schemeClr val="accent1"/>
+          </a:effectRef>
+          <a:fontRef idx="minor">
+            <a:schemeClr val="lt1"/>
+          </a:fontRef>
+        </p:style>
+        <p:txBody>
+          <a:bodyPr rot="0" spcFirstLastPara="0" vertOverflow="overflow" horzOverflow="overflow" vert="horz" wrap="square" lIns="548640" tIns="45720" rIns="45720" bIns="45720" numCol="1" spcCol="0" rtlCol="0" fromWordArt="0" anchor="ctr" anchorCtr="0" forceAA="0" compatLnSpc="1">
+            <a:prstTxWarp prst="textNoShape">
+              <a:avLst/>
+            </a:prstTxWarp>
+            <a:noAutofit/>
+          </a:bodyPr>
+          <a:lstStyle/>
+          <a:p>
+            <a:pPr algn="l">
+              <a:lnSpc>
+                <a:spcPct val="90000"/>
+              </a:lnSpc>
+            </a:pPr>
+            <a:r>
+              <a:rPr lang="en-US" sz="1600" dirty="0">
+                <a:ln>
+                  <a:noFill/>
+                </a:ln>
+                <a:solidFill>
+                  <a:schemeClr val="bg1"/>
+                </a:solidFill>
+              </a:rPr>
+              <a:t>exascaleproject.org</a:t>
+            </a:r>
+          </a:p>
+        </p:txBody>
+      </p:sp>
+      <p:sp>
+        <p:nvSpPr>
+          <p:cNvPr id="22" name="Rectangle 21"/>
+          <p:cNvSpPr/>
+          <p:nvPr userDrawn="1"/>
+        </p:nvSpPr>
+        <p:spPr>
+          <a:xfrm>
+            <a:off x="8305800" y="5921829"/>
+            <a:ext cx="3883025" cy="936171"/>
+          </a:xfrm>
+          <a:prstGeom prst="rect">
+            <a:avLst/>
+          </a:prstGeom>
+          <a:noFill/>
+          <a:ln>
+            <a:noFill/>
+          </a:ln>
+          <a:effectLst/>
+          <a:scene3d>
+            <a:camera prst="orthographicFront">
+              <a:rot lat="0" lon="0" rev="0"/>
+            </a:camera>
+            <a:lightRig rig="threePt" dir="t">
+              <a:rot lat="0" lon="0" rev="1200000"/>
+            </a:lightRig>
+          </a:scene3d>
+          <a:sp3d/>
+        </p:spPr>
+        <p:style>
+          <a:lnRef idx="0">
+            <a:schemeClr val="accent1"/>
+          </a:lnRef>
+          <a:fillRef idx="3">
+            <a:schemeClr val="accent1"/>
+          </a:fillRef>
+          <a:effectRef idx="3">
+            <a:schemeClr val="accent1"/>
+          </a:effectRef>
+          <a:fontRef idx="minor">
+            <a:schemeClr val="lt1"/>
+          </a:fontRef>
+        </p:style>
+        <p:txBody>
+          <a:bodyPr rot="0" spcFirstLastPara="0" vertOverflow="overflow" horzOverflow="overflow" vert="horz" wrap="square" lIns="45720" tIns="45720" rIns="45720" bIns="45720" numCol="1" spcCol="0" rtlCol="0" fromWordArt="0" anchor="ctr" anchorCtr="0" forceAA="0" compatLnSpc="1">
+            <a:prstTxWarp prst="textNoShape">
+              <a:avLst/>
+            </a:prstTxWarp>
+            <a:noAutofit/>
+          </a:bodyPr>
+          <a:lstStyle/>
+          <a:p>
+            <a:pPr algn="ctr">
+              <a:lnSpc>
+                <a:spcPct val="90000"/>
+              </a:lnSpc>
+            </a:pPr>
+            <a:endParaRPr lang="en-US" dirty="0">
+              <a:solidFill>
+                <a:schemeClr val="tx1"/>
+              </a:solidFill>
+            </a:endParaRPr>
+          </a:p>
+        </p:txBody>
+      </p:sp>
+      <p:sp>
+        <p:nvSpPr>
+          <p:cNvPr id="2" name="Title 1"/>
+          <p:cNvSpPr>
+            <a:spLocks noGrp="1"/>
+          </p:cNvSpPr>
+          <p:nvPr userDrawn="1">
+            <p:ph type="ctrTitle"/>
+          </p:nvPr>
+        </p:nvSpPr>
+        <p:spPr>
+          <a:xfrm>
+            <a:off x="3177633" y="503144"/>
+            <a:ext cx="8292316" cy="1030930"/>
+          </a:xfrm>
+        </p:spPr>
+        <p:txBody>
+          <a:bodyPr anchor="b"/>
+          <a:lstStyle>
+            <a:lvl1pPr algn="l">
+              <a:defRPr sz="3200" b="1">
+                <a:solidFill>
+                  <a:schemeClr val="tx1"/>
+                </a:solidFill>
+                <a:latin typeface="+mn-lt"/>
+              </a:defRPr>
+            </a:lvl1pPr>
+          </a:lstStyle>
+          <a:p>
+            <a:r>
+              <a:rPr lang="en-US"/>
+              <a:t>Click to edit Master title style</a:t>
+            </a:r>
+            <a:endParaRPr lang="en-US" dirty="0"/>
+          </a:p>
+        </p:txBody>
+      </p:sp>
+      <p:sp>
+        <p:nvSpPr>
+          <p:cNvPr id="3" name="Subtitle 2"/>
+          <p:cNvSpPr>
+            <a:spLocks noGrp="1"/>
+          </p:cNvSpPr>
+          <p:nvPr userDrawn="1">
+            <p:ph type="subTitle" idx="1"/>
+          </p:nvPr>
+        </p:nvSpPr>
+        <p:spPr>
+          <a:xfrm>
+            <a:off x="3177632" y="2085962"/>
+            <a:ext cx="8292317" cy="2855300"/>
+          </a:xfrm>
+        </p:spPr>
+        <p:txBody>
+          <a:bodyPr lIns="109728"/>
+          <a:lstStyle>
+            <a:lvl1pPr marL="0" indent="0" algn="l">
+              <a:buNone/>
+              <a:defRPr sz="2400">
+                <a:solidFill>
+                  <a:schemeClr val="tx1"/>
+                </a:solidFill>
+                <a:latin typeface="Arial" panose="020B0604020202020204" pitchFamily="34" charset="0"/>
+                <a:cs typeface="Arial" panose="020B0604020202020204" pitchFamily="34" charset="0"/>
+              </a:defRPr>
+            </a:lvl1pPr>
+            <a:lvl2pPr marL="457200" indent="0" algn="ctr">
+              <a:buNone/>
+              <a:defRPr>
+                <a:solidFill>
+                  <a:schemeClr val="tx1">
+                    <a:tint val="75000"/>
+                  </a:schemeClr>
+                </a:solidFill>
+              </a:defRPr>
+            </a:lvl2pPr>
+            <a:lvl3pPr marL="914400" indent="0" algn="ctr">
+              <a:buNone/>
+              <a:defRPr>
+                <a:solidFill>
+                  <a:schemeClr val="tx1">
+                    <a:tint val="75000"/>
+                  </a:schemeClr>
+                </a:solidFill>
+              </a:defRPr>
+            </a:lvl3pPr>
+            <a:lvl4pPr marL="1371600" indent="0" algn="ctr">
+              <a:buNone/>
+              <a:defRPr>
+                <a:solidFill>
+                  <a:schemeClr val="tx1">
+                    <a:tint val="75000"/>
+                  </a:schemeClr>
+                </a:solidFill>
+              </a:defRPr>
+            </a:lvl4pPr>
+            <a:lvl5pPr marL="1828800" indent="0" algn="ctr">
+              <a:buNone/>
+              <a:defRPr>
+                <a:solidFill>
+                  <a:schemeClr val="tx1">
+                    <a:tint val="75000"/>
+                  </a:schemeClr>
+                </a:solidFill>
+              </a:defRPr>
+            </a:lvl5pPr>
+            <a:lvl6pPr marL="2286000" indent="0" algn="ctr">
+              <a:buNone/>
+              <a:defRPr>
+                <a:solidFill>
+                  <a:schemeClr val="tx1">
+                    <a:tint val="75000"/>
+                  </a:schemeClr>
+                </a:solidFill>
+              </a:defRPr>
+            </a:lvl6pPr>
+            <a:lvl7pPr marL="2743200" indent="0" algn="ctr">
+              <a:buNone/>
+              <a:defRPr>
+                <a:solidFill>
+                  <a:schemeClr val="tx1">
+                    <a:tint val="75000"/>
+                  </a:schemeClr>
+                </a:solidFill>
+              </a:defRPr>
+            </a:lvl7pPr>
+            <a:lvl8pPr marL="3200400" indent="0" algn="ctr">
+              <a:buNone/>
+              <a:defRPr>
+                <a:solidFill>
+                  <a:schemeClr val="tx1">
+                    <a:tint val="75000"/>
+                  </a:schemeClr>
+                </a:solidFill>
+              </a:defRPr>
+            </a:lvl8pPr>
+            <a:lvl9pPr marL="3657600" indent="0" algn="ctr">
+              <a:buNone/>
+              <a:defRPr>
+                <a:solidFill>
+                  <a:schemeClr val="tx1">
+                    <a:tint val="75000"/>
+                  </a:schemeClr>
+                </a:solidFill>
+              </a:defRPr>
+            </a:lvl9pPr>
+          </a:lstStyle>
+          <a:p>
+            <a:r>
+              <a:rPr lang="en-US"/>
+              <a:t>Click to edit Master subtitle style</a:t>
+            </a:r>
+            <a:endParaRPr lang="en-US" dirty="0"/>
+          </a:p>
+        </p:txBody>
+      </p:sp>
+      <p:pic>
+        <p:nvPicPr>
+          <p:cNvPr id="12" name="Picture 11"/>
+          <p:cNvPicPr>
+            <a:picLocks noChangeAspect="1"/>
+          </p:cNvPicPr>
+          <p:nvPr userDrawn="1"/>
+        </p:nvPicPr>
+        <p:blipFill>
+          <a:blip r:embed="rId2" cstate="print">
+            <a:extLst>
+              <a:ext uri="{28A0092B-C50C-407E-A947-70E740481C1C}">
+                <a14:useLocalDpi xmlns:a14="http://schemas.microsoft.com/office/drawing/2010/main" val="0"/>
+              </a:ext>
+            </a:extLst>
+          </a:blip>
+          <a:stretch>
+            <a:fillRect/>
+          </a:stretch>
+        </p:blipFill>
+        <p:spPr>
+          <a:xfrm>
+            <a:off x="362749" y="483164"/>
+            <a:ext cx="2050840" cy="935496"/>
+          </a:xfrm>
+          <a:prstGeom prst="rect">
+            <a:avLst/>
+          </a:prstGeom>
+        </p:spPr>
+      </p:pic>
+      <p:pic>
+        <p:nvPicPr>
+          <p:cNvPr id="16" name="Picture 15"/>
+          <p:cNvPicPr>
+            <a:picLocks noChangeAspect="1"/>
+          </p:cNvPicPr>
+          <p:nvPr userDrawn="1"/>
+        </p:nvPicPr>
+        <p:blipFill>
+          <a:blip r:embed="rId3" cstate="print">
+            <a:extLst>
+              <a:ext uri="{BEBA8EAE-BF5A-486C-A8C5-ECC9F3942E4B}">
+                <a14:imgProps xmlns:a14="http://schemas.microsoft.com/office/drawing/2010/main">
+                  <a14:imgLayer r:embed="rId4">
+                    <a14:imgEffect>
+                      <a14:brightnessContrast bright="100000"/>
+                    </a14:imgEffect>
+                  </a14:imgLayer>
+                </a14:imgProps>
+              </a:ext>
+              <a:ext uri="{28A0092B-C50C-407E-A947-70E740481C1C}">
+                <a14:useLocalDpi xmlns:a14="http://schemas.microsoft.com/office/drawing/2010/main" val="0"/>
+              </a:ext>
+            </a:extLst>
+          </a:blip>
+          <a:stretch>
+            <a:fillRect/>
+          </a:stretch>
+        </p:blipFill>
+        <p:spPr>
+          <a:xfrm>
+            <a:off x="7289921" y="6322747"/>
+            <a:ext cx="2409477" cy="401008"/>
+          </a:xfrm>
+          <a:prstGeom prst="rect">
+            <a:avLst/>
+          </a:prstGeom>
+        </p:spPr>
+      </p:pic>
+      <p:pic>
+        <p:nvPicPr>
+          <p:cNvPr id="17" name="Picture 16"/>
+          <p:cNvPicPr>
+            <a:picLocks noChangeAspect="1"/>
+          </p:cNvPicPr>
+          <p:nvPr userDrawn="1"/>
+        </p:nvPicPr>
+        <p:blipFill rotWithShape="1">
+          <a:blip r:embed="rId5" cstate="print">
+            <a:extLst>
+              <a:ext uri="{BEBA8EAE-BF5A-486C-A8C5-ECC9F3942E4B}">
+                <a14:imgProps xmlns:a14="http://schemas.microsoft.com/office/drawing/2010/main">
+                  <a14:imgLayer r:embed="rId6">
+                    <a14:imgEffect>
+                      <a14:brightnessContrast bright="100000"/>
+                    </a14:imgEffect>
+                  </a14:imgLayer>
+                </a14:imgProps>
+              </a:ext>
+              <a:ext uri="{28A0092B-C50C-407E-A947-70E740481C1C}">
+                <a14:useLocalDpi xmlns:a14="http://schemas.microsoft.com/office/drawing/2010/main" val="0"/>
+              </a:ext>
+            </a:extLst>
+          </a:blip>
+          <a:srcRect b="70693"/>
+          <a:stretch/>
+        </p:blipFill>
+        <p:spPr>
+          <a:xfrm>
+            <a:off x="10204521" y="6307740"/>
+            <a:ext cx="1367541" cy="428915"/>
+          </a:xfrm>
+          <a:prstGeom prst="rect">
+            <a:avLst/>
+          </a:prstGeom>
+        </p:spPr>
+      </p:pic>
+      <p:pic>
+        <p:nvPicPr>
+          <p:cNvPr id="8" name="Picture 7" descr="A picture containing shape&#10;&#10;Description automatically generated">
+            <a:extLst>
+              <a:ext uri="{FF2B5EF4-FFF2-40B4-BE49-F238E27FC236}">
+                <a16:creationId xmlns:a16="http://schemas.microsoft.com/office/drawing/2014/main" id="{C432A180-7341-4E28-8C2B-73F9AB53D13F}"/>
+              </a:ext>
+            </a:extLst>
+          </p:cNvPr>
+          <p:cNvPicPr>
+            <a:picLocks noChangeAspect="1"/>
+          </p:cNvPicPr>
+          <p:nvPr userDrawn="1"/>
+        </p:nvPicPr>
+        <p:blipFill>
+          <a:blip r:embed="rId7">
+            <a:extLst>
+              <a:ext uri="{28A0092B-C50C-407E-A947-70E740481C1C}">
+                <a14:useLocalDpi xmlns:a14="http://schemas.microsoft.com/office/drawing/2010/main" val="0"/>
+              </a:ext>
+            </a:extLst>
+          </a:blip>
+          <a:stretch>
+            <a:fillRect/>
+          </a:stretch>
+        </p:blipFill>
+        <p:spPr>
+          <a:xfrm>
+            <a:off x="333920" y="1848659"/>
+            <a:ext cx="2108499" cy="914400"/>
+          </a:xfrm>
+          <a:prstGeom prst="rect">
+            <a:avLst/>
+          </a:prstGeom>
+        </p:spPr>
+      </p:pic>
+      <p:pic>
+        <p:nvPicPr>
+          <p:cNvPr id="13" name="Picture 2" descr="https://licensebuttons.net/l/by/4.0/88x31.png">
+            <a:extLst>
+              <a:ext uri="{FF2B5EF4-FFF2-40B4-BE49-F238E27FC236}">
+                <a16:creationId xmlns:a16="http://schemas.microsoft.com/office/drawing/2014/main" id="{FAFD7D99-41CA-4FD0-9396-9C5659F22045}"/>
+              </a:ext>
+            </a:extLst>
+          </p:cNvPr>
+          <p:cNvPicPr>
+            <a:picLocks noChangeAspect="1" noChangeArrowheads="1"/>
+          </p:cNvPicPr>
+          <p:nvPr userDrawn="1"/>
+        </p:nvPicPr>
+        <p:blipFill>
+          <a:blip r:embed="rId8">
+            <a:extLst>
+              <a:ext uri="{28A0092B-C50C-407E-A947-70E740481C1C}">
+                <a14:useLocalDpi xmlns:a14="http://schemas.microsoft.com/office/drawing/2010/main" val="0"/>
+              </a:ext>
+            </a:extLst>
+          </a:blip>
+          <a:srcRect/>
+          <a:stretch>
+            <a:fillRect/>
+          </a:stretch>
+        </p:blipFill>
+        <p:spPr bwMode="auto">
+          <a:xfrm>
+            <a:off x="969069" y="5841262"/>
+            <a:ext cx="838200" cy="295275"/>
+          </a:xfrm>
+          <a:prstGeom prst="rect">
+            <a:avLst/>
+          </a:prstGeom>
+          <a:noFill/>
+          <a:extLst>
+            <a:ext uri="{909E8E84-426E-40DD-AFC4-6F175D3DCCD1}">
+              <a14:hiddenFill xmlns:a14="http://schemas.microsoft.com/office/drawing/2010/main">
+                <a:solidFill>
+                  <a:srgbClr val="FFFFFF"/>
+                </a:solidFill>
+              </a14:hiddenFill>
+            </a:ext>
+          </a:extLst>
+        </p:spPr>
+      </p:pic>
+      <p:sp>
+        <p:nvSpPr>
+          <p:cNvPr id="14" name="TextBox 13">
+            <a:extLst>
+              <a:ext uri="{FF2B5EF4-FFF2-40B4-BE49-F238E27FC236}">
+                <a16:creationId xmlns:a16="http://schemas.microsoft.com/office/drawing/2014/main" id="{9D022D1C-99FF-490C-8690-D8081D33C0AF}"/>
+              </a:ext>
+            </a:extLst>
+          </p:cNvPr>
+          <p:cNvSpPr txBox="1"/>
+          <p:nvPr userDrawn="1"/>
+        </p:nvSpPr>
+        <p:spPr>
+          <a:xfrm>
+            <a:off x="1810964" y="5776533"/>
+            <a:ext cx="1171114" cy="424732"/>
+          </a:xfrm>
+          <a:prstGeom prst="rect">
+            <a:avLst/>
+          </a:prstGeom>
+          <a:noFill/>
+        </p:spPr>
+        <p:txBody>
+          <a:bodyPr wrap="square" rtlCol="0">
+            <a:spAutoFit/>
+          </a:bodyPr>
+          <a:lstStyle/>
+          <a:p>
+            <a:pPr algn="ctr">
+              <a:lnSpc>
+                <a:spcPct val="90000"/>
+              </a:lnSpc>
+            </a:pPr>
+            <a:r>
+              <a:rPr lang="en-US" sz="1200" dirty="0"/>
+              <a:t>See slide 2 for license details</a:t>
+            </a:r>
+          </a:p>
+        </p:txBody>
+      </p:sp>
+      <p:pic>
+        <p:nvPicPr>
+          <p:cNvPr id="15" name="Picture 14">
+            <a:extLst>
+              <a:ext uri="{FF2B5EF4-FFF2-40B4-BE49-F238E27FC236}">
+                <a16:creationId xmlns:a16="http://schemas.microsoft.com/office/drawing/2014/main" id="{C554CDC7-44CF-4751-9869-0265C8E01840}"/>
+              </a:ext>
+            </a:extLst>
+          </p:cNvPr>
+          <p:cNvPicPr>
+            <a:picLocks noChangeAspect="1"/>
+          </p:cNvPicPr>
+          <p:nvPr userDrawn="1"/>
+        </p:nvPicPr>
+        <p:blipFill>
+          <a:blip r:embed="rId9" cstate="print">
+            <a:extLst>
+              <a:ext uri="{28A0092B-C50C-407E-A947-70E740481C1C}">
+                <a14:useLocalDpi xmlns:a14="http://schemas.microsoft.com/office/drawing/2010/main" val="0"/>
+              </a:ext>
+            </a:extLst>
+          </a:blip>
+          <a:stretch>
+            <a:fillRect/>
+          </a:stretch>
+        </p:blipFill>
+        <p:spPr>
+          <a:xfrm>
+            <a:off x="333211" y="3189686"/>
+            <a:ext cx="2109916" cy="905256"/>
+          </a:xfrm>
+          <a:prstGeom prst="rect">
+            <a:avLst/>
+          </a:prstGeom>
+        </p:spPr>
+      </p:pic>
+    </p:spTree>
+    <p:extLst>
+      <p:ext uri="{BB962C8B-B14F-4D97-AF65-F5344CB8AC3E}">
+        <p14:creationId xmlns:p14="http://schemas.microsoft.com/office/powerpoint/2010/main" val="451228200"/>
+      </p:ext>
+    </p:extLst>
+  </p:cSld>
+  <p:clrMapOvr>
+    <a:masterClrMapping/>
+  </p:clrMapOvr>
+</p:sldLayout>
+</file>
+
+<file path=ppt/slideLayouts/slideLayout3.xml><?xml version="1.0" encoding="utf-8"?>
 <p:sldLayout xmlns:a="http://schemas.openxmlformats.org/drawingml/2006/main" xmlns:r="http://schemas.openxmlformats.org/officeDocument/2006/relationships" xmlns:p="http://schemas.openxmlformats.org/presentationml/2006/main" type="obj" preserve="1">
   <p:cSld name="Title and Content">
     <p:bg>
@@ -2213,7 +2775,7 @@
 </p:sldLayout>
 </file>
 
-<file path=ppt/slideLayouts/slideLayout3.xml><?xml version="1.0" encoding="utf-8"?>
+<file path=ppt/slideLayouts/slideLayout4.xml><?xml version="1.0" encoding="utf-8"?>
 <p:sldLayout xmlns:a="http://schemas.openxmlformats.org/drawingml/2006/main" xmlns:r="http://schemas.openxmlformats.org/officeDocument/2006/relationships" xmlns:p="http://schemas.openxmlformats.org/presentationml/2006/main" type="twoTxTwoObj" preserve="1">
   <p:cSld name="Comparison">
     <p:spTree>
@@ -2684,7 +3246,7 @@
 </p:sldLayout>
 </file>
 
-<file path=ppt/slideLayouts/slideLayout4.xml><?xml version="1.0" encoding="utf-8"?>
+<file path=ppt/slideLayouts/slideLayout5.xml><?xml version="1.0" encoding="utf-8"?>
 <p:sldLayout xmlns:a="http://schemas.openxmlformats.org/drawingml/2006/main" xmlns:r="http://schemas.openxmlformats.org/officeDocument/2006/relationships" xmlns:p="http://schemas.openxmlformats.org/presentationml/2006/main" preserve="1" userDrawn="1">
   <p:cSld name="quad chart">
     <p:spTree>
@@ -3447,7 +4009,7 @@
 </p:sldLayout>
 </file>
 
-<file path=ppt/slideLayouts/slideLayout5.xml><?xml version="1.0" encoding="utf-8"?>
+<file path=ppt/slideLayouts/slideLayout6.xml><?xml version="1.0" encoding="utf-8"?>
 <p:sldLayout xmlns:a="http://schemas.openxmlformats.org/drawingml/2006/main" xmlns:r="http://schemas.openxmlformats.org/officeDocument/2006/relationships" xmlns:p="http://schemas.openxmlformats.org/presentationml/2006/main" preserve="1" userDrawn="1">
   <p:cSld name="Section divider">
     <p:spTree>
@@ -3505,7 +4067,7 @@
 </p:sldLayout>
 </file>
 
-<file path=ppt/slideLayouts/slideLayout6.xml><?xml version="1.0" encoding="utf-8"?>
+<file path=ppt/slideLayouts/slideLayout7.xml><?xml version="1.0" encoding="utf-8"?>
 <p:sldLayout xmlns:a="http://schemas.openxmlformats.org/drawingml/2006/main" xmlns:r="http://schemas.openxmlformats.org/officeDocument/2006/relationships" xmlns:p="http://schemas.openxmlformats.org/presentationml/2006/main" type="titleOnly" preserve="1">
   <p:cSld name="Title Only">
     <p:spTree>
@@ -3588,48 +4150,6 @@
           <a:chExt cx="0" cy="0"/>
         </a:xfrm>
       </p:grpSpPr>
-      <p:pic>
-        <p:nvPicPr>
-          <p:cNvPr id="14" name="Picture 13">
-            <a:extLst>
-              <a:ext uri="{FF2B5EF4-FFF2-40B4-BE49-F238E27FC236}">
-                <a16:creationId xmlns:a16="http://schemas.microsoft.com/office/drawing/2014/main" id="{ED1C1369-A08C-454A-B0B5-0955BB31B118}"/>
-              </a:ext>
-            </a:extLst>
-          </p:cNvPr>
-          <p:cNvPicPr>
-            <a:picLocks noChangeAspect="1"/>
-          </p:cNvPicPr>
-          <p:nvPr userDrawn="1"/>
-        </p:nvPicPr>
-        <p:blipFill rotWithShape="1">
-          <a:blip r:embed="rId8">
-            <a:extLst>
-              <a:ext uri="{28A0092B-C50C-407E-A947-70E740481C1C}">
-                <a14:useLocalDpi xmlns:a14="http://schemas.microsoft.com/office/drawing/2010/main" val="0"/>
-              </a:ext>
-            </a:extLst>
-          </a:blip>
-          <a:srcRect r="58932" b="1495"/>
-          <a:stretch/>
-        </p:blipFill>
-        <p:spPr>
-          <a:xfrm>
-            <a:off x="9335860" y="0"/>
-            <a:ext cx="2852965" cy="4078297"/>
-          </a:xfrm>
-          <a:prstGeom prst="rect">
-            <a:avLst/>
-          </a:prstGeom>
-          <a:effectLst>
-            <a:outerShdw blurRad="50800" dist="50800" dir="5400000" algn="ctr" rotWithShape="0">
-              <a:srgbClr val="000000">
-                <a:alpha val="0"/>
-              </a:srgbClr>
-            </a:outerShdw>
-          </a:effectLst>
-        </p:spPr>
-      </p:pic>
       <p:sp>
         <p:nvSpPr>
           <p:cNvPr id="1026" name="Title Placeholder 1"/>
@@ -3768,7 +4288,7 @@
         </p:blipFill>
         <p:spPr>
           <a:xfrm>
-            <a:off x="9741160" y="6183517"/>
+            <a:off x="9741160" y="6185919"/>
             <a:ext cx="1971212" cy="533060"/>
           </a:xfrm>
           <a:prstGeom prst="rect">
@@ -3881,10 +4401,10 @@
       </p:sp>
       <p:pic>
         <p:nvPicPr>
-          <p:cNvPr id="10" name="Picture 9" descr="IDEAS_logo.png">
+          <p:cNvPr id="3" name="Picture 2" descr="A picture containing shape&#10;&#10;Description automatically generated">
             <a:extLst>
               <a:ext uri="{FF2B5EF4-FFF2-40B4-BE49-F238E27FC236}">
-                <a16:creationId xmlns:a16="http://schemas.microsoft.com/office/drawing/2014/main" id="{B8E2FEED-84DC-4438-B439-E3DA7A28736A}"/>
+                <a16:creationId xmlns:a16="http://schemas.microsoft.com/office/drawing/2014/main" id="{2A4943B8-0F89-4A94-B130-A128F45E57C4}"/>
               </a:ext>
             </a:extLst>
           </p:cNvPr>
@@ -3894,10 +4414,10 @@
           <p:nvPr userDrawn="1"/>
         </p:nvPicPr>
         <p:blipFill>
-          <a:blip r:embed="rId10" cstate="print">
+          <a:blip r:embed="rId10">
             <a:extLst>
               <a:ext uri="{28A0092B-C50C-407E-A947-70E740481C1C}">
-                <a14:useLocalDpi xmlns:a14="http://schemas.microsoft.com/office/drawing/2010/main"/>
+                <a14:useLocalDpi xmlns:a14="http://schemas.microsoft.com/office/drawing/2010/main" val="0"/>
               </a:ext>
             </a:extLst>
           </a:blip>
@@ -3907,8 +4427,8 @@
         </p:blipFill>
         <p:spPr>
           <a:xfrm>
-            <a:off x="7663530" y="6156960"/>
-            <a:ext cx="1845330" cy="640080"/>
+            <a:off x="7806050" y="6114121"/>
+            <a:ext cx="1560289" cy="676656"/>
           </a:xfrm>
           <a:prstGeom prst="rect">
             <a:avLst/>
@@ -3925,11 +4445,12 @@
   <p:clrMap bg1="lt1" tx1="dk1" bg2="lt2" tx2="dk2" accent1="accent1" accent2="accent2" accent3="accent3" accent4="accent4" accent5="accent5" accent6="accent6" hlink="hlink" folHlink="folHlink"/>
   <p:sldLayoutIdLst>
     <p:sldLayoutId id="2147483949" r:id="rId1"/>
-    <p:sldLayoutId id="2147483937" r:id="rId2"/>
-    <p:sldLayoutId id="2147483939" r:id="rId3"/>
-    <p:sldLayoutId id="2147483950" r:id="rId4"/>
-    <p:sldLayoutId id="2147483940" r:id="rId5"/>
-    <p:sldLayoutId id="2147483941" r:id="rId6"/>
+    <p:sldLayoutId id="2147483951" r:id="rId2"/>
+    <p:sldLayoutId id="2147483937" r:id="rId3"/>
+    <p:sldLayoutId id="2147483939" r:id="rId4"/>
+    <p:sldLayoutId id="2147483950" r:id="rId5"/>
+    <p:sldLayoutId id="2147483940" r:id="rId6"/>
+    <p:sldLayoutId id="2147483941" r:id="rId7"/>
   </p:sldLayoutIdLst>
   <p:hf hdr="0" ftr="0" dt="0"/>
   <p:txStyles>
@@ -4432,12 +4953,7 @@
             <p:ph type="subTitle" idx="1"/>
           </p:nvPr>
         </p:nvSpPr>
-        <p:spPr>
-          <a:xfrm>
-            <a:off x="3177632" y="1844224"/>
-            <a:ext cx="8292317" cy="2855300"/>
-          </a:xfrm>
-        </p:spPr>
+        <p:spPr/>
         <p:txBody>
           <a:bodyPr/>
           <a:lstStyle/>
@@ -4497,129 +5013,6 @@
           </a:p>
         </p:txBody>
       </p:sp>
-      <p:pic>
-        <p:nvPicPr>
-          <p:cNvPr id="6" name="Picture 2" descr="https://licensebuttons.net/l/by/4.0/88x31.png">
-            <a:extLst>
-              <a:ext uri="{FF2B5EF4-FFF2-40B4-BE49-F238E27FC236}">
-                <a16:creationId xmlns:a16="http://schemas.microsoft.com/office/drawing/2014/main" id="{24EAF368-FA38-4254-8E55-6E4D872226E6}"/>
-              </a:ext>
-            </a:extLst>
-          </p:cNvPr>
-          <p:cNvPicPr>
-            <a:picLocks noChangeAspect="1" noChangeArrowheads="1"/>
-          </p:cNvPicPr>
-          <p:nvPr/>
-        </p:nvPicPr>
-        <p:blipFill>
-          <a:blip r:embed="rId3">
-            <a:extLst>
-              <a:ext uri="{28A0092B-C50C-407E-A947-70E740481C1C}">
-                <a14:useLocalDpi xmlns:a14="http://schemas.microsoft.com/office/drawing/2010/main" val="0"/>
-              </a:ext>
-            </a:extLst>
-          </a:blip>
-          <a:srcRect/>
-          <a:stretch>
-            <a:fillRect/>
-          </a:stretch>
-        </p:blipFill>
-        <p:spPr bwMode="auto">
-          <a:xfrm>
-            <a:off x="365760" y="5539716"/>
-            <a:ext cx="1661258" cy="585216"/>
-          </a:xfrm>
-          <a:prstGeom prst="rect">
-            <a:avLst/>
-          </a:prstGeom>
-          <a:noFill/>
-          <a:extLst>
-            <a:ext uri="{909E8E84-426E-40DD-AFC4-6F175D3DCCD1}">
-              <a14:hiddenFill xmlns:a14="http://schemas.microsoft.com/office/drawing/2010/main">
-                <a:solidFill>
-                  <a:srgbClr val="FFFFFF"/>
-                </a:solidFill>
-              </a14:hiddenFill>
-            </a:ext>
-          </a:extLst>
-        </p:spPr>
-      </p:pic>
-      <p:sp>
-        <p:nvSpPr>
-          <p:cNvPr id="7" name="TextBox 6">
-            <a:extLst>
-              <a:ext uri="{FF2B5EF4-FFF2-40B4-BE49-F238E27FC236}">
-                <a16:creationId xmlns:a16="http://schemas.microsoft.com/office/drawing/2014/main" id="{306FBB1C-6D6D-47D4-86AC-DD5BECCBEE38}"/>
-              </a:ext>
-            </a:extLst>
-          </p:cNvPr>
-          <p:cNvSpPr txBox="1"/>
-          <p:nvPr/>
-        </p:nvSpPr>
-        <p:spPr>
-          <a:xfrm>
-            <a:off x="2036432" y="5619958"/>
-            <a:ext cx="1171114" cy="424732"/>
-          </a:xfrm>
-          <a:prstGeom prst="rect">
-            <a:avLst/>
-          </a:prstGeom>
-          <a:noFill/>
-        </p:spPr>
-        <p:txBody>
-          <a:bodyPr wrap="square" rtlCol="0">
-            <a:spAutoFit/>
-          </a:bodyPr>
-          <a:lstStyle/>
-          <a:p>
-            <a:pPr algn="ctr">
-              <a:lnSpc>
-                <a:spcPct val="90000"/>
-              </a:lnSpc>
-            </a:pPr>
-            <a:r>
-              <a:rPr lang="en-US" sz="1200" dirty="0"/>
-              <a:t>See slide 2 for license details</a:t>
-            </a:r>
-          </a:p>
-        </p:txBody>
-      </p:sp>
-      <p:pic>
-        <p:nvPicPr>
-          <p:cNvPr id="8" name="Picture 7">
-            <a:extLst>
-              <a:ext uri="{FF2B5EF4-FFF2-40B4-BE49-F238E27FC236}">
-                <a16:creationId xmlns:a16="http://schemas.microsoft.com/office/drawing/2014/main" id="{5E19A2B9-BE5E-4ECD-965E-E23196D86A6B}"/>
-              </a:ext>
-            </a:extLst>
-          </p:cNvPr>
-          <p:cNvPicPr>
-            <a:picLocks noChangeAspect="1"/>
-          </p:cNvPicPr>
-          <p:nvPr/>
-        </p:nvPicPr>
-        <p:blipFill>
-          <a:blip r:embed="rId4" cstate="print">
-            <a:extLst>
-              <a:ext uri="{28A0092B-C50C-407E-A947-70E740481C1C}">
-                <a14:useLocalDpi xmlns:a14="http://schemas.microsoft.com/office/drawing/2010/main" val="0"/>
-              </a:ext>
-            </a:extLst>
-          </a:blip>
-          <a:stretch>
-            <a:fillRect/>
-          </a:stretch>
-        </p:blipFill>
-        <p:spPr>
-          <a:xfrm>
-            <a:off x="271981" y="2924866"/>
-            <a:ext cx="2350008" cy="1008267"/>
-          </a:xfrm>
-          <a:prstGeom prst="rect">
-            <a:avLst/>
-          </a:prstGeom>
-        </p:spPr>
-      </p:pic>
     </p:spTree>
     <p:extLst>
       <p:ext uri="{BB962C8B-B14F-4D97-AF65-F5344CB8AC3E}">
@@ -8463,1612 +8856,6 @@
           <p:cNvPr id="2" name="Title 1">
             <a:extLst>
               <a:ext uri="{FF2B5EF4-FFF2-40B4-BE49-F238E27FC236}">
-                <a16:creationId xmlns:a16="http://schemas.microsoft.com/office/drawing/2014/main" id="{2D652AD8-340F-4E8B-B0C4-7ABAA20B6F6A}"/>
-              </a:ext>
-            </a:extLst>
-          </p:cNvPr>
-          <p:cNvSpPr>
-            <a:spLocks noGrp="1"/>
-          </p:cNvSpPr>
-          <p:nvPr>
-            <p:ph type="title"/>
-          </p:nvPr>
-        </p:nvSpPr>
-        <p:spPr/>
-        <p:txBody>
-          <a:bodyPr/>
-          <a:lstStyle/>
-          <a:p>
-            <a:r>
-              <a:rPr lang="en-US" dirty="0"/>
-              <a:t>Agenda</a:t>
-            </a:r>
-          </a:p>
-        </p:txBody>
-      </p:sp>
-      <p:graphicFrame>
-        <p:nvGraphicFramePr>
-          <p:cNvPr id="4" name="Content Placeholder 3">
-            <a:extLst>
-              <a:ext uri="{FF2B5EF4-FFF2-40B4-BE49-F238E27FC236}">
-                <a16:creationId xmlns:a16="http://schemas.microsoft.com/office/drawing/2014/main" id="{A0943BB2-2F98-4DD2-873B-1E619A0C771D}"/>
-              </a:ext>
-            </a:extLst>
-          </p:cNvPr>
-          <p:cNvGraphicFramePr>
-            <a:graphicFrameLocks noGrp="1"/>
-          </p:cNvGraphicFramePr>
-          <p:nvPr>
-            <p:ph idx="1"/>
-          </p:nvPr>
-        </p:nvGraphicFramePr>
-        <p:xfrm>
-          <a:off x="1055369" y="916940"/>
-          <a:ext cx="10078086" cy="5024120"/>
-        </p:xfrm>
-        <a:graphic>
-          <a:graphicData uri="http://schemas.openxmlformats.org/drawingml/2006/table">
-            <a:tbl>
-              <a:tblPr firstRow="1" bandRow="1">
-                <a:tableStyleId>{5C22544A-7EE6-4342-B048-85BDC9FD1C3A}</a:tableStyleId>
-              </a:tblPr>
-              <a:tblGrid>
-                <a:gridCol w="1826183">
-                  <a:extLst>
-                    <a:ext uri="{9D8B030D-6E8A-4147-A177-3AD203B41FA5}">
-                      <a16:colId xmlns:a16="http://schemas.microsoft.com/office/drawing/2014/main" val="3446576009"/>
-                    </a:ext>
-                  </a:extLst>
-                </a:gridCol>
-                <a:gridCol w="1003610">
-                  <a:extLst>
-                    <a:ext uri="{9D8B030D-6E8A-4147-A177-3AD203B41FA5}">
-                      <a16:colId xmlns:a16="http://schemas.microsoft.com/office/drawing/2014/main" val="339314737"/>
-                    </a:ext>
-                  </a:extLst>
-                </a:gridCol>
-                <a:gridCol w="4293220">
-                  <a:extLst>
-                    <a:ext uri="{9D8B030D-6E8A-4147-A177-3AD203B41FA5}">
-                      <a16:colId xmlns:a16="http://schemas.microsoft.com/office/drawing/2014/main" val="1263998808"/>
-                    </a:ext>
-                  </a:extLst>
-                </a:gridCol>
-                <a:gridCol w="2955073">
-                  <a:extLst>
-                    <a:ext uri="{9D8B030D-6E8A-4147-A177-3AD203B41FA5}">
-                      <a16:colId xmlns:a16="http://schemas.microsoft.com/office/drawing/2014/main" val="4097899022"/>
-                    </a:ext>
-                  </a:extLst>
-                </a:gridCol>
-              </a:tblGrid>
-              <a:tr h="370840">
-                <a:tc>
-                  <a:txBody>
-                    <a:bodyPr/>
-                    <a:lstStyle/>
-                    <a:p>
-                      <a:pPr algn="l">
-                        <a:lnSpc>
-                          <a:spcPct val="100000"/>
-                        </a:lnSpc>
-                      </a:pPr>
-                      <a:r>
-                        <a:rPr lang="en-US" sz="1800" dirty="0">
-                          <a:latin typeface="+mn-lt"/>
-                        </a:rPr>
-                        <a:t>Time (MDT)</a:t>
-                      </a:r>
-                    </a:p>
-                  </a:txBody>
-                  <a:tcPr/>
-                </a:tc>
-                <a:tc>
-                  <a:txBody>
-                    <a:bodyPr/>
-                    <a:lstStyle/>
-                    <a:p>
-                      <a:pPr>
-                        <a:lnSpc>
-                          <a:spcPct val="100000"/>
-                        </a:lnSpc>
-                      </a:pPr>
-                      <a:r>
-                        <a:rPr lang="en-US" sz="1800" dirty="0">
-                          <a:latin typeface="+mn-lt"/>
-                        </a:rPr>
-                        <a:t>Module</a:t>
-                      </a:r>
-                    </a:p>
-                  </a:txBody>
-                  <a:tcPr/>
-                </a:tc>
-                <a:tc>
-                  <a:txBody>
-                    <a:bodyPr/>
-                    <a:lstStyle/>
-                    <a:p>
-                      <a:pPr>
-                        <a:lnSpc>
-                          <a:spcPct val="100000"/>
-                        </a:lnSpc>
-                      </a:pPr>
-                      <a:r>
-                        <a:rPr lang="en-US" sz="1800" dirty="0">
-                          <a:latin typeface="+mn-lt"/>
-                        </a:rPr>
-                        <a:t>Topic</a:t>
-                      </a:r>
-                    </a:p>
-                  </a:txBody>
-                  <a:tcPr/>
-                </a:tc>
-                <a:tc>
-                  <a:txBody>
-                    <a:bodyPr/>
-                    <a:lstStyle/>
-                    <a:p>
-                      <a:pPr>
-                        <a:lnSpc>
-                          <a:spcPct val="100000"/>
-                        </a:lnSpc>
-                      </a:pPr>
-                      <a:r>
-                        <a:rPr lang="en-US" sz="1800" dirty="0">
-                          <a:latin typeface="+mn-lt"/>
-                        </a:rPr>
-                        <a:t>Speaker</a:t>
-                      </a:r>
-                    </a:p>
-                  </a:txBody>
-                  <a:tcPr/>
-                </a:tc>
-                <a:extLst>
-                  <a:ext uri="{0D108BD9-81ED-4DB2-BD59-A6C34878D82A}">
-                    <a16:rowId xmlns:a16="http://schemas.microsoft.com/office/drawing/2014/main" val="3602420430"/>
-                  </a:ext>
-                </a:extLst>
-              </a:tr>
-              <a:tr h="370840">
-                <a:tc>
-                  <a:txBody>
-                    <a:bodyPr/>
-                    <a:lstStyle/>
-                    <a:p>
-                      <a:pPr rtl="0" fontAlgn="t">
-                        <a:spcBef>
-                          <a:spcPts val="0"/>
-                        </a:spcBef>
-                        <a:spcAft>
-                          <a:spcPts val="0"/>
-                        </a:spcAft>
-                      </a:pPr>
-                      <a:r>
-                        <a:rPr lang="en-US" sz="1800" b="0" i="0" u="none" strike="noStrike" dirty="0">
-                          <a:solidFill>
-                            <a:srgbClr val="000000"/>
-                          </a:solidFill>
-                          <a:effectLst/>
-                          <a:latin typeface="+mn-lt"/>
-                        </a:rPr>
-                        <a:t>1:00pm-1:05pm</a:t>
-                      </a:r>
-                      <a:endParaRPr lang="en-US" sz="1800" dirty="0">
-                        <a:effectLst/>
-                        <a:latin typeface="+mn-lt"/>
-                      </a:endParaRPr>
-                    </a:p>
-                  </a:txBody>
-                  <a:tcPr marL="63500" marR="63500" marT="63500" marB="63500"/>
-                </a:tc>
-                <a:tc>
-                  <a:txBody>
-                    <a:bodyPr/>
-                    <a:lstStyle/>
-                    <a:p>
-                      <a:pPr>
-                        <a:lnSpc>
-                          <a:spcPct val="100000"/>
-                        </a:lnSpc>
-                      </a:pPr>
-                      <a:r>
-                        <a:rPr lang="en-US" sz="1800" dirty="0">
-                          <a:latin typeface="+mn-lt"/>
-                        </a:rPr>
-                        <a:t>00</a:t>
-                      </a:r>
-                    </a:p>
-                  </a:txBody>
-                  <a:tcPr/>
-                </a:tc>
-                <a:tc>
-                  <a:txBody>
-                    <a:bodyPr/>
-                    <a:lstStyle/>
-                    <a:p>
-                      <a:pPr>
-                        <a:lnSpc>
-                          <a:spcPct val="100000"/>
-                        </a:lnSpc>
-                      </a:pPr>
-                      <a:r>
-                        <a:rPr lang="en-US" sz="1800" b="0" i="0" u="none" strike="noStrike" kern="1200" dirty="0">
-                          <a:solidFill>
-                            <a:schemeClr val="dk1"/>
-                          </a:solidFill>
-                          <a:effectLst/>
-                          <a:latin typeface="+mn-lt"/>
-                          <a:ea typeface="+mn-ea"/>
-                          <a:cs typeface="+mn-cs"/>
-                        </a:rPr>
-                        <a:t>Introduction</a:t>
-                      </a:r>
-                      <a:endParaRPr lang="en-US" sz="1800" dirty="0">
-                        <a:latin typeface="+mn-lt"/>
-                      </a:endParaRPr>
-                    </a:p>
-                  </a:txBody>
-                  <a:tcPr/>
-                </a:tc>
-                <a:tc>
-                  <a:txBody>
-                    <a:bodyPr/>
-                    <a:lstStyle/>
-                    <a:p>
-                      <a:pPr>
-                        <a:lnSpc>
-                          <a:spcPct val="100000"/>
-                        </a:lnSpc>
-                      </a:pPr>
-                      <a:r>
-                        <a:rPr lang="en-US" sz="1800" dirty="0">
-                          <a:latin typeface="+mn-lt"/>
-                        </a:rPr>
-                        <a:t>David E. Bernholdt, ORNL</a:t>
-                      </a:r>
-                    </a:p>
-                  </a:txBody>
-                  <a:tcPr/>
-                </a:tc>
-                <a:extLst>
-                  <a:ext uri="{0D108BD9-81ED-4DB2-BD59-A6C34878D82A}">
-                    <a16:rowId xmlns:a16="http://schemas.microsoft.com/office/drawing/2014/main" val="4236476034"/>
-                  </a:ext>
-                </a:extLst>
-              </a:tr>
-              <a:tr h="370840">
-                <a:tc>
-                  <a:txBody>
-                    <a:bodyPr/>
-                    <a:lstStyle/>
-                    <a:p>
-                      <a:pPr rtl="0" fontAlgn="t">
-                        <a:spcBef>
-                          <a:spcPts val="0"/>
-                        </a:spcBef>
-                        <a:spcAft>
-                          <a:spcPts val="0"/>
-                        </a:spcAft>
-                      </a:pPr>
-                      <a:r>
-                        <a:rPr lang="en-US" sz="1800" b="0" i="0" u="none" strike="noStrike" dirty="0">
-                          <a:solidFill>
-                            <a:srgbClr val="000000"/>
-                          </a:solidFill>
-                          <a:effectLst/>
-                          <a:latin typeface="+mn-lt"/>
-                        </a:rPr>
-                        <a:t>1:05pm-1:15pm</a:t>
-                      </a:r>
-                      <a:endParaRPr lang="en-US" sz="1800" dirty="0">
-                        <a:effectLst/>
-                        <a:latin typeface="+mn-lt"/>
-                      </a:endParaRPr>
-                    </a:p>
-                  </a:txBody>
-                  <a:tcPr marL="63500" marR="63500" marT="63500" marB="63500"/>
-                </a:tc>
-                <a:tc>
-                  <a:txBody>
-                    <a:bodyPr/>
-                    <a:lstStyle/>
-                    <a:p>
-                      <a:pPr marL="0" marR="0" lvl="0" indent="0" algn="l" defTabSz="914400" rtl="0" eaLnBrk="1" fontAlgn="auto" latinLnBrk="0" hangingPunct="1">
-                        <a:lnSpc>
-                          <a:spcPct val="100000"/>
-                        </a:lnSpc>
-                        <a:spcBef>
-                          <a:spcPts val="0"/>
-                        </a:spcBef>
-                        <a:spcAft>
-                          <a:spcPts val="0"/>
-                        </a:spcAft>
-                        <a:buClrTx/>
-                        <a:buSzTx/>
-                        <a:buFontTx/>
-                        <a:buNone/>
-                        <a:tabLst/>
-                        <a:defRPr/>
-                      </a:pPr>
-                      <a:r>
-                        <a:rPr lang="en-US" sz="1800" dirty="0">
-                          <a:latin typeface="+mn-lt"/>
-                        </a:rPr>
-                        <a:t>01</a:t>
-                      </a:r>
-                    </a:p>
-                  </a:txBody>
-                  <a:tcPr/>
-                </a:tc>
-                <a:tc>
-                  <a:txBody>
-                    <a:bodyPr/>
-                    <a:lstStyle/>
-                    <a:p>
-                      <a:pPr marL="0" marR="0" lvl="0" indent="0" algn="l" defTabSz="914400" rtl="0" eaLnBrk="1" fontAlgn="auto" latinLnBrk="0" hangingPunct="1">
-                        <a:lnSpc>
-                          <a:spcPct val="100000"/>
-                        </a:lnSpc>
-                        <a:spcBef>
-                          <a:spcPts val="0"/>
-                        </a:spcBef>
-                        <a:spcAft>
-                          <a:spcPts val="0"/>
-                        </a:spcAft>
-                        <a:buClrTx/>
-                        <a:buSzTx/>
-                        <a:buFontTx/>
-                        <a:buNone/>
-                        <a:tabLst/>
-                        <a:defRPr/>
-                      </a:pPr>
-                      <a:r>
-                        <a:rPr lang="en-US" sz="1800" b="0" i="0" u="none" strike="noStrike" kern="1200" dirty="0">
-                          <a:solidFill>
-                            <a:schemeClr val="dk1"/>
-                          </a:solidFill>
-                          <a:effectLst/>
-                          <a:latin typeface="+mn-lt"/>
-                          <a:ea typeface="+mn-ea"/>
-                          <a:cs typeface="+mn-cs"/>
-                        </a:rPr>
-                        <a:t>Motivation and Overview of Best Practices in HPC Software Development</a:t>
-                      </a:r>
-                      <a:endParaRPr lang="en-US" sz="1800" dirty="0">
-                        <a:latin typeface="+mn-lt"/>
-                      </a:endParaRPr>
-                    </a:p>
-                  </a:txBody>
-                  <a:tcPr/>
-                </a:tc>
-                <a:tc>
-                  <a:txBody>
-                    <a:bodyPr/>
-                    <a:lstStyle/>
-                    <a:p>
-                      <a:pPr marL="0" marR="0" lvl="0" indent="0" algn="l" defTabSz="914400" rtl="0" eaLnBrk="1" fontAlgn="auto" latinLnBrk="0" hangingPunct="1">
-                        <a:lnSpc>
-                          <a:spcPct val="100000"/>
-                        </a:lnSpc>
-                        <a:spcBef>
-                          <a:spcPts val="0"/>
-                        </a:spcBef>
-                        <a:spcAft>
-                          <a:spcPts val="0"/>
-                        </a:spcAft>
-                        <a:buClrTx/>
-                        <a:buSzTx/>
-                        <a:buFontTx/>
-                        <a:buNone/>
-                        <a:tabLst/>
-                        <a:defRPr/>
-                      </a:pPr>
-                      <a:r>
-                        <a:rPr lang="en-US" sz="1800" dirty="0">
-                          <a:latin typeface="+mn-lt"/>
-                        </a:rPr>
-                        <a:t>David E. Bernholdt, ORNL</a:t>
-                      </a:r>
-                    </a:p>
-                  </a:txBody>
-                  <a:tcPr/>
-                </a:tc>
-                <a:extLst>
-                  <a:ext uri="{0D108BD9-81ED-4DB2-BD59-A6C34878D82A}">
-                    <a16:rowId xmlns:a16="http://schemas.microsoft.com/office/drawing/2014/main" val="18592124"/>
-                  </a:ext>
-                </a:extLst>
-              </a:tr>
-              <a:tr h="370840">
-                <a:tc>
-                  <a:txBody>
-                    <a:bodyPr/>
-                    <a:lstStyle/>
-                    <a:p>
-                      <a:pPr rtl="0" fontAlgn="t">
-                        <a:spcBef>
-                          <a:spcPts val="0"/>
-                        </a:spcBef>
-                        <a:spcAft>
-                          <a:spcPts val="0"/>
-                        </a:spcAft>
-                      </a:pPr>
-                      <a:r>
-                        <a:rPr lang="en-US" sz="1800" b="0" i="0" u="none" strike="noStrike" dirty="0">
-                          <a:solidFill>
-                            <a:srgbClr val="000000"/>
-                          </a:solidFill>
-                          <a:effectLst/>
-                          <a:latin typeface="+mn-lt"/>
-                        </a:rPr>
-                        <a:t>1:15pm-1:45pm</a:t>
-                      </a:r>
-                      <a:endParaRPr lang="en-US" sz="1800" dirty="0">
-                        <a:effectLst/>
-                        <a:latin typeface="+mn-lt"/>
-                      </a:endParaRPr>
-                    </a:p>
-                  </a:txBody>
-                  <a:tcPr marL="63500" marR="63500" marT="63500" marB="63500"/>
-                </a:tc>
-                <a:tc>
-                  <a:txBody>
-                    <a:bodyPr/>
-                    <a:lstStyle/>
-                    <a:p>
-                      <a:pPr>
-                        <a:lnSpc>
-                          <a:spcPct val="100000"/>
-                        </a:lnSpc>
-                      </a:pPr>
-                      <a:r>
-                        <a:rPr lang="en-US" sz="1800" dirty="0">
-                          <a:latin typeface="+mn-lt"/>
-                        </a:rPr>
-                        <a:t>02</a:t>
-                      </a:r>
-                    </a:p>
-                  </a:txBody>
-                  <a:tcPr/>
-                </a:tc>
-                <a:tc>
-                  <a:txBody>
-                    <a:bodyPr/>
-                    <a:lstStyle/>
-                    <a:p>
-                      <a:pPr>
-                        <a:lnSpc>
-                          <a:spcPct val="100000"/>
-                        </a:lnSpc>
-                      </a:pPr>
-                      <a:r>
-                        <a:rPr lang="en-US" sz="1800" dirty="0">
-                          <a:latin typeface="+mn-lt"/>
-                        </a:rPr>
-                        <a:t>Agile Methodologies</a:t>
-                      </a:r>
-                    </a:p>
-                  </a:txBody>
-                  <a:tcPr/>
-                </a:tc>
-                <a:tc>
-                  <a:txBody>
-                    <a:bodyPr/>
-                    <a:lstStyle/>
-                    <a:p>
-                      <a:pPr>
-                        <a:lnSpc>
-                          <a:spcPct val="100000"/>
-                        </a:lnSpc>
-                      </a:pPr>
-                      <a:r>
-                        <a:rPr lang="en-US" sz="1800" dirty="0">
-                          <a:latin typeface="+mn-lt"/>
-                        </a:rPr>
-                        <a:t>Rinku K. Gupta, ANL</a:t>
-                      </a:r>
-                    </a:p>
-                  </a:txBody>
-                  <a:tcPr/>
-                </a:tc>
-                <a:extLst>
-                  <a:ext uri="{0D108BD9-81ED-4DB2-BD59-A6C34878D82A}">
-                    <a16:rowId xmlns:a16="http://schemas.microsoft.com/office/drawing/2014/main" val="3991164013"/>
-                  </a:ext>
-                </a:extLst>
-              </a:tr>
-              <a:tr h="370840">
-                <a:tc>
-                  <a:txBody>
-                    <a:bodyPr/>
-                    <a:lstStyle/>
-                    <a:p>
-                      <a:pPr rtl="0" fontAlgn="t">
-                        <a:spcBef>
-                          <a:spcPts val="0"/>
-                        </a:spcBef>
-                        <a:spcAft>
-                          <a:spcPts val="0"/>
-                        </a:spcAft>
-                      </a:pPr>
-                      <a:r>
-                        <a:rPr lang="en-US" sz="1800" dirty="0">
-                          <a:effectLst/>
-                          <a:latin typeface="+mn-lt"/>
-                        </a:rPr>
-                        <a:t>1:45pm-2:00pm</a:t>
-                      </a:r>
-                    </a:p>
-                  </a:txBody>
-                  <a:tcPr marL="63500" marR="63500" marT="63500" marB="63500"/>
-                </a:tc>
-                <a:tc>
-                  <a:txBody>
-                    <a:bodyPr/>
-                    <a:lstStyle/>
-                    <a:p>
-                      <a:pPr>
-                        <a:lnSpc>
-                          <a:spcPct val="100000"/>
-                        </a:lnSpc>
-                      </a:pPr>
-                      <a:r>
-                        <a:rPr lang="en-US" sz="1800" i="0" dirty="0">
-                          <a:solidFill>
-                            <a:schemeClr val="tx1"/>
-                          </a:solidFill>
-                          <a:latin typeface="+mn-lt"/>
-                        </a:rPr>
-                        <a:t>03</a:t>
-                      </a:r>
-                    </a:p>
-                  </a:txBody>
-                  <a:tcPr/>
-                </a:tc>
-                <a:tc>
-                  <a:txBody>
-                    <a:bodyPr/>
-                    <a:lstStyle/>
-                    <a:p>
-                      <a:pPr marL="0" marR="0" lvl="0" indent="0" algn="l" defTabSz="914400" rtl="0" eaLnBrk="1" fontAlgn="auto" latinLnBrk="0" hangingPunct="1">
-                        <a:lnSpc>
-                          <a:spcPct val="100000"/>
-                        </a:lnSpc>
-                        <a:spcBef>
-                          <a:spcPts val="0"/>
-                        </a:spcBef>
-                        <a:spcAft>
-                          <a:spcPts val="0"/>
-                        </a:spcAft>
-                        <a:buClrTx/>
-                        <a:buSzTx/>
-                        <a:buFontTx/>
-                        <a:buNone/>
-                        <a:tabLst/>
-                        <a:defRPr/>
-                      </a:pPr>
-                      <a:r>
-                        <a:rPr lang="en-US" sz="1800" b="0" i="0" u="none" strike="noStrike" kern="1200" dirty="0">
-                          <a:solidFill>
-                            <a:schemeClr val="dk1"/>
-                          </a:solidFill>
-                          <a:effectLst/>
-                          <a:latin typeface="+mn-lt"/>
-                          <a:ea typeface="+mn-ea"/>
-                          <a:cs typeface="+mn-cs"/>
-                        </a:rPr>
-                        <a:t>Git Workflows</a:t>
-                      </a:r>
-                      <a:endParaRPr lang="en-US" sz="1800" dirty="0">
-                        <a:latin typeface="+mn-lt"/>
-                      </a:endParaRPr>
-                    </a:p>
-                  </a:txBody>
-                  <a:tcPr/>
-                </a:tc>
-                <a:tc>
-                  <a:txBody>
-                    <a:bodyPr/>
-                    <a:lstStyle/>
-                    <a:p>
-                      <a:pPr>
-                        <a:lnSpc>
-                          <a:spcPct val="100000"/>
-                        </a:lnSpc>
-                      </a:pPr>
-                      <a:r>
-                        <a:rPr lang="en-US" sz="1800" dirty="0">
-                          <a:latin typeface="+mn-lt"/>
-                        </a:rPr>
-                        <a:t>Rinku K. Gupta, ANL</a:t>
-                      </a:r>
-                    </a:p>
-                  </a:txBody>
-                  <a:tcPr/>
-                </a:tc>
-                <a:extLst>
-                  <a:ext uri="{0D108BD9-81ED-4DB2-BD59-A6C34878D82A}">
-                    <a16:rowId xmlns:a16="http://schemas.microsoft.com/office/drawing/2014/main" val="1350023114"/>
-                  </a:ext>
-                </a:extLst>
-              </a:tr>
-              <a:tr h="370840">
-                <a:tc>
-                  <a:txBody>
-                    <a:bodyPr/>
-                    <a:lstStyle/>
-                    <a:p>
-                      <a:pPr rtl="0" fontAlgn="t">
-                        <a:spcBef>
-                          <a:spcPts val="0"/>
-                        </a:spcBef>
-                        <a:spcAft>
-                          <a:spcPts val="0"/>
-                        </a:spcAft>
-                      </a:pPr>
-                      <a:r>
-                        <a:rPr lang="en-US" sz="1800" b="0" i="0" u="none" strike="noStrike" dirty="0">
-                          <a:solidFill>
-                            <a:schemeClr val="tx1"/>
-                          </a:solidFill>
-                          <a:effectLst/>
-                          <a:latin typeface="+mn-lt"/>
-                        </a:rPr>
-                        <a:t>2:00pm-2:20pm</a:t>
-                      </a:r>
-                      <a:endParaRPr lang="en-US" sz="1800" i="0" dirty="0">
-                        <a:solidFill>
-                          <a:schemeClr val="tx1"/>
-                        </a:solidFill>
-                        <a:effectLst/>
-                        <a:latin typeface="+mn-lt"/>
-                      </a:endParaRPr>
-                    </a:p>
-                  </a:txBody>
-                  <a:tcPr marL="63500" marR="63500" marT="63500" marB="63500"/>
-                </a:tc>
-                <a:tc>
-                  <a:txBody>
-                    <a:bodyPr/>
-                    <a:lstStyle/>
-                    <a:p>
-                      <a:pPr>
-                        <a:lnSpc>
-                          <a:spcPct val="100000"/>
-                        </a:lnSpc>
-                      </a:pPr>
-                      <a:r>
-                        <a:rPr lang="en-US" sz="1800" i="0" dirty="0">
-                          <a:solidFill>
-                            <a:schemeClr val="tx1"/>
-                          </a:solidFill>
-                          <a:latin typeface="+mn-lt"/>
-                        </a:rPr>
-                        <a:t>04</a:t>
-                      </a:r>
-                    </a:p>
-                  </a:txBody>
-                  <a:tcPr/>
-                </a:tc>
-                <a:tc>
-                  <a:txBody>
-                    <a:bodyPr/>
-                    <a:lstStyle/>
-                    <a:p>
-                      <a:pPr marL="0" marR="0" lvl="0" indent="0" algn="l" defTabSz="914400" rtl="0" eaLnBrk="1" fontAlgn="auto" latinLnBrk="0" hangingPunct="1">
-                        <a:lnSpc>
-                          <a:spcPct val="100000"/>
-                        </a:lnSpc>
-                        <a:spcBef>
-                          <a:spcPts val="0"/>
-                        </a:spcBef>
-                        <a:spcAft>
-                          <a:spcPts val="0"/>
-                        </a:spcAft>
-                        <a:buClrTx/>
-                        <a:buSzTx/>
-                        <a:buFontTx/>
-                        <a:buNone/>
-                        <a:tabLst/>
-                        <a:defRPr/>
-                      </a:pPr>
-                      <a:r>
-                        <a:rPr lang="en-US" sz="1800" i="0" dirty="0">
-                          <a:solidFill>
-                            <a:schemeClr val="tx1"/>
-                          </a:solidFill>
-                          <a:latin typeface="+mn-lt"/>
-                        </a:rPr>
-                        <a:t>Software Testing 1</a:t>
-                      </a:r>
-                    </a:p>
-                  </a:txBody>
-                  <a:tcPr/>
-                </a:tc>
-                <a:tc>
-                  <a:txBody>
-                    <a:bodyPr/>
-                    <a:lstStyle/>
-                    <a:p>
-                      <a:pPr>
-                        <a:lnSpc>
-                          <a:spcPct val="100000"/>
-                        </a:lnSpc>
-                      </a:pPr>
-                      <a:r>
-                        <a:rPr lang="en-US" sz="1800" i="0" dirty="0">
-                          <a:solidFill>
-                            <a:schemeClr val="tx1"/>
-                          </a:solidFill>
-                          <a:latin typeface="+mn-lt"/>
-                        </a:rPr>
-                        <a:t>David M. Rogers, ORNL</a:t>
-                      </a:r>
-                    </a:p>
-                  </a:txBody>
-                  <a:tcPr/>
-                </a:tc>
-                <a:extLst>
-                  <a:ext uri="{0D108BD9-81ED-4DB2-BD59-A6C34878D82A}">
-                    <a16:rowId xmlns:a16="http://schemas.microsoft.com/office/drawing/2014/main" val="1922613886"/>
-                  </a:ext>
-                </a:extLst>
-              </a:tr>
-              <a:tr h="370840">
-                <a:tc>
-                  <a:txBody>
-                    <a:bodyPr/>
-                    <a:lstStyle/>
-                    <a:p>
-                      <a:pPr rtl="0" fontAlgn="t">
-                        <a:spcBef>
-                          <a:spcPts val="0"/>
-                        </a:spcBef>
-                        <a:spcAft>
-                          <a:spcPts val="0"/>
-                        </a:spcAft>
-                      </a:pPr>
-                      <a:r>
-                        <a:rPr lang="en-US" sz="1800" b="0" i="1" u="none" strike="noStrike" dirty="0">
-                          <a:solidFill>
-                            <a:schemeClr val="tx2"/>
-                          </a:solidFill>
-                          <a:effectLst/>
-                          <a:latin typeface="+mn-lt"/>
-                        </a:rPr>
-                        <a:t>2:20pm-2:40pm</a:t>
-                      </a:r>
-                      <a:endParaRPr lang="en-US" sz="1800" i="1" dirty="0">
-                        <a:solidFill>
-                          <a:schemeClr val="tx2"/>
-                        </a:solidFill>
-                        <a:effectLst/>
-                        <a:latin typeface="+mn-lt"/>
-                      </a:endParaRPr>
-                    </a:p>
-                  </a:txBody>
-                  <a:tcPr marL="63500" marR="63500" marT="63500" marB="63500"/>
-                </a:tc>
-                <a:tc>
-                  <a:txBody>
-                    <a:bodyPr/>
-                    <a:lstStyle/>
-                    <a:p>
-                      <a:pPr>
-                        <a:lnSpc>
-                          <a:spcPct val="100000"/>
-                        </a:lnSpc>
-                      </a:pPr>
-                      <a:endParaRPr lang="en-US" sz="1800" i="1" dirty="0">
-                        <a:solidFill>
-                          <a:schemeClr val="tx2"/>
-                        </a:solidFill>
-                        <a:latin typeface="+mn-lt"/>
-                      </a:endParaRPr>
-                    </a:p>
-                  </a:txBody>
-                  <a:tcPr/>
-                </a:tc>
-                <a:tc>
-                  <a:txBody>
-                    <a:bodyPr/>
-                    <a:lstStyle/>
-                    <a:p>
-                      <a:pPr>
-                        <a:lnSpc>
-                          <a:spcPct val="100000"/>
-                        </a:lnSpc>
-                      </a:pPr>
-                      <a:r>
-                        <a:rPr lang="en-US" sz="1800" i="1" dirty="0">
-                          <a:solidFill>
-                            <a:schemeClr val="tx2"/>
-                          </a:solidFill>
-                          <a:latin typeface="+mn-lt"/>
-                        </a:rPr>
-                        <a:t>Break (optional Q&amp;A)</a:t>
-                      </a:r>
-                    </a:p>
-                  </a:txBody>
-                  <a:tcPr/>
-                </a:tc>
-                <a:tc>
-                  <a:txBody>
-                    <a:bodyPr/>
-                    <a:lstStyle/>
-                    <a:p>
-                      <a:pPr>
-                        <a:lnSpc>
-                          <a:spcPct val="100000"/>
-                        </a:lnSpc>
-                      </a:pPr>
-                      <a:r>
-                        <a:rPr lang="en-US" sz="1800" i="1" dirty="0">
-                          <a:solidFill>
-                            <a:schemeClr val="tx2"/>
-                          </a:solidFill>
-                          <a:latin typeface="+mn-lt"/>
-                        </a:rPr>
-                        <a:t>All</a:t>
-                      </a:r>
-                    </a:p>
-                  </a:txBody>
-                  <a:tcPr/>
-                </a:tc>
-                <a:extLst>
-                  <a:ext uri="{0D108BD9-81ED-4DB2-BD59-A6C34878D82A}">
-                    <a16:rowId xmlns:a16="http://schemas.microsoft.com/office/drawing/2014/main" val="4193880066"/>
-                  </a:ext>
-                </a:extLst>
-              </a:tr>
-              <a:tr h="370840">
-                <a:tc>
-                  <a:txBody>
-                    <a:bodyPr/>
-                    <a:lstStyle/>
-                    <a:p>
-                      <a:pPr rtl="0" fontAlgn="t">
-                        <a:spcBef>
-                          <a:spcPts val="0"/>
-                        </a:spcBef>
-                        <a:spcAft>
-                          <a:spcPts val="0"/>
-                        </a:spcAft>
-                      </a:pPr>
-                      <a:r>
-                        <a:rPr lang="en-US" sz="1800" b="0" i="0" u="none" strike="noStrike" dirty="0">
-                          <a:solidFill>
-                            <a:srgbClr val="000000"/>
-                          </a:solidFill>
-                          <a:effectLst/>
-                          <a:latin typeface="+mn-lt"/>
-                        </a:rPr>
-                        <a:t>2:40pm-3:00pm</a:t>
-                      </a:r>
-                      <a:endParaRPr lang="en-US" sz="1800" dirty="0">
-                        <a:effectLst/>
-                        <a:latin typeface="+mn-lt"/>
-                      </a:endParaRPr>
-                    </a:p>
-                  </a:txBody>
-                  <a:tcPr marL="63500" marR="63500" marT="63500" marB="63500"/>
-                </a:tc>
-                <a:tc>
-                  <a:txBody>
-                    <a:bodyPr/>
-                    <a:lstStyle/>
-                    <a:p>
-                      <a:pPr>
-                        <a:lnSpc>
-                          <a:spcPct val="100000"/>
-                        </a:lnSpc>
-                      </a:pPr>
-                      <a:r>
-                        <a:rPr lang="en-US" sz="1800" i="0" dirty="0">
-                          <a:latin typeface="+mn-lt"/>
-                        </a:rPr>
-                        <a:t>05</a:t>
-                      </a:r>
-                    </a:p>
-                  </a:txBody>
-                  <a:tcPr/>
-                </a:tc>
-                <a:tc>
-                  <a:txBody>
-                    <a:bodyPr/>
-                    <a:lstStyle/>
-                    <a:p>
-                      <a:pPr marL="0" marR="0" lvl="0" indent="0" algn="l" defTabSz="914400" rtl="0" eaLnBrk="1" fontAlgn="auto" latinLnBrk="0" hangingPunct="1">
-                        <a:lnSpc>
-                          <a:spcPct val="100000"/>
-                        </a:lnSpc>
-                        <a:spcBef>
-                          <a:spcPts val="0"/>
-                        </a:spcBef>
-                        <a:spcAft>
-                          <a:spcPts val="0"/>
-                        </a:spcAft>
-                        <a:buClrTx/>
-                        <a:buSzTx/>
-                        <a:buFontTx/>
-                        <a:buNone/>
-                        <a:tabLst/>
-                        <a:defRPr/>
-                      </a:pPr>
-                      <a:r>
-                        <a:rPr lang="en-US" sz="1800" b="0" i="0" u="none" strike="noStrike" kern="1200" dirty="0">
-                          <a:solidFill>
-                            <a:schemeClr val="tx1"/>
-                          </a:solidFill>
-                          <a:effectLst/>
-                          <a:latin typeface="+mn-lt"/>
-                          <a:ea typeface="+mn-ea"/>
-                          <a:cs typeface="+mn-cs"/>
-                        </a:rPr>
-                        <a:t>Software Design</a:t>
-                      </a:r>
-                    </a:p>
-                  </a:txBody>
-                  <a:tcPr/>
-                </a:tc>
-                <a:tc>
-                  <a:txBody>
-                    <a:bodyPr/>
-                    <a:lstStyle/>
-                    <a:p>
-                      <a:pPr>
-                        <a:lnSpc>
-                          <a:spcPct val="100000"/>
-                        </a:lnSpc>
-                      </a:pPr>
-                      <a:r>
-                        <a:rPr lang="en-US" sz="1800" dirty="0">
-                          <a:latin typeface="+mn-lt"/>
-                        </a:rPr>
-                        <a:t>Anshu Dubey, ANL</a:t>
-                      </a:r>
-                    </a:p>
-                  </a:txBody>
-                  <a:tcPr/>
-                </a:tc>
-                <a:extLst>
-                  <a:ext uri="{0D108BD9-81ED-4DB2-BD59-A6C34878D82A}">
-                    <a16:rowId xmlns:a16="http://schemas.microsoft.com/office/drawing/2014/main" val="2444169840"/>
-                  </a:ext>
-                </a:extLst>
-              </a:tr>
-              <a:tr h="370840">
-                <a:tc>
-                  <a:txBody>
-                    <a:bodyPr/>
-                    <a:lstStyle/>
-                    <a:p>
-                      <a:pPr rtl="0" fontAlgn="t">
-                        <a:spcBef>
-                          <a:spcPts val="0"/>
-                        </a:spcBef>
-                        <a:spcAft>
-                          <a:spcPts val="0"/>
-                        </a:spcAft>
-                      </a:pPr>
-                      <a:r>
-                        <a:rPr lang="en-US" sz="1800" dirty="0">
-                          <a:effectLst/>
-                          <a:latin typeface="+mn-lt"/>
-                        </a:rPr>
-                        <a:t>3:00pm-3:15pm</a:t>
-                      </a:r>
-                    </a:p>
-                  </a:txBody>
-                  <a:tcPr marL="63500" marR="63500" marT="63500" marB="63500"/>
-                </a:tc>
-                <a:tc>
-                  <a:txBody>
-                    <a:bodyPr/>
-                    <a:lstStyle/>
-                    <a:p>
-                      <a:pPr>
-                        <a:lnSpc>
-                          <a:spcPct val="100000"/>
-                        </a:lnSpc>
-                      </a:pPr>
-                      <a:r>
-                        <a:rPr lang="en-US" sz="1800" i="0" dirty="0">
-                          <a:latin typeface="+mn-lt"/>
-                        </a:rPr>
-                        <a:t>06</a:t>
-                      </a:r>
-                    </a:p>
-                  </a:txBody>
-                  <a:tcPr/>
-                </a:tc>
-                <a:tc>
-                  <a:txBody>
-                    <a:bodyPr/>
-                    <a:lstStyle/>
-                    <a:p>
-                      <a:pPr>
-                        <a:lnSpc>
-                          <a:spcPct val="100000"/>
-                        </a:lnSpc>
-                      </a:pPr>
-                      <a:r>
-                        <a:rPr lang="en-US" sz="1800" i="0" dirty="0">
-                          <a:latin typeface="+mn-lt"/>
-                        </a:rPr>
-                        <a:t>Software Testing 2</a:t>
-                      </a:r>
-                    </a:p>
-                  </a:txBody>
-                  <a:tcPr/>
-                </a:tc>
-                <a:tc>
-                  <a:txBody>
-                    <a:bodyPr/>
-                    <a:lstStyle/>
-                    <a:p>
-                      <a:pPr marL="0" marR="0" lvl="0" indent="0" algn="l" defTabSz="914400" rtl="0" eaLnBrk="1" fontAlgn="auto" latinLnBrk="0" hangingPunct="1">
-                        <a:lnSpc>
-                          <a:spcPct val="100000"/>
-                        </a:lnSpc>
-                        <a:spcBef>
-                          <a:spcPts val="0"/>
-                        </a:spcBef>
-                        <a:spcAft>
-                          <a:spcPts val="0"/>
-                        </a:spcAft>
-                        <a:buClrTx/>
-                        <a:buSzTx/>
-                        <a:buFontTx/>
-                        <a:buNone/>
-                        <a:tabLst/>
-                        <a:defRPr/>
-                      </a:pPr>
-                      <a:r>
-                        <a:rPr lang="en-US" sz="1800" i="0" dirty="0">
-                          <a:solidFill>
-                            <a:schemeClr val="tx1"/>
-                          </a:solidFill>
-                          <a:latin typeface="+mn-lt"/>
-                        </a:rPr>
-                        <a:t>David M. Rogers</a:t>
-                      </a:r>
-                    </a:p>
-                  </a:txBody>
-                  <a:tcPr/>
-                </a:tc>
-                <a:extLst>
-                  <a:ext uri="{0D108BD9-81ED-4DB2-BD59-A6C34878D82A}">
-                    <a16:rowId xmlns:a16="http://schemas.microsoft.com/office/drawing/2014/main" val="387858574"/>
-                  </a:ext>
-                </a:extLst>
-              </a:tr>
-              <a:tr h="370840">
-                <a:tc>
-                  <a:txBody>
-                    <a:bodyPr/>
-                    <a:lstStyle/>
-                    <a:p>
-                      <a:pPr rtl="0" fontAlgn="t">
-                        <a:spcBef>
-                          <a:spcPts val="0"/>
-                        </a:spcBef>
-                        <a:spcAft>
-                          <a:spcPts val="0"/>
-                        </a:spcAft>
-                      </a:pPr>
-                      <a:r>
-                        <a:rPr lang="en-US" sz="1800" dirty="0">
-                          <a:effectLst/>
-                          <a:latin typeface="+mn-lt"/>
-                        </a:rPr>
-                        <a:t>3:15pm-3:40pm</a:t>
-                      </a:r>
-                    </a:p>
-                  </a:txBody>
-                  <a:tcPr marL="63500" marR="63500" marT="63500" marB="63500"/>
-                </a:tc>
-                <a:tc>
-                  <a:txBody>
-                    <a:bodyPr/>
-                    <a:lstStyle/>
-                    <a:p>
-                      <a:pPr>
-                        <a:lnSpc>
-                          <a:spcPct val="100000"/>
-                        </a:lnSpc>
-                      </a:pPr>
-                      <a:r>
-                        <a:rPr lang="en-US" sz="1800" i="0" dirty="0">
-                          <a:latin typeface="+mn-lt"/>
-                        </a:rPr>
-                        <a:t>07</a:t>
-                      </a:r>
-                    </a:p>
-                  </a:txBody>
-                  <a:tcPr/>
-                </a:tc>
-                <a:tc>
-                  <a:txBody>
-                    <a:bodyPr/>
-                    <a:lstStyle/>
-                    <a:p>
-                      <a:pPr>
-                        <a:lnSpc>
-                          <a:spcPct val="100000"/>
-                        </a:lnSpc>
-                      </a:pPr>
-                      <a:r>
-                        <a:rPr lang="en-US" sz="1800" i="0" dirty="0">
-                          <a:latin typeface="+mn-lt"/>
-                        </a:rPr>
-                        <a:t>Refactoring</a:t>
-                      </a:r>
-                    </a:p>
-                  </a:txBody>
-                  <a:tcPr/>
-                </a:tc>
-                <a:tc>
-                  <a:txBody>
-                    <a:bodyPr/>
-                    <a:lstStyle/>
-                    <a:p>
-                      <a:pPr>
-                        <a:lnSpc>
-                          <a:spcPct val="100000"/>
-                        </a:lnSpc>
-                      </a:pPr>
-                      <a:r>
-                        <a:rPr lang="en-US" sz="1800" dirty="0">
-                          <a:latin typeface="+mn-lt"/>
-                        </a:rPr>
-                        <a:t>Anshu Dubey, ANL</a:t>
-                      </a:r>
-                    </a:p>
-                  </a:txBody>
-                  <a:tcPr/>
-                </a:tc>
-                <a:extLst>
-                  <a:ext uri="{0D108BD9-81ED-4DB2-BD59-A6C34878D82A}">
-                    <a16:rowId xmlns:a16="http://schemas.microsoft.com/office/drawing/2014/main" val="2446830301"/>
-                  </a:ext>
-                </a:extLst>
-              </a:tr>
-              <a:tr h="370840">
-                <a:tc>
-                  <a:txBody>
-                    <a:bodyPr/>
-                    <a:lstStyle/>
-                    <a:p>
-                      <a:pPr rtl="0" fontAlgn="t">
-                        <a:spcBef>
-                          <a:spcPts val="0"/>
-                        </a:spcBef>
-                        <a:spcAft>
-                          <a:spcPts val="0"/>
-                        </a:spcAft>
-                      </a:pPr>
-                      <a:r>
-                        <a:rPr lang="en-US" sz="1800" dirty="0">
-                          <a:effectLst/>
-                          <a:latin typeface="+mn-lt"/>
-                        </a:rPr>
-                        <a:t>3:40pm-3:55pm</a:t>
-                      </a:r>
-                    </a:p>
-                  </a:txBody>
-                  <a:tcPr marL="63500" marR="63500" marT="63500" marB="63500"/>
-                </a:tc>
-                <a:tc>
-                  <a:txBody>
-                    <a:bodyPr/>
-                    <a:lstStyle/>
-                    <a:p>
-                      <a:pPr>
-                        <a:lnSpc>
-                          <a:spcPct val="100000"/>
-                        </a:lnSpc>
-                      </a:pPr>
-                      <a:r>
-                        <a:rPr lang="en-US" sz="1800" i="0" dirty="0">
-                          <a:latin typeface="+mn-lt"/>
-                        </a:rPr>
-                        <a:t>08</a:t>
-                      </a:r>
-                    </a:p>
-                  </a:txBody>
-                  <a:tcPr/>
-                </a:tc>
-                <a:tc>
-                  <a:txBody>
-                    <a:bodyPr/>
-                    <a:lstStyle/>
-                    <a:p>
-                      <a:pPr>
-                        <a:lnSpc>
-                          <a:spcPct val="100000"/>
-                        </a:lnSpc>
-                      </a:pPr>
-                      <a:r>
-                        <a:rPr lang="en-US" sz="1800" i="0" dirty="0">
-                          <a:latin typeface="+mn-lt"/>
-                        </a:rPr>
-                        <a:t>Reproducibility</a:t>
-                      </a:r>
-                    </a:p>
-                  </a:txBody>
-                  <a:tcPr/>
-                </a:tc>
-                <a:tc>
-                  <a:txBody>
-                    <a:bodyPr/>
-                    <a:lstStyle/>
-                    <a:p>
-                      <a:pPr>
-                        <a:lnSpc>
-                          <a:spcPct val="100000"/>
-                        </a:lnSpc>
-                      </a:pPr>
-                      <a:r>
-                        <a:rPr lang="en-US" sz="1800" dirty="0">
-                          <a:latin typeface="+mn-lt"/>
-                        </a:rPr>
-                        <a:t>David E. Bernholdt, ORNL</a:t>
-                      </a:r>
-                    </a:p>
-                  </a:txBody>
-                  <a:tcPr/>
-                </a:tc>
-                <a:extLst>
-                  <a:ext uri="{0D108BD9-81ED-4DB2-BD59-A6C34878D82A}">
-                    <a16:rowId xmlns:a16="http://schemas.microsoft.com/office/drawing/2014/main" val="1746784610"/>
-                  </a:ext>
-                </a:extLst>
-              </a:tr>
-              <a:tr h="370840">
-                <a:tc>
-                  <a:txBody>
-                    <a:bodyPr/>
-                    <a:lstStyle/>
-                    <a:p>
-                      <a:pPr rtl="0" fontAlgn="t">
-                        <a:spcBef>
-                          <a:spcPts val="0"/>
-                        </a:spcBef>
-                        <a:spcAft>
-                          <a:spcPts val="0"/>
-                        </a:spcAft>
-                      </a:pPr>
-                      <a:r>
-                        <a:rPr lang="en-US" sz="1800" dirty="0">
-                          <a:effectLst/>
-                          <a:latin typeface="+mn-lt"/>
-                        </a:rPr>
-                        <a:t>3:55pm-4:00pm</a:t>
-                      </a:r>
-                    </a:p>
-                  </a:txBody>
-                  <a:tcPr marL="63500" marR="63500" marT="63500" marB="63500"/>
-                </a:tc>
-                <a:tc>
-                  <a:txBody>
-                    <a:bodyPr/>
-                    <a:lstStyle/>
-                    <a:p>
-                      <a:pPr>
-                        <a:lnSpc>
-                          <a:spcPct val="100000"/>
-                        </a:lnSpc>
-                      </a:pPr>
-                      <a:r>
-                        <a:rPr lang="en-US" sz="1800" i="0" dirty="0">
-                          <a:latin typeface="+mn-lt"/>
-                        </a:rPr>
-                        <a:t>09</a:t>
-                      </a:r>
-                    </a:p>
-                  </a:txBody>
-                  <a:tcPr/>
-                </a:tc>
-                <a:tc>
-                  <a:txBody>
-                    <a:bodyPr/>
-                    <a:lstStyle/>
-                    <a:p>
-                      <a:pPr>
-                        <a:lnSpc>
-                          <a:spcPct val="100000"/>
-                        </a:lnSpc>
-                      </a:pPr>
-                      <a:r>
-                        <a:rPr lang="en-US" sz="1800" i="0" dirty="0">
-                          <a:latin typeface="+mn-lt"/>
-                        </a:rPr>
-                        <a:t>Summary</a:t>
-                      </a:r>
-                    </a:p>
-                  </a:txBody>
-                  <a:tcPr/>
-                </a:tc>
-                <a:tc>
-                  <a:txBody>
-                    <a:bodyPr/>
-                    <a:lstStyle/>
-                    <a:p>
-                      <a:pPr>
-                        <a:lnSpc>
-                          <a:spcPct val="100000"/>
-                        </a:lnSpc>
-                      </a:pPr>
-                      <a:r>
-                        <a:rPr lang="en-US" sz="1800" dirty="0">
-                          <a:latin typeface="+mn-lt"/>
-                        </a:rPr>
-                        <a:t>David E. Bernholdt, ORNL</a:t>
-                      </a:r>
-                    </a:p>
-                  </a:txBody>
-                  <a:tcPr/>
-                </a:tc>
-                <a:extLst>
-                  <a:ext uri="{0D108BD9-81ED-4DB2-BD59-A6C34878D82A}">
-                    <a16:rowId xmlns:a16="http://schemas.microsoft.com/office/drawing/2014/main" val="127038030"/>
-                  </a:ext>
-                </a:extLst>
-              </a:tr>
-            </a:tbl>
-          </a:graphicData>
-        </a:graphic>
-      </p:graphicFrame>
-      <p:grpSp>
-        <p:nvGrpSpPr>
-          <p:cNvPr id="5" name="Group 4">
-            <a:extLst>
-              <a:ext uri="{FF2B5EF4-FFF2-40B4-BE49-F238E27FC236}">
-                <a16:creationId xmlns:a16="http://schemas.microsoft.com/office/drawing/2014/main" id="{E481C384-B67A-4E1A-9712-8751F487059D}"/>
-              </a:ext>
-            </a:extLst>
-          </p:cNvPr>
-          <p:cNvGrpSpPr/>
-          <p:nvPr/>
-        </p:nvGrpSpPr>
-        <p:grpSpPr>
-          <a:xfrm>
-            <a:off x="649538" y="5326124"/>
-            <a:ext cx="10909739" cy="390939"/>
-            <a:chOff x="79513" y="1653208"/>
-            <a:chExt cx="12029799" cy="390939"/>
-          </a:xfrm>
-        </p:grpSpPr>
-        <p:cxnSp>
-          <p:nvCxnSpPr>
-            <p:cNvPr id="6" name="Straight Connector 5">
-              <a:extLst>
-                <a:ext uri="{FF2B5EF4-FFF2-40B4-BE49-F238E27FC236}">
-                  <a16:creationId xmlns:a16="http://schemas.microsoft.com/office/drawing/2014/main" id="{81FDDF4F-CEBB-4DB2-B54C-DBAC5A6EF985}"/>
-                </a:ext>
-              </a:extLst>
-            </p:cNvPr>
-            <p:cNvCxnSpPr>
-              <a:cxnSpLocks/>
-            </p:cNvCxnSpPr>
-            <p:nvPr/>
-          </p:nvCxnSpPr>
-          <p:spPr>
-            <a:xfrm>
-              <a:off x="530679" y="1848678"/>
-              <a:ext cx="11127467" cy="0"/>
-            </a:xfrm>
-            <a:prstGeom prst="line">
-              <a:avLst/>
-            </a:prstGeom>
-            <a:ln w="76200">
-              <a:solidFill>
-                <a:srgbClr val="FF0000"/>
-              </a:solidFill>
-            </a:ln>
-          </p:spPr>
-          <p:style>
-            <a:lnRef idx="1">
-              <a:schemeClr val="accent1"/>
-            </a:lnRef>
-            <a:fillRef idx="0">
-              <a:schemeClr val="accent1"/>
-            </a:fillRef>
-            <a:effectRef idx="0">
-              <a:schemeClr val="accent1"/>
-            </a:effectRef>
-            <a:fontRef idx="minor">
-              <a:schemeClr val="tx1"/>
-            </a:fontRef>
-          </p:style>
-        </p:cxnSp>
-        <p:sp>
-          <p:nvSpPr>
-            <p:cNvPr id="7" name="Arrow: Right 7">
-              <a:extLst>
-                <a:ext uri="{FF2B5EF4-FFF2-40B4-BE49-F238E27FC236}">
-                  <a16:creationId xmlns:a16="http://schemas.microsoft.com/office/drawing/2014/main" id="{7844F343-E894-4FE0-A6FA-018D93AF813D}"/>
-                </a:ext>
-              </a:extLst>
-            </p:cNvPr>
-            <p:cNvSpPr/>
-            <p:nvPr/>
-          </p:nvSpPr>
-          <p:spPr>
-            <a:xfrm>
-              <a:off x="79513" y="1653208"/>
-              <a:ext cx="451166" cy="390939"/>
-            </a:xfrm>
-            <a:prstGeom prst="rightArrow">
-              <a:avLst/>
-            </a:prstGeom>
-            <a:solidFill>
-              <a:srgbClr val="FF0000"/>
-            </a:solidFill>
-            <a:ln>
-              <a:solidFill>
-                <a:srgbClr val="FF0000"/>
-              </a:solidFill>
-            </a:ln>
-            <a:effectLst/>
-            <a:scene3d>
-              <a:camera prst="orthographicFront">
-                <a:rot lat="0" lon="0" rev="0"/>
-              </a:camera>
-              <a:lightRig rig="threePt" dir="t">
-                <a:rot lat="0" lon="0" rev="1200000"/>
-              </a:lightRig>
-            </a:scene3d>
-            <a:sp3d/>
-          </p:spPr>
-          <p:style>
-            <a:lnRef idx="0">
-              <a:schemeClr val="accent1"/>
-            </a:lnRef>
-            <a:fillRef idx="3">
-              <a:schemeClr val="accent1"/>
-            </a:fillRef>
-            <a:effectRef idx="3">
-              <a:schemeClr val="accent1"/>
-            </a:effectRef>
-            <a:fontRef idx="minor">
-              <a:schemeClr val="lt1"/>
-            </a:fontRef>
-          </p:style>
-          <p:txBody>
-            <a:bodyPr rot="0" spcFirstLastPara="0" vertOverflow="overflow" horzOverflow="overflow" vert="horz" wrap="square" lIns="45720" tIns="45720" rIns="45720" bIns="45720" numCol="1" spcCol="0" rtlCol="0" fromWordArt="0" anchor="ctr" anchorCtr="0" forceAA="0" compatLnSpc="1">
-              <a:prstTxWarp prst="textNoShape">
-                <a:avLst/>
-              </a:prstTxWarp>
-              <a:noAutofit/>
-            </a:bodyPr>
-            <a:lstStyle/>
-            <a:p>
-              <a:pPr algn="ctr">
-                <a:lnSpc>
-                  <a:spcPct val="90000"/>
-                </a:lnSpc>
-              </a:pPr>
-              <a:endParaRPr lang="en-US" dirty="0">
-                <a:solidFill>
-                  <a:schemeClr val="tx1"/>
-                </a:solidFill>
-              </a:endParaRPr>
-            </a:p>
-          </p:txBody>
-        </p:sp>
-        <p:sp>
-          <p:nvSpPr>
-            <p:cNvPr id="8" name="Arrow: Right 8">
-              <a:extLst>
-                <a:ext uri="{FF2B5EF4-FFF2-40B4-BE49-F238E27FC236}">
-                  <a16:creationId xmlns:a16="http://schemas.microsoft.com/office/drawing/2014/main" id="{BBFB6C66-6CBA-4D40-8622-561E8F751365}"/>
-                </a:ext>
-              </a:extLst>
-            </p:cNvPr>
-            <p:cNvSpPr/>
-            <p:nvPr/>
-          </p:nvSpPr>
-          <p:spPr>
-            <a:xfrm rot="10800000">
-              <a:off x="11658146" y="1653208"/>
-              <a:ext cx="451166" cy="390939"/>
-            </a:xfrm>
-            <a:prstGeom prst="rightArrow">
-              <a:avLst/>
-            </a:prstGeom>
-            <a:solidFill>
-              <a:srgbClr val="FF0000"/>
-            </a:solidFill>
-            <a:ln>
-              <a:solidFill>
-                <a:srgbClr val="FF0000"/>
-              </a:solidFill>
-            </a:ln>
-            <a:effectLst/>
-            <a:scene3d>
-              <a:camera prst="orthographicFront">
-                <a:rot lat="0" lon="0" rev="0"/>
-              </a:camera>
-              <a:lightRig rig="threePt" dir="t">
-                <a:rot lat="0" lon="0" rev="1200000"/>
-              </a:lightRig>
-            </a:scene3d>
-            <a:sp3d/>
-          </p:spPr>
-          <p:style>
-            <a:lnRef idx="0">
-              <a:schemeClr val="accent1"/>
-            </a:lnRef>
-            <a:fillRef idx="3">
-              <a:schemeClr val="accent1"/>
-            </a:fillRef>
-            <a:effectRef idx="3">
-              <a:schemeClr val="accent1"/>
-            </a:effectRef>
-            <a:fontRef idx="minor">
-              <a:schemeClr val="lt1"/>
-            </a:fontRef>
-          </p:style>
-          <p:txBody>
-            <a:bodyPr rot="0" spcFirstLastPara="0" vertOverflow="overflow" horzOverflow="overflow" vert="horz" wrap="square" lIns="45720" tIns="45720" rIns="45720" bIns="45720" numCol="1" spcCol="0" rtlCol="0" fromWordArt="0" anchor="ctr" anchorCtr="0" forceAA="0" compatLnSpc="1">
-              <a:prstTxWarp prst="textNoShape">
-                <a:avLst/>
-              </a:prstTxWarp>
-              <a:noAutofit/>
-            </a:bodyPr>
-            <a:lstStyle/>
-            <a:p>
-              <a:pPr algn="ctr">
-                <a:lnSpc>
-                  <a:spcPct val="90000"/>
-                </a:lnSpc>
-              </a:pPr>
-              <a:endParaRPr lang="en-US" dirty="0">
-                <a:solidFill>
-                  <a:schemeClr val="tx1"/>
-                </a:solidFill>
-              </a:endParaRPr>
-            </a:p>
-          </p:txBody>
-        </p:sp>
-      </p:grpSp>
-    </p:spTree>
-    <p:extLst>
-      <p:ext uri="{BB962C8B-B14F-4D97-AF65-F5344CB8AC3E}">
-        <p14:creationId xmlns:p14="http://schemas.microsoft.com/office/powerpoint/2010/main" val="3806087695"/>
-      </p:ext>
-    </p:extLst>
-  </p:cSld>
-  <p:clrMapOvr>
-    <a:masterClrMapping/>
-  </p:clrMapOvr>
-</p:sld>
-</file>
-
-<file path=ppt/slides/slide26.xml><?xml version="1.0" encoding="utf-8"?>
-<p:sld xmlns:a="http://schemas.openxmlformats.org/drawingml/2006/main" xmlns:r="http://schemas.openxmlformats.org/officeDocument/2006/relationships" xmlns:p="http://schemas.openxmlformats.org/presentationml/2006/main">
-  <p:cSld>
-    <p:spTree>
-      <p:nvGrpSpPr>
-        <p:cNvPr id="1" name=""/>
-        <p:cNvGrpSpPr/>
-        <p:nvPr/>
-      </p:nvGrpSpPr>
-      <p:grpSpPr>
-        <a:xfrm>
-          <a:off x="0" y="0"/>
-          <a:ext cx="0" cy="0"/>
-          <a:chOff x="0" y="0"/>
-          <a:chExt cx="0" cy="0"/>
-        </a:xfrm>
-      </p:grpSpPr>
-      <p:sp>
-        <p:nvSpPr>
-          <p:cNvPr id="2" name="Title 1">
-            <a:extLst>
-              <a:ext uri="{FF2B5EF4-FFF2-40B4-BE49-F238E27FC236}">
                 <a16:creationId xmlns:a16="http://schemas.microsoft.com/office/drawing/2014/main" id="{741C6884-C6AA-FE48-AE95-62434E5C1F6B}"/>
               </a:ext>
             </a:extLst>
@@ -10308,7 +9095,7 @@
 </p:sld>
 </file>
 
-<file path=ppt/slides/slide27.xml><?xml version="1.0" encoding="utf-8"?>
+<file path=ppt/slides/slide26.xml><?xml version="1.0" encoding="utf-8"?>
 <p:sld xmlns:a="http://schemas.openxmlformats.org/drawingml/2006/main" xmlns:r="http://schemas.openxmlformats.org/officeDocument/2006/relationships" xmlns:p="http://schemas.openxmlformats.org/presentationml/2006/main">
   <p:cSld>
     <p:spTree>
@@ -10683,7 +9470,7 @@
 </p:sld>
 </file>
 
-<file path=ppt/slides/slide28.xml><?xml version="1.0" encoding="utf-8"?>
+<file path=ppt/slides/slide27.xml><?xml version="1.0" encoding="utf-8"?>
 <p:sld xmlns:a="http://schemas.openxmlformats.org/drawingml/2006/main" xmlns:r="http://schemas.openxmlformats.org/officeDocument/2006/relationships" xmlns:p="http://schemas.openxmlformats.org/presentationml/2006/main">
   <p:cSld>
     <p:spTree>
@@ -10962,7 +9749,7 @@
 </p:sld>
 </file>
 
-<file path=ppt/slides/slide29.xml><?xml version="1.0" encoding="utf-8"?>
+<file path=ppt/slides/slide28.xml><?xml version="1.0" encoding="utf-8"?>
 <p:sld xmlns:a="http://schemas.openxmlformats.org/drawingml/2006/main" xmlns:r="http://schemas.openxmlformats.org/officeDocument/2006/relationships" xmlns:p="http://schemas.openxmlformats.org/presentationml/2006/main">
   <p:cSld>
     <p:spTree>
@@ -11121,6 +9908,232 @@
     <p:extLst>
       <p:ext uri="{BB962C8B-B14F-4D97-AF65-F5344CB8AC3E}">
         <p14:creationId xmlns:p14="http://schemas.microsoft.com/office/powerpoint/2010/main" val="2302033408"/>
+      </p:ext>
+    </p:extLst>
+  </p:cSld>
+  <p:clrMapOvr>
+    <a:masterClrMapping/>
+  </p:clrMapOvr>
+</p:sld>
+</file>
+
+<file path=ppt/slides/slide29.xml><?xml version="1.0" encoding="utf-8"?>
+<p:sld xmlns:a="http://schemas.openxmlformats.org/drawingml/2006/main" xmlns:r="http://schemas.openxmlformats.org/officeDocument/2006/relationships" xmlns:p="http://schemas.openxmlformats.org/presentationml/2006/main">
+  <p:cSld>
+    <p:spTree>
+      <p:nvGrpSpPr>
+        <p:cNvPr id="1" name=""/>
+        <p:cNvGrpSpPr/>
+        <p:nvPr/>
+      </p:nvGrpSpPr>
+      <p:grpSpPr>
+        <a:xfrm>
+          <a:off x="0" y="0"/>
+          <a:ext cx="0" cy="0"/>
+          <a:chOff x="0" y="0"/>
+          <a:chExt cx="0" cy="0"/>
+        </a:xfrm>
+      </p:grpSpPr>
+      <p:sp>
+        <p:nvSpPr>
+          <p:cNvPr id="2" name="Title 1"/>
+          <p:cNvSpPr>
+            <a:spLocks noGrp="1"/>
+          </p:cNvSpPr>
+          <p:nvPr>
+            <p:ph type="title"/>
+          </p:nvPr>
+        </p:nvSpPr>
+        <p:spPr>
+          <a:xfrm>
+            <a:off x="368135" y="192378"/>
+            <a:ext cx="11269682" cy="532017"/>
+          </a:xfrm>
+        </p:spPr>
+        <p:txBody>
+          <a:bodyPr>
+            <a:normAutofit/>
+          </a:bodyPr>
+          <a:lstStyle/>
+          <a:p>
+            <a:r>
+              <a:rPr lang="en-US" sz="2800" dirty="0"/>
+              <a:t>Increasing Attention on Reproducibility</a:t>
+            </a:r>
+          </a:p>
+        </p:txBody>
+      </p:sp>
+      <p:sp>
+        <p:nvSpPr>
+          <p:cNvPr id="4" name="Content Placeholder 3"/>
+          <p:cNvSpPr>
+            <a:spLocks noGrp="1"/>
+          </p:cNvSpPr>
+          <p:nvPr>
+            <p:ph sz="quarter" idx="1"/>
+          </p:nvPr>
+        </p:nvSpPr>
+        <p:spPr>
+          <a:xfrm>
+            <a:off x="245815" y="868048"/>
+            <a:ext cx="11697194" cy="5449160"/>
+          </a:xfrm>
+        </p:spPr>
+        <p:txBody>
+          <a:bodyPr>
+            <a:normAutofit lnSpcReduction="10000"/>
+          </a:bodyPr>
+          <a:lstStyle/>
+          <a:p>
+            <a:r>
+              <a:rPr lang="en-US" dirty="0"/>
+              <a:t>More publication venues are adding reproducibility </a:t>
+            </a:r>
+            <a:r>
+              <a:rPr lang="en-US" b="1" dirty="0"/>
+              <a:t>recognition</a:t>
+            </a:r>
+            <a:r>
+              <a:rPr lang="en-US" dirty="0"/>
+              <a:t> or </a:t>
+            </a:r>
+            <a:r>
+              <a:rPr lang="en-US" b="1" dirty="0"/>
+              <a:t>requirements</a:t>
+            </a:r>
+            <a:endParaRPr lang="en-US" sz="2400" dirty="0"/>
+          </a:p>
+          <a:p>
+            <a:r>
+              <a:rPr lang="en-US" sz="2400" dirty="0"/>
+              <a:t>ACM </a:t>
+            </a:r>
+            <a:r>
+              <a:rPr lang="en-US" sz="2400" strike="sngStrike" dirty="0"/>
+              <a:t>Replicated</a:t>
+            </a:r>
+            <a:r>
+              <a:rPr lang="en-US" sz="2400" dirty="0"/>
+              <a:t> Reproducible Computational Results (RCR)</a:t>
+            </a:r>
+          </a:p>
+          <a:p>
+            <a:pPr lvl="1"/>
+            <a:r>
+              <a:rPr lang="en-US" sz="2000" dirty="0"/>
+              <a:t>ACM TOMS, TOMACS</a:t>
+            </a:r>
+          </a:p>
+          <a:p>
+            <a:pPr lvl="1"/>
+            <a:r>
+              <a:rPr lang="en-US" sz="2000" dirty="0">
+                <a:hlinkClick r:id="rId2"/>
+              </a:rPr>
+              <a:t>http://toms.acm.org/replicated-computational-results.cfm</a:t>
+            </a:r>
+            <a:r>
+              <a:rPr lang="en-US" sz="2000" dirty="0"/>
+              <a:t> </a:t>
+            </a:r>
+          </a:p>
+          <a:p>
+            <a:r>
+              <a:rPr lang="en-US" sz="2400" dirty="0"/>
+              <a:t>ACM Badging</a:t>
+            </a:r>
+          </a:p>
+          <a:p>
+            <a:pPr lvl="1"/>
+            <a:r>
+              <a:rPr lang="en-US" dirty="0"/>
+              <a:t>Functional, reusable, available, replicated, reproduced</a:t>
+            </a:r>
+          </a:p>
+          <a:p>
+            <a:pPr lvl="1"/>
+            <a:r>
+              <a:rPr lang="en-US" sz="2000" dirty="0">
+                <a:hlinkClick r:id="rId3"/>
+              </a:rPr>
+              <a:t>https://www.acm.org/publications/policies/artifact-review-badging</a:t>
+            </a:r>
+            <a:r>
+              <a:rPr lang="en-US" sz="2000" dirty="0"/>
+              <a:t> </a:t>
+            </a:r>
+          </a:p>
+          <a:p>
+            <a:r>
+              <a:rPr lang="en-US" sz="2400" dirty="0"/>
+              <a:t>These conferences have artifact evaluation appendices:</a:t>
+            </a:r>
+          </a:p>
+          <a:p>
+            <a:pPr lvl="1"/>
+            <a:r>
+              <a:rPr lang="en-US" sz="2000" dirty="0"/>
+              <a:t>CGO, </a:t>
+            </a:r>
+            <a:r>
+              <a:rPr lang="en-US" sz="2000" dirty="0" err="1"/>
+              <a:t>PPoPP</a:t>
+            </a:r>
+            <a:r>
+              <a:rPr lang="en-US" sz="2000" dirty="0"/>
+              <a:t>, PACT, RTSS and SC</a:t>
+            </a:r>
+          </a:p>
+          <a:p>
+            <a:pPr lvl="1"/>
+            <a:r>
+              <a:rPr lang="en-US" sz="2000" dirty="0">
+                <a:hlinkClick r:id="rId4"/>
+              </a:rPr>
+              <a:t>http://fursin.net/reproducibility.html</a:t>
+            </a:r>
+            <a:endParaRPr lang="en-US" sz="2000" dirty="0"/>
+          </a:p>
+          <a:p>
+            <a:r>
+              <a:rPr lang="en-US" sz="2400" dirty="0"/>
+              <a:t>NISO Committee on Reproducibility and Badging</a:t>
+            </a:r>
+          </a:p>
+          <a:p>
+            <a:pPr lvl="1"/>
+            <a:r>
+              <a:rPr lang="en-US" sz="2000" dirty="0">
+                <a:hlinkClick r:id="rId5"/>
+              </a:rPr>
+              <a:t>https://www.niso.org/niso-io/2019/01/new-niso-project-badging-scheme-reproducibility-computational-and-computing</a:t>
+            </a:r>
+            <a:r>
+              <a:rPr lang="en-US" sz="2000" dirty="0"/>
+              <a:t> </a:t>
+            </a:r>
+          </a:p>
+          <a:p>
+            <a:pPr lvl="1"/>
+            <a:r>
+              <a:rPr lang="en-US" sz="2000" dirty="0"/>
+              <a:t>Publishers: ACM, IEEE, </a:t>
+            </a:r>
+            <a:r>
+              <a:rPr lang="en-US" sz="2000" dirty="0" err="1"/>
+              <a:t>figshare</a:t>
+            </a:r>
+            <a:r>
+              <a:rPr lang="en-US" sz="2000" dirty="0"/>
+              <a:t>, STM, Reed Elsevier, Springer Nature</a:t>
+            </a:r>
+          </a:p>
+        </p:txBody>
+      </p:sp>
+    </p:spTree>
+    <p:extLst>
+      <p:ext uri="{BB962C8B-B14F-4D97-AF65-F5344CB8AC3E}">
+        <p14:creationId xmlns:p14="http://schemas.microsoft.com/office/powerpoint/2010/main" val="2234428243"/>
       </p:ext>
     </p:extLst>
   </p:cSld>
@@ -11360,232 +10373,6 @@
             <p:ph type="title"/>
           </p:nvPr>
         </p:nvSpPr>
-        <p:spPr>
-          <a:xfrm>
-            <a:off x="368135" y="192378"/>
-            <a:ext cx="11269682" cy="532017"/>
-          </a:xfrm>
-        </p:spPr>
-        <p:txBody>
-          <a:bodyPr>
-            <a:normAutofit/>
-          </a:bodyPr>
-          <a:lstStyle/>
-          <a:p>
-            <a:r>
-              <a:rPr lang="en-US" sz="2800" dirty="0"/>
-              <a:t>Increasing Attention on Reproducibility</a:t>
-            </a:r>
-          </a:p>
-        </p:txBody>
-      </p:sp>
-      <p:sp>
-        <p:nvSpPr>
-          <p:cNvPr id="4" name="Content Placeholder 3"/>
-          <p:cNvSpPr>
-            <a:spLocks noGrp="1"/>
-          </p:cNvSpPr>
-          <p:nvPr>
-            <p:ph sz="quarter" idx="1"/>
-          </p:nvPr>
-        </p:nvSpPr>
-        <p:spPr>
-          <a:xfrm>
-            <a:off x="245815" y="868048"/>
-            <a:ext cx="11697194" cy="5449160"/>
-          </a:xfrm>
-        </p:spPr>
-        <p:txBody>
-          <a:bodyPr>
-            <a:normAutofit lnSpcReduction="10000"/>
-          </a:bodyPr>
-          <a:lstStyle/>
-          <a:p>
-            <a:r>
-              <a:rPr lang="en-US" dirty="0"/>
-              <a:t>More publication venues are adding reproducibility </a:t>
-            </a:r>
-            <a:r>
-              <a:rPr lang="en-US" b="1" dirty="0"/>
-              <a:t>recognition</a:t>
-            </a:r>
-            <a:r>
-              <a:rPr lang="en-US" dirty="0"/>
-              <a:t> or </a:t>
-            </a:r>
-            <a:r>
-              <a:rPr lang="en-US" b="1" dirty="0"/>
-              <a:t>requirements</a:t>
-            </a:r>
-            <a:endParaRPr lang="en-US" sz="2400" dirty="0"/>
-          </a:p>
-          <a:p>
-            <a:r>
-              <a:rPr lang="en-US" sz="2400" dirty="0"/>
-              <a:t>ACM </a:t>
-            </a:r>
-            <a:r>
-              <a:rPr lang="en-US" sz="2400" strike="sngStrike" dirty="0"/>
-              <a:t>Replicated</a:t>
-            </a:r>
-            <a:r>
-              <a:rPr lang="en-US" sz="2400" dirty="0"/>
-              <a:t> Reproducible Computational Results (RCR)</a:t>
-            </a:r>
-          </a:p>
-          <a:p>
-            <a:pPr lvl="1"/>
-            <a:r>
-              <a:rPr lang="en-US" sz="2000" dirty="0"/>
-              <a:t>ACM TOMS, TOMACS</a:t>
-            </a:r>
-          </a:p>
-          <a:p>
-            <a:pPr lvl="1"/>
-            <a:r>
-              <a:rPr lang="en-US" sz="2000" dirty="0">
-                <a:hlinkClick r:id="rId2"/>
-              </a:rPr>
-              <a:t>http://toms.acm.org/replicated-computational-results.cfm</a:t>
-            </a:r>
-            <a:r>
-              <a:rPr lang="en-US" sz="2000" dirty="0"/>
-              <a:t> </a:t>
-            </a:r>
-          </a:p>
-          <a:p>
-            <a:r>
-              <a:rPr lang="en-US" sz="2400" dirty="0"/>
-              <a:t>ACM Badging</a:t>
-            </a:r>
-          </a:p>
-          <a:p>
-            <a:pPr lvl="1"/>
-            <a:r>
-              <a:rPr lang="en-US" dirty="0"/>
-              <a:t>Functional, reusable, available, replicated, reproduced</a:t>
-            </a:r>
-          </a:p>
-          <a:p>
-            <a:pPr lvl="1"/>
-            <a:r>
-              <a:rPr lang="en-US" sz="2000" dirty="0">
-                <a:hlinkClick r:id="rId3"/>
-              </a:rPr>
-              <a:t>https://www.acm.org/publications/policies/artifact-review-badging</a:t>
-            </a:r>
-            <a:r>
-              <a:rPr lang="en-US" sz="2000" dirty="0"/>
-              <a:t> </a:t>
-            </a:r>
-          </a:p>
-          <a:p>
-            <a:r>
-              <a:rPr lang="en-US" sz="2400" dirty="0"/>
-              <a:t>These conferences have artifact evaluation appendices:</a:t>
-            </a:r>
-          </a:p>
-          <a:p>
-            <a:pPr lvl="1"/>
-            <a:r>
-              <a:rPr lang="en-US" sz="2000" dirty="0"/>
-              <a:t>CGO, </a:t>
-            </a:r>
-            <a:r>
-              <a:rPr lang="en-US" sz="2000" dirty="0" err="1"/>
-              <a:t>PPoPP</a:t>
-            </a:r>
-            <a:r>
-              <a:rPr lang="en-US" sz="2000" dirty="0"/>
-              <a:t>, PACT, RTSS and SC</a:t>
-            </a:r>
-          </a:p>
-          <a:p>
-            <a:pPr lvl="1"/>
-            <a:r>
-              <a:rPr lang="en-US" sz="2000" dirty="0">
-                <a:hlinkClick r:id="rId4"/>
-              </a:rPr>
-              <a:t>http://fursin.net/reproducibility.html</a:t>
-            </a:r>
-            <a:endParaRPr lang="en-US" sz="2000" dirty="0"/>
-          </a:p>
-          <a:p>
-            <a:r>
-              <a:rPr lang="en-US" sz="2400" dirty="0"/>
-              <a:t>NISO Committee on Reproducibility and Badging</a:t>
-            </a:r>
-          </a:p>
-          <a:p>
-            <a:pPr lvl="1"/>
-            <a:r>
-              <a:rPr lang="en-US" sz="2000" dirty="0">
-                <a:hlinkClick r:id="rId5"/>
-              </a:rPr>
-              <a:t>https://www.niso.org/niso-io/2019/01/new-niso-project-badging-scheme-reproducibility-computational-and-computing</a:t>
-            </a:r>
-            <a:r>
-              <a:rPr lang="en-US" sz="2000" dirty="0"/>
-              <a:t> </a:t>
-            </a:r>
-          </a:p>
-          <a:p>
-            <a:pPr lvl="1"/>
-            <a:r>
-              <a:rPr lang="en-US" sz="2000" dirty="0"/>
-              <a:t>Publishers: ACM, IEEE, </a:t>
-            </a:r>
-            <a:r>
-              <a:rPr lang="en-US" sz="2000" dirty="0" err="1"/>
-              <a:t>figshare</a:t>
-            </a:r>
-            <a:r>
-              <a:rPr lang="en-US" sz="2000" dirty="0"/>
-              <a:t>, STM, Reed Elsevier, Springer Nature</a:t>
-            </a:r>
-          </a:p>
-        </p:txBody>
-      </p:sp>
-    </p:spTree>
-    <p:extLst>
-      <p:ext uri="{BB962C8B-B14F-4D97-AF65-F5344CB8AC3E}">
-        <p14:creationId xmlns:p14="http://schemas.microsoft.com/office/powerpoint/2010/main" val="2234428243"/>
-      </p:ext>
-    </p:extLst>
-  </p:cSld>
-  <p:clrMapOvr>
-    <a:masterClrMapping/>
-  </p:clrMapOvr>
-</p:sld>
-</file>
-
-<file path=ppt/slides/slide31.xml><?xml version="1.0" encoding="utf-8"?>
-<p:sld xmlns:a="http://schemas.openxmlformats.org/drawingml/2006/main" xmlns:r="http://schemas.openxmlformats.org/officeDocument/2006/relationships" xmlns:p="http://schemas.openxmlformats.org/presentationml/2006/main">
-  <p:cSld>
-    <p:spTree>
-      <p:nvGrpSpPr>
-        <p:cNvPr id="1" name=""/>
-        <p:cNvGrpSpPr/>
-        <p:nvPr/>
-      </p:nvGrpSpPr>
-      <p:grpSpPr>
-        <a:xfrm>
-          <a:off x="0" y="0"/>
-          <a:ext cx="0" cy="0"/>
-          <a:chOff x="0" y="0"/>
-          <a:chExt cx="0" cy="0"/>
-        </a:xfrm>
-      </p:grpSpPr>
-      <p:sp>
-        <p:nvSpPr>
-          <p:cNvPr id="2" name="Title 1"/>
-          <p:cNvSpPr>
-            <a:spLocks noGrp="1"/>
-          </p:cNvSpPr>
-          <p:nvPr>
-            <p:ph type="title"/>
-          </p:nvPr>
-        </p:nvSpPr>
         <p:spPr/>
         <p:txBody>
           <a:bodyPr/>
@@ -11768,7 +10555,7 @@
 </p:sld>
 </file>
 
-<file path=ppt/slides/slide32.xml><?xml version="1.0" encoding="utf-8"?>
+<file path=ppt/slides/slide31.xml><?xml version="1.0" encoding="utf-8"?>
 <p:sld xmlns:a="http://schemas.openxmlformats.org/drawingml/2006/main" xmlns:r="http://schemas.openxmlformats.org/officeDocument/2006/relationships" xmlns:p="http://schemas.openxmlformats.org/presentationml/2006/main">
   <p:cSld>
     <p:spTree>
@@ -11929,7 +10716,7 @@
 </p:sld>
 </file>
 
-<file path=ppt/slides/slide33.xml><?xml version="1.0" encoding="utf-8"?>
+<file path=ppt/slides/slide32.xml><?xml version="1.0" encoding="utf-8"?>
 <p:sld xmlns:a="http://schemas.openxmlformats.org/drawingml/2006/main" xmlns:r="http://schemas.openxmlformats.org/officeDocument/2006/relationships" xmlns:p="http://schemas.openxmlformats.org/presentationml/2006/main">
   <p:cSld>
     <p:spTree>
@@ -14636,12 +13423,6 @@
 </file>
 
 <file path=customXml/item1.xml><?xml version="1.0" encoding="utf-8"?>
-<p:properties xmlns:p="http://schemas.microsoft.com/office/2006/metadata/properties" xmlns:xsi="http://www.w3.org/2001/XMLSchema-instance" xmlns:pc="http://schemas.microsoft.com/office/infopath/2007/PartnerControls">
-  <documentManagement/>
-</p:properties>
-</file>
-
-<file path=customXml/item2.xml><?xml version="1.0" encoding="utf-8"?>
 <?mso-contentType ?>
 <FormTemplates xmlns="http://schemas.microsoft.com/sharepoint/v3/contenttype/forms">
   <Display>DocumentLibraryForm</Display>
@@ -14650,7 +13431,7 @@
 </FormTemplates>
 </file>
 
-<file path=customXml/item3.xml><?xml version="1.0" encoding="utf-8"?>
+<file path=customXml/item2.xml><?xml version="1.0" encoding="utf-8"?>
 <ct:contentTypeSchema xmlns:ct="http://schemas.microsoft.com/office/2006/metadata/contentType" xmlns:ma="http://schemas.microsoft.com/office/2006/metadata/properties/metaAttributes" ct:_="" ma:_="" ma:contentTypeName="Document" ma:contentTypeID="0x010100565464437F680748A68B85EB6594EA7D" ma:contentTypeVersion="0" ma:contentTypeDescription="Create a new document." ma:contentTypeScope="" ma:versionID="fe3f4dd58d5914c51cfc6deaa8ad845c">
   <xsd:schema xmlns:xsd="http://www.w3.org/2001/XMLSchema" xmlns:p="http://schemas.microsoft.com/office/2006/metadata/properties" targetNamespace="http://schemas.microsoft.com/office/2006/metadata/properties" ma:root="true" ma:fieldsID="4aeb20c0e3442673af7ee10786458764">
     <xsd:element name="properties">
@@ -14699,22 +13480,13 @@
 </ct:contentTypeSchema>
 </file>
 
-<file path=customXml/itemProps1.xml><?xml version="1.0" encoding="utf-8"?>
-<ds:datastoreItem xmlns:ds="http://schemas.openxmlformats.org/officeDocument/2006/customXml" ds:itemID="{A50EC660-24D0-43A0-AE5E-E274115E726B}">
-  <ds:schemaRefs>
-    <ds:schemaRef ds:uri="http://purl.org/dc/terms/"/>
-    <ds:schemaRef ds:uri="http://schemas.openxmlformats.org/package/2006/metadata/core-properties"/>
-    <ds:schemaRef ds:uri="http://schemas.microsoft.com/office/2006/documentManagement/types"/>
-    <ds:schemaRef ds:uri="http://purl.org/dc/elements/1.1/"/>
-    <ds:schemaRef ds:uri="http://schemas.microsoft.com/office/2006/metadata/properties"/>
-    <ds:schemaRef ds:uri="http://www.w3.org/XML/1998/namespace"/>
-    <ds:schemaRef ds:uri="http://purl.org/dc/dcmitype/"/>
-    <ds:schemaRef ds:uri="http://schemas.microsoft.com/office/infopath/2007/PartnerControls"/>
-  </ds:schemaRefs>
-</ds:datastoreItem>
+<file path=customXml/item3.xml><?xml version="1.0" encoding="utf-8"?>
+<p:properties xmlns:p="http://schemas.microsoft.com/office/2006/metadata/properties" xmlns:xsi="http://www.w3.org/2001/XMLSchema-instance" xmlns:pc="http://schemas.microsoft.com/office/infopath/2007/PartnerControls">
+  <documentManagement/>
+</p:properties>
 </file>
 
-<file path=customXml/itemProps2.xml><?xml version="1.0" encoding="utf-8"?>
+<file path=customXml/itemProps1.xml><?xml version="1.0" encoding="utf-8"?>
 <ds:datastoreItem xmlns:ds="http://schemas.openxmlformats.org/officeDocument/2006/customXml" ds:itemID="{19E20559-B232-4371-8690-E3D8007EDB82}">
   <ds:schemaRefs>
     <ds:schemaRef ds:uri="http://schemas.microsoft.com/sharepoint/v3/contenttype/forms"/>
@@ -14722,7 +13494,7 @@
 </ds:datastoreItem>
 </file>
 
-<file path=customXml/itemProps3.xml><?xml version="1.0" encoding="utf-8"?>
+<file path=customXml/itemProps2.xml><?xml version="1.0" encoding="utf-8"?>
 <ds:datastoreItem xmlns:ds="http://schemas.openxmlformats.org/officeDocument/2006/customXml" ds:itemID="{E8DB7DEB-074E-4EE8-9B6E-FD277323109C}">
   <ds:schemaRefs>
     <ds:schemaRef ds:uri="http://schemas.microsoft.com/office/2006/metadata/contentType"/>
@@ -14735,4 +13507,19 @@
     <ds:schemaRef ds:uri="http://schemas.microsoft.com/office/internal/2005/internalDocumentation"/>
   </ds:schemaRefs>
 </ds:datastoreItem>
+</file>
+
+<file path=customXml/itemProps3.xml><?xml version="1.0" encoding="utf-8"?>
+<ds:datastoreItem xmlns:ds="http://schemas.openxmlformats.org/officeDocument/2006/customXml" ds:itemID="{A50EC660-24D0-43A0-AE5E-E274115E726B}">
+  <ds:schemaRefs>
+    <ds:schemaRef ds:uri="http://purl.org/dc/elements/1.1/"/>
+    <ds:schemaRef ds:uri="http://schemas.microsoft.com/office/2006/metadata/properties"/>
+    <ds:schemaRef ds:uri="http://purl.org/dc/terms/"/>
+    <ds:schemaRef ds:uri="http://schemas.openxmlformats.org/package/2006/metadata/core-properties"/>
+    <ds:schemaRef ds:uri="http://schemas.microsoft.com/office/2006/documentManagement/types"/>
+    <ds:schemaRef ds:uri="http://www.w3.org/XML/1998/namespace"/>
+    <ds:schemaRef ds:uri="http://purl.org/dc/dcmitype/"/>
+    <ds:schemaRef ds:uri="http://schemas.microsoft.com/office/infopath/2007/PartnerControls"/>
+  </ds:schemaRefs>
+</ds:datastoreItem>
 </file>
--- a/reproducibility.pptx
+++ b/reproducibility.pptx
@@ -5,10 +5,10 @@
     <p:sldMasterId id="2147483935" r:id="rId4"/>
   </p:sldMasterIdLst>
   <p:notesMasterIdLst>
-    <p:notesMasterId r:id="rId37"/>
+    <p:notesMasterId r:id="rId36"/>
   </p:notesMasterIdLst>
   <p:handoutMasterIdLst>
-    <p:handoutMasterId r:id="rId38"/>
+    <p:handoutMasterId r:id="rId37"/>
   </p:handoutMasterIdLst>
   <p:sldIdLst>
     <p:sldId id="318" r:id="rId5"/>
@@ -24,25 +24,24 @@
     <p:sldId id="1825" r:id="rId15"/>
     <p:sldId id="1823" r:id="rId16"/>
     <p:sldId id="1843" r:id="rId17"/>
-    <p:sldId id="1840" r:id="rId18"/>
-    <p:sldId id="1826" r:id="rId19"/>
-    <p:sldId id="1821" r:id="rId20"/>
-    <p:sldId id="1834" r:id="rId21"/>
-    <p:sldId id="1828" r:id="rId22"/>
-    <p:sldId id="1832" r:id="rId23"/>
-    <p:sldId id="1829" r:id="rId24"/>
-    <p:sldId id="1833" r:id="rId25"/>
-    <p:sldId id="1831" r:id="rId26"/>
-    <p:sldId id="1842" r:id="rId27"/>
-    <p:sldId id="1830" r:id="rId28"/>
-    <p:sldId id="1844" r:id="rId29"/>
-    <p:sldId id="1841" r:id="rId30"/>
-    <p:sldId id="1806" r:id="rId31"/>
-    <p:sldId id="1807" r:id="rId32"/>
-    <p:sldId id="1811" r:id="rId33"/>
-    <p:sldId id="313" r:id="rId34"/>
-    <p:sldId id="1836" r:id="rId35"/>
-    <p:sldId id="1837" r:id="rId36"/>
+    <p:sldId id="1841" r:id="rId18"/>
+    <p:sldId id="1806" r:id="rId19"/>
+    <p:sldId id="1807" r:id="rId20"/>
+    <p:sldId id="1811" r:id="rId21"/>
+    <p:sldId id="1840" r:id="rId22"/>
+    <p:sldId id="1826" r:id="rId23"/>
+    <p:sldId id="1821" r:id="rId24"/>
+    <p:sldId id="1834" r:id="rId25"/>
+    <p:sldId id="1828" r:id="rId26"/>
+    <p:sldId id="1836" r:id="rId27"/>
+    <p:sldId id="1837" r:id="rId28"/>
+    <p:sldId id="1832" r:id="rId29"/>
+    <p:sldId id="1829" r:id="rId30"/>
+    <p:sldId id="1833" r:id="rId31"/>
+    <p:sldId id="1831" r:id="rId32"/>
+    <p:sldId id="1842" r:id="rId33"/>
+    <p:sldId id="1830" r:id="rId34"/>
+    <p:sldId id="313" r:id="rId35"/>
   </p:sldIdLst>
   <p:sldSz cx="12188825" cy="6858000"/>
   <p:notesSz cx="7010400" cy="9296400"/>
@@ -1276,7 +1275,7 @@
           <a:p>
             <a:fld id="{54E672D7-8E2D-4611-973D-F4591A707C34}" type="slidenum">
               <a:rPr lang="en-US" smtClean="0"/>
-              <a:t>14</a:t>
+              <a:t>18</a:t>
             </a:fld>
             <a:endParaRPr lang="en-US"/>
           </a:p>
@@ -1360,7 +1359,7 @@
           <a:p>
             <a:fld id="{54E672D7-8E2D-4611-973D-F4591A707C34}" type="slidenum">
               <a:rPr lang="en-US" smtClean="0"/>
-              <a:t>15</a:t>
+              <a:t>19</a:t>
             </a:fld>
             <a:endParaRPr lang="en-US"/>
           </a:p>
@@ -1444,7 +1443,7 @@
           <a:p>
             <a:fld id="{54E672D7-8E2D-4611-973D-F4591A707C34}" type="slidenum">
               <a:rPr lang="en-US" smtClean="0"/>
-              <a:t>20</a:t>
+              <a:t>26</a:t>
             </a:fld>
             <a:endParaRPr lang="en-US"/>
           </a:p>
@@ -1528,7 +1527,7 @@
           <a:p>
             <a:fld id="{54E672D7-8E2D-4611-973D-F4591A707C34}" type="slidenum">
               <a:rPr lang="en-US" smtClean="0"/>
-              <a:t>22</a:t>
+              <a:t>28</a:t>
             </a:fld>
             <a:endParaRPr lang="en-US"/>
           </a:p>
@@ -6030,6 +6029,1054 @@
       </p:grpSpPr>
       <p:sp>
         <p:nvSpPr>
+          <p:cNvPr id="4" name="Title 3">
+            <a:extLst>
+              <a:ext uri="{FF2B5EF4-FFF2-40B4-BE49-F238E27FC236}">
+                <a16:creationId xmlns:a16="http://schemas.microsoft.com/office/drawing/2014/main" id="{672F71E0-47A2-4020-9B2A-62C994864519}"/>
+              </a:ext>
+            </a:extLst>
+          </p:cNvPr>
+          <p:cNvSpPr>
+            <a:spLocks noGrp="1"/>
+          </p:cNvSpPr>
+          <p:nvPr>
+            <p:ph type="title"/>
+          </p:nvPr>
+        </p:nvSpPr>
+        <p:spPr/>
+        <p:txBody>
+          <a:bodyPr/>
+          <a:lstStyle/>
+          <a:p>
+            <a:r>
+              <a:rPr lang="en-US" dirty="0"/>
+              <a:t>Setting Expectations for Your Data</a:t>
+            </a:r>
+          </a:p>
+        </p:txBody>
+      </p:sp>
+      <p:sp>
+        <p:nvSpPr>
+          <p:cNvPr id="5" name="Text Placeholder 4">
+            <a:extLst>
+              <a:ext uri="{FF2B5EF4-FFF2-40B4-BE49-F238E27FC236}">
+                <a16:creationId xmlns:a16="http://schemas.microsoft.com/office/drawing/2014/main" id="{5C43CE43-3F69-454F-91AA-79F31589C030}"/>
+              </a:ext>
+            </a:extLst>
+          </p:cNvPr>
+          <p:cNvSpPr>
+            <a:spLocks noGrp="1"/>
+          </p:cNvSpPr>
+          <p:nvPr>
+            <p:ph type="body" idx="1"/>
+          </p:nvPr>
+        </p:nvSpPr>
+        <p:spPr>
+          <a:xfrm>
+            <a:off x="457200" y="873418"/>
+            <a:ext cx="5588582" cy="821190"/>
+          </a:xfrm>
+        </p:spPr>
+        <p:txBody>
+          <a:bodyPr/>
+          <a:lstStyle/>
+          <a:p>
+            <a:r>
+              <a:rPr lang="en-US" dirty="0"/>
+              <a:t>Data Management Plans</a:t>
+            </a:r>
+          </a:p>
+        </p:txBody>
+      </p:sp>
+      <p:sp>
+        <p:nvSpPr>
+          <p:cNvPr id="6" name="Content Placeholder 5">
+            <a:extLst>
+              <a:ext uri="{FF2B5EF4-FFF2-40B4-BE49-F238E27FC236}">
+                <a16:creationId xmlns:a16="http://schemas.microsoft.com/office/drawing/2014/main" id="{D66E6D61-44C6-4432-83DF-8B05B0B813B2}"/>
+              </a:ext>
+            </a:extLst>
+          </p:cNvPr>
+          <p:cNvSpPr>
+            <a:spLocks noGrp="1"/>
+          </p:cNvSpPr>
+          <p:nvPr>
+            <p:ph sz="half" idx="2"/>
+          </p:nvPr>
+        </p:nvSpPr>
+        <p:spPr>
+          <a:xfrm>
+            <a:off x="457200" y="1694608"/>
+            <a:ext cx="5588582" cy="3373229"/>
+          </a:xfrm>
+        </p:spPr>
+        <p:txBody>
+          <a:bodyPr/>
+          <a:lstStyle/>
+          <a:p>
+            <a:r>
+              <a:rPr lang="en-US" dirty="0"/>
+              <a:t>Most research sponsors require data management plans as part of proposals</a:t>
+            </a:r>
+          </a:p>
+          <a:p>
+            <a:r>
+              <a:rPr lang="en-US" dirty="0"/>
+              <a:t>Example: NSF policy on </a:t>
+            </a:r>
+            <a:r>
+              <a:rPr lang="en-US" dirty="0">
+                <a:hlinkClick r:id="rId2"/>
+              </a:rPr>
+              <a:t>Dissemination and Sharing of Research Results</a:t>
+            </a:r>
+            <a:endParaRPr lang="en-US" dirty="0"/>
+          </a:p>
+          <a:p>
+            <a:pPr lvl="1">
+              <a:spcBef>
+                <a:spcPts val="200"/>
+              </a:spcBef>
+            </a:pPr>
+            <a:r>
+              <a:rPr lang="en-US" dirty="0"/>
+              <a:t>Promptly publish with appropriate authorship</a:t>
+            </a:r>
+          </a:p>
+          <a:p>
+            <a:pPr lvl="1">
+              <a:spcBef>
+                <a:spcPts val="200"/>
+              </a:spcBef>
+            </a:pPr>
+            <a:r>
+              <a:rPr lang="en-US" dirty="0"/>
+              <a:t>Share data, samples, physical collections, and supporting materials with others, within a reasonable time frame</a:t>
+            </a:r>
+          </a:p>
+          <a:p>
+            <a:pPr lvl="1">
+              <a:spcBef>
+                <a:spcPts val="200"/>
+              </a:spcBef>
+            </a:pPr>
+            <a:r>
+              <a:rPr lang="en-US" dirty="0"/>
+              <a:t>Share software and inventions</a:t>
+            </a:r>
+          </a:p>
+          <a:p>
+            <a:pPr lvl="1">
+              <a:spcBef>
+                <a:spcPts val="200"/>
+              </a:spcBef>
+            </a:pPr>
+            <a:r>
+              <a:rPr lang="en-US" dirty="0"/>
+              <a:t>Investigators can keep their legal rights over their intellectual property, but they still have to make their results, data, and collections available to others</a:t>
+            </a:r>
+          </a:p>
+          <a:p>
+            <a:pPr lvl="1">
+              <a:spcBef>
+                <a:spcPts val="200"/>
+              </a:spcBef>
+            </a:pPr>
+            <a:r>
+              <a:rPr lang="en-US" dirty="0"/>
+              <a:t>Policies will be implemented via</a:t>
+            </a:r>
+          </a:p>
+          <a:p>
+            <a:pPr lvl="2">
+              <a:spcBef>
+                <a:spcPts val="200"/>
+              </a:spcBef>
+            </a:pPr>
+            <a:r>
+              <a:rPr lang="en-US" dirty="0"/>
+              <a:t>Proposal review</a:t>
+            </a:r>
+          </a:p>
+          <a:p>
+            <a:pPr lvl="2">
+              <a:spcBef>
+                <a:spcPts val="200"/>
+              </a:spcBef>
+            </a:pPr>
+            <a:r>
+              <a:rPr lang="en-US" dirty="0"/>
+              <a:t>Award negotiations and conditions</a:t>
+            </a:r>
+          </a:p>
+          <a:p>
+            <a:pPr lvl="2">
+              <a:spcBef>
+                <a:spcPts val="200"/>
+              </a:spcBef>
+            </a:pPr>
+            <a:r>
+              <a:rPr lang="en-US" dirty="0"/>
+              <a:t>Support/incentives</a:t>
+            </a:r>
+          </a:p>
+        </p:txBody>
+      </p:sp>
+      <p:sp>
+        <p:nvSpPr>
+          <p:cNvPr id="7" name="Text Placeholder 6">
+            <a:extLst>
+              <a:ext uri="{FF2B5EF4-FFF2-40B4-BE49-F238E27FC236}">
+                <a16:creationId xmlns:a16="http://schemas.microsoft.com/office/drawing/2014/main" id="{7FA9370A-7387-4D95-8D73-35942A83C120}"/>
+              </a:ext>
+            </a:extLst>
+          </p:cNvPr>
+          <p:cNvSpPr>
+            <a:spLocks noGrp="1"/>
+          </p:cNvSpPr>
+          <p:nvPr>
+            <p:ph type="body" sz="quarter" idx="3"/>
+          </p:nvPr>
+        </p:nvSpPr>
+        <p:spPr>
+          <a:xfrm>
+            <a:off x="6218914" y="873418"/>
+            <a:ext cx="5531934" cy="821190"/>
+          </a:xfrm>
+        </p:spPr>
+        <p:txBody>
+          <a:bodyPr/>
+          <a:lstStyle/>
+          <a:p>
+            <a:r>
+              <a:rPr lang="en-US" dirty="0"/>
+              <a:t>FAIR Data Principles</a:t>
+            </a:r>
+          </a:p>
+        </p:txBody>
+      </p:sp>
+      <p:sp>
+        <p:nvSpPr>
+          <p:cNvPr id="8" name="Content Placeholder 7">
+            <a:extLst>
+              <a:ext uri="{FF2B5EF4-FFF2-40B4-BE49-F238E27FC236}">
+                <a16:creationId xmlns:a16="http://schemas.microsoft.com/office/drawing/2014/main" id="{78928391-B382-4CEF-AAAA-6902053F38C2}"/>
+              </a:ext>
+            </a:extLst>
+          </p:cNvPr>
+          <p:cNvSpPr>
+            <a:spLocks noGrp="1"/>
+          </p:cNvSpPr>
+          <p:nvPr>
+            <p:ph sz="quarter" idx="4"/>
+          </p:nvPr>
+        </p:nvSpPr>
+        <p:spPr>
+          <a:xfrm>
+            <a:off x="6218914" y="1694608"/>
+            <a:ext cx="5531934" cy="3373229"/>
+          </a:xfrm>
+        </p:spPr>
+        <p:txBody>
+          <a:bodyPr/>
+          <a:lstStyle/>
+          <a:p>
+            <a:r>
+              <a:rPr lang="en-US" dirty="0"/>
+              <a:t>Address data producers and publishers to promote maximum use of research data</a:t>
+            </a:r>
+          </a:p>
+          <a:p>
+            <a:r>
+              <a:rPr lang="en-US" dirty="0"/>
+              <a:t>Findability</a:t>
+            </a:r>
+          </a:p>
+          <a:p>
+            <a:pPr lvl="1">
+              <a:spcBef>
+                <a:spcPts val="200"/>
+              </a:spcBef>
+            </a:pPr>
+            <a:r>
+              <a:rPr lang="en-US" sz="1600" dirty="0"/>
+              <a:t>Data and supplementary materials have sufficiently rich metadata and a unique and persistent identifier.</a:t>
+            </a:r>
+          </a:p>
+          <a:p>
+            <a:pPr>
+              <a:spcBef>
+                <a:spcPts val="800"/>
+              </a:spcBef>
+            </a:pPr>
+            <a:r>
+              <a:rPr lang="en-US" dirty="0"/>
+              <a:t>Accessibility</a:t>
+            </a:r>
+          </a:p>
+          <a:p>
+            <a:pPr lvl="1">
+              <a:spcBef>
+                <a:spcPts val="200"/>
+              </a:spcBef>
+            </a:pPr>
+            <a:r>
+              <a:rPr lang="en-US" sz="1600" dirty="0"/>
+              <a:t>Metadata and data are understandable to humans and machines. Data is deposited in a trusted repository.</a:t>
+            </a:r>
+            <a:endParaRPr lang="en-US" dirty="0"/>
+          </a:p>
+          <a:p>
+            <a:pPr>
+              <a:spcBef>
+                <a:spcPts val="800"/>
+              </a:spcBef>
+            </a:pPr>
+            <a:r>
+              <a:rPr lang="en-US" dirty="0"/>
+              <a:t>Interoperability</a:t>
+            </a:r>
+          </a:p>
+          <a:p>
+            <a:pPr lvl="1">
+              <a:spcBef>
+                <a:spcPts val="200"/>
+              </a:spcBef>
+            </a:pPr>
+            <a:r>
+              <a:rPr lang="en-US" sz="1600" dirty="0"/>
+              <a:t>Metadata use a formal, accessible, shared, and broadly applicable language for knowledge representation.</a:t>
+            </a:r>
+          </a:p>
+          <a:p>
+            <a:pPr>
+              <a:spcBef>
+                <a:spcPts val="800"/>
+              </a:spcBef>
+            </a:pPr>
+            <a:r>
+              <a:rPr lang="en-US" dirty="0"/>
+              <a:t>Reusability</a:t>
+            </a:r>
+          </a:p>
+          <a:p>
+            <a:pPr lvl="1">
+              <a:spcBef>
+                <a:spcPts val="200"/>
+              </a:spcBef>
+            </a:pPr>
+            <a:r>
+              <a:rPr lang="en-US" sz="1600" dirty="0"/>
+              <a:t>Data and collections have a clear usage licenses and provide accurate information on provenance.</a:t>
+            </a:r>
+          </a:p>
+        </p:txBody>
+      </p:sp>
+    </p:spTree>
+    <p:extLst>
+      <p:ext uri="{BB962C8B-B14F-4D97-AF65-F5344CB8AC3E}">
+        <p14:creationId xmlns:p14="http://schemas.microsoft.com/office/powerpoint/2010/main" val="3993795658"/>
+      </p:ext>
+    </p:extLst>
+  </p:cSld>
+  <p:clrMapOvr>
+    <a:masterClrMapping/>
+  </p:clrMapOvr>
+</p:sld>
+</file>
+
+<file path=ppt/slides/slide15.xml><?xml version="1.0" encoding="utf-8"?>
+<p:sld xmlns:a="http://schemas.openxmlformats.org/drawingml/2006/main" xmlns:r="http://schemas.openxmlformats.org/officeDocument/2006/relationships" xmlns:p="http://schemas.openxmlformats.org/presentationml/2006/main">
+  <p:cSld>
+    <p:spTree>
+      <p:nvGrpSpPr>
+        <p:cNvPr id="1" name=""/>
+        <p:cNvGrpSpPr/>
+        <p:nvPr/>
+      </p:nvGrpSpPr>
+      <p:grpSpPr>
+        <a:xfrm>
+          <a:off x="0" y="0"/>
+          <a:ext cx="0" cy="0"/>
+          <a:chOff x="0" y="0"/>
+          <a:chExt cx="0" cy="0"/>
+        </a:xfrm>
+      </p:grpSpPr>
+      <p:sp>
+        <p:nvSpPr>
+          <p:cNvPr id="2" name="Title 1"/>
+          <p:cNvSpPr>
+            <a:spLocks noGrp="1"/>
+          </p:cNvSpPr>
+          <p:nvPr>
+            <p:ph type="title"/>
+          </p:nvPr>
+        </p:nvSpPr>
+        <p:spPr/>
+        <p:txBody>
+          <a:bodyPr/>
+          <a:lstStyle/>
+          <a:p>
+            <a:r>
+              <a:rPr lang="en-US" dirty="0"/>
+              <a:t> ACM TOMS Reproducible Computational Results (RCR)</a:t>
+            </a:r>
+          </a:p>
+        </p:txBody>
+      </p:sp>
+      <p:sp>
+        <p:nvSpPr>
+          <p:cNvPr id="3" name="Content Placeholder 2"/>
+          <p:cNvSpPr>
+            <a:spLocks noGrp="1"/>
+          </p:cNvSpPr>
+          <p:nvPr>
+            <p:ph sz="quarter" idx="1"/>
+          </p:nvPr>
+        </p:nvSpPr>
+        <p:spPr>
+          <a:xfrm>
+            <a:off x="365760" y="930168"/>
+            <a:ext cx="11369809" cy="4047778"/>
+          </a:xfrm>
+        </p:spPr>
+        <p:txBody>
+          <a:bodyPr/>
+          <a:lstStyle/>
+          <a:p>
+            <a:pPr>
+              <a:spcBef>
+                <a:spcPts val="800"/>
+              </a:spcBef>
+            </a:pPr>
+            <a:r>
+              <a:rPr lang="en-US" dirty="0"/>
+              <a:t>Submission: Optional RCR option</a:t>
+            </a:r>
+          </a:p>
+          <a:p>
+            <a:pPr>
+              <a:spcBef>
+                <a:spcPts val="800"/>
+              </a:spcBef>
+            </a:pPr>
+            <a:r>
+              <a:rPr lang="en-US" dirty="0"/>
+              <a:t>Standard reviewer assignment: Nothing changes</a:t>
+            </a:r>
+          </a:p>
+          <a:p>
+            <a:pPr>
+              <a:spcBef>
+                <a:spcPts val="800"/>
+              </a:spcBef>
+            </a:pPr>
+            <a:r>
+              <a:rPr lang="en-US" dirty="0"/>
+              <a:t>RCR reviewer assignment:</a:t>
+            </a:r>
+          </a:p>
+          <a:p>
+            <a:pPr lvl="1">
+              <a:spcBef>
+                <a:spcPts val="200"/>
+              </a:spcBef>
+            </a:pPr>
+            <a:r>
+              <a:rPr lang="en-US" dirty="0"/>
+              <a:t>Concurrent with standard reviews</a:t>
+            </a:r>
+          </a:p>
+          <a:p>
+            <a:pPr lvl="1">
+              <a:spcBef>
+                <a:spcPts val="200"/>
+              </a:spcBef>
+            </a:pPr>
+            <a:r>
+              <a:rPr lang="en-US" dirty="0"/>
+              <a:t>As early as possible in review process</a:t>
+            </a:r>
+          </a:p>
+          <a:p>
+            <a:pPr lvl="1">
+              <a:spcBef>
+                <a:spcPts val="200"/>
+              </a:spcBef>
+            </a:pPr>
+            <a:r>
+              <a:rPr lang="en-US" dirty="0"/>
+              <a:t>Known to and works with authors during the RCR process</a:t>
+            </a:r>
+          </a:p>
+          <a:p>
+            <a:pPr>
+              <a:spcBef>
+                <a:spcPts val="800"/>
+              </a:spcBef>
+            </a:pPr>
+            <a:r>
+              <a:rPr lang="en-US" dirty="0"/>
+              <a:t>RCR process: </a:t>
+            </a:r>
+          </a:p>
+          <a:p>
+            <a:pPr lvl="1">
+              <a:spcBef>
+                <a:spcPts val="200"/>
+              </a:spcBef>
+            </a:pPr>
+            <a:r>
+              <a:rPr lang="en-US" dirty="0"/>
+              <a:t>Multi-faceted approach, Bottom line: Trust the reviewer</a:t>
+            </a:r>
+          </a:p>
+          <a:p>
+            <a:pPr>
+              <a:spcBef>
+                <a:spcPts val="800"/>
+              </a:spcBef>
+            </a:pPr>
+            <a:r>
+              <a:rPr lang="en-US" dirty="0"/>
+              <a:t>Publication: </a:t>
+            </a:r>
+          </a:p>
+          <a:p>
+            <a:pPr lvl="1">
+              <a:spcBef>
+                <a:spcPts val="200"/>
+              </a:spcBef>
+            </a:pPr>
+            <a:r>
+              <a:rPr lang="en-US" dirty="0"/>
+              <a:t>Reproducible Computational Results Designation</a:t>
+            </a:r>
+          </a:p>
+          <a:p>
+            <a:pPr lvl="1">
+              <a:spcBef>
+                <a:spcPts val="200"/>
+              </a:spcBef>
+            </a:pPr>
+            <a:r>
+              <a:rPr lang="en-US" dirty="0"/>
+              <a:t>The RCR referee acknowledged</a:t>
+            </a:r>
+          </a:p>
+          <a:p>
+            <a:pPr lvl="1">
+              <a:spcBef>
+                <a:spcPts val="200"/>
+              </a:spcBef>
+            </a:pPr>
+            <a:r>
+              <a:rPr lang="en-US" dirty="0"/>
+              <a:t>Review report appears with published manuscript</a:t>
+            </a:r>
+          </a:p>
+          <a:p>
+            <a:pPr>
+              <a:spcBef>
+                <a:spcPts val="800"/>
+              </a:spcBef>
+            </a:pPr>
+            <a:r>
+              <a:rPr lang="en-US" dirty="0"/>
+              <a:t>Incentives:</a:t>
+            </a:r>
+          </a:p>
+          <a:p>
+            <a:pPr lvl="1">
+              <a:spcBef>
+                <a:spcPts val="200"/>
+              </a:spcBef>
+            </a:pPr>
+            <a:r>
+              <a:rPr lang="en-US" dirty="0"/>
+              <a:t>Journal: raises the credibility/quality/rigor of papers it publishes</a:t>
+            </a:r>
+          </a:p>
+          <a:p>
+            <a:pPr lvl="1">
+              <a:spcBef>
+                <a:spcPts val="200"/>
+              </a:spcBef>
+            </a:pPr>
+            <a:r>
+              <a:rPr lang="en-US" dirty="0"/>
+              <a:t>Authors: badging indicates additional credibility/quality/rigor of paper</a:t>
+            </a:r>
+          </a:p>
+          <a:p>
+            <a:pPr lvl="1">
+              <a:spcBef>
+                <a:spcPts val="200"/>
+              </a:spcBef>
+            </a:pPr>
+            <a:r>
+              <a:rPr lang="en-US" dirty="0"/>
+              <a:t>Reviewer: companion publication</a:t>
+            </a:r>
+          </a:p>
+        </p:txBody>
+      </p:sp>
+      <p:pic>
+        <p:nvPicPr>
+          <p:cNvPr id="4" name="Picture 3" descr="TOMS_RCR_Badge.png"/>
+          <p:cNvPicPr>
+            <a:picLocks noChangeAspect="1"/>
+          </p:cNvPicPr>
+          <p:nvPr/>
+        </p:nvPicPr>
+        <p:blipFill>
+          <a:blip r:embed="rId2" cstate="print">
+            <a:extLst>
+              <a:ext uri="{28A0092B-C50C-407E-A947-70E740481C1C}">
+                <a14:useLocalDpi xmlns:a14="http://schemas.microsoft.com/office/drawing/2010/main" val="0"/>
+              </a:ext>
+            </a:extLst>
+          </a:blip>
+          <a:stretch>
+            <a:fillRect/>
+          </a:stretch>
+        </p:blipFill>
+        <p:spPr>
+          <a:xfrm>
+            <a:off x="8884039" y="1182644"/>
+            <a:ext cx="1735947" cy="1753752"/>
+          </a:xfrm>
+          <a:prstGeom prst="rect">
+            <a:avLst/>
+          </a:prstGeom>
+        </p:spPr>
+      </p:pic>
+    </p:spTree>
+    <p:extLst>
+      <p:ext uri="{BB962C8B-B14F-4D97-AF65-F5344CB8AC3E}">
+        <p14:creationId xmlns:p14="http://schemas.microsoft.com/office/powerpoint/2010/main" val="2703496536"/>
+      </p:ext>
+    </p:extLst>
+  </p:cSld>
+  <p:clrMapOvr>
+    <a:masterClrMapping/>
+  </p:clrMapOvr>
+</p:sld>
+</file>
+
+<file path=ppt/slides/slide16.xml><?xml version="1.0" encoding="utf-8"?>
+<p:sld xmlns:a="http://schemas.openxmlformats.org/drawingml/2006/main" xmlns:r="http://schemas.openxmlformats.org/officeDocument/2006/relationships" xmlns:p="http://schemas.openxmlformats.org/presentationml/2006/main">
+  <p:cSld>
+    <p:spTree>
+      <p:nvGrpSpPr>
+        <p:cNvPr id="1" name=""/>
+        <p:cNvGrpSpPr/>
+        <p:nvPr/>
+      </p:nvGrpSpPr>
+      <p:grpSpPr>
+        <a:xfrm>
+          <a:off x="0" y="0"/>
+          <a:ext cx="0" cy="0"/>
+          <a:chOff x="0" y="0"/>
+          <a:chExt cx="0" cy="0"/>
+        </a:xfrm>
+      </p:grpSpPr>
+      <p:sp>
+        <p:nvSpPr>
+          <p:cNvPr id="4" name="Title 3"/>
+          <p:cNvSpPr>
+            <a:spLocks noGrp="1"/>
+          </p:cNvSpPr>
+          <p:nvPr>
+            <p:ph type="title"/>
+          </p:nvPr>
+        </p:nvSpPr>
+        <p:spPr/>
+        <p:txBody>
+          <a:bodyPr/>
+          <a:lstStyle/>
+          <a:p>
+            <a:r>
+              <a:rPr lang="en-US" dirty="0"/>
+              <a:t>SC20 Transparency and  Reproducibility Initiative</a:t>
+            </a:r>
+          </a:p>
+        </p:txBody>
+      </p:sp>
+      <p:sp>
+        <p:nvSpPr>
+          <p:cNvPr id="5" name="Content Placeholder 4"/>
+          <p:cNvSpPr>
+            <a:spLocks noGrp="1"/>
+          </p:cNvSpPr>
+          <p:nvPr>
+            <p:ph sz="quarter" idx="1"/>
+          </p:nvPr>
+        </p:nvSpPr>
+        <p:spPr>
+          <a:xfrm>
+            <a:off x="365760" y="1141612"/>
+            <a:ext cx="11369809" cy="4047778"/>
+          </a:xfrm>
+        </p:spPr>
+        <p:txBody>
+          <a:bodyPr/>
+          <a:lstStyle/>
+          <a:p>
+            <a:r>
+              <a:rPr lang="en-US" sz="2800" dirty="0"/>
+              <a:t>Two appendices: </a:t>
+            </a:r>
+          </a:p>
+          <a:p>
+            <a:pPr lvl="1"/>
+            <a:r>
+              <a:rPr lang="en-US" sz="2400" dirty="0"/>
+              <a:t>Artifact description (AD).</a:t>
+            </a:r>
+          </a:p>
+          <a:p>
+            <a:pPr lvl="2"/>
+            <a:r>
+              <a:rPr lang="en-US" sz="2000" dirty="0"/>
+              <a:t>Blue print for setting up your computational experiment.</a:t>
+            </a:r>
+          </a:p>
+          <a:p>
+            <a:pPr lvl="2"/>
+            <a:r>
+              <a:rPr lang="en-US" sz="2000" dirty="0"/>
+              <a:t>Makes it easier to rerun computations in future.</a:t>
+            </a:r>
+          </a:p>
+          <a:p>
+            <a:pPr lvl="2"/>
+            <a:r>
+              <a:rPr lang="en-US" sz="2000" dirty="0"/>
+              <a:t>AD appendix is </a:t>
+            </a:r>
+            <a:r>
+              <a:rPr lang="en-US" sz="2000" b="1" dirty="0"/>
+              <a:t>mandatory</a:t>
+            </a:r>
+            <a:r>
+              <a:rPr lang="en-US" sz="2000" dirty="0"/>
+              <a:t> for paper submissions (since SC19).</a:t>
+            </a:r>
+          </a:p>
+          <a:p>
+            <a:pPr lvl="2"/>
+            <a:r>
+              <a:rPr lang="en-US" sz="2000" dirty="0"/>
+              <a:t>Largely auto-generated from submission information.</a:t>
+            </a:r>
+          </a:p>
+          <a:p>
+            <a:pPr lvl="1"/>
+            <a:r>
+              <a:rPr lang="en-US" sz="2400" dirty="0"/>
+              <a:t>Artifact Evaluation (AE).</a:t>
+            </a:r>
+          </a:p>
+          <a:p>
+            <a:pPr lvl="2"/>
+            <a:r>
+              <a:rPr lang="en-US" sz="2000" dirty="0"/>
+              <a:t>Targets “boutique” environments.</a:t>
+            </a:r>
+          </a:p>
+          <a:p>
+            <a:pPr lvl="2"/>
+            <a:r>
+              <a:rPr lang="en-US" sz="2000" dirty="0"/>
+              <a:t>Improves trustworthiness when re-running hard, impossible.</a:t>
+            </a:r>
+          </a:p>
+          <a:p>
+            <a:pPr lvl="2"/>
+            <a:r>
+              <a:rPr lang="en-US" sz="2000" b="1" dirty="0"/>
+              <a:t>Remains optional</a:t>
+            </a:r>
+          </a:p>
+          <a:p>
+            <a:r>
+              <a:rPr lang="en-US" sz="2800" dirty="0"/>
+              <a:t>Details:</a:t>
+            </a:r>
+          </a:p>
+          <a:p>
+            <a:pPr lvl="1"/>
+            <a:r>
+              <a:rPr lang="en-US" sz="2400" dirty="0">
+                <a:hlinkClick r:id="rId2"/>
+              </a:rPr>
+              <a:t>https://sc20.supercomputing.org/submit/transparency-reproducibility-initiative/</a:t>
+            </a:r>
+            <a:endParaRPr lang="en-US" sz="2400" dirty="0">
+              <a:hlinkClick r:id="rId3"/>
+            </a:endParaRPr>
+          </a:p>
+        </p:txBody>
+      </p:sp>
+    </p:spTree>
+    <p:extLst>
+      <p:ext uri="{BB962C8B-B14F-4D97-AF65-F5344CB8AC3E}">
+        <p14:creationId xmlns:p14="http://schemas.microsoft.com/office/powerpoint/2010/main" val="2302033408"/>
+      </p:ext>
+    </p:extLst>
+  </p:cSld>
+  <p:clrMapOvr>
+    <a:masterClrMapping/>
+  </p:clrMapOvr>
+</p:sld>
+</file>
+
+<file path=ppt/slides/slide17.xml><?xml version="1.0" encoding="utf-8"?>
+<p:sld xmlns:a="http://schemas.openxmlformats.org/drawingml/2006/main" xmlns:r="http://schemas.openxmlformats.org/officeDocument/2006/relationships" xmlns:p="http://schemas.openxmlformats.org/presentationml/2006/main">
+  <p:cSld>
+    <p:spTree>
+      <p:nvGrpSpPr>
+        <p:cNvPr id="1" name=""/>
+        <p:cNvGrpSpPr/>
+        <p:nvPr/>
+      </p:nvGrpSpPr>
+      <p:grpSpPr>
+        <a:xfrm>
+          <a:off x="0" y="0"/>
+          <a:ext cx="0" cy="0"/>
+          <a:chOff x="0" y="0"/>
+          <a:chExt cx="0" cy="0"/>
+        </a:xfrm>
+      </p:grpSpPr>
+      <p:sp>
+        <p:nvSpPr>
+          <p:cNvPr id="2" name="Title 1"/>
+          <p:cNvSpPr>
+            <a:spLocks noGrp="1"/>
+          </p:cNvSpPr>
+          <p:nvPr>
+            <p:ph type="title"/>
+          </p:nvPr>
+        </p:nvSpPr>
+        <p:spPr>
+          <a:xfrm>
+            <a:off x="368135" y="192378"/>
+            <a:ext cx="11269682" cy="532017"/>
+          </a:xfrm>
+        </p:spPr>
+        <p:txBody>
+          <a:bodyPr>
+            <a:normAutofit/>
+          </a:bodyPr>
+          <a:lstStyle/>
+          <a:p>
+            <a:r>
+              <a:rPr lang="en-US" sz="2800" dirty="0"/>
+              <a:t>Increasing Attention on Reproducibility</a:t>
+            </a:r>
+          </a:p>
+        </p:txBody>
+      </p:sp>
+      <p:sp>
+        <p:nvSpPr>
+          <p:cNvPr id="4" name="Content Placeholder 3"/>
+          <p:cNvSpPr>
+            <a:spLocks noGrp="1"/>
+          </p:cNvSpPr>
+          <p:nvPr>
+            <p:ph sz="quarter" idx="1"/>
+          </p:nvPr>
+        </p:nvSpPr>
+        <p:spPr>
+          <a:xfrm>
+            <a:off x="245815" y="868048"/>
+            <a:ext cx="11697194" cy="5449160"/>
+          </a:xfrm>
+        </p:spPr>
+        <p:txBody>
+          <a:bodyPr>
+            <a:normAutofit lnSpcReduction="10000"/>
+          </a:bodyPr>
+          <a:lstStyle/>
+          <a:p>
+            <a:r>
+              <a:rPr lang="en-US" dirty="0"/>
+              <a:t>More publication venues are adding reproducibility </a:t>
+            </a:r>
+            <a:r>
+              <a:rPr lang="en-US" b="1" dirty="0"/>
+              <a:t>recognition</a:t>
+            </a:r>
+            <a:r>
+              <a:rPr lang="en-US" dirty="0"/>
+              <a:t> or </a:t>
+            </a:r>
+            <a:r>
+              <a:rPr lang="en-US" b="1" dirty="0"/>
+              <a:t>requirements</a:t>
+            </a:r>
+            <a:endParaRPr lang="en-US" sz="2400" dirty="0"/>
+          </a:p>
+          <a:p>
+            <a:r>
+              <a:rPr lang="en-US" sz="2400" dirty="0"/>
+              <a:t>ACM </a:t>
+            </a:r>
+            <a:r>
+              <a:rPr lang="en-US" sz="2400" strike="sngStrike" dirty="0"/>
+              <a:t>Replicated</a:t>
+            </a:r>
+            <a:r>
+              <a:rPr lang="en-US" sz="2400" dirty="0"/>
+              <a:t> Reproducible Computational Results (RCR)</a:t>
+            </a:r>
+          </a:p>
+          <a:p>
+            <a:pPr lvl="1"/>
+            <a:r>
+              <a:rPr lang="en-US" sz="2000" dirty="0"/>
+              <a:t>ACM TOMS, TOMACS</a:t>
+            </a:r>
+          </a:p>
+          <a:p>
+            <a:pPr lvl="1"/>
+            <a:r>
+              <a:rPr lang="en-US" sz="2000" dirty="0">
+                <a:hlinkClick r:id="rId2"/>
+              </a:rPr>
+              <a:t>http://toms.acm.org/replicated-computational-results.cfm</a:t>
+            </a:r>
+            <a:r>
+              <a:rPr lang="en-US" sz="2000" dirty="0"/>
+              <a:t> </a:t>
+            </a:r>
+          </a:p>
+          <a:p>
+            <a:r>
+              <a:rPr lang="en-US" sz="2400" dirty="0"/>
+              <a:t>ACM Badging</a:t>
+            </a:r>
+          </a:p>
+          <a:p>
+            <a:pPr lvl="1"/>
+            <a:r>
+              <a:rPr lang="en-US" dirty="0"/>
+              <a:t>Functional, reusable, available, replicated, reproduced</a:t>
+            </a:r>
+          </a:p>
+          <a:p>
+            <a:pPr lvl="1"/>
+            <a:r>
+              <a:rPr lang="en-US" sz="2000" dirty="0">
+                <a:hlinkClick r:id="rId3"/>
+              </a:rPr>
+              <a:t>https://www.acm.org/publications/policies/artifact-review-badging</a:t>
+            </a:r>
+            <a:r>
+              <a:rPr lang="en-US" sz="2000" dirty="0"/>
+              <a:t> </a:t>
+            </a:r>
+          </a:p>
+          <a:p>
+            <a:r>
+              <a:rPr lang="en-US" sz="2400" dirty="0"/>
+              <a:t>These conferences have artifact evaluation appendices:</a:t>
+            </a:r>
+          </a:p>
+          <a:p>
+            <a:pPr lvl="1"/>
+            <a:r>
+              <a:rPr lang="en-US" sz="2000" dirty="0"/>
+              <a:t>CGO, </a:t>
+            </a:r>
+            <a:r>
+              <a:rPr lang="en-US" sz="2000" dirty="0" err="1"/>
+              <a:t>PPoPP</a:t>
+            </a:r>
+            <a:r>
+              <a:rPr lang="en-US" sz="2000" dirty="0"/>
+              <a:t>, PACT, RTSS and SC</a:t>
+            </a:r>
+          </a:p>
+          <a:p>
+            <a:pPr lvl="1"/>
+            <a:r>
+              <a:rPr lang="en-US" sz="2000" dirty="0">
+                <a:hlinkClick r:id="rId4"/>
+              </a:rPr>
+              <a:t>http://fursin.net/reproducibility.html</a:t>
+            </a:r>
+            <a:endParaRPr lang="en-US" sz="2000" dirty="0"/>
+          </a:p>
+          <a:p>
+            <a:r>
+              <a:rPr lang="en-US" sz="2400" dirty="0"/>
+              <a:t>NISO Committee on Reproducibility and Badging</a:t>
+            </a:r>
+          </a:p>
+          <a:p>
+            <a:pPr lvl="1"/>
+            <a:r>
+              <a:rPr lang="en-US" sz="2000" dirty="0">
+                <a:hlinkClick r:id="rId5"/>
+              </a:rPr>
+              <a:t>https://www.niso.org/niso-io/2019/01/new-niso-project-badging-scheme-reproducibility-computational-and-computing</a:t>
+            </a:r>
+            <a:r>
+              <a:rPr lang="en-US" sz="2000" dirty="0"/>
+              <a:t> </a:t>
+            </a:r>
+          </a:p>
+          <a:p>
+            <a:pPr lvl="1"/>
+            <a:r>
+              <a:rPr lang="en-US" sz="2000" dirty="0"/>
+              <a:t>Publishers: ACM, IEEE, </a:t>
+            </a:r>
+            <a:r>
+              <a:rPr lang="en-US" sz="2000" dirty="0" err="1"/>
+              <a:t>figshare</a:t>
+            </a:r>
+            <a:r>
+              <a:rPr lang="en-US" sz="2000" dirty="0"/>
+              <a:t>, STM, Reed Elsevier, Springer Nature</a:t>
+            </a:r>
+          </a:p>
+        </p:txBody>
+      </p:sp>
+    </p:spTree>
+    <p:extLst>
+      <p:ext uri="{BB962C8B-B14F-4D97-AF65-F5344CB8AC3E}">
+        <p14:creationId xmlns:p14="http://schemas.microsoft.com/office/powerpoint/2010/main" val="2234428243"/>
+      </p:ext>
+    </p:extLst>
+  </p:cSld>
+  <p:clrMapOvr>
+    <a:masterClrMapping/>
+  </p:clrMapOvr>
+</p:sld>
+</file>
+
+<file path=ppt/slides/slide18.xml><?xml version="1.0" encoding="utf-8"?>
+<p:sld xmlns:a="http://schemas.openxmlformats.org/drawingml/2006/main" xmlns:r="http://schemas.openxmlformats.org/officeDocument/2006/relationships" xmlns:p="http://schemas.openxmlformats.org/presentationml/2006/main">
+  <p:cSld>
+    <p:spTree>
+      <p:nvGrpSpPr>
+        <p:cNvPr id="1" name=""/>
+        <p:cNvGrpSpPr/>
+        <p:nvPr/>
+      </p:nvGrpSpPr>
+      <p:grpSpPr>
+        <a:xfrm>
+          <a:off x="0" y="0"/>
+          <a:ext cx="0" cy="0"/>
+          <a:chOff x="0" y="0"/>
+          <a:chExt cx="0" cy="0"/>
+        </a:xfrm>
+      </p:grpSpPr>
+      <p:sp>
+        <p:nvSpPr>
           <p:cNvPr id="2" name="Title 1">
             <a:extLst>
               <a:ext uri="{FF2B5EF4-FFF2-40B4-BE49-F238E27FC236}">
@@ -6554,7 +7601,7 @@
 </p:sld>
 </file>
 
-<file path=ppt/slides/slide15.xml><?xml version="1.0" encoding="utf-8"?>
+<file path=ppt/slides/slide19.xml><?xml version="1.0" encoding="utf-8"?>
 <p:sld xmlns:a="http://schemas.openxmlformats.org/drawingml/2006/main" xmlns:r="http://schemas.openxmlformats.org/officeDocument/2006/relationships" xmlns:p="http://schemas.openxmlformats.org/presentationml/2006/main">
   <p:cSld>
     <p:spTree>
@@ -6603,882 +7650,6 @@
     <p:extLst>
       <p:ext uri="{BB962C8B-B14F-4D97-AF65-F5344CB8AC3E}">
         <p14:creationId xmlns:p14="http://schemas.microsoft.com/office/powerpoint/2010/main" val="1180185825"/>
-      </p:ext>
-    </p:extLst>
-  </p:cSld>
-  <p:clrMapOvr>
-    <a:masterClrMapping/>
-  </p:clrMapOvr>
-</p:sld>
-</file>
-
-<file path=ppt/slides/slide16.xml><?xml version="1.0" encoding="utf-8"?>
-<p:sld xmlns:a="http://schemas.openxmlformats.org/drawingml/2006/main" xmlns:r="http://schemas.openxmlformats.org/officeDocument/2006/relationships" xmlns:p="http://schemas.openxmlformats.org/presentationml/2006/main">
-  <p:cSld>
-    <p:spTree>
-      <p:nvGrpSpPr>
-        <p:cNvPr id="1" name=""/>
-        <p:cNvGrpSpPr/>
-        <p:nvPr/>
-      </p:nvGrpSpPr>
-      <p:grpSpPr>
-        <a:xfrm>
-          <a:off x="0" y="0"/>
-          <a:ext cx="0" cy="0"/>
-          <a:chOff x="0" y="0"/>
-          <a:chExt cx="0" cy="0"/>
-        </a:xfrm>
-      </p:grpSpPr>
-      <p:sp>
-        <p:nvSpPr>
-          <p:cNvPr id="2" name="Title 1">
-            <a:extLst>
-              <a:ext uri="{FF2B5EF4-FFF2-40B4-BE49-F238E27FC236}">
-                <a16:creationId xmlns:a16="http://schemas.microsoft.com/office/drawing/2014/main" id="{AF0E5AE6-BAC5-4D3D-B274-228B336C1693}"/>
-              </a:ext>
-            </a:extLst>
-          </p:cNvPr>
-          <p:cNvSpPr>
-            <a:spLocks noGrp="1"/>
-          </p:cNvSpPr>
-          <p:nvPr>
-            <p:ph type="title"/>
-          </p:nvPr>
-        </p:nvSpPr>
-        <p:spPr>
-          <a:xfrm>
-            <a:off x="365760" y="411480"/>
-            <a:ext cx="11438994" cy="914400"/>
-          </a:xfrm>
-        </p:spPr>
-        <p:txBody>
-          <a:bodyPr/>
-          <a:lstStyle/>
-          <a:p>
-            <a:r>
-              <a:rPr lang="en-US" dirty="0"/>
-              <a:t>Strategies for Improving Reproducibility </a:t>
-            </a:r>
-            <a:r>
-              <a:rPr lang="en-US" i="1" u="sng" dirty="0"/>
-              <a:t>During</a:t>
-            </a:r>
-            <a:r>
-              <a:rPr lang="en-US" u="sng" dirty="0"/>
-              <a:t> Development</a:t>
-            </a:r>
-            <a:r>
-              <a:rPr lang="en-US" dirty="0"/>
-              <a:t> (1/2)</a:t>
-            </a:r>
-          </a:p>
-        </p:txBody>
-      </p:sp>
-      <p:sp>
-        <p:nvSpPr>
-          <p:cNvPr id="3" name="Content Placeholder 2">
-            <a:extLst>
-              <a:ext uri="{FF2B5EF4-FFF2-40B4-BE49-F238E27FC236}">
-                <a16:creationId xmlns:a16="http://schemas.microsoft.com/office/drawing/2014/main" id="{7E3F8F1F-5081-4F6E-81DA-DC14088609D1}"/>
-              </a:ext>
-            </a:extLst>
-          </p:cNvPr>
-          <p:cNvSpPr>
-            <a:spLocks noGrp="1"/>
-          </p:cNvSpPr>
-          <p:nvPr>
-            <p:ph idx="1"/>
-          </p:nvPr>
-        </p:nvSpPr>
-        <p:spPr>
-          <a:xfrm>
-            <a:off x="365760" y="1445055"/>
-            <a:ext cx="11369809" cy="4047778"/>
-          </a:xfrm>
-        </p:spPr>
-        <p:txBody>
-          <a:bodyPr/>
-          <a:lstStyle/>
-          <a:p>
-            <a:r>
-              <a:rPr lang="en-US" b="1" dirty="0">
-                <a:solidFill>
-                  <a:schemeClr val="tx2"/>
-                </a:solidFill>
-              </a:rPr>
-              <a:t>Solid versioning practices are fundamental to reproducibility</a:t>
-            </a:r>
-          </a:p>
-          <a:p>
-            <a:r>
-              <a:rPr lang="en-US" dirty="0"/>
-              <a:t>Version control of code, documentation, and other artifacts</a:t>
-            </a:r>
-          </a:p>
-          <a:p>
-            <a:pPr lvl="1"/>
-            <a:r>
-              <a:rPr lang="en-US" dirty="0"/>
-              <a:t>Frequent commits (perhaps to a separate development branch) </a:t>
-            </a:r>
-          </a:p>
-          <a:p>
-            <a:r>
-              <a:rPr lang="en-US" dirty="0"/>
-              <a:t>Provide versioning information in key output(s)</a:t>
-            </a:r>
-          </a:p>
-          <a:p>
-            <a:pPr lvl="1"/>
-            <a:r>
-              <a:rPr lang="en-US" dirty="0"/>
-              <a:t>Version numbers (i.e., semantic versioning) are useful, but when do you increment them?</a:t>
-            </a:r>
-          </a:p>
-          <a:p>
-            <a:pPr lvl="1"/>
-            <a:r>
-              <a:rPr lang="en-US" dirty="0"/>
-              <a:t>Automatic identifiers (i.e., git commit hash) are less ambiguous, but may not be as meaningful</a:t>
-            </a:r>
-          </a:p>
-          <a:p>
-            <a:pPr lvl="1"/>
-            <a:r>
-              <a:rPr lang="en-US" dirty="0"/>
-              <a:t>Is the code you’re building modified from the version in the repository? </a:t>
-            </a:r>
-            <a:r>
-              <a:rPr lang="en-US" i="1" dirty="0"/>
-              <a:t>(Not often done in practice)</a:t>
-            </a:r>
-          </a:p>
-          <a:p>
-            <a:r>
-              <a:rPr lang="en-US" dirty="0"/>
-              <a:t>Maintaining documentation (and other artifacts) in sync with code</a:t>
-            </a:r>
-          </a:p>
-          <a:p>
-            <a:pPr lvl="1"/>
-            <a:r>
-              <a:rPr lang="en-US" dirty="0"/>
-              <a:t>You’ll forget</a:t>
-            </a:r>
-          </a:p>
-          <a:p>
-            <a:pPr lvl="1"/>
-            <a:r>
-              <a:rPr lang="en-US" dirty="0"/>
-              <a:t>Or you won’t have (make) time to go back to it</a:t>
-            </a:r>
-          </a:p>
-        </p:txBody>
-      </p:sp>
-    </p:spTree>
-    <p:extLst>
-      <p:ext uri="{BB962C8B-B14F-4D97-AF65-F5344CB8AC3E}">
-        <p14:creationId xmlns:p14="http://schemas.microsoft.com/office/powerpoint/2010/main" val="993821894"/>
-      </p:ext>
-    </p:extLst>
-  </p:cSld>
-  <p:clrMapOvr>
-    <a:masterClrMapping/>
-  </p:clrMapOvr>
-</p:sld>
-</file>
-
-<file path=ppt/slides/slide17.xml><?xml version="1.0" encoding="utf-8"?>
-<p:sld xmlns:a="http://schemas.openxmlformats.org/drawingml/2006/main" xmlns:r="http://schemas.openxmlformats.org/officeDocument/2006/relationships" xmlns:p="http://schemas.openxmlformats.org/presentationml/2006/main">
-  <p:cSld>
-    <p:spTree>
-      <p:nvGrpSpPr>
-        <p:cNvPr id="1" name=""/>
-        <p:cNvGrpSpPr/>
-        <p:nvPr/>
-      </p:nvGrpSpPr>
-      <p:grpSpPr>
-        <a:xfrm>
-          <a:off x="0" y="0"/>
-          <a:ext cx="0" cy="0"/>
-          <a:chOff x="0" y="0"/>
-          <a:chExt cx="0" cy="0"/>
-        </a:xfrm>
-      </p:grpSpPr>
-      <p:sp>
-        <p:nvSpPr>
-          <p:cNvPr id="2" name="Title 1">
-            <a:extLst>
-              <a:ext uri="{FF2B5EF4-FFF2-40B4-BE49-F238E27FC236}">
-                <a16:creationId xmlns:a16="http://schemas.microsoft.com/office/drawing/2014/main" id="{AF0E5AE6-BAC5-4D3D-B274-228B336C1693}"/>
-              </a:ext>
-            </a:extLst>
-          </p:cNvPr>
-          <p:cNvSpPr>
-            <a:spLocks noGrp="1"/>
-          </p:cNvSpPr>
-          <p:nvPr>
-            <p:ph type="title"/>
-          </p:nvPr>
-        </p:nvSpPr>
-        <p:spPr>
-          <a:xfrm>
-            <a:off x="365760" y="411480"/>
-            <a:ext cx="11457305" cy="914400"/>
-          </a:xfrm>
-        </p:spPr>
-        <p:txBody>
-          <a:bodyPr/>
-          <a:lstStyle/>
-          <a:p>
-            <a:r>
-              <a:rPr lang="en-US" dirty="0"/>
-              <a:t>Strategies for Improving Reproducibility </a:t>
-            </a:r>
-            <a:r>
-              <a:rPr lang="en-US" i="1" u="sng" dirty="0"/>
-              <a:t>During</a:t>
-            </a:r>
-            <a:r>
-              <a:rPr lang="en-US" u="sng" dirty="0"/>
-              <a:t> Development</a:t>
-            </a:r>
-            <a:r>
-              <a:rPr lang="en-US" dirty="0"/>
-              <a:t> (2/2)</a:t>
-            </a:r>
-          </a:p>
-        </p:txBody>
-      </p:sp>
-      <p:sp>
-        <p:nvSpPr>
-          <p:cNvPr id="3" name="Content Placeholder 2">
-            <a:extLst>
-              <a:ext uri="{FF2B5EF4-FFF2-40B4-BE49-F238E27FC236}">
-                <a16:creationId xmlns:a16="http://schemas.microsoft.com/office/drawing/2014/main" id="{7E3F8F1F-5081-4F6E-81DA-DC14088609D1}"/>
-              </a:ext>
-            </a:extLst>
-          </p:cNvPr>
-          <p:cNvSpPr>
-            <a:spLocks noGrp="1"/>
-          </p:cNvSpPr>
-          <p:nvPr>
-            <p:ph idx="1"/>
-          </p:nvPr>
-        </p:nvSpPr>
-        <p:spPr>
-          <a:xfrm>
-            <a:off x="365760" y="995355"/>
-            <a:ext cx="11369809" cy="4047778"/>
-          </a:xfrm>
-        </p:spPr>
-        <p:txBody>
-          <a:bodyPr/>
-          <a:lstStyle/>
-          <a:p>
-            <a:r>
-              <a:rPr lang="en-US" b="1" dirty="0">
-                <a:solidFill>
-                  <a:schemeClr val="tx2"/>
-                </a:solidFill>
-              </a:rPr>
-              <a:t>Build in quality from the start</a:t>
-            </a:r>
-          </a:p>
-          <a:p>
-            <a:r>
-              <a:rPr lang="en-US" dirty="0"/>
-              <a:t>Define and follow coding standards</a:t>
-            </a:r>
-          </a:p>
-          <a:p>
-            <a:pPr lvl="1">
-              <a:spcBef>
-                <a:spcPts val="200"/>
-              </a:spcBef>
-            </a:pPr>
-            <a:r>
-              <a:rPr lang="en-US" dirty="0"/>
-              <a:t>Not just code style</a:t>
-            </a:r>
-          </a:p>
-          <a:p>
-            <a:pPr lvl="1">
-              <a:spcBef>
-                <a:spcPts val="200"/>
-              </a:spcBef>
-            </a:pPr>
-            <a:r>
-              <a:rPr lang="en-US" dirty="0"/>
-              <a:t>Expectations for kinds and extent of documentation, types and rigor of tests</a:t>
-            </a:r>
-          </a:p>
-          <a:p>
-            <a:r>
-              <a:rPr lang="en-US" dirty="0"/>
-              <a:t>Develop tests as you code</a:t>
-            </a:r>
-          </a:p>
-          <a:p>
-            <a:pPr lvl="1">
-              <a:spcBef>
-                <a:spcPts val="200"/>
-              </a:spcBef>
-            </a:pPr>
-            <a:r>
-              <a:rPr lang="en-US" dirty="0"/>
-              <a:t>Write tests while the code is fresh in your mind</a:t>
-            </a:r>
-          </a:p>
-          <a:p>
-            <a:pPr lvl="1">
-              <a:spcBef>
-                <a:spcPts val="200"/>
-              </a:spcBef>
-            </a:pPr>
-            <a:r>
-              <a:rPr lang="en-US" dirty="0"/>
-              <a:t>Test Driven Development (TDD) means write tests before code, then code to pass the tests</a:t>
-            </a:r>
-          </a:p>
-          <a:p>
-            <a:r>
-              <a:rPr lang="en-US" dirty="0"/>
-              <a:t>Require increasingly rigorous testing as the code becomes more “public”</a:t>
-            </a:r>
-          </a:p>
-          <a:p>
-            <a:pPr lvl="1">
-              <a:spcBef>
-                <a:spcPts val="200"/>
-              </a:spcBef>
-            </a:pPr>
-            <a:r>
-              <a:rPr lang="en-US" dirty="0"/>
-              <a:t>Testing has costs, need to balance level of risk against cost of creating and executing tests</a:t>
-            </a:r>
-          </a:p>
-          <a:p>
-            <a:pPr lvl="1">
-              <a:spcBef>
-                <a:spcPts val="200"/>
-              </a:spcBef>
-            </a:pPr>
-            <a:r>
-              <a:rPr lang="en-US" dirty="0"/>
-              <a:t>Also think about frequency of tests at different levels of cost (c.f. continuous integration)</a:t>
-            </a:r>
-          </a:p>
-          <a:p>
-            <a:r>
-              <a:rPr lang="en-US" dirty="0"/>
-              <a:t>Practice peer code review</a:t>
-            </a:r>
-          </a:p>
-          <a:p>
-            <a:pPr lvl="1">
-              <a:spcBef>
-                <a:spcPts val="200"/>
-              </a:spcBef>
-            </a:pPr>
-            <a:r>
-              <a:rPr lang="en-US" dirty="0"/>
-              <a:t>Per commit – should meet standards, </a:t>
-            </a:r>
-            <a:r>
-              <a:rPr lang="en-US" i="1" dirty="0"/>
-              <a:t>and</a:t>
-            </a:r>
-            <a:r>
-              <a:rPr lang="en-US" dirty="0"/>
-              <a:t> be understood and judged correct by reviewer</a:t>
-            </a:r>
-          </a:p>
-          <a:p>
-            <a:pPr lvl="1">
-              <a:spcBef>
-                <a:spcPts val="200"/>
-              </a:spcBef>
-            </a:pPr>
-            <a:r>
-              <a:rPr lang="en-US" dirty="0"/>
-              <a:t>Pair experienced reviewers with less experienced coders to help ensure quality</a:t>
-            </a:r>
-          </a:p>
-          <a:p>
-            <a:pPr lvl="1">
-              <a:spcBef>
-                <a:spcPts val="200"/>
-              </a:spcBef>
-            </a:pPr>
-            <a:r>
-              <a:rPr lang="en-US" dirty="0"/>
-              <a:t>Retrospective if you have a lot of existing unreviewed code</a:t>
-            </a:r>
-          </a:p>
-        </p:txBody>
-      </p:sp>
-    </p:spTree>
-    <p:extLst>
-      <p:ext uri="{BB962C8B-B14F-4D97-AF65-F5344CB8AC3E}">
-        <p14:creationId xmlns:p14="http://schemas.microsoft.com/office/powerpoint/2010/main" val="1828586750"/>
-      </p:ext>
-    </p:extLst>
-  </p:cSld>
-  <p:clrMapOvr>
-    <a:masterClrMapping/>
-  </p:clrMapOvr>
-</p:sld>
-</file>
-
-<file path=ppt/slides/slide18.xml><?xml version="1.0" encoding="utf-8"?>
-<p:sld xmlns:a="http://schemas.openxmlformats.org/drawingml/2006/main" xmlns:r="http://schemas.openxmlformats.org/officeDocument/2006/relationships" xmlns:p="http://schemas.openxmlformats.org/presentationml/2006/main">
-  <p:cSld>
-    <p:spTree>
-      <p:nvGrpSpPr>
-        <p:cNvPr id="1" name=""/>
-        <p:cNvGrpSpPr/>
-        <p:nvPr/>
-      </p:nvGrpSpPr>
-      <p:grpSpPr>
-        <a:xfrm>
-          <a:off x="0" y="0"/>
-          <a:ext cx="0" cy="0"/>
-          <a:chOff x="0" y="0"/>
-          <a:chExt cx="0" cy="0"/>
-        </a:xfrm>
-      </p:grpSpPr>
-      <p:sp>
-        <p:nvSpPr>
-          <p:cNvPr id="2" name="Title 1">
-            <a:extLst>
-              <a:ext uri="{FF2B5EF4-FFF2-40B4-BE49-F238E27FC236}">
-                <a16:creationId xmlns:a16="http://schemas.microsoft.com/office/drawing/2014/main" id="{AF0E5AE6-BAC5-4D3D-B274-228B336C1693}"/>
-              </a:ext>
-            </a:extLst>
-          </p:cNvPr>
-          <p:cNvSpPr>
-            <a:spLocks noGrp="1"/>
-          </p:cNvSpPr>
-          <p:nvPr>
-            <p:ph type="title"/>
-          </p:nvPr>
-        </p:nvSpPr>
-        <p:spPr/>
-        <p:txBody>
-          <a:bodyPr/>
-          <a:lstStyle/>
-          <a:p>
-            <a:r>
-              <a:rPr lang="en-US" dirty="0"/>
-              <a:t>Strategies for Improving Reproducibility </a:t>
-            </a:r>
-            <a:r>
-              <a:rPr lang="en-US" i="1" u="sng" dirty="0"/>
-              <a:t>After</a:t>
-            </a:r>
-            <a:r>
-              <a:rPr lang="en-US" u="sng" dirty="0"/>
-              <a:t> Development</a:t>
-            </a:r>
-          </a:p>
-        </p:txBody>
-      </p:sp>
-      <p:sp>
-        <p:nvSpPr>
-          <p:cNvPr id="3" name="Content Placeholder 2">
-            <a:extLst>
-              <a:ext uri="{FF2B5EF4-FFF2-40B4-BE49-F238E27FC236}">
-                <a16:creationId xmlns:a16="http://schemas.microsoft.com/office/drawing/2014/main" id="{7E3F8F1F-5081-4F6E-81DA-DC14088609D1}"/>
-              </a:ext>
-            </a:extLst>
-          </p:cNvPr>
-          <p:cNvSpPr>
-            <a:spLocks noGrp="1"/>
-          </p:cNvSpPr>
-          <p:nvPr>
-            <p:ph idx="1"/>
-          </p:nvPr>
-        </p:nvSpPr>
-        <p:spPr>
-          <a:xfrm>
-            <a:off x="365760" y="919426"/>
-            <a:ext cx="11369809" cy="4047778"/>
-          </a:xfrm>
-        </p:spPr>
-        <p:txBody>
-          <a:bodyPr/>
-          <a:lstStyle/>
-          <a:p>
-            <a:r>
-              <a:rPr lang="en-US" sz="2000" b="1" dirty="0">
-                <a:solidFill>
-                  <a:schemeClr val="tx2"/>
-                </a:solidFill>
-              </a:rPr>
-              <a:t>Testing, testing, and more testing!</a:t>
-            </a:r>
-          </a:p>
-          <a:p>
-            <a:r>
-              <a:rPr lang="en-US" sz="2000" dirty="0"/>
-              <a:t>Add “regression tests”</a:t>
-            </a:r>
-          </a:p>
-          <a:p>
-            <a:pPr lvl="1">
-              <a:spcBef>
-                <a:spcPts val="200"/>
-              </a:spcBef>
-            </a:pPr>
-            <a:r>
-              <a:rPr lang="en-US" sz="1800" dirty="0"/>
-              <a:t>If you fix a bug, add a test to make sure that bug doesn’t creep back in</a:t>
-            </a:r>
-          </a:p>
-          <a:p>
-            <a:r>
-              <a:rPr lang="en-US" sz="2000" dirty="0"/>
-              <a:t>Add more tests</a:t>
-            </a:r>
-          </a:p>
-          <a:p>
-            <a:pPr lvl="1">
-              <a:spcBef>
-                <a:spcPts val="200"/>
-              </a:spcBef>
-            </a:pPr>
-            <a:r>
-              <a:rPr lang="en-US" sz="1800" dirty="0"/>
-              <a:t>Be creative</a:t>
-            </a:r>
-          </a:p>
-          <a:p>
-            <a:pPr lvl="1">
-              <a:spcBef>
-                <a:spcPts val="200"/>
-              </a:spcBef>
-            </a:pPr>
-            <a:r>
-              <a:rPr lang="en-US" sz="1800" dirty="0"/>
-              <a:t>Think about common cases, then corner cases</a:t>
-            </a:r>
-          </a:p>
-          <a:p>
-            <a:pPr lvl="1">
-              <a:spcBef>
-                <a:spcPts val="200"/>
-              </a:spcBef>
-            </a:pPr>
-            <a:r>
-              <a:rPr lang="en-US" sz="1800" dirty="0"/>
-              <a:t>Think about misuse (unintentional or intentional)</a:t>
-            </a:r>
-          </a:p>
-          <a:p>
-            <a:pPr lvl="1">
-              <a:spcBef>
-                <a:spcPts val="200"/>
-              </a:spcBef>
-            </a:pPr>
-            <a:r>
-              <a:rPr lang="en-US" sz="1800" dirty="0"/>
-              <a:t>Think about synthetic tests with synthetic data</a:t>
-            </a:r>
-          </a:p>
-          <a:p>
-            <a:pPr lvl="1">
-              <a:spcBef>
-                <a:spcPts val="200"/>
-              </a:spcBef>
-            </a:pPr>
-            <a:r>
-              <a:rPr lang="en-US" sz="1800" dirty="0"/>
-              <a:t>Think about low-cost tests that can be “always on” (even if they’re not so stringent)</a:t>
-            </a:r>
-          </a:p>
-          <a:p>
-            <a:pPr lvl="1">
-              <a:spcBef>
-                <a:spcPts val="200"/>
-              </a:spcBef>
-            </a:pPr>
-            <a:r>
-              <a:rPr lang="en-US" sz="1800" dirty="0"/>
-              <a:t>Can you detect silent data corruption?</a:t>
-            </a:r>
-          </a:p>
-          <a:p>
-            <a:r>
-              <a:rPr lang="en-US" sz="2000" dirty="0"/>
-              <a:t>Test your tests!</a:t>
-            </a:r>
-          </a:p>
-          <a:p>
-            <a:pPr lvl="1">
-              <a:spcBef>
-                <a:spcPts val="200"/>
-              </a:spcBef>
-            </a:pPr>
-            <a:r>
-              <a:rPr lang="en-US" sz="1800" dirty="0"/>
-              <a:t>Make sure tests fail when they’re supposed to!</a:t>
-            </a:r>
-          </a:p>
-          <a:p>
-            <a:r>
-              <a:rPr lang="en-US" sz="2000" dirty="0"/>
-              <a:t>Thoroughly verify the code</a:t>
-            </a:r>
-          </a:p>
-          <a:p>
-            <a:pPr lvl="1">
-              <a:spcBef>
-                <a:spcPts val="200"/>
-              </a:spcBef>
-            </a:pPr>
-            <a:r>
-              <a:rPr lang="en-US" sz="1800" dirty="0"/>
-              <a:t>Does the code do what you intended it to do?</a:t>
-            </a:r>
-          </a:p>
-          <a:p>
-            <a:pPr lvl="1">
-              <a:spcBef>
-                <a:spcPts val="200"/>
-              </a:spcBef>
-            </a:pPr>
-            <a:r>
-              <a:rPr lang="en-US" sz="1800" dirty="0"/>
-              <a:t>On all relevant platforms (compilers, hardware, etc.)</a:t>
-            </a:r>
-          </a:p>
-          <a:p>
-            <a:r>
-              <a:rPr lang="en-US" sz="2000" dirty="0"/>
-              <a:t>Test regularly</a:t>
-            </a:r>
-          </a:p>
-          <a:p>
-            <a:pPr lvl="1">
-              <a:spcBef>
-                <a:spcPts val="200"/>
-              </a:spcBef>
-            </a:pPr>
-            <a:r>
-              <a:rPr lang="en-US" sz="1800" dirty="0"/>
-              <a:t>To identify and document where changes to the underlying </a:t>
-            </a:r>
-            <a:br>
-              <a:rPr lang="en-US" sz="1800" dirty="0"/>
-            </a:br>
-            <a:r>
-              <a:rPr lang="en-US" sz="1800" dirty="0"/>
-              <a:t>platform change code behavior/results</a:t>
-            </a:r>
-          </a:p>
-        </p:txBody>
-      </p:sp>
-    </p:spTree>
-    <p:extLst>
-      <p:ext uri="{BB962C8B-B14F-4D97-AF65-F5344CB8AC3E}">
-        <p14:creationId xmlns:p14="http://schemas.microsoft.com/office/powerpoint/2010/main" val="1368771477"/>
-      </p:ext>
-    </p:extLst>
-  </p:cSld>
-  <p:clrMapOvr>
-    <a:masterClrMapping/>
-  </p:clrMapOvr>
-</p:sld>
-</file>
-
-<file path=ppt/slides/slide19.xml><?xml version="1.0" encoding="utf-8"?>
-<p:sld xmlns:a="http://schemas.openxmlformats.org/drawingml/2006/main" xmlns:r="http://schemas.openxmlformats.org/officeDocument/2006/relationships" xmlns:p="http://schemas.openxmlformats.org/presentationml/2006/main">
-  <p:cSld>
-    <p:spTree>
-      <p:nvGrpSpPr>
-        <p:cNvPr id="1" name=""/>
-        <p:cNvGrpSpPr/>
-        <p:nvPr/>
-      </p:nvGrpSpPr>
-      <p:grpSpPr>
-        <a:xfrm>
-          <a:off x="0" y="0"/>
-          <a:ext cx="0" cy="0"/>
-          <a:chOff x="0" y="0"/>
-          <a:chExt cx="0" cy="0"/>
-        </a:xfrm>
-      </p:grpSpPr>
-      <p:sp>
-        <p:nvSpPr>
-          <p:cNvPr id="2" name="Title 1">
-            <a:extLst>
-              <a:ext uri="{FF2B5EF4-FFF2-40B4-BE49-F238E27FC236}">
-                <a16:creationId xmlns:a16="http://schemas.microsoft.com/office/drawing/2014/main" id="{AF0E5AE6-BAC5-4D3D-B274-228B336C1693}"/>
-              </a:ext>
-            </a:extLst>
-          </p:cNvPr>
-          <p:cNvSpPr>
-            <a:spLocks noGrp="1"/>
-          </p:cNvSpPr>
-          <p:nvPr>
-            <p:ph type="title"/>
-          </p:nvPr>
-        </p:nvSpPr>
-        <p:spPr/>
-        <p:txBody>
-          <a:bodyPr/>
-          <a:lstStyle/>
-          <a:p>
-            <a:r>
-              <a:rPr lang="en-US" dirty="0"/>
-              <a:t>Strategies for Improving Reproducibility </a:t>
-            </a:r>
-            <a:r>
-              <a:rPr lang="en-US" i="1" u="sng" dirty="0"/>
-              <a:t>During</a:t>
-            </a:r>
-            <a:r>
-              <a:rPr lang="en-US" u="sng" dirty="0"/>
-              <a:t> Experiments</a:t>
-            </a:r>
-            <a:r>
-              <a:rPr lang="en-US" dirty="0"/>
-              <a:t> (1/3)</a:t>
-            </a:r>
-          </a:p>
-        </p:txBody>
-      </p:sp>
-      <p:sp>
-        <p:nvSpPr>
-          <p:cNvPr id="3" name="Content Placeholder 2">
-            <a:extLst>
-              <a:ext uri="{FF2B5EF4-FFF2-40B4-BE49-F238E27FC236}">
-                <a16:creationId xmlns:a16="http://schemas.microsoft.com/office/drawing/2014/main" id="{7E3F8F1F-5081-4F6E-81DA-DC14088609D1}"/>
-              </a:ext>
-            </a:extLst>
-          </p:cNvPr>
-          <p:cNvSpPr>
-            <a:spLocks noGrp="1"/>
-          </p:cNvSpPr>
-          <p:nvPr>
-            <p:ph idx="1"/>
-          </p:nvPr>
-        </p:nvSpPr>
-        <p:spPr>
-          <a:xfrm>
-            <a:off x="365760" y="982589"/>
-            <a:ext cx="11369809" cy="4047778"/>
-          </a:xfrm>
-        </p:spPr>
-        <p:txBody>
-          <a:bodyPr/>
-          <a:lstStyle/>
-          <a:p>
-            <a:r>
-              <a:rPr lang="en-US" b="1" dirty="0">
-                <a:solidFill>
-                  <a:schemeClr val="tx2"/>
-                </a:solidFill>
-              </a:rPr>
-              <a:t>What are you going to do, why, and how?</a:t>
-            </a:r>
-          </a:p>
-          <a:p>
-            <a:r>
-              <a:rPr lang="en-US" dirty="0"/>
-              <a:t>Plan your experiments thoroughly</a:t>
-            </a:r>
-          </a:p>
-          <a:p>
-            <a:pPr lvl="1"/>
-            <a:r>
-              <a:rPr lang="en-US" dirty="0"/>
-              <a:t>If you’re in a team, designate </a:t>
-            </a:r>
-            <a:r>
-              <a:rPr lang="en-US" i="1" dirty="0"/>
-              <a:t>one</a:t>
-            </a:r>
-            <a:r>
-              <a:rPr lang="en-US" dirty="0"/>
-              <a:t> person to coordinate the experimental campaign</a:t>
-            </a:r>
-          </a:p>
-          <a:p>
-            <a:pPr lvl="1"/>
-            <a:r>
-              <a:rPr lang="en-US" dirty="0"/>
-              <a:t>Know what you need (in the code, as inputs, as outputs to capture/analyze, etc.)</a:t>
-            </a:r>
-          </a:p>
-          <a:p>
-            <a:pPr lvl="1"/>
-            <a:r>
-              <a:rPr lang="en-US" dirty="0"/>
-              <a:t>Know how you’re going to process or analyze the results</a:t>
-            </a:r>
-          </a:p>
-          <a:p>
-            <a:pPr lvl="1"/>
-            <a:r>
-              <a:rPr lang="en-US" dirty="0"/>
-              <a:t>Know what to expect (in results, performance/cost, etc.)</a:t>
-            </a:r>
-          </a:p>
-          <a:p>
-            <a:pPr lvl="1"/>
-            <a:r>
-              <a:rPr lang="en-US" dirty="0"/>
-              <a:t>How will you convince yourself that your results are trustworthy?</a:t>
-            </a:r>
-          </a:p>
-          <a:p>
-            <a:r>
-              <a:rPr lang="en-US" dirty="0"/>
-              <a:t>Perform pilot/test runs to build confidence in correctness, performance, scaling</a:t>
-            </a:r>
-          </a:p>
-          <a:p>
-            <a:pPr lvl="1"/>
-            <a:r>
-              <a:rPr lang="en-US" dirty="0"/>
-              <a:t>Often useful to pursue an incremental/layered strategy</a:t>
-            </a:r>
-          </a:p>
-          <a:p>
-            <a:r>
-              <a:rPr lang="en-US" dirty="0"/>
-              <a:t>Ensure that you have the resources to store and/or analyze the outputs</a:t>
-            </a:r>
-          </a:p>
-          <a:p>
-            <a:pPr lvl="1"/>
-            <a:r>
-              <a:rPr lang="en-US" dirty="0"/>
-              <a:t>What can you afford to archive?</a:t>
-            </a:r>
-          </a:p>
-          <a:p>
-            <a:pPr lvl="1"/>
-            <a:r>
-              <a:rPr lang="en-US" dirty="0"/>
-              <a:t>What will you need to process and delete?</a:t>
-            </a:r>
-          </a:p>
-          <a:p>
-            <a:pPr lvl="1"/>
-            <a:r>
-              <a:rPr lang="en-US" dirty="0"/>
-              <a:t>What will you need to process during execution or stream?</a:t>
-            </a:r>
-          </a:p>
-        </p:txBody>
-      </p:sp>
-    </p:spTree>
-    <p:extLst>
-      <p:ext uri="{BB962C8B-B14F-4D97-AF65-F5344CB8AC3E}">
-        <p14:creationId xmlns:p14="http://schemas.microsoft.com/office/powerpoint/2010/main" val="3488834746"/>
       </p:ext>
     </p:extLst>
   </p:cSld>
@@ -7862,7 +8033,12 @@
             <p:ph type="title"/>
           </p:nvPr>
         </p:nvSpPr>
-        <p:spPr/>
+        <p:spPr>
+          <a:xfrm>
+            <a:off x="365760" y="411480"/>
+            <a:ext cx="11438994" cy="914400"/>
+          </a:xfrm>
+        </p:spPr>
         <p:txBody>
           <a:bodyPr/>
           <a:lstStyle/>
@@ -7877,13 +8053,12 @@
             </a:r>
             <a:r>
               <a:rPr lang="en-US" u="sng" dirty="0"/>
-              <a:t> Experiments</a:t>
-            </a:r>
-            <a:r>
-              <a:rPr lang="en-US" dirty="0"/>
-              <a:t> (2/3)</a:t>
-            </a:r>
-            <a:endParaRPr lang="en-US" u="sng" dirty="0"/>
+              <a:t> Development</a:t>
+            </a:r>
+            <a:r>
+              <a:rPr lang="en-US" dirty="0"/>
+              <a:t> (1/2)</a:t>
+            </a:r>
           </a:p>
         </p:txBody>
       </p:sp>
@@ -7905,8 +8080,8 @@
         </p:nvSpPr>
         <p:spPr>
           <a:xfrm>
-            <a:off x="365760" y="1280165"/>
-            <a:ext cx="11534052" cy="4047778"/>
+            <a:off x="365760" y="1445055"/>
+            <a:ext cx="11369809" cy="4047778"/>
           </a:xfrm>
         </p:spPr>
         <p:txBody>
@@ -7919,134 +8094,71 @@
                   <a:schemeClr val="tx2"/>
                 </a:solidFill>
               </a:rPr>
-              <a:t>Can you reproduce the code used for each and every experiment?</a:t>
-            </a:r>
-          </a:p>
-          <a:p>
-            <a:pPr lvl="1">
-              <a:spcBef>
-                <a:spcPts val="200"/>
-              </a:spcBef>
-            </a:pPr>
-            <a:r>
-              <a:rPr lang="en-US" b="1" dirty="0">
-                <a:solidFill>
-                  <a:schemeClr val="tx2"/>
-                </a:solidFill>
-              </a:rPr>
-              <a:t>Three years later?</a:t>
-            </a:r>
-          </a:p>
-          <a:p>
-            <a:r>
-              <a:rPr lang="en-US" dirty="0"/>
-              <a:t>Use only well-defined versions of code (i.e., official “releases”, tags, etc.)</a:t>
-            </a:r>
-          </a:p>
-          <a:p>
-            <a:pPr lvl="1">
-              <a:spcBef>
-                <a:spcPts val="200"/>
-              </a:spcBef>
-            </a:pPr>
-            <a:r>
-              <a:rPr lang="en-US" dirty="0"/>
-              <a:t>Master or development branches are often moving targets</a:t>
-            </a:r>
-          </a:p>
-          <a:p>
-            <a:pPr lvl="1">
-              <a:spcBef>
-                <a:spcPts val="200"/>
-              </a:spcBef>
-            </a:pPr>
-            <a:r>
-              <a:rPr lang="en-US" dirty="0"/>
-              <a:t>Capture the exact version of the code used for each experiment</a:t>
-            </a:r>
-          </a:p>
-          <a:p>
-            <a:pPr lvl="2">
-              <a:spcBef>
-                <a:spcPts val="200"/>
-              </a:spcBef>
-            </a:pPr>
-            <a:r>
-              <a:rPr lang="en-US" dirty="0"/>
-              <a:t>Is the code you’re building exactly what’s in the version control repo?</a:t>
-            </a:r>
-          </a:p>
-          <a:p>
-            <a:pPr lvl="1">
-              <a:spcBef>
-                <a:spcPts val="200"/>
-              </a:spcBef>
-            </a:pPr>
-            <a:r>
-              <a:rPr lang="en-US" dirty="0"/>
-              <a:t>Don’t change versions during a related series of experiments (unless you have to)</a:t>
-            </a:r>
-          </a:p>
-          <a:p>
-            <a:pPr lvl="1">
-              <a:spcBef>
-                <a:spcPts val="200"/>
-              </a:spcBef>
-            </a:pPr>
-            <a:r>
-              <a:rPr lang="en-US" dirty="0"/>
-              <a:t>If you have to change versions, know exactly what changed</a:t>
-            </a:r>
-          </a:p>
-          <a:p>
-            <a:pPr lvl="2">
-              <a:spcBef>
-                <a:spcPts val="200"/>
-              </a:spcBef>
-            </a:pPr>
-            <a:r>
-              <a:rPr lang="en-US" dirty="0"/>
-              <a:t>Capture the exact version of the code used for each experiment</a:t>
-            </a:r>
-          </a:p>
-          <a:p>
-            <a:r>
-              <a:rPr lang="en-US" dirty="0"/>
-              <a:t>Use only versions of code that have been thoroughly verified</a:t>
-            </a:r>
-          </a:p>
-          <a:p>
-            <a:r>
-              <a:rPr lang="en-US" dirty="0"/>
-              <a:t>Continue to use regular testing to identify changes due to the underlying platform</a:t>
-            </a:r>
-          </a:p>
-          <a:p>
-            <a:pPr lvl="1">
-              <a:spcBef>
-                <a:spcPts val="200"/>
-              </a:spcBef>
-            </a:pPr>
-            <a:r>
-              <a:rPr lang="en-US" dirty="0"/>
-              <a:t>E.g., compiler release introduces a new optimization that changes numerical results</a:t>
-            </a:r>
-          </a:p>
-          <a:p>
-            <a:r>
-              <a:rPr lang="en-US" dirty="0"/>
-              <a:t>Consider capturing version information of key libraries, compilers, and other dependencies used to build code</a:t>
-            </a:r>
-          </a:p>
-          <a:p>
-            <a:pPr lvl="1">
-              <a:spcBef>
-                <a:spcPts val="200"/>
-              </a:spcBef>
-            </a:pPr>
+              <a:t>Solid versioning practices are fundamental to reproducibility</a:t>
+            </a:r>
+          </a:p>
+          <a:p>
+            <a:r>
+              <a:rPr lang="en-US" dirty="0"/>
+              <a:t>Version control of code, documentation, and other artifacts</a:t>
+            </a:r>
+          </a:p>
+          <a:p>
+            <a:pPr lvl="1"/>
+            <a:r>
+              <a:rPr lang="en-US" dirty="0"/>
+              <a:t>Frequent commits (perhaps to a separate development branch) </a:t>
+            </a:r>
+          </a:p>
+          <a:p>
+            <a:r>
+              <a:rPr lang="en-US" dirty="0"/>
+              <a:t>Provide versioning information in key output(s)</a:t>
+            </a:r>
+          </a:p>
+          <a:p>
+            <a:pPr lvl="1"/>
+            <a:r>
+              <a:rPr lang="en-US" dirty="0"/>
+              <a:t>Version numbers (i.e., semantic versioning) are useful, but when do you increment them?</a:t>
+            </a:r>
+          </a:p>
+          <a:p>
+            <a:pPr lvl="1"/>
+            <a:r>
+              <a:rPr lang="en-US" dirty="0"/>
+              <a:t>Automatic identifiers (i.e., git commit hash) are less ambiguous, but may not be as meaningful</a:t>
+            </a:r>
+          </a:p>
+          <a:p>
+            <a:pPr lvl="1"/>
+            <a:r>
+              <a:rPr lang="en-US" dirty="0"/>
+              <a:t>Is the code you’re building modified from the version in the repository? </a:t>
+            </a:r>
             <a:r>
               <a:rPr lang="en-US" i="1" dirty="0"/>
-              <a:t>Not often done, in practice</a:t>
+              <a:t>(Not often done in practice)</a:t>
+            </a:r>
+          </a:p>
+          <a:p>
+            <a:r>
+              <a:rPr lang="en-US" dirty="0"/>
+              <a:t>Maintaining documentation (and other artifacts) in sync with code</a:t>
+            </a:r>
+          </a:p>
+          <a:p>
+            <a:pPr lvl="1"/>
+            <a:r>
+              <a:rPr lang="en-US" dirty="0"/>
+              <a:t>You’ll forget</a:t>
+            </a:r>
+          </a:p>
+          <a:p>
+            <a:pPr lvl="1"/>
+            <a:r>
+              <a:rPr lang="en-US" dirty="0"/>
+              <a:t>Or you won’t have (make) time to go back to it</a:t>
             </a:r>
           </a:p>
         </p:txBody>
@@ -8054,7 +8166,7 @@
     </p:spTree>
     <p:extLst>
       <p:ext uri="{BB962C8B-B14F-4D97-AF65-F5344CB8AC3E}">
-        <p14:creationId xmlns:p14="http://schemas.microsoft.com/office/powerpoint/2010/main" val="847899985"/>
+        <p14:creationId xmlns:p14="http://schemas.microsoft.com/office/powerpoint/2010/main" val="993821894"/>
       </p:ext>
     </p:extLst>
   </p:cSld>
@@ -8097,7 +8209,12 @@
             <p:ph type="title"/>
           </p:nvPr>
         </p:nvSpPr>
-        <p:spPr/>
+        <p:spPr>
+          <a:xfrm>
+            <a:off x="365760" y="411480"/>
+            <a:ext cx="11457305" cy="914400"/>
+          </a:xfrm>
+        </p:spPr>
         <p:txBody>
           <a:bodyPr/>
           <a:lstStyle/>
@@ -8112,13 +8229,12 @@
             </a:r>
             <a:r>
               <a:rPr lang="en-US" u="sng" dirty="0"/>
-              <a:t> Experiments</a:t>
-            </a:r>
-            <a:r>
-              <a:rPr lang="en-US" dirty="0"/>
-              <a:t> (3/3)</a:t>
-            </a:r>
-            <a:endParaRPr lang="en-US" u="sng" dirty="0"/>
+              <a:t> Development</a:t>
+            </a:r>
+            <a:r>
+              <a:rPr lang="en-US" dirty="0"/>
+              <a:t> (2/2)</a:t>
+            </a:r>
           </a:p>
         </p:txBody>
       </p:sp>
@@ -8140,7 +8256,7 @@
         </p:nvSpPr>
         <p:spPr>
           <a:xfrm>
-            <a:off x="365760" y="1310145"/>
+            <a:off x="365760" y="995355"/>
             <a:ext cx="11369809" cy="4047778"/>
           </a:xfrm>
         </p:spPr>
@@ -8154,77 +8270,138 @@
                   <a:schemeClr val="tx2"/>
                 </a:solidFill>
               </a:rPr>
-              <a:t>Be thorough in capturing provenance</a:t>
-            </a:r>
-          </a:p>
-          <a:p>
-            <a:pPr lvl="1"/>
-            <a:r>
-              <a:rPr lang="en-US" b="1" dirty="0">
-                <a:solidFill>
-                  <a:schemeClr val="tx2"/>
-                </a:solidFill>
-              </a:rPr>
-              <a:t> Agents (codes), entities (inputs, outputs, etc.), activities (the transformation)</a:t>
-            </a:r>
-          </a:p>
-          <a:p>
-            <a:r>
-              <a:rPr lang="en-US" dirty="0"/>
-              <a:t>Capture code version</a:t>
-            </a:r>
-          </a:p>
-          <a:p>
-            <a:r>
-              <a:rPr lang="en-US" dirty="0"/>
-              <a:t>Capture all inputs/configuration information for each experiment</a:t>
-            </a:r>
-          </a:p>
-          <a:p>
-            <a:r>
-              <a:rPr lang="en-US" dirty="0"/>
-              <a:t>Use multiple systems to ensure that you can correctly associate inputs, outputs, and code versions</a:t>
-            </a:r>
-          </a:p>
-          <a:p>
-            <a:pPr lvl="1"/>
-            <a:r>
-              <a:rPr lang="en-US" dirty="0"/>
-              <a:t>Systematic directory and file naming conventions</a:t>
-            </a:r>
-          </a:p>
-          <a:p>
-            <a:pPr lvl="1"/>
-            <a:r>
-              <a:rPr lang="en-US" dirty="0"/>
-              <a:t>Separate written notes (paper notebook, electronic notebook)</a:t>
-            </a:r>
-          </a:p>
-          <a:p>
-            <a:pPr lvl="2"/>
-            <a:r>
-              <a:rPr lang="en-US" dirty="0"/>
-              <a:t>Lab notebooks aren’t just for people who literally work in a laboratory!</a:t>
-            </a:r>
-          </a:p>
-          <a:p>
-            <a:pPr lvl="1"/>
-            <a:r>
-              <a:rPr lang="en-US" dirty="0"/>
-              <a:t>Scripts to orchestrate experiments (versioned and captured)</a:t>
-            </a:r>
-          </a:p>
-          <a:p>
-            <a:pPr lvl="1"/>
-            <a:r>
-              <a:rPr lang="en-US" dirty="0"/>
-              <a:t>Version control (if data is not too large)</a:t>
-            </a:r>
-          </a:p>
-          <a:p>
-            <a:r>
-              <a:rPr lang="en-US" dirty="0"/>
-              <a:t>Capture important outputs (as feasible)</a:t>
+              <a:t>Build in quality from the start</a:t>
+            </a:r>
+          </a:p>
+          <a:p>
+            <a:r>
+              <a:rPr lang="en-US" dirty="0"/>
+              <a:t>Define and follow coding standards</a:t>
+            </a:r>
+          </a:p>
+          <a:p>
+            <a:pPr lvl="1">
+              <a:spcBef>
+                <a:spcPts val="200"/>
+              </a:spcBef>
+            </a:pPr>
+            <a:r>
+              <a:rPr lang="en-US" dirty="0"/>
+              <a:t>Not just code style</a:t>
+            </a:r>
+          </a:p>
+          <a:p>
+            <a:pPr lvl="1">
+              <a:spcBef>
+                <a:spcPts val="200"/>
+              </a:spcBef>
+            </a:pPr>
+            <a:r>
+              <a:rPr lang="en-US" dirty="0"/>
+              <a:t>Expectations for kinds and extent of documentation, types and rigor of tests</a:t>
+            </a:r>
+          </a:p>
+          <a:p>
+            <a:r>
+              <a:rPr lang="en-US" dirty="0"/>
+              <a:t>Develop tests as you code</a:t>
+            </a:r>
+          </a:p>
+          <a:p>
+            <a:pPr lvl="1">
+              <a:spcBef>
+                <a:spcPts val="200"/>
+              </a:spcBef>
+            </a:pPr>
+            <a:r>
+              <a:rPr lang="en-US" dirty="0"/>
+              <a:t>Write tests while the code is fresh in your mind</a:t>
+            </a:r>
+          </a:p>
+          <a:p>
+            <a:pPr lvl="1">
+              <a:spcBef>
+                <a:spcPts val="200"/>
+              </a:spcBef>
+            </a:pPr>
+            <a:r>
+              <a:rPr lang="en-US" dirty="0"/>
+              <a:t>Test Driven Development (TDD) means write tests before code, then code to pass the tests</a:t>
+            </a:r>
+          </a:p>
+          <a:p>
+            <a:r>
+              <a:rPr lang="en-US" dirty="0"/>
+              <a:t>Require increasingly rigorous testing as the code becomes more “public”</a:t>
+            </a:r>
+          </a:p>
+          <a:p>
+            <a:pPr lvl="1">
+              <a:spcBef>
+                <a:spcPts val="200"/>
+              </a:spcBef>
+            </a:pPr>
+            <a:r>
+              <a:rPr lang="en-US" dirty="0"/>
+              <a:t>Testing has costs, need to balance level of risk against cost of creating and executing tests</a:t>
+            </a:r>
+          </a:p>
+          <a:p>
+            <a:pPr lvl="1">
+              <a:spcBef>
+                <a:spcPts val="200"/>
+              </a:spcBef>
+            </a:pPr>
+            <a:r>
+              <a:rPr lang="en-US" dirty="0"/>
+              <a:t>Also think about frequency of tests at different levels of cost (c.f. continuous integration)</a:t>
+            </a:r>
+          </a:p>
+          <a:p>
+            <a:r>
+              <a:rPr lang="en-US" dirty="0"/>
+              <a:t>Practice peer code review</a:t>
+            </a:r>
+          </a:p>
+          <a:p>
+            <a:pPr lvl="1">
+              <a:spcBef>
+                <a:spcPts val="200"/>
+              </a:spcBef>
+            </a:pPr>
+            <a:r>
+              <a:rPr lang="en-US" dirty="0"/>
+              <a:t>Per commit – should meet standards, </a:t>
+            </a:r>
+            <a:r>
+              <a:rPr lang="en-US" i="1" dirty="0"/>
+              <a:t>and</a:t>
+            </a:r>
+            <a:r>
+              <a:rPr lang="en-US" dirty="0"/>
+              <a:t> be understood and judged correct by reviewer</a:t>
+            </a:r>
+          </a:p>
+          <a:p>
+            <a:pPr lvl="1">
+              <a:spcBef>
+                <a:spcPts val="200"/>
+              </a:spcBef>
+            </a:pPr>
+            <a:r>
+              <a:rPr lang="en-US" dirty="0"/>
+              <a:t>Pair experienced reviewers with less experienced coders to help ensure quality</a:t>
+            </a:r>
+          </a:p>
+          <a:p>
+            <a:pPr lvl="1">
+              <a:spcBef>
+                <a:spcPts val="200"/>
+              </a:spcBef>
+            </a:pPr>
+            <a:r>
+              <a:rPr lang="en-US" dirty="0"/>
+              <a:t>Retrospective if you have a lot of existing unreviewed code</a:t>
             </a:r>
           </a:p>
         </p:txBody>
@@ -8232,7 +8409,7 @@
     </p:spTree>
     <p:extLst>
       <p:ext uri="{BB962C8B-B14F-4D97-AF65-F5344CB8AC3E}">
-        <p14:creationId xmlns:p14="http://schemas.microsoft.com/office/powerpoint/2010/main" val="1441357727"/>
+        <p14:creationId xmlns:p14="http://schemas.microsoft.com/office/powerpoint/2010/main" val="1828586750"/>
       </p:ext>
     </p:extLst>
   </p:cSld>
@@ -8290,6 +8467,1301 @@
             </a:r>
             <a:r>
               <a:rPr lang="en-US" u="sng" dirty="0"/>
+              <a:t> Development</a:t>
+            </a:r>
+          </a:p>
+        </p:txBody>
+      </p:sp>
+      <p:sp>
+        <p:nvSpPr>
+          <p:cNvPr id="3" name="Content Placeholder 2">
+            <a:extLst>
+              <a:ext uri="{FF2B5EF4-FFF2-40B4-BE49-F238E27FC236}">
+                <a16:creationId xmlns:a16="http://schemas.microsoft.com/office/drawing/2014/main" id="{7E3F8F1F-5081-4F6E-81DA-DC14088609D1}"/>
+              </a:ext>
+            </a:extLst>
+          </p:cNvPr>
+          <p:cNvSpPr>
+            <a:spLocks noGrp="1"/>
+          </p:cNvSpPr>
+          <p:nvPr>
+            <p:ph idx="1"/>
+          </p:nvPr>
+        </p:nvSpPr>
+        <p:spPr>
+          <a:xfrm>
+            <a:off x="365760" y="919426"/>
+            <a:ext cx="11369809" cy="4047778"/>
+          </a:xfrm>
+        </p:spPr>
+        <p:txBody>
+          <a:bodyPr/>
+          <a:lstStyle/>
+          <a:p>
+            <a:r>
+              <a:rPr lang="en-US" sz="2000" b="1" dirty="0">
+                <a:solidFill>
+                  <a:schemeClr val="tx2"/>
+                </a:solidFill>
+              </a:rPr>
+              <a:t>Testing, testing, and more testing!</a:t>
+            </a:r>
+          </a:p>
+          <a:p>
+            <a:r>
+              <a:rPr lang="en-US" sz="2000" dirty="0"/>
+              <a:t>Add “regression tests”</a:t>
+            </a:r>
+          </a:p>
+          <a:p>
+            <a:pPr lvl="1">
+              <a:spcBef>
+                <a:spcPts val="200"/>
+              </a:spcBef>
+            </a:pPr>
+            <a:r>
+              <a:rPr lang="en-US" sz="1800" dirty="0"/>
+              <a:t>If you fix a bug, add a test to make sure that bug doesn’t creep back in</a:t>
+            </a:r>
+          </a:p>
+          <a:p>
+            <a:r>
+              <a:rPr lang="en-US" sz="2000" dirty="0"/>
+              <a:t>Add more tests</a:t>
+            </a:r>
+          </a:p>
+          <a:p>
+            <a:pPr lvl="1">
+              <a:spcBef>
+                <a:spcPts val="200"/>
+              </a:spcBef>
+            </a:pPr>
+            <a:r>
+              <a:rPr lang="en-US" sz="1800" dirty="0"/>
+              <a:t>Be creative</a:t>
+            </a:r>
+          </a:p>
+          <a:p>
+            <a:pPr lvl="1">
+              <a:spcBef>
+                <a:spcPts val="200"/>
+              </a:spcBef>
+            </a:pPr>
+            <a:r>
+              <a:rPr lang="en-US" sz="1800" dirty="0"/>
+              <a:t>Think about common cases, then corner cases</a:t>
+            </a:r>
+          </a:p>
+          <a:p>
+            <a:pPr lvl="1">
+              <a:spcBef>
+                <a:spcPts val="200"/>
+              </a:spcBef>
+            </a:pPr>
+            <a:r>
+              <a:rPr lang="en-US" sz="1800" dirty="0"/>
+              <a:t>Think about misuse (unintentional or intentional)</a:t>
+            </a:r>
+          </a:p>
+          <a:p>
+            <a:pPr lvl="1">
+              <a:spcBef>
+                <a:spcPts val="200"/>
+              </a:spcBef>
+            </a:pPr>
+            <a:r>
+              <a:rPr lang="en-US" sz="1800" dirty="0"/>
+              <a:t>Think about synthetic tests with synthetic data</a:t>
+            </a:r>
+          </a:p>
+          <a:p>
+            <a:pPr lvl="1">
+              <a:spcBef>
+                <a:spcPts val="200"/>
+              </a:spcBef>
+            </a:pPr>
+            <a:r>
+              <a:rPr lang="en-US" sz="1800" dirty="0"/>
+              <a:t>Think about low-cost tests that can be “always on” (even if they’re not so stringent)</a:t>
+            </a:r>
+          </a:p>
+          <a:p>
+            <a:pPr lvl="1">
+              <a:spcBef>
+                <a:spcPts val="200"/>
+              </a:spcBef>
+            </a:pPr>
+            <a:r>
+              <a:rPr lang="en-US" sz="1800" dirty="0"/>
+              <a:t>Can you detect silent data corruption?</a:t>
+            </a:r>
+          </a:p>
+          <a:p>
+            <a:r>
+              <a:rPr lang="en-US" sz="2000" dirty="0"/>
+              <a:t>Test your tests!</a:t>
+            </a:r>
+          </a:p>
+          <a:p>
+            <a:pPr lvl="1">
+              <a:spcBef>
+                <a:spcPts val="200"/>
+              </a:spcBef>
+            </a:pPr>
+            <a:r>
+              <a:rPr lang="en-US" sz="1800" dirty="0"/>
+              <a:t>Make sure tests fail when they’re supposed to!</a:t>
+            </a:r>
+          </a:p>
+          <a:p>
+            <a:r>
+              <a:rPr lang="en-US" sz="2000" dirty="0"/>
+              <a:t>Thoroughly verify the code</a:t>
+            </a:r>
+          </a:p>
+          <a:p>
+            <a:pPr lvl="1">
+              <a:spcBef>
+                <a:spcPts val="200"/>
+              </a:spcBef>
+            </a:pPr>
+            <a:r>
+              <a:rPr lang="en-US" sz="1800" dirty="0"/>
+              <a:t>Does the code do what you intended it to do?</a:t>
+            </a:r>
+          </a:p>
+          <a:p>
+            <a:pPr lvl="1">
+              <a:spcBef>
+                <a:spcPts val="200"/>
+              </a:spcBef>
+            </a:pPr>
+            <a:r>
+              <a:rPr lang="en-US" sz="1800" dirty="0"/>
+              <a:t>On all relevant platforms (compilers, hardware, etc.)</a:t>
+            </a:r>
+          </a:p>
+          <a:p>
+            <a:r>
+              <a:rPr lang="en-US" sz="2000" dirty="0"/>
+              <a:t>Test regularly</a:t>
+            </a:r>
+          </a:p>
+          <a:p>
+            <a:pPr lvl="1">
+              <a:spcBef>
+                <a:spcPts val="200"/>
+              </a:spcBef>
+            </a:pPr>
+            <a:r>
+              <a:rPr lang="en-US" sz="1800" dirty="0"/>
+              <a:t>To identify and document where changes to the underlying </a:t>
+            </a:r>
+            <a:br>
+              <a:rPr lang="en-US" sz="1800" dirty="0"/>
+            </a:br>
+            <a:r>
+              <a:rPr lang="en-US" sz="1800" dirty="0"/>
+              <a:t>platform change code behavior/results</a:t>
+            </a:r>
+          </a:p>
+        </p:txBody>
+      </p:sp>
+    </p:spTree>
+    <p:extLst>
+      <p:ext uri="{BB962C8B-B14F-4D97-AF65-F5344CB8AC3E}">
+        <p14:creationId xmlns:p14="http://schemas.microsoft.com/office/powerpoint/2010/main" val="1368771477"/>
+      </p:ext>
+    </p:extLst>
+  </p:cSld>
+  <p:clrMapOvr>
+    <a:masterClrMapping/>
+  </p:clrMapOvr>
+</p:sld>
+</file>
+
+<file path=ppt/slides/slide23.xml><?xml version="1.0" encoding="utf-8"?>
+<p:sld xmlns:a="http://schemas.openxmlformats.org/drawingml/2006/main" xmlns:r="http://schemas.openxmlformats.org/officeDocument/2006/relationships" xmlns:p="http://schemas.openxmlformats.org/presentationml/2006/main">
+  <p:cSld>
+    <p:spTree>
+      <p:nvGrpSpPr>
+        <p:cNvPr id="1" name=""/>
+        <p:cNvGrpSpPr/>
+        <p:nvPr/>
+      </p:nvGrpSpPr>
+      <p:grpSpPr>
+        <a:xfrm>
+          <a:off x="0" y="0"/>
+          <a:ext cx="0" cy="0"/>
+          <a:chOff x="0" y="0"/>
+          <a:chExt cx="0" cy="0"/>
+        </a:xfrm>
+      </p:grpSpPr>
+      <p:sp>
+        <p:nvSpPr>
+          <p:cNvPr id="2" name="Title 1">
+            <a:extLst>
+              <a:ext uri="{FF2B5EF4-FFF2-40B4-BE49-F238E27FC236}">
+                <a16:creationId xmlns:a16="http://schemas.microsoft.com/office/drawing/2014/main" id="{A8FB7E71-12B3-4F18-9845-F2C5400A7D80}"/>
+              </a:ext>
+            </a:extLst>
+          </p:cNvPr>
+          <p:cNvSpPr>
+            <a:spLocks noGrp="1"/>
+          </p:cNvSpPr>
+          <p:nvPr>
+            <p:ph type="title"/>
+          </p:nvPr>
+        </p:nvSpPr>
+        <p:spPr/>
+        <p:txBody>
+          <a:bodyPr/>
+          <a:lstStyle/>
+          <a:p>
+            <a:r>
+              <a:rPr lang="en-US" dirty="0"/>
+              <a:t>Digression – “Physics” (or Math)-Based Testing Strategies</a:t>
+            </a:r>
+          </a:p>
+        </p:txBody>
+      </p:sp>
+      <p:sp>
+        <p:nvSpPr>
+          <p:cNvPr id="3" name="Content Placeholder 2">
+            <a:extLst>
+              <a:ext uri="{FF2B5EF4-FFF2-40B4-BE49-F238E27FC236}">
+                <a16:creationId xmlns:a16="http://schemas.microsoft.com/office/drawing/2014/main" id="{A5DD7266-4F2C-433C-9206-C4C7FDCEE701}"/>
+              </a:ext>
+            </a:extLst>
+          </p:cNvPr>
+          <p:cNvSpPr>
+            <a:spLocks noGrp="1"/>
+          </p:cNvSpPr>
+          <p:nvPr>
+            <p:ph idx="1"/>
+          </p:nvPr>
+        </p:nvSpPr>
+        <p:spPr>
+          <a:xfrm>
+            <a:off x="365760" y="1340125"/>
+            <a:ext cx="11369809" cy="4047778"/>
+          </a:xfrm>
+        </p:spPr>
+        <p:txBody>
+          <a:bodyPr/>
+          <a:lstStyle/>
+          <a:p>
+            <a:r>
+              <a:rPr lang="en-US" b="1" dirty="0">
+                <a:solidFill>
+                  <a:schemeClr val="tx2"/>
+                </a:solidFill>
+              </a:rPr>
+              <a:t>Use what you know (or can construct) about the model you’re studying to test its implementation</a:t>
+            </a:r>
+          </a:p>
+          <a:p>
+            <a:r>
+              <a:rPr lang="en-US" dirty="0"/>
+              <a:t>Synthetic operators with known properties</a:t>
+            </a:r>
+          </a:p>
+          <a:p>
+            <a:pPr lvl="1"/>
+            <a:r>
+              <a:rPr lang="en-US" dirty="0"/>
+              <a:t>Spectrum (huge diagonals)</a:t>
+            </a:r>
+          </a:p>
+          <a:p>
+            <a:pPr lvl="1"/>
+            <a:r>
+              <a:rPr lang="en-US" dirty="0"/>
+              <a:t>Rank (by construction)</a:t>
+            </a:r>
+          </a:p>
+          <a:p>
+            <a:r>
+              <a:rPr lang="en-US" dirty="0"/>
+              <a:t>Invariance principles</a:t>
+            </a:r>
+          </a:p>
+          <a:p>
+            <a:pPr lvl="1"/>
+            <a:r>
+              <a:rPr lang="en-US" dirty="0"/>
+              <a:t>Translational, rotational, etc.</a:t>
+            </a:r>
+          </a:p>
+          <a:p>
+            <a:pPr lvl="1"/>
+            <a:r>
+              <a:rPr lang="en-US" dirty="0"/>
+              <a:t>Physical symmetries</a:t>
+            </a:r>
+          </a:p>
+          <a:p>
+            <a:pPr lvl="1"/>
+            <a:r>
+              <a:rPr lang="en-US" dirty="0"/>
+              <a:t>Mathematical symmetries</a:t>
+            </a:r>
+          </a:p>
+          <a:p>
+            <a:r>
+              <a:rPr lang="en-US" dirty="0"/>
+              <a:t>Conservation rules</a:t>
+            </a:r>
+          </a:p>
+          <a:p>
+            <a:pPr lvl="1"/>
+            <a:r>
+              <a:rPr lang="en-US" dirty="0"/>
+              <a:t>Fluxes, energy, mass, etc.</a:t>
+            </a:r>
+          </a:p>
+          <a:p>
+            <a:r>
+              <a:rPr lang="en-US" dirty="0"/>
+              <a:t>…</a:t>
+            </a:r>
+          </a:p>
+        </p:txBody>
+      </p:sp>
+    </p:spTree>
+    <p:extLst>
+      <p:ext uri="{BB962C8B-B14F-4D97-AF65-F5344CB8AC3E}">
+        <p14:creationId xmlns:p14="http://schemas.microsoft.com/office/powerpoint/2010/main" val="4136283604"/>
+      </p:ext>
+    </p:extLst>
+  </p:cSld>
+  <p:clrMapOvr>
+    <a:masterClrMapping/>
+  </p:clrMapOvr>
+</p:sld>
+</file>
+
+<file path=ppt/slides/slide24.xml><?xml version="1.0" encoding="utf-8"?>
+<p:sld xmlns:a="http://schemas.openxmlformats.org/drawingml/2006/main" xmlns:r="http://schemas.openxmlformats.org/officeDocument/2006/relationships" xmlns:p="http://schemas.openxmlformats.org/presentationml/2006/main">
+  <p:cSld>
+    <p:spTree>
+      <p:nvGrpSpPr>
+        <p:cNvPr id="1" name=""/>
+        <p:cNvGrpSpPr/>
+        <p:nvPr/>
+      </p:nvGrpSpPr>
+      <p:grpSpPr>
+        <a:xfrm>
+          <a:off x="0" y="0"/>
+          <a:ext cx="0" cy="0"/>
+          <a:chOff x="0" y="0"/>
+          <a:chExt cx="0" cy="0"/>
+        </a:xfrm>
+      </p:grpSpPr>
+      <p:sp>
+        <p:nvSpPr>
+          <p:cNvPr id="2" name="Title 1">
+            <a:extLst>
+              <a:ext uri="{FF2B5EF4-FFF2-40B4-BE49-F238E27FC236}">
+                <a16:creationId xmlns:a16="http://schemas.microsoft.com/office/drawing/2014/main" id="{5ADB740C-7926-4693-996F-58F53886A80C}"/>
+              </a:ext>
+            </a:extLst>
+          </p:cNvPr>
+          <p:cNvSpPr>
+            <a:spLocks noGrp="1"/>
+          </p:cNvSpPr>
+          <p:nvPr>
+            <p:ph type="title"/>
+          </p:nvPr>
+        </p:nvSpPr>
+        <p:spPr/>
+        <p:txBody>
+          <a:bodyPr/>
+          <a:lstStyle/>
+          <a:p>
+            <a:r>
+              <a:rPr lang="en-US" dirty="0"/>
+              <a:t>Digression – Design by Contract Programming</a:t>
+            </a:r>
+          </a:p>
+        </p:txBody>
+      </p:sp>
+      <p:sp>
+        <p:nvSpPr>
+          <p:cNvPr id="3" name="Content Placeholder 2">
+            <a:extLst>
+              <a:ext uri="{FF2B5EF4-FFF2-40B4-BE49-F238E27FC236}">
+                <a16:creationId xmlns:a16="http://schemas.microsoft.com/office/drawing/2014/main" id="{86DB796C-B083-44C4-8467-DE5160CD2C5D}"/>
+              </a:ext>
+            </a:extLst>
+          </p:cNvPr>
+          <p:cNvSpPr>
+            <a:spLocks noGrp="1"/>
+          </p:cNvSpPr>
+          <p:nvPr>
+            <p:ph idx="1"/>
+          </p:nvPr>
+        </p:nvSpPr>
+        <p:spPr>
+          <a:xfrm>
+            <a:off x="365760" y="1079194"/>
+            <a:ext cx="11369809" cy="4047778"/>
+          </a:xfrm>
+        </p:spPr>
+        <p:txBody>
+          <a:bodyPr/>
+          <a:lstStyle/>
+          <a:p>
+            <a:r>
+              <a:rPr lang="en-US" b="1" dirty="0">
+                <a:solidFill>
+                  <a:schemeClr val="tx2"/>
+                </a:solidFill>
+              </a:rPr>
+              <a:t>Building testing into your routines </a:t>
+            </a:r>
+          </a:p>
+          <a:p>
+            <a:pPr lvl="1">
+              <a:spcBef>
+                <a:spcPts val="200"/>
+              </a:spcBef>
+            </a:pPr>
+            <a:r>
+              <a:rPr lang="en-US" b="1" dirty="0">
+                <a:solidFill>
+                  <a:schemeClr val="tx2"/>
+                </a:solidFill>
+              </a:rPr>
+              <a:t>To complement, </a:t>
+            </a:r>
+            <a:r>
+              <a:rPr lang="en-US" b="1" i="1" dirty="0">
+                <a:solidFill>
+                  <a:schemeClr val="tx2"/>
+                </a:solidFill>
+              </a:rPr>
+              <a:t>not replace</a:t>
+            </a:r>
+            <a:r>
+              <a:rPr lang="en-US" b="1" dirty="0">
+                <a:solidFill>
+                  <a:schemeClr val="tx2"/>
+                </a:solidFill>
+              </a:rPr>
+              <a:t>, other testing</a:t>
+            </a:r>
+          </a:p>
+          <a:p>
+            <a:r>
+              <a:rPr lang="en-US" dirty="0"/>
+              <a:t>The interface to a routine can be thought of as a contract between </a:t>
+            </a:r>
+            <a:r>
+              <a:rPr lang="en-US" i="1" dirty="0"/>
+              <a:t>caller</a:t>
+            </a:r>
+            <a:r>
+              <a:rPr lang="en-US" dirty="0"/>
+              <a:t> and the </a:t>
+            </a:r>
+            <a:r>
+              <a:rPr lang="en-US" i="1" dirty="0" err="1"/>
+              <a:t>callee</a:t>
+            </a:r>
+            <a:r>
+              <a:rPr lang="en-US" i="1" dirty="0"/>
+              <a:t> </a:t>
+            </a:r>
+            <a:r>
+              <a:rPr lang="en-US" dirty="0"/>
+              <a:t>(the routine)</a:t>
+            </a:r>
+          </a:p>
+          <a:p>
+            <a:pPr lvl="1">
+              <a:spcBef>
+                <a:spcPts val="200"/>
+              </a:spcBef>
+            </a:pPr>
+            <a:r>
+              <a:rPr lang="en-US" dirty="0"/>
+              <a:t>What does the routine expect on input?		</a:t>
+            </a:r>
+            <a:r>
+              <a:rPr lang="en-US" b="1" dirty="0"/>
+              <a:t>preconditions</a:t>
+            </a:r>
+          </a:p>
+          <a:p>
+            <a:pPr lvl="1">
+              <a:spcBef>
+                <a:spcPts val="200"/>
+              </a:spcBef>
+            </a:pPr>
+            <a:r>
+              <a:rPr lang="en-US" dirty="0"/>
+              <a:t>What does the routine guarantee at completion?	</a:t>
+            </a:r>
+            <a:r>
+              <a:rPr lang="en-US" b="1" dirty="0"/>
+              <a:t>postconditions</a:t>
+            </a:r>
+          </a:p>
+          <a:p>
+            <a:pPr lvl="1">
+              <a:spcBef>
+                <a:spcPts val="200"/>
+              </a:spcBef>
+            </a:pPr>
+            <a:r>
+              <a:rPr lang="en-US" dirty="0"/>
+              <a:t>What does the routine leave unchanged?		</a:t>
+            </a:r>
+            <a:r>
+              <a:rPr lang="en-US" b="1" dirty="0"/>
+              <a:t>invariants</a:t>
+            </a:r>
+          </a:p>
+          <a:p>
+            <a:r>
+              <a:rPr lang="en-US" dirty="0"/>
+              <a:t>Given valid inputs (preconditions satisfied) a routine should guarantee valid outputs (postconditions satisfied, invariants maintained)</a:t>
+            </a:r>
+          </a:p>
+          <a:p>
+            <a:pPr lvl="1">
+              <a:spcBef>
+                <a:spcPts val="200"/>
+              </a:spcBef>
+            </a:pPr>
+            <a:r>
+              <a:rPr lang="en-US" dirty="0"/>
+              <a:t>If the preconditions are not satisfied, the routine should return an error</a:t>
+            </a:r>
+          </a:p>
+          <a:p>
+            <a:pPr lvl="1">
+              <a:spcBef>
+                <a:spcPts val="200"/>
+              </a:spcBef>
+            </a:pPr>
+            <a:r>
+              <a:rPr lang="en-US" dirty="0"/>
+              <a:t>Emphasize low-costs tests that can be always-on</a:t>
+            </a:r>
+          </a:p>
+          <a:p>
+            <a:pPr lvl="1">
+              <a:spcBef>
+                <a:spcPts val="200"/>
+              </a:spcBef>
+            </a:pPr>
+            <a:r>
+              <a:rPr lang="en-US" dirty="0"/>
+              <a:t>May need to be able to switch enforcement of expensive tests on/off (but try not to!)</a:t>
+            </a:r>
+          </a:p>
+          <a:p>
+            <a:r>
+              <a:rPr lang="en-US" dirty="0"/>
+              <a:t>Making the contract explicit facilitates correct use of routines</a:t>
+            </a:r>
+          </a:p>
+          <a:p>
+            <a:pPr lvl="1">
+              <a:spcBef>
+                <a:spcPts val="200"/>
+              </a:spcBef>
+            </a:pPr>
+            <a:r>
+              <a:rPr lang="en-US" dirty="0"/>
+              <a:t>Especially when routine is reused in another context</a:t>
+            </a:r>
+          </a:p>
+          <a:p>
+            <a:pPr lvl="1">
+              <a:spcBef>
+                <a:spcPts val="200"/>
+              </a:spcBef>
+            </a:pPr>
+            <a:r>
+              <a:rPr lang="en-US" dirty="0"/>
+              <a:t>Especially by those not intimately familiar with them</a:t>
+            </a:r>
+          </a:p>
+        </p:txBody>
+      </p:sp>
+    </p:spTree>
+    <p:extLst>
+      <p:ext uri="{BB962C8B-B14F-4D97-AF65-F5344CB8AC3E}">
+        <p14:creationId xmlns:p14="http://schemas.microsoft.com/office/powerpoint/2010/main" val="2645307942"/>
+      </p:ext>
+    </p:extLst>
+  </p:cSld>
+  <p:clrMapOvr>
+    <a:masterClrMapping/>
+  </p:clrMapOvr>
+</p:sld>
+</file>
+
+<file path=ppt/slides/slide25.xml><?xml version="1.0" encoding="utf-8"?>
+<p:sld xmlns:a="http://schemas.openxmlformats.org/drawingml/2006/main" xmlns:r="http://schemas.openxmlformats.org/officeDocument/2006/relationships" xmlns:p="http://schemas.openxmlformats.org/presentationml/2006/main">
+  <p:cSld>
+    <p:spTree>
+      <p:nvGrpSpPr>
+        <p:cNvPr id="1" name=""/>
+        <p:cNvGrpSpPr/>
+        <p:nvPr/>
+      </p:nvGrpSpPr>
+      <p:grpSpPr>
+        <a:xfrm>
+          <a:off x="0" y="0"/>
+          <a:ext cx="0" cy="0"/>
+          <a:chOff x="0" y="0"/>
+          <a:chExt cx="0" cy="0"/>
+        </a:xfrm>
+      </p:grpSpPr>
+      <p:sp>
+        <p:nvSpPr>
+          <p:cNvPr id="2" name="Title 1">
+            <a:extLst>
+              <a:ext uri="{FF2B5EF4-FFF2-40B4-BE49-F238E27FC236}">
+                <a16:creationId xmlns:a16="http://schemas.microsoft.com/office/drawing/2014/main" id="{AF0E5AE6-BAC5-4D3D-B274-228B336C1693}"/>
+              </a:ext>
+            </a:extLst>
+          </p:cNvPr>
+          <p:cNvSpPr>
+            <a:spLocks noGrp="1"/>
+          </p:cNvSpPr>
+          <p:nvPr>
+            <p:ph type="title"/>
+          </p:nvPr>
+        </p:nvSpPr>
+        <p:spPr/>
+        <p:txBody>
+          <a:bodyPr/>
+          <a:lstStyle/>
+          <a:p>
+            <a:r>
+              <a:rPr lang="en-US" dirty="0"/>
+              <a:t>Strategies for Improving Reproducibility </a:t>
+            </a:r>
+            <a:r>
+              <a:rPr lang="en-US" i="1" u="sng" dirty="0"/>
+              <a:t>During</a:t>
+            </a:r>
+            <a:r>
+              <a:rPr lang="en-US" u="sng" dirty="0"/>
+              <a:t> Experiments</a:t>
+            </a:r>
+            <a:r>
+              <a:rPr lang="en-US" dirty="0"/>
+              <a:t> (1/3)</a:t>
+            </a:r>
+          </a:p>
+        </p:txBody>
+      </p:sp>
+      <p:sp>
+        <p:nvSpPr>
+          <p:cNvPr id="3" name="Content Placeholder 2">
+            <a:extLst>
+              <a:ext uri="{FF2B5EF4-FFF2-40B4-BE49-F238E27FC236}">
+                <a16:creationId xmlns:a16="http://schemas.microsoft.com/office/drawing/2014/main" id="{7E3F8F1F-5081-4F6E-81DA-DC14088609D1}"/>
+              </a:ext>
+            </a:extLst>
+          </p:cNvPr>
+          <p:cNvSpPr>
+            <a:spLocks noGrp="1"/>
+          </p:cNvSpPr>
+          <p:nvPr>
+            <p:ph idx="1"/>
+          </p:nvPr>
+        </p:nvSpPr>
+        <p:spPr>
+          <a:xfrm>
+            <a:off x="365760" y="982589"/>
+            <a:ext cx="11369809" cy="4047778"/>
+          </a:xfrm>
+        </p:spPr>
+        <p:txBody>
+          <a:bodyPr/>
+          <a:lstStyle/>
+          <a:p>
+            <a:r>
+              <a:rPr lang="en-US" b="1" dirty="0">
+                <a:solidFill>
+                  <a:schemeClr val="tx2"/>
+                </a:solidFill>
+              </a:rPr>
+              <a:t>What are you going to do, why, and how?</a:t>
+            </a:r>
+          </a:p>
+          <a:p>
+            <a:r>
+              <a:rPr lang="en-US" dirty="0"/>
+              <a:t>Plan your experiments thoroughly</a:t>
+            </a:r>
+          </a:p>
+          <a:p>
+            <a:pPr lvl="1"/>
+            <a:r>
+              <a:rPr lang="en-US" dirty="0"/>
+              <a:t>If you’re in a team, designate </a:t>
+            </a:r>
+            <a:r>
+              <a:rPr lang="en-US" i="1" dirty="0"/>
+              <a:t>one</a:t>
+            </a:r>
+            <a:r>
+              <a:rPr lang="en-US" dirty="0"/>
+              <a:t> person to coordinate the experimental campaign</a:t>
+            </a:r>
+          </a:p>
+          <a:p>
+            <a:pPr lvl="1"/>
+            <a:r>
+              <a:rPr lang="en-US" dirty="0"/>
+              <a:t>Know what you need (in the code, as inputs, as outputs to capture/analyze, etc.)</a:t>
+            </a:r>
+          </a:p>
+          <a:p>
+            <a:pPr lvl="1"/>
+            <a:r>
+              <a:rPr lang="en-US" dirty="0"/>
+              <a:t>Know how you’re going to process or analyze the results</a:t>
+            </a:r>
+          </a:p>
+          <a:p>
+            <a:pPr lvl="1"/>
+            <a:r>
+              <a:rPr lang="en-US" dirty="0"/>
+              <a:t>Know what to expect (in results, performance/cost, etc.)</a:t>
+            </a:r>
+          </a:p>
+          <a:p>
+            <a:pPr lvl="1"/>
+            <a:r>
+              <a:rPr lang="en-US" dirty="0"/>
+              <a:t>How will you convince yourself that your results are trustworthy?</a:t>
+            </a:r>
+          </a:p>
+          <a:p>
+            <a:r>
+              <a:rPr lang="en-US" dirty="0"/>
+              <a:t>Perform pilot/test runs to build confidence in correctness, performance, scaling</a:t>
+            </a:r>
+          </a:p>
+          <a:p>
+            <a:pPr lvl="1"/>
+            <a:r>
+              <a:rPr lang="en-US" dirty="0"/>
+              <a:t>Often useful to pursue an incremental/layered strategy</a:t>
+            </a:r>
+          </a:p>
+          <a:p>
+            <a:r>
+              <a:rPr lang="en-US" dirty="0"/>
+              <a:t>Ensure that you have the resources to store and/or analyze the outputs</a:t>
+            </a:r>
+          </a:p>
+          <a:p>
+            <a:pPr lvl="1"/>
+            <a:r>
+              <a:rPr lang="en-US" dirty="0"/>
+              <a:t>What can you afford to archive?</a:t>
+            </a:r>
+          </a:p>
+          <a:p>
+            <a:pPr lvl="1"/>
+            <a:r>
+              <a:rPr lang="en-US" dirty="0"/>
+              <a:t>What will you need to process and delete?</a:t>
+            </a:r>
+          </a:p>
+          <a:p>
+            <a:pPr lvl="1"/>
+            <a:r>
+              <a:rPr lang="en-US" dirty="0"/>
+              <a:t>What will you need to process during execution or stream?</a:t>
+            </a:r>
+          </a:p>
+        </p:txBody>
+      </p:sp>
+    </p:spTree>
+    <p:extLst>
+      <p:ext uri="{BB962C8B-B14F-4D97-AF65-F5344CB8AC3E}">
+        <p14:creationId xmlns:p14="http://schemas.microsoft.com/office/powerpoint/2010/main" val="3488834746"/>
+      </p:ext>
+    </p:extLst>
+  </p:cSld>
+  <p:clrMapOvr>
+    <a:masterClrMapping/>
+  </p:clrMapOvr>
+</p:sld>
+</file>
+
+<file path=ppt/slides/slide26.xml><?xml version="1.0" encoding="utf-8"?>
+<p:sld xmlns:a="http://schemas.openxmlformats.org/drawingml/2006/main" xmlns:r="http://schemas.openxmlformats.org/officeDocument/2006/relationships" xmlns:p="http://schemas.openxmlformats.org/presentationml/2006/main">
+  <p:cSld>
+    <p:spTree>
+      <p:nvGrpSpPr>
+        <p:cNvPr id="1" name=""/>
+        <p:cNvGrpSpPr/>
+        <p:nvPr/>
+      </p:nvGrpSpPr>
+      <p:grpSpPr>
+        <a:xfrm>
+          <a:off x="0" y="0"/>
+          <a:ext cx="0" cy="0"/>
+          <a:chOff x="0" y="0"/>
+          <a:chExt cx="0" cy="0"/>
+        </a:xfrm>
+      </p:grpSpPr>
+      <p:sp>
+        <p:nvSpPr>
+          <p:cNvPr id="2" name="Title 1">
+            <a:extLst>
+              <a:ext uri="{FF2B5EF4-FFF2-40B4-BE49-F238E27FC236}">
+                <a16:creationId xmlns:a16="http://schemas.microsoft.com/office/drawing/2014/main" id="{AF0E5AE6-BAC5-4D3D-B274-228B336C1693}"/>
+              </a:ext>
+            </a:extLst>
+          </p:cNvPr>
+          <p:cNvSpPr>
+            <a:spLocks noGrp="1"/>
+          </p:cNvSpPr>
+          <p:nvPr>
+            <p:ph type="title"/>
+          </p:nvPr>
+        </p:nvSpPr>
+        <p:spPr/>
+        <p:txBody>
+          <a:bodyPr/>
+          <a:lstStyle/>
+          <a:p>
+            <a:r>
+              <a:rPr lang="en-US" dirty="0"/>
+              <a:t>Strategies for Improving Reproducibility </a:t>
+            </a:r>
+            <a:r>
+              <a:rPr lang="en-US" i="1" u="sng" dirty="0"/>
+              <a:t>During</a:t>
+            </a:r>
+            <a:r>
+              <a:rPr lang="en-US" u="sng" dirty="0"/>
+              <a:t> Experiments</a:t>
+            </a:r>
+            <a:r>
+              <a:rPr lang="en-US" dirty="0"/>
+              <a:t> (2/3)</a:t>
+            </a:r>
+            <a:endParaRPr lang="en-US" u="sng" dirty="0"/>
+          </a:p>
+        </p:txBody>
+      </p:sp>
+      <p:sp>
+        <p:nvSpPr>
+          <p:cNvPr id="3" name="Content Placeholder 2">
+            <a:extLst>
+              <a:ext uri="{FF2B5EF4-FFF2-40B4-BE49-F238E27FC236}">
+                <a16:creationId xmlns:a16="http://schemas.microsoft.com/office/drawing/2014/main" id="{7E3F8F1F-5081-4F6E-81DA-DC14088609D1}"/>
+              </a:ext>
+            </a:extLst>
+          </p:cNvPr>
+          <p:cNvSpPr>
+            <a:spLocks noGrp="1"/>
+          </p:cNvSpPr>
+          <p:nvPr>
+            <p:ph idx="1"/>
+          </p:nvPr>
+        </p:nvSpPr>
+        <p:spPr>
+          <a:xfrm>
+            <a:off x="365760" y="1280165"/>
+            <a:ext cx="11534052" cy="4047778"/>
+          </a:xfrm>
+        </p:spPr>
+        <p:txBody>
+          <a:bodyPr/>
+          <a:lstStyle/>
+          <a:p>
+            <a:r>
+              <a:rPr lang="en-US" b="1" dirty="0">
+                <a:solidFill>
+                  <a:schemeClr val="tx2"/>
+                </a:solidFill>
+              </a:rPr>
+              <a:t>Can you reproduce the code used for each and every experiment?</a:t>
+            </a:r>
+          </a:p>
+          <a:p>
+            <a:pPr lvl="1">
+              <a:spcBef>
+                <a:spcPts val="200"/>
+              </a:spcBef>
+            </a:pPr>
+            <a:r>
+              <a:rPr lang="en-US" b="1" dirty="0">
+                <a:solidFill>
+                  <a:schemeClr val="tx2"/>
+                </a:solidFill>
+              </a:rPr>
+              <a:t>Three years later?</a:t>
+            </a:r>
+          </a:p>
+          <a:p>
+            <a:r>
+              <a:rPr lang="en-US" dirty="0"/>
+              <a:t>Use only well-defined versions of code (i.e., official “releases”, tags, etc.)</a:t>
+            </a:r>
+          </a:p>
+          <a:p>
+            <a:pPr lvl="1">
+              <a:spcBef>
+                <a:spcPts val="200"/>
+              </a:spcBef>
+            </a:pPr>
+            <a:r>
+              <a:rPr lang="en-US" dirty="0"/>
+              <a:t>Master or development branches are often moving targets</a:t>
+            </a:r>
+          </a:p>
+          <a:p>
+            <a:pPr lvl="1">
+              <a:spcBef>
+                <a:spcPts val="200"/>
+              </a:spcBef>
+            </a:pPr>
+            <a:r>
+              <a:rPr lang="en-US" dirty="0"/>
+              <a:t>Capture the exact version of the code used for each experiment</a:t>
+            </a:r>
+          </a:p>
+          <a:p>
+            <a:pPr lvl="2">
+              <a:spcBef>
+                <a:spcPts val="200"/>
+              </a:spcBef>
+            </a:pPr>
+            <a:r>
+              <a:rPr lang="en-US" dirty="0"/>
+              <a:t>Is the code you’re building exactly what’s in the version control repo?</a:t>
+            </a:r>
+          </a:p>
+          <a:p>
+            <a:pPr lvl="1">
+              <a:spcBef>
+                <a:spcPts val="200"/>
+              </a:spcBef>
+            </a:pPr>
+            <a:r>
+              <a:rPr lang="en-US" dirty="0"/>
+              <a:t>Don’t change versions during a related series of experiments (unless you have to)</a:t>
+            </a:r>
+          </a:p>
+          <a:p>
+            <a:pPr lvl="1">
+              <a:spcBef>
+                <a:spcPts val="200"/>
+              </a:spcBef>
+            </a:pPr>
+            <a:r>
+              <a:rPr lang="en-US" dirty="0"/>
+              <a:t>If you have to change versions, know exactly what changed</a:t>
+            </a:r>
+          </a:p>
+          <a:p>
+            <a:pPr lvl="2">
+              <a:spcBef>
+                <a:spcPts val="200"/>
+              </a:spcBef>
+            </a:pPr>
+            <a:r>
+              <a:rPr lang="en-US" dirty="0"/>
+              <a:t>Capture the exact version of the code used for each experiment</a:t>
+            </a:r>
+          </a:p>
+          <a:p>
+            <a:r>
+              <a:rPr lang="en-US" dirty="0"/>
+              <a:t>Use only versions of code that have been thoroughly verified</a:t>
+            </a:r>
+          </a:p>
+          <a:p>
+            <a:r>
+              <a:rPr lang="en-US" dirty="0"/>
+              <a:t>Continue to use regular testing to identify changes due to the underlying platform</a:t>
+            </a:r>
+          </a:p>
+          <a:p>
+            <a:pPr lvl="1">
+              <a:spcBef>
+                <a:spcPts val="200"/>
+              </a:spcBef>
+            </a:pPr>
+            <a:r>
+              <a:rPr lang="en-US" dirty="0"/>
+              <a:t>E.g., compiler release introduces a new optimization that changes numerical results</a:t>
+            </a:r>
+          </a:p>
+          <a:p>
+            <a:r>
+              <a:rPr lang="en-US" dirty="0"/>
+              <a:t>Consider capturing version information of key libraries, compilers, and other dependencies used to build code</a:t>
+            </a:r>
+          </a:p>
+          <a:p>
+            <a:pPr lvl="1">
+              <a:spcBef>
+                <a:spcPts val="200"/>
+              </a:spcBef>
+            </a:pPr>
+            <a:r>
+              <a:rPr lang="en-US" i="1" dirty="0"/>
+              <a:t>Not often done, in practice</a:t>
+            </a:r>
+          </a:p>
+        </p:txBody>
+      </p:sp>
+    </p:spTree>
+    <p:extLst>
+      <p:ext uri="{BB962C8B-B14F-4D97-AF65-F5344CB8AC3E}">
+        <p14:creationId xmlns:p14="http://schemas.microsoft.com/office/powerpoint/2010/main" val="847899985"/>
+      </p:ext>
+    </p:extLst>
+  </p:cSld>
+  <p:clrMapOvr>
+    <a:masterClrMapping/>
+  </p:clrMapOvr>
+</p:sld>
+</file>
+
+<file path=ppt/slides/slide27.xml><?xml version="1.0" encoding="utf-8"?>
+<p:sld xmlns:a="http://schemas.openxmlformats.org/drawingml/2006/main" xmlns:r="http://schemas.openxmlformats.org/officeDocument/2006/relationships" xmlns:p="http://schemas.openxmlformats.org/presentationml/2006/main">
+  <p:cSld>
+    <p:spTree>
+      <p:nvGrpSpPr>
+        <p:cNvPr id="1" name=""/>
+        <p:cNvGrpSpPr/>
+        <p:nvPr/>
+      </p:nvGrpSpPr>
+      <p:grpSpPr>
+        <a:xfrm>
+          <a:off x="0" y="0"/>
+          <a:ext cx="0" cy="0"/>
+          <a:chOff x="0" y="0"/>
+          <a:chExt cx="0" cy="0"/>
+        </a:xfrm>
+      </p:grpSpPr>
+      <p:sp>
+        <p:nvSpPr>
+          <p:cNvPr id="2" name="Title 1">
+            <a:extLst>
+              <a:ext uri="{FF2B5EF4-FFF2-40B4-BE49-F238E27FC236}">
+                <a16:creationId xmlns:a16="http://schemas.microsoft.com/office/drawing/2014/main" id="{AF0E5AE6-BAC5-4D3D-B274-228B336C1693}"/>
+              </a:ext>
+            </a:extLst>
+          </p:cNvPr>
+          <p:cNvSpPr>
+            <a:spLocks noGrp="1"/>
+          </p:cNvSpPr>
+          <p:nvPr>
+            <p:ph type="title"/>
+          </p:nvPr>
+        </p:nvSpPr>
+        <p:spPr/>
+        <p:txBody>
+          <a:bodyPr/>
+          <a:lstStyle/>
+          <a:p>
+            <a:r>
+              <a:rPr lang="en-US" dirty="0"/>
+              <a:t>Strategies for Improving Reproducibility </a:t>
+            </a:r>
+            <a:r>
+              <a:rPr lang="en-US" i="1" u="sng" dirty="0"/>
+              <a:t>During</a:t>
+            </a:r>
+            <a:r>
+              <a:rPr lang="en-US" u="sng" dirty="0"/>
+              <a:t> Experiments</a:t>
+            </a:r>
+            <a:r>
+              <a:rPr lang="en-US" dirty="0"/>
+              <a:t> (3/3)</a:t>
+            </a:r>
+            <a:endParaRPr lang="en-US" u="sng" dirty="0"/>
+          </a:p>
+        </p:txBody>
+      </p:sp>
+      <p:sp>
+        <p:nvSpPr>
+          <p:cNvPr id="3" name="Content Placeholder 2">
+            <a:extLst>
+              <a:ext uri="{FF2B5EF4-FFF2-40B4-BE49-F238E27FC236}">
+                <a16:creationId xmlns:a16="http://schemas.microsoft.com/office/drawing/2014/main" id="{7E3F8F1F-5081-4F6E-81DA-DC14088609D1}"/>
+              </a:ext>
+            </a:extLst>
+          </p:cNvPr>
+          <p:cNvSpPr>
+            <a:spLocks noGrp="1"/>
+          </p:cNvSpPr>
+          <p:nvPr>
+            <p:ph idx="1"/>
+          </p:nvPr>
+        </p:nvSpPr>
+        <p:spPr>
+          <a:xfrm>
+            <a:off x="365760" y="1310145"/>
+            <a:ext cx="11369809" cy="4047778"/>
+          </a:xfrm>
+        </p:spPr>
+        <p:txBody>
+          <a:bodyPr/>
+          <a:lstStyle/>
+          <a:p>
+            <a:r>
+              <a:rPr lang="en-US" b="1" dirty="0">
+                <a:solidFill>
+                  <a:schemeClr val="tx2"/>
+                </a:solidFill>
+              </a:rPr>
+              <a:t>Be thorough in capturing provenance</a:t>
+            </a:r>
+          </a:p>
+          <a:p>
+            <a:pPr lvl="1"/>
+            <a:r>
+              <a:rPr lang="en-US" b="1" dirty="0">
+                <a:solidFill>
+                  <a:schemeClr val="tx2"/>
+                </a:solidFill>
+              </a:rPr>
+              <a:t> Agents (codes), entities (inputs, outputs, etc.), activities (the transformation)</a:t>
+            </a:r>
+          </a:p>
+          <a:p>
+            <a:r>
+              <a:rPr lang="en-US" dirty="0"/>
+              <a:t>Capture code version</a:t>
+            </a:r>
+          </a:p>
+          <a:p>
+            <a:r>
+              <a:rPr lang="en-US" dirty="0"/>
+              <a:t>Capture all inputs/configuration information for each experiment</a:t>
+            </a:r>
+          </a:p>
+          <a:p>
+            <a:r>
+              <a:rPr lang="en-US" dirty="0"/>
+              <a:t>Use multiple systems to ensure that you can correctly associate inputs, outputs, and code versions</a:t>
+            </a:r>
+          </a:p>
+          <a:p>
+            <a:pPr lvl="1"/>
+            <a:r>
+              <a:rPr lang="en-US" dirty="0"/>
+              <a:t>Systematic directory and file naming conventions</a:t>
+            </a:r>
+          </a:p>
+          <a:p>
+            <a:pPr lvl="1"/>
+            <a:r>
+              <a:rPr lang="en-US" dirty="0"/>
+              <a:t>Separate written notes (paper notebook, electronic notebook)</a:t>
+            </a:r>
+          </a:p>
+          <a:p>
+            <a:pPr lvl="2"/>
+            <a:r>
+              <a:rPr lang="en-US" dirty="0"/>
+              <a:t>Lab notebooks aren’t just for people who literally work in a laboratory!</a:t>
+            </a:r>
+          </a:p>
+          <a:p>
+            <a:pPr lvl="1"/>
+            <a:r>
+              <a:rPr lang="en-US" dirty="0"/>
+              <a:t>Scripts to orchestrate experiments (versioned and captured)</a:t>
+            </a:r>
+          </a:p>
+          <a:p>
+            <a:pPr lvl="1"/>
+            <a:r>
+              <a:rPr lang="en-US" dirty="0"/>
+              <a:t>Version control (if data is not too large)</a:t>
+            </a:r>
+          </a:p>
+          <a:p>
+            <a:r>
+              <a:rPr lang="en-US" dirty="0"/>
+              <a:t>Capture important outputs (as feasible)</a:t>
+            </a:r>
+          </a:p>
+        </p:txBody>
+      </p:sp>
+    </p:spTree>
+    <p:extLst>
+      <p:ext uri="{BB962C8B-B14F-4D97-AF65-F5344CB8AC3E}">
+        <p14:creationId xmlns:p14="http://schemas.microsoft.com/office/powerpoint/2010/main" val="1441357727"/>
+      </p:ext>
+    </p:extLst>
+  </p:cSld>
+  <p:clrMapOvr>
+    <a:masterClrMapping/>
+  </p:clrMapOvr>
+</p:sld>
+</file>
+
+<file path=ppt/slides/slide28.xml><?xml version="1.0" encoding="utf-8"?>
+<p:sld xmlns:a="http://schemas.openxmlformats.org/drawingml/2006/main" xmlns:r="http://schemas.openxmlformats.org/officeDocument/2006/relationships" xmlns:p="http://schemas.openxmlformats.org/presentationml/2006/main">
+  <p:cSld>
+    <p:spTree>
+      <p:nvGrpSpPr>
+        <p:cNvPr id="1" name=""/>
+        <p:cNvGrpSpPr/>
+        <p:nvPr/>
+      </p:nvGrpSpPr>
+      <p:grpSpPr>
+        <a:xfrm>
+          <a:off x="0" y="0"/>
+          <a:ext cx="0" cy="0"/>
+          <a:chOff x="0" y="0"/>
+          <a:chExt cx="0" cy="0"/>
+        </a:xfrm>
+      </p:grpSpPr>
+      <p:sp>
+        <p:nvSpPr>
+          <p:cNvPr id="2" name="Title 1">
+            <a:extLst>
+              <a:ext uri="{FF2B5EF4-FFF2-40B4-BE49-F238E27FC236}">
+                <a16:creationId xmlns:a16="http://schemas.microsoft.com/office/drawing/2014/main" id="{AF0E5AE6-BAC5-4D3D-B274-228B336C1693}"/>
+              </a:ext>
+            </a:extLst>
+          </p:cNvPr>
+          <p:cNvSpPr>
+            <a:spLocks noGrp="1"/>
+          </p:cNvSpPr>
+          <p:nvPr>
+            <p:ph type="title"/>
+          </p:nvPr>
+        </p:nvSpPr>
+        <p:spPr/>
+        <p:txBody>
+          <a:bodyPr/>
+          <a:lstStyle/>
+          <a:p>
+            <a:r>
+              <a:rPr lang="en-US" dirty="0"/>
+              <a:t>Strategies for Improving Reproducibility </a:t>
+            </a:r>
+            <a:r>
+              <a:rPr lang="en-US" i="1" u="sng" dirty="0"/>
+              <a:t>After</a:t>
+            </a:r>
+            <a:r>
+              <a:rPr lang="en-US" u="sng" dirty="0"/>
               <a:t> Experiments</a:t>
             </a:r>
           </a:p>
@@ -8472,7 +9944,7 @@
 </p:sld>
 </file>
 
-<file path=ppt/slides/slide23.xml><?xml version="1.0" encoding="utf-8"?>
+<file path=ppt/slides/slide29.xml><?xml version="1.0" encoding="utf-8"?>
 <p:sld xmlns:a="http://schemas.openxmlformats.org/drawingml/2006/main" xmlns:r="http://schemas.openxmlformats.org/officeDocument/2006/relationships" xmlns:p="http://schemas.openxmlformats.org/presentationml/2006/main">
   <p:cSld>
     <p:spTree>
@@ -8661,1479 +10133,6 @@
     <p:extLst>
       <p:ext uri="{BB962C8B-B14F-4D97-AF65-F5344CB8AC3E}">
         <p14:creationId xmlns:p14="http://schemas.microsoft.com/office/powerpoint/2010/main" val="2976835437"/>
-      </p:ext>
-    </p:extLst>
-  </p:cSld>
-  <p:clrMapOvr>
-    <a:masterClrMapping/>
-  </p:clrMapOvr>
-</p:sld>
-</file>
-
-<file path=ppt/slides/slide24.xml><?xml version="1.0" encoding="utf-8"?>
-<p:sld xmlns:a="http://schemas.openxmlformats.org/drawingml/2006/main" xmlns:r="http://schemas.openxmlformats.org/officeDocument/2006/relationships" xmlns:p="http://schemas.openxmlformats.org/presentationml/2006/main">
-  <p:cSld>
-    <p:spTree>
-      <p:nvGrpSpPr>
-        <p:cNvPr id="1" name=""/>
-        <p:cNvGrpSpPr/>
-        <p:nvPr/>
-      </p:nvGrpSpPr>
-      <p:grpSpPr>
-        <a:xfrm>
-          <a:off x="0" y="0"/>
-          <a:ext cx="0" cy="0"/>
-          <a:chOff x="0" y="0"/>
-          <a:chExt cx="0" cy="0"/>
-        </a:xfrm>
-      </p:grpSpPr>
-      <p:sp>
-        <p:nvSpPr>
-          <p:cNvPr id="2" name="Title 1">
-            <a:extLst>
-              <a:ext uri="{FF2B5EF4-FFF2-40B4-BE49-F238E27FC236}">
-                <a16:creationId xmlns:a16="http://schemas.microsoft.com/office/drawing/2014/main" id="{4716E6A3-96EC-4523-A436-014C2E270151}"/>
-              </a:ext>
-            </a:extLst>
-          </p:cNvPr>
-          <p:cNvSpPr>
-            <a:spLocks noGrp="1"/>
-          </p:cNvSpPr>
-          <p:nvPr>
-            <p:ph type="title"/>
-          </p:nvPr>
-        </p:nvSpPr>
-        <p:spPr/>
-        <p:txBody>
-          <a:bodyPr/>
-          <a:lstStyle/>
-          <a:p>
-            <a:r>
-              <a:rPr lang="en-US" dirty="0"/>
-              <a:t>Summary</a:t>
-            </a:r>
-          </a:p>
-        </p:txBody>
-      </p:sp>
-      <p:sp>
-        <p:nvSpPr>
-          <p:cNvPr id="3" name="Content Placeholder 2">
-            <a:extLst>
-              <a:ext uri="{FF2B5EF4-FFF2-40B4-BE49-F238E27FC236}">
-                <a16:creationId xmlns:a16="http://schemas.microsoft.com/office/drawing/2014/main" id="{BD1F1B50-97F3-4784-88FE-6A4FC215ACCF}"/>
-              </a:ext>
-            </a:extLst>
-          </p:cNvPr>
-          <p:cNvSpPr>
-            <a:spLocks noGrp="1"/>
-          </p:cNvSpPr>
-          <p:nvPr>
-            <p:ph idx="1"/>
-          </p:nvPr>
-        </p:nvSpPr>
-        <p:spPr>
-          <a:xfrm>
-            <a:off x="365760" y="1421644"/>
-            <a:ext cx="11369809" cy="4047778"/>
-          </a:xfrm>
-        </p:spPr>
-        <p:txBody>
-          <a:bodyPr/>
-          <a:lstStyle/>
-          <a:p>
-            <a:r>
-              <a:rPr lang="en-US" dirty="0"/>
-              <a:t>The credibility of your science derives from the credibility of your code (and process)</a:t>
-            </a:r>
-          </a:p>
-          <a:p>
-            <a:r>
-              <a:rPr lang="en-US" dirty="0"/>
-              <a:t>Science stakeholders are ratcheting up expectations for reproducibility</a:t>
-            </a:r>
-          </a:p>
-          <a:p>
-            <a:r>
-              <a:rPr lang="en-US" dirty="0"/>
-              <a:t>There are strategies to improve reproducibility in all phases of the scientific process</a:t>
-            </a:r>
-          </a:p>
-          <a:p>
-            <a:pPr lvl="1">
-              <a:spcBef>
-                <a:spcPts val="200"/>
-              </a:spcBef>
-            </a:pPr>
-            <a:r>
-              <a:rPr lang="en-US" dirty="0"/>
-              <a:t>During development</a:t>
-            </a:r>
-          </a:p>
-          <a:p>
-            <a:pPr lvl="1">
-              <a:spcBef>
-                <a:spcPts val="200"/>
-              </a:spcBef>
-            </a:pPr>
-            <a:r>
-              <a:rPr lang="en-US" dirty="0"/>
-              <a:t>After development</a:t>
-            </a:r>
-          </a:p>
-          <a:p>
-            <a:pPr lvl="1">
-              <a:spcBef>
-                <a:spcPts val="200"/>
-              </a:spcBef>
-            </a:pPr>
-            <a:r>
-              <a:rPr lang="en-US" dirty="0"/>
-              <a:t>During experiments</a:t>
-            </a:r>
-          </a:p>
-          <a:p>
-            <a:pPr lvl="1">
-              <a:spcBef>
-                <a:spcPts val="200"/>
-              </a:spcBef>
-            </a:pPr>
-            <a:r>
-              <a:rPr lang="en-US" dirty="0"/>
-              <a:t>After experiments</a:t>
-            </a:r>
-          </a:p>
-          <a:p>
-            <a:r>
-              <a:rPr lang="en-US" dirty="0"/>
-              <a:t>They amount to better software development practices</a:t>
-            </a:r>
-          </a:p>
-          <a:p>
-            <a:pPr lvl="1">
-              <a:spcBef>
-                <a:spcPts val="200"/>
-              </a:spcBef>
-            </a:pPr>
-            <a:r>
-              <a:rPr lang="en-US" dirty="0"/>
-              <a:t>The same kinds of practices advocated for reasons of productivity, sustainability, maintainability, etc.</a:t>
-            </a:r>
-          </a:p>
-        </p:txBody>
-      </p:sp>
-    </p:spTree>
-    <p:extLst>
-      <p:ext uri="{BB962C8B-B14F-4D97-AF65-F5344CB8AC3E}">
-        <p14:creationId xmlns:p14="http://schemas.microsoft.com/office/powerpoint/2010/main" val="4072028838"/>
-      </p:ext>
-    </p:extLst>
-  </p:cSld>
-  <p:clrMapOvr>
-    <a:masterClrMapping/>
-  </p:clrMapOvr>
-</p:sld>
-</file>
-
-<file path=ppt/slides/slide25.xml><?xml version="1.0" encoding="utf-8"?>
-<p:sld xmlns:a="http://schemas.openxmlformats.org/drawingml/2006/main" xmlns:r="http://schemas.openxmlformats.org/officeDocument/2006/relationships" xmlns:p="http://schemas.openxmlformats.org/presentationml/2006/main">
-  <p:cSld>
-    <p:spTree>
-      <p:nvGrpSpPr>
-        <p:cNvPr id="1" name=""/>
-        <p:cNvGrpSpPr/>
-        <p:nvPr/>
-      </p:nvGrpSpPr>
-      <p:grpSpPr>
-        <a:xfrm>
-          <a:off x="0" y="0"/>
-          <a:ext cx="0" cy="0"/>
-          <a:chOff x="0" y="0"/>
-          <a:chExt cx="0" cy="0"/>
-        </a:xfrm>
-      </p:grpSpPr>
-      <p:sp>
-        <p:nvSpPr>
-          <p:cNvPr id="2" name="Title 1">
-            <a:extLst>
-              <a:ext uri="{FF2B5EF4-FFF2-40B4-BE49-F238E27FC236}">
-                <a16:creationId xmlns:a16="http://schemas.microsoft.com/office/drawing/2014/main" id="{741C6884-C6AA-FE48-AE95-62434E5C1F6B}"/>
-              </a:ext>
-            </a:extLst>
-          </p:cNvPr>
-          <p:cNvSpPr>
-            <a:spLocks noGrp="1"/>
-          </p:cNvSpPr>
-          <p:nvPr>
-            <p:ph type="title"/>
-          </p:nvPr>
-        </p:nvSpPr>
-        <p:spPr/>
-        <p:txBody>
-          <a:bodyPr/>
-          <a:lstStyle/>
-          <a:p>
-            <a:r>
-              <a:rPr lang="en-US" dirty="0"/>
-              <a:t>Appendix</a:t>
-            </a:r>
-          </a:p>
-        </p:txBody>
-      </p:sp>
-      <p:sp>
-        <p:nvSpPr>
-          <p:cNvPr id="4" name="Title 1">
-            <a:extLst>
-              <a:ext uri="{FF2B5EF4-FFF2-40B4-BE49-F238E27FC236}">
-                <a16:creationId xmlns:a16="http://schemas.microsoft.com/office/drawing/2014/main" id="{66688BF0-3A36-F440-AB25-06E4294244A1}"/>
-              </a:ext>
-            </a:extLst>
-          </p:cNvPr>
-          <p:cNvSpPr txBox="1">
-            <a:spLocks/>
-          </p:cNvSpPr>
-          <p:nvPr/>
-        </p:nvSpPr>
-        <p:spPr bwMode="auto">
-          <a:xfrm>
-            <a:off x="453256" y="2164080"/>
-            <a:ext cx="11372473" cy="914400"/>
-          </a:xfrm>
-          <a:prstGeom prst="rect">
-            <a:avLst/>
-          </a:prstGeom>
-          <a:noFill/>
-          <a:ln w="9525">
-            <a:noFill/>
-            <a:miter lim="800000"/>
-            <a:headEnd/>
-            <a:tailEnd/>
-          </a:ln>
-        </p:spPr>
-        <p:txBody>
-          <a:bodyPr vert="horz" wrap="square" lIns="91440" tIns="45720" rIns="91440" bIns="45720" numCol="1" anchor="t" anchorCtr="0" compatLnSpc="1">
-            <a:prstTxWarp prst="textNoShape">
-              <a:avLst/>
-            </a:prstTxWarp>
-            <a:noAutofit/>
-          </a:bodyPr>
-          <a:lstStyle>
-            <a:lvl1pPr marL="0" indent="0" algn="l" rtl="0" eaLnBrk="1" fontAlgn="base" hangingPunct="1">
-              <a:lnSpc>
-                <a:spcPct val="85000"/>
-              </a:lnSpc>
-              <a:spcBef>
-                <a:spcPct val="0"/>
-              </a:spcBef>
-              <a:spcAft>
-                <a:spcPct val="0"/>
-              </a:spcAft>
-              <a:defRPr sz="2800" b="1" kern="1200" baseline="0">
-                <a:solidFill>
-                  <a:schemeClr val="tx1"/>
-                </a:solidFill>
-                <a:latin typeface="+mn-lt"/>
-                <a:ea typeface="+mj-ea"/>
-                <a:cs typeface="+mj-cs"/>
-              </a:defRPr>
-            </a:lvl1pPr>
-            <a:lvl2pPr algn="l" rtl="0" eaLnBrk="1" fontAlgn="base" hangingPunct="1">
-              <a:lnSpc>
-                <a:spcPct val="85000"/>
-              </a:lnSpc>
-              <a:spcBef>
-                <a:spcPct val="0"/>
-              </a:spcBef>
-              <a:spcAft>
-                <a:spcPct val="0"/>
-              </a:spcAft>
-              <a:defRPr sz="3000">
-                <a:solidFill>
-                  <a:srgbClr val="006C3A"/>
-                </a:solidFill>
-                <a:latin typeface="Arial Black" pitchFamily="34" charset="0"/>
-              </a:defRPr>
-            </a:lvl2pPr>
-            <a:lvl3pPr algn="l" rtl="0" eaLnBrk="1" fontAlgn="base" hangingPunct="1">
-              <a:lnSpc>
-                <a:spcPct val="85000"/>
-              </a:lnSpc>
-              <a:spcBef>
-                <a:spcPct val="0"/>
-              </a:spcBef>
-              <a:spcAft>
-                <a:spcPct val="0"/>
-              </a:spcAft>
-              <a:defRPr sz="3000">
-                <a:solidFill>
-                  <a:srgbClr val="006C3A"/>
-                </a:solidFill>
-                <a:latin typeface="Arial Black" pitchFamily="34" charset="0"/>
-              </a:defRPr>
-            </a:lvl3pPr>
-            <a:lvl4pPr algn="l" rtl="0" eaLnBrk="1" fontAlgn="base" hangingPunct="1">
-              <a:lnSpc>
-                <a:spcPct val="85000"/>
-              </a:lnSpc>
-              <a:spcBef>
-                <a:spcPct val="0"/>
-              </a:spcBef>
-              <a:spcAft>
-                <a:spcPct val="0"/>
-              </a:spcAft>
-              <a:defRPr sz="3000">
-                <a:solidFill>
-                  <a:srgbClr val="006C3A"/>
-                </a:solidFill>
-                <a:latin typeface="Arial Black" pitchFamily="34" charset="0"/>
-              </a:defRPr>
-            </a:lvl4pPr>
-            <a:lvl5pPr algn="l" rtl="0" eaLnBrk="1" fontAlgn="base" hangingPunct="1">
-              <a:lnSpc>
-                <a:spcPct val="85000"/>
-              </a:lnSpc>
-              <a:spcBef>
-                <a:spcPct val="0"/>
-              </a:spcBef>
-              <a:spcAft>
-                <a:spcPct val="0"/>
-              </a:spcAft>
-              <a:defRPr sz="3000">
-                <a:solidFill>
-                  <a:srgbClr val="006C3A"/>
-                </a:solidFill>
-                <a:latin typeface="Arial Black" pitchFamily="34" charset="0"/>
-              </a:defRPr>
-            </a:lvl5pPr>
-            <a:lvl6pPr marL="457200" algn="l" rtl="0" eaLnBrk="1" fontAlgn="base" hangingPunct="1">
-              <a:lnSpc>
-                <a:spcPct val="85000"/>
-              </a:lnSpc>
-              <a:spcBef>
-                <a:spcPct val="0"/>
-              </a:spcBef>
-              <a:spcAft>
-                <a:spcPct val="0"/>
-              </a:spcAft>
-              <a:defRPr sz="3000">
-                <a:solidFill>
-                  <a:srgbClr val="006C3A"/>
-                </a:solidFill>
-                <a:latin typeface="Arial Black" pitchFamily="34" charset="0"/>
-              </a:defRPr>
-            </a:lvl6pPr>
-            <a:lvl7pPr marL="914400" algn="l" rtl="0" eaLnBrk="1" fontAlgn="base" hangingPunct="1">
-              <a:lnSpc>
-                <a:spcPct val="85000"/>
-              </a:lnSpc>
-              <a:spcBef>
-                <a:spcPct val="0"/>
-              </a:spcBef>
-              <a:spcAft>
-                <a:spcPct val="0"/>
-              </a:spcAft>
-              <a:defRPr sz="3000">
-                <a:solidFill>
-                  <a:srgbClr val="006C3A"/>
-                </a:solidFill>
-                <a:latin typeface="Arial Black" pitchFamily="34" charset="0"/>
-              </a:defRPr>
-            </a:lvl7pPr>
-            <a:lvl8pPr marL="1371600" algn="l" rtl="0" eaLnBrk="1" fontAlgn="base" hangingPunct="1">
-              <a:lnSpc>
-                <a:spcPct val="85000"/>
-              </a:lnSpc>
-              <a:spcBef>
-                <a:spcPct val="0"/>
-              </a:spcBef>
-              <a:spcAft>
-                <a:spcPct val="0"/>
-              </a:spcAft>
-              <a:defRPr sz="3000">
-                <a:solidFill>
-                  <a:srgbClr val="006C3A"/>
-                </a:solidFill>
-                <a:latin typeface="Arial Black" pitchFamily="34" charset="0"/>
-              </a:defRPr>
-            </a:lvl8pPr>
-            <a:lvl9pPr marL="1828800" algn="l" rtl="0" eaLnBrk="1" fontAlgn="base" hangingPunct="1">
-              <a:lnSpc>
-                <a:spcPct val="85000"/>
-              </a:lnSpc>
-              <a:spcBef>
-                <a:spcPct val="0"/>
-              </a:spcBef>
-              <a:spcAft>
-                <a:spcPct val="0"/>
-              </a:spcAft>
-              <a:defRPr sz="3000">
-                <a:solidFill>
-                  <a:srgbClr val="006C3A"/>
-                </a:solidFill>
-                <a:latin typeface="Arial Black" pitchFamily="34" charset="0"/>
-              </a:defRPr>
-            </a:lvl9pPr>
-          </a:lstStyle>
-          <a:p>
-            <a:r>
-              <a:rPr lang="en-US"/>
-              <a:t>Requirement Initiatives for Data Management and Publication</a:t>
-            </a:r>
-            <a:endParaRPr lang="en-US" dirty="0"/>
-          </a:p>
-        </p:txBody>
-      </p:sp>
-    </p:spTree>
-    <p:extLst>
-      <p:ext uri="{BB962C8B-B14F-4D97-AF65-F5344CB8AC3E}">
-        <p14:creationId xmlns:p14="http://schemas.microsoft.com/office/powerpoint/2010/main" val="3281235976"/>
-      </p:ext>
-    </p:extLst>
-  </p:cSld>
-  <p:clrMapOvr>
-    <a:masterClrMapping/>
-  </p:clrMapOvr>
-</p:sld>
-</file>
-
-<file path=ppt/slides/slide26.xml><?xml version="1.0" encoding="utf-8"?>
-<p:sld xmlns:a="http://schemas.openxmlformats.org/drawingml/2006/main" xmlns:r="http://schemas.openxmlformats.org/officeDocument/2006/relationships" xmlns:p="http://schemas.openxmlformats.org/presentationml/2006/main">
-  <p:cSld>
-    <p:spTree>
-      <p:nvGrpSpPr>
-        <p:cNvPr id="1" name=""/>
-        <p:cNvGrpSpPr/>
-        <p:nvPr/>
-      </p:nvGrpSpPr>
-      <p:grpSpPr>
-        <a:xfrm>
-          <a:off x="0" y="0"/>
-          <a:ext cx="0" cy="0"/>
-          <a:chOff x="0" y="0"/>
-          <a:chExt cx="0" cy="0"/>
-        </a:xfrm>
-      </p:grpSpPr>
-      <p:sp>
-        <p:nvSpPr>
-          <p:cNvPr id="4" name="Title 3">
-            <a:extLst>
-              <a:ext uri="{FF2B5EF4-FFF2-40B4-BE49-F238E27FC236}">
-                <a16:creationId xmlns:a16="http://schemas.microsoft.com/office/drawing/2014/main" id="{672F71E0-47A2-4020-9B2A-62C994864519}"/>
-              </a:ext>
-            </a:extLst>
-          </p:cNvPr>
-          <p:cNvSpPr>
-            <a:spLocks noGrp="1"/>
-          </p:cNvSpPr>
-          <p:nvPr>
-            <p:ph type="title"/>
-          </p:nvPr>
-        </p:nvSpPr>
-        <p:spPr/>
-        <p:txBody>
-          <a:bodyPr/>
-          <a:lstStyle/>
-          <a:p>
-            <a:r>
-              <a:rPr lang="en-US" dirty="0"/>
-              <a:t>Setting Expectations for Your Data</a:t>
-            </a:r>
-          </a:p>
-        </p:txBody>
-      </p:sp>
-      <p:sp>
-        <p:nvSpPr>
-          <p:cNvPr id="5" name="Text Placeholder 4">
-            <a:extLst>
-              <a:ext uri="{FF2B5EF4-FFF2-40B4-BE49-F238E27FC236}">
-                <a16:creationId xmlns:a16="http://schemas.microsoft.com/office/drawing/2014/main" id="{5C43CE43-3F69-454F-91AA-79F31589C030}"/>
-              </a:ext>
-            </a:extLst>
-          </p:cNvPr>
-          <p:cNvSpPr>
-            <a:spLocks noGrp="1"/>
-          </p:cNvSpPr>
-          <p:nvPr>
-            <p:ph type="body" idx="1"/>
-          </p:nvPr>
-        </p:nvSpPr>
-        <p:spPr>
-          <a:xfrm>
-            <a:off x="457200" y="873418"/>
-            <a:ext cx="5588582" cy="821190"/>
-          </a:xfrm>
-        </p:spPr>
-        <p:txBody>
-          <a:bodyPr/>
-          <a:lstStyle/>
-          <a:p>
-            <a:r>
-              <a:rPr lang="en-US" dirty="0"/>
-              <a:t>Data Management Plans</a:t>
-            </a:r>
-          </a:p>
-        </p:txBody>
-      </p:sp>
-      <p:sp>
-        <p:nvSpPr>
-          <p:cNvPr id="6" name="Content Placeholder 5">
-            <a:extLst>
-              <a:ext uri="{FF2B5EF4-FFF2-40B4-BE49-F238E27FC236}">
-                <a16:creationId xmlns:a16="http://schemas.microsoft.com/office/drawing/2014/main" id="{D66E6D61-44C6-4432-83DF-8B05B0B813B2}"/>
-              </a:ext>
-            </a:extLst>
-          </p:cNvPr>
-          <p:cNvSpPr>
-            <a:spLocks noGrp="1"/>
-          </p:cNvSpPr>
-          <p:nvPr>
-            <p:ph sz="half" idx="2"/>
-          </p:nvPr>
-        </p:nvSpPr>
-        <p:spPr>
-          <a:xfrm>
-            <a:off x="457200" y="1694608"/>
-            <a:ext cx="5588582" cy="3373229"/>
-          </a:xfrm>
-        </p:spPr>
-        <p:txBody>
-          <a:bodyPr/>
-          <a:lstStyle/>
-          <a:p>
-            <a:r>
-              <a:rPr lang="en-US" dirty="0"/>
-              <a:t>Most research sponsors require data management plans as part of proposals</a:t>
-            </a:r>
-          </a:p>
-          <a:p>
-            <a:r>
-              <a:rPr lang="en-US" dirty="0"/>
-              <a:t>Example: NSF policy on </a:t>
-            </a:r>
-            <a:r>
-              <a:rPr lang="en-US" dirty="0">
-                <a:hlinkClick r:id="rId2"/>
-              </a:rPr>
-              <a:t>Dissemination and Sharing of Research Results</a:t>
-            </a:r>
-            <a:endParaRPr lang="en-US" dirty="0"/>
-          </a:p>
-          <a:p>
-            <a:pPr lvl="1">
-              <a:spcBef>
-                <a:spcPts val="200"/>
-              </a:spcBef>
-            </a:pPr>
-            <a:r>
-              <a:rPr lang="en-US" dirty="0"/>
-              <a:t>Promptly publish with appropriate authorship</a:t>
-            </a:r>
-          </a:p>
-          <a:p>
-            <a:pPr lvl="1">
-              <a:spcBef>
-                <a:spcPts val="200"/>
-              </a:spcBef>
-            </a:pPr>
-            <a:r>
-              <a:rPr lang="en-US" dirty="0"/>
-              <a:t>Share data, samples, physical collections, and supporting materials with others, within a reasonable time frame</a:t>
-            </a:r>
-          </a:p>
-          <a:p>
-            <a:pPr lvl="1">
-              <a:spcBef>
-                <a:spcPts val="200"/>
-              </a:spcBef>
-            </a:pPr>
-            <a:r>
-              <a:rPr lang="en-US" dirty="0"/>
-              <a:t>Share software and inventions</a:t>
-            </a:r>
-          </a:p>
-          <a:p>
-            <a:pPr lvl="1">
-              <a:spcBef>
-                <a:spcPts val="200"/>
-              </a:spcBef>
-            </a:pPr>
-            <a:r>
-              <a:rPr lang="en-US" dirty="0"/>
-              <a:t>Investigators can keep their legal rights over their intellectual property, but they still have to make their results, data, and collections available to others</a:t>
-            </a:r>
-          </a:p>
-          <a:p>
-            <a:pPr lvl="1">
-              <a:spcBef>
-                <a:spcPts val="200"/>
-              </a:spcBef>
-            </a:pPr>
-            <a:r>
-              <a:rPr lang="en-US" dirty="0"/>
-              <a:t>Policies will be implemented via</a:t>
-            </a:r>
-          </a:p>
-          <a:p>
-            <a:pPr lvl="2">
-              <a:spcBef>
-                <a:spcPts val="200"/>
-              </a:spcBef>
-            </a:pPr>
-            <a:r>
-              <a:rPr lang="en-US" dirty="0"/>
-              <a:t>Proposal review</a:t>
-            </a:r>
-          </a:p>
-          <a:p>
-            <a:pPr lvl="2">
-              <a:spcBef>
-                <a:spcPts val="200"/>
-              </a:spcBef>
-            </a:pPr>
-            <a:r>
-              <a:rPr lang="en-US" dirty="0"/>
-              <a:t>Award negotiations and conditions</a:t>
-            </a:r>
-          </a:p>
-          <a:p>
-            <a:pPr lvl="2">
-              <a:spcBef>
-                <a:spcPts val="200"/>
-              </a:spcBef>
-            </a:pPr>
-            <a:r>
-              <a:rPr lang="en-US" dirty="0"/>
-              <a:t>Support/incentives</a:t>
-            </a:r>
-          </a:p>
-        </p:txBody>
-      </p:sp>
-      <p:sp>
-        <p:nvSpPr>
-          <p:cNvPr id="7" name="Text Placeholder 6">
-            <a:extLst>
-              <a:ext uri="{FF2B5EF4-FFF2-40B4-BE49-F238E27FC236}">
-                <a16:creationId xmlns:a16="http://schemas.microsoft.com/office/drawing/2014/main" id="{7FA9370A-7387-4D95-8D73-35942A83C120}"/>
-              </a:ext>
-            </a:extLst>
-          </p:cNvPr>
-          <p:cNvSpPr>
-            <a:spLocks noGrp="1"/>
-          </p:cNvSpPr>
-          <p:nvPr>
-            <p:ph type="body" sz="quarter" idx="3"/>
-          </p:nvPr>
-        </p:nvSpPr>
-        <p:spPr>
-          <a:xfrm>
-            <a:off x="6218914" y="873418"/>
-            <a:ext cx="5531934" cy="821190"/>
-          </a:xfrm>
-        </p:spPr>
-        <p:txBody>
-          <a:bodyPr/>
-          <a:lstStyle/>
-          <a:p>
-            <a:r>
-              <a:rPr lang="en-US" dirty="0"/>
-              <a:t>FAIR Data Principles</a:t>
-            </a:r>
-          </a:p>
-        </p:txBody>
-      </p:sp>
-      <p:sp>
-        <p:nvSpPr>
-          <p:cNvPr id="8" name="Content Placeholder 7">
-            <a:extLst>
-              <a:ext uri="{FF2B5EF4-FFF2-40B4-BE49-F238E27FC236}">
-                <a16:creationId xmlns:a16="http://schemas.microsoft.com/office/drawing/2014/main" id="{78928391-B382-4CEF-AAAA-6902053F38C2}"/>
-              </a:ext>
-            </a:extLst>
-          </p:cNvPr>
-          <p:cNvSpPr>
-            <a:spLocks noGrp="1"/>
-          </p:cNvSpPr>
-          <p:nvPr>
-            <p:ph sz="quarter" idx="4"/>
-          </p:nvPr>
-        </p:nvSpPr>
-        <p:spPr>
-          <a:xfrm>
-            <a:off x="6218914" y="1694608"/>
-            <a:ext cx="5531934" cy="3373229"/>
-          </a:xfrm>
-        </p:spPr>
-        <p:txBody>
-          <a:bodyPr/>
-          <a:lstStyle/>
-          <a:p>
-            <a:r>
-              <a:rPr lang="en-US" dirty="0"/>
-              <a:t>Address data producers and publishers to promote maximum use of research data</a:t>
-            </a:r>
-          </a:p>
-          <a:p>
-            <a:r>
-              <a:rPr lang="en-US" dirty="0"/>
-              <a:t>Findability</a:t>
-            </a:r>
-          </a:p>
-          <a:p>
-            <a:pPr lvl="1">
-              <a:spcBef>
-                <a:spcPts val="200"/>
-              </a:spcBef>
-            </a:pPr>
-            <a:r>
-              <a:rPr lang="en-US" sz="1600" dirty="0"/>
-              <a:t>Data and supplementary materials have sufficiently rich metadata and a unique and persistent identifier.</a:t>
-            </a:r>
-          </a:p>
-          <a:p>
-            <a:pPr>
-              <a:spcBef>
-                <a:spcPts val="800"/>
-              </a:spcBef>
-            </a:pPr>
-            <a:r>
-              <a:rPr lang="en-US" dirty="0"/>
-              <a:t>Accessibility</a:t>
-            </a:r>
-          </a:p>
-          <a:p>
-            <a:pPr lvl="1">
-              <a:spcBef>
-                <a:spcPts val="200"/>
-              </a:spcBef>
-            </a:pPr>
-            <a:r>
-              <a:rPr lang="en-US" sz="1600" dirty="0"/>
-              <a:t>Metadata and data are understandable to humans and machines. Data is deposited in a trusted repository.</a:t>
-            </a:r>
-            <a:endParaRPr lang="en-US" dirty="0"/>
-          </a:p>
-          <a:p>
-            <a:pPr>
-              <a:spcBef>
-                <a:spcPts val="800"/>
-              </a:spcBef>
-            </a:pPr>
-            <a:r>
-              <a:rPr lang="en-US" dirty="0"/>
-              <a:t>Interoperability</a:t>
-            </a:r>
-          </a:p>
-          <a:p>
-            <a:pPr lvl="1">
-              <a:spcBef>
-                <a:spcPts val="200"/>
-              </a:spcBef>
-            </a:pPr>
-            <a:r>
-              <a:rPr lang="en-US" sz="1600" dirty="0"/>
-              <a:t>Metadata use a formal, accessible, shared, and broadly applicable language for knowledge representation.</a:t>
-            </a:r>
-          </a:p>
-          <a:p>
-            <a:pPr>
-              <a:spcBef>
-                <a:spcPts val="800"/>
-              </a:spcBef>
-            </a:pPr>
-            <a:r>
-              <a:rPr lang="en-US" dirty="0"/>
-              <a:t>Reusability</a:t>
-            </a:r>
-          </a:p>
-          <a:p>
-            <a:pPr lvl="1">
-              <a:spcBef>
-                <a:spcPts val="200"/>
-              </a:spcBef>
-            </a:pPr>
-            <a:r>
-              <a:rPr lang="en-US" sz="1600" dirty="0"/>
-              <a:t>Data and collections have a clear usage licenses and provide accurate information on provenance.</a:t>
-            </a:r>
-          </a:p>
-        </p:txBody>
-      </p:sp>
-    </p:spTree>
-    <p:extLst>
-      <p:ext uri="{BB962C8B-B14F-4D97-AF65-F5344CB8AC3E}">
-        <p14:creationId xmlns:p14="http://schemas.microsoft.com/office/powerpoint/2010/main" val="3993795658"/>
-      </p:ext>
-    </p:extLst>
-  </p:cSld>
-  <p:clrMapOvr>
-    <a:masterClrMapping/>
-  </p:clrMapOvr>
-</p:sld>
-</file>
-
-<file path=ppt/slides/slide27.xml><?xml version="1.0" encoding="utf-8"?>
-<p:sld xmlns:a="http://schemas.openxmlformats.org/drawingml/2006/main" xmlns:r="http://schemas.openxmlformats.org/officeDocument/2006/relationships" xmlns:p="http://schemas.openxmlformats.org/presentationml/2006/main">
-  <p:cSld>
-    <p:spTree>
-      <p:nvGrpSpPr>
-        <p:cNvPr id="1" name=""/>
-        <p:cNvGrpSpPr/>
-        <p:nvPr/>
-      </p:nvGrpSpPr>
-      <p:grpSpPr>
-        <a:xfrm>
-          <a:off x="0" y="0"/>
-          <a:ext cx="0" cy="0"/>
-          <a:chOff x="0" y="0"/>
-          <a:chExt cx="0" cy="0"/>
-        </a:xfrm>
-      </p:grpSpPr>
-      <p:sp>
-        <p:nvSpPr>
-          <p:cNvPr id="2" name="Title 1"/>
-          <p:cNvSpPr>
-            <a:spLocks noGrp="1"/>
-          </p:cNvSpPr>
-          <p:nvPr>
-            <p:ph type="title"/>
-          </p:nvPr>
-        </p:nvSpPr>
-        <p:spPr/>
-        <p:txBody>
-          <a:bodyPr/>
-          <a:lstStyle/>
-          <a:p>
-            <a:r>
-              <a:rPr lang="en-US" dirty="0"/>
-              <a:t> ACM TOMS Reproducible Computational Results (RCR)</a:t>
-            </a:r>
-          </a:p>
-        </p:txBody>
-      </p:sp>
-      <p:sp>
-        <p:nvSpPr>
-          <p:cNvPr id="3" name="Content Placeholder 2"/>
-          <p:cNvSpPr>
-            <a:spLocks noGrp="1"/>
-          </p:cNvSpPr>
-          <p:nvPr>
-            <p:ph sz="quarter" idx="1"/>
-          </p:nvPr>
-        </p:nvSpPr>
-        <p:spPr>
-          <a:xfrm>
-            <a:off x="365760" y="930168"/>
-            <a:ext cx="11369809" cy="4047778"/>
-          </a:xfrm>
-        </p:spPr>
-        <p:txBody>
-          <a:bodyPr/>
-          <a:lstStyle/>
-          <a:p>
-            <a:pPr>
-              <a:spcBef>
-                <a:spcPts val="800"/>
-              </a:spcBef>
-            </a:pPr>
-            <a:r>
-              <a:rPr lang="en-US" dirty="0"/>
-              <a:t>Submission: Optional RCR option</a:t>
-            </a:r>
-          </a:p>
-          <a:p>
-            <a:pPr>
-              <a:spcBef>
-                <a:spcPts val="800"/>
-              </a:spcBef>
-            </a:pPr>
-            <a:r>
-              <a:rPr lang="en-US" dirty="0"/>
-              <a:t>Standard reviewer assignment: Nothing changes</a:t>
-            </a:r>
-          </a:p>
-          <a:p>
-            <a:pPr>
-              <a:spcBef>
-                <a:spcPts val="800"/>
-              </a:spcBef>
-            </a:pPr>
-            <a:r>
-              <a:rPr lang="en-US" dirty="0"/>
-              <a:t>RCR reviewer assignment:</a:t>
-            </a:r>
-          </a:p>
-          <a:p>
-            <a:pPr lvl="1">
-              <a:spcBef>
-                <a:spcPts val="200"/>
-              </a:spcBef>
-            </a:pPr>
-            <a:r>
-              <a:rPr lang="en-US" dirty="0"/>
-              <a:t>Concurrent with standard reviews</a:t>
-            </a:r>
-          </a:p>
-          <a:p>
-            <a:pPr lvl="1">
-              <a:spcBef>
-                <a:spcPts val="200"/>
-              </a:spcBef>
-            </a:pPr>
-            <a:r>
-              <a:rPr lang="en-US" dirty="0"/>
-              <a:t>As early as possible in review process</a:t>
-            </a:r>
-          </a:p>
-          <a:p>
-            <a:pPr lvl="1">
-              <a:spcBef>
-                <a:spcPts val="200"/>
-              </a:spcBef>
-            </a:pPr>
-            <a:r>
-              <a:rPr lang="en-US" dirty="0"/>
-              <a:t>Known to and works with authors during the RCR process</a:t>
-            </a:r>
-          </a:p>
-          <a:p>
-            <a:pPr>
-              <a:spcBef>
-                <a:spcPts val="800"/>
-              </a:spcBef>
-            </a:pPr>
-            <a:r>
-              <a:rPr lang="en-US" dirty="0"/>
-              <a:t>RCR process: </a:t>
-            </a:r>
-          </a:p>
-          <a:p>
-            <a:pPr lvl="1">
-              <a:spcBef>
-                <a:spcPts val="200"/>
-              </a:spcBef>
-            </a:pPr>
-            <a:r>
-              <a:rPr lang="en-US" dirty="0"/>
-              <a:t>Multi-faceted approach, Bottom line: Trust the reviewer</a:t>
-            </a:r>
-          </a:p>
-          <a:p>
-            <a:pPr>
-              <a:spcBef>
-                <a:spcPts val="800"/>
-              </a:spcBef>
-            </a:pPr>
-            <a:r>
-              <a:rPr lang="en-US" dirty="0"/>
-              <a:t>Publication: </a:t>
-            </a:r>
-          </a:p>
-          <a:p>
-            <a:pPr lvl="1">
-              <a:spcBef>
-                <a:spcPts val="200"/>
-              </a:spcBef>
-            </a:pPr>
-            <a:r>
-              <a:rPr lang="en-US" dirty="0"/>
-              <a:t>Reproducible Computational Results Designation</a:t>
-            </a:r>
-          </a:p>
-          <a:p>
-            <a:pPr lvl="1">
-              <a:spcBef>
-                <a:spcPts val="200"/>
-              </a:spcBef>
-            </a:pPr>
-            <a:r>
-              <a:rPr lang="en-US" dirty="0"/>
-              <a:t>The RCR referee acknowledged</a:t>
-            </a:r>
-          </a:p>
-          <a:p>
-            <a:pPr lvl="1">
-              <a:spcBef>
-                <a:spcPts val="200"/>
-              </a:spcBef>
-            </a:pPr>
-            <a:r>
-              <a:rPr lang="en-US" dirty="0"/>
-              <a:t>Review report appears with published manuscript</a:t>
-            </a:r>
-          </a:p>
-          <a:p>
-            <a:pPr>
-              <a:spcBef>
-                <a:spcPts val="800"/>
-              </a:spcBef>
-            </a:pPr>
-            <a:r>
-              <a:rPr lang="en-US" dirty="0"/>
-              <a:t>Incentives:</a:t>
-            </a:r>
-          </a:p>
-          <a:p>
-            <a:pPr lvl="1">
-              <a:spcBef>
-                <a:spcPts val="200"/>
-              </a:spcBef>
-            </a:pPr>
-            <a:r>
-              <a:rPr lang="en-US" dirty="0"/>
-              <a:t>Journal: raises the credibility/quality/rigor of papers it publishes</a:t>
-            </a:r>
-          </a:p>
-          <a:p>
-            <a:pPr lvl="1">
-              <a:spcBef>
-                <a:spcPts val="200"/>
-              </a:spcBef>
-            </a:pPr>
-            <a:r>
-              <a:rPr lang="en-US" dirty="0"/>
-              <a:t>Authors: badging indicates additional credibility/quality/rigor of paper</a:t>
-            </a:r>
-          </a:p>
-          <a:p>
-            <a:pPr lvl="1">
-              <a:spcBef>
-                <a:spcPts val="200"/>
-              </a:spcBef>
-            </a:pPr>
-            <a:r>
-              <a:rPr lang="en-US" dirty="0"/>
-              <a:t>Reviewer: companion publication</a:t>
-            </a:r>
-          </a:p>
-        </p:txBody>
-      </p:sp>
-      <p:pic>
-        <p:nvPicPr>
-          <p:cNvPr id="4" name="Picture 3" descr="TOMS_RCR_Badge.png"/>
-          <p:cNvPicPr>
-            <a:picLocks noChangeAspect="1"/>
-          </p:cNvPicPr>
-          <p:nvPr/>
-        </p:nvPicPr>
-        <p:blipFill>
-          <a:blip r:embed="rId2" cstate="print">
-            <a:extLst>
-              <a:ext uri="{28A0092B-C50C-407E-A947-70E740481C1C}">
-                <a14:useLocalDpi xmlns:a14="http://schemas.microsoft.com/office/drawing/2010/main" val="0"/>
-              </a:ext>
-            </a:extLst>
-          </a:blip>
-          <a:stretch>
-            <a:fillRect/>
-          </a:stretch>
-        </p:blipFill>
-        <p:spPr>
-          <a:xfrm>
-            <a:off x="8884039" y="1182644"/>
-            <a:ext cx="1735947" cy="1753752"/>
-          </a:xfrm>
-          <a:prstGeom prst="rect">
-            <a:avLst/>
-          </a:prstGeom>
-        </p:spPr>
-      </p:pic>
-    </p:spTree>
-    <p:extLst>
-      <p:ext uri="{BB962C8B-B14F-4D97-AF65-F5344CB8AC3E}">
-        <p14:creationId xmlns:p14="http://schemas.microsoft.com/office/powerpoint/2010/main" val="2703496536"/>
-      </p:ext>
-    </p:extLst>
-  </p:cSld>
-  <p:clrMapOvr>
-    <a:masterClrMapping/>
-  </p:clrMapOvr>
-</p:sld>
-</file>
-
-<file path=ppt/slides/slide28.xml><?xml version="1.0" encoding="utf-8"?>
-<p:sld xmlns:a="http://schemas.openxmlformats.org/drawingml/2006/main" xmlns:r="http://schemas.openxmlformats.org/officeDocument/2006/relationships" xmlns:p="http://schemas.openxmlformats.org/presentationml/2006/main">
-  <p:cSld>
-    <p:spTree>
-      <p:nvGrpSpPr>
-        <p:cNvPr id="1" name=""/>
-        <p:cNvGrpSpPr/>
-        <p:nvPr/>
-      </p:nvGrpSpPr>
-      <p:grpSpPr>
-        <a:xfrm>
-          <a:off x="0" y="0"/>
-          <a:ext cx="0" cy="0"/>
-          <a:chOff x="0" y="0"/>
-          <a:chExt cx="0" cy="0"/>
-        </a:xfrm>
-      </p:grpSpPr>
-      <p:sp>
-        <p:nvSpPr>
-          <p:cNvPr id="4" name="Title 3"/>
-          <p:cNvSpPr>
-            <a:spLocks noGrp="1"/>
-          </p:cNvSpPr>
-          <p:nvPr>
-            <p:ph type="title"/>
-          </p:nvPr>
-        </p:nvSpPr>
-        <p:spPr/>
-        <p:txBody>
-          <a:bodyPr/>
-          <a:lstStyle/>
-          <a:p>
-            <a:r>
-              <a:rPr lang="en-US" dirty="0"/>
-              <a:t>SC20 Transparency and  Reproducibility Initiative</a:t>
-            </a:r>
-          </a:p>
-        </p:txBody>
-      </p:sp>
-      <p:sp>
-        <p:nvSpPr>
-          <p:cNvPr id="5" name="Content Placeholder 4"/>
-          <p:cNvSpPr>
-            <a:spLocks noGrp="1"/>
-          </p:cNvSpPr>
-          <p:nvPr>
-            <p:ph sz="quarter" idx="1"/>
-          </p:nvPr>
-        </p:nvSpPr>
-        <p:spPr>
-          <a:xfrm>
-            <a:off x="365760" y="1141612"/>
-            <a:ext cx="11369809" cy="4047778"/>
-          </a:xfrm>
-        </p:spPr>
-        <p:txBody>
-          <a:bodyPr/>
-          <a:lstStyle/>
-          <a:p>
-            <a:r>
-              <a:rPr lang="en-US" sz="2800" dirty="0"/>
-              <a:t>Two appendices: </a:t>
-            </a:r>
-          </a:p>
-          <a:p>
-            <a:pPr lvl="1"/>
-            <a:r>
-              <a:rPr lang="en-US" sz="2400" dirty="0"/>
-              <a:t>Artifact description (AD).</a:t>
-            </a:r>
-          </a:p>
-          <a:p>
-            <a:pPr lvl="2"/>
-            <a:r>
-              <a:rPr lang="en-US" sz="2000" dirty="0"/>
-              <a:t>Blue print for setting up your computational experiment.</a:t>
-            </a:r>
-          </a:p>
-          <a:p>
-            <a:pPr lvl="2"/>
-            <a:r>
-              <a:rPr lang="en-US" sz="2000" dirty="0"/>
-              <a:t>Makes it easier to rerun computations in future.</a:t>
-            </a:r>
-          </a:p>
-          <a:p>
-            <a:pPr lvl="2"/>
-            <a:r>
-              <a:rPr lang="en-US" sz="2000" dirty="0"/>
-              <a:t>AD appendix is </a:t>
-            </a:r>
-            <a:r>
-              <a:rPr lang="en-US" sz="2000" b="1" dirty="0"/>
-              <a:t>mandatory</a:t>
-            </a:r>
-            <a:r>
-              <a:rPr lang="en-US" sz="2000" dirty="0"/>
-              <a:t> for paper submissions (since SC19).</a:t>
-            </a:r>
-          </a:p>
-          <a:p>
-            <a:pPr lvl="2"/>
-            <a:r>
-              <a:rPr lang="en-US" sz="2000" dirty="0"/>
-              <a:t>Largely auto-generated from submission information.</a:t>
-            </a:r>
-          </a:p>
-          <a:p>
-            <a:pPr lvl="1"/>
-            <a:r>
-              <a:rPr lang="en-US" sz="2400" dirty="0"/>
-              <a:t>Artifact Evaluation (AE).</a:t>
-            </a:r>
-          </a:p>
-          <a:p>
-            <a:pPr lvl="2"/>
-            <a:r>
-              <a:rPr lang="en-US" sz="2000" dirty="0"/>
-              <a:t>Targets “boutique” environments.</a:t>
-            </a:r>
-          </a:p>
-          <a:p>
-            <a:pPr lvl="2"/>
-            <a:r>
-              <a:rPr lang="en-US" sz="2000" dirty="0"/>
-              <a:t>Improves trustworthiness when re-running hard, impossible.</a:t>
-            </a:r>
-          </a:p>
-          <a:p>
-            <a:pPr lvl="2"/>
-            <a:r>
-              <a:rPr lang="en-US" sz="2000" b="1" dirty="0"/>
-              <a:t>Remains optional</a:t>
-            </a:r>
-          </a:p>
-          <a:p>
-            <a:r>
-              <a:rPr lang="en-US" sz="2800" dirty="0"/>
-              <a:t>Details:</a:t>
-            </a:r>
-          </a:p>
-          <a:p>
-            <a:pPr lvl="1"/>
-            <a:r>
-              <a:rPr lang="en-US" sz="2400" dirty="0">
-                <a:hlinkClick r:id="rId2"/>
-              </a:rPr>
-              <a:t>https://sc20.supercomputing.org/submit/transparency-reproducibility-initiative/</a:t>
-            </a:r>
-            <a:endParaRPr lang="en-US" sz="2400" dirty="0">
-              <a:hlinkClick r:id="rId3"/>
-            </a:endParaRPr>
-          </a:p>
-        </p:txBody>
-      </p:sp>
-    </p:spTree>
-    <p:extLst>
-      <p:ext uri="{BB962C8B-B14F-4D97-AF65-F5344CB8AC3E}">
-        <p14:creationId xmlns:p14="http://schemas.microsoft.com/office/powerpoint/2010/main" val="2302033408"/>
-      </p:ext>
-    </p:extLst>
-  </p:cSld>
-  <p:clrMapOvr>
-    <a:masterClrMapping/>
-  </p:clrMapOvr>
-</p:sld>
-</file>
-
-<file path=ppt/slides/slide29.xml><?xml version="1.0" encoding="utf-8"?>
-<p:sld xmlns:a="http://schemas.openxmlformats.org/drawingml/2006/main" xmlns:r="http://schemas.openxmlformats.org/officeDocument/2006/relationships" xmlns:p="http://schemas.openxmlformats.org/presentationml/2006/main">
-  <p:cSld>
-    <p:spTree>
-      <p:nvGrpSpPr>
-        <p:cNvPr id="1" name=""/>
-        <p:cNvGrpSpPr/>
-        <p:nvPr/>
-      </p:nvGrpSpPr>
-      <p:grpSpPr>
-        <a:xfrm>
-          <a:off x="0" y="0"/>
-          <a:ext cx="0" cy="0"/>
-          <a:chOff x="0" y="0"/>
-          <a:chExt cx="0" cy="0"/>
-        </a:xfrm>
-      </p:grpSpPr>
-      <p:sp>
-        <p:nvSpPr>
-          <p:cNvPr id="2" name="Title 1"/>
-          <p:cNvSpPr>
-            <a:spLocks noGrp="1"/>
-          </p:cNvSpPr>
-          <p:nvPr>
-            <p:ph type="title"/>
-          </p:nvPr>
-        </p:nvSpPr>
-        <p:spPr>
-          <a:xfrm>
-            <a:off x="368135" y="192378"/>
-            <a:ext cx="11269682" cy="532017"/>
-          </a:xfrm>
-        </p:spPr>
-        <p:txBody>
-          <a:bodyPr>
-            <a:normAutofit/>
-          </a:bodyPr>
-          <a:lstStyle/>
-          <a:p>
-            <a:r>
-              <a:rPr lang="en-US" sz="2800" dirty="0"/>
-              <a:t>Increasing Attention on Reproducibility</a:t>
-            </a:r>
-          </a:p>
-        </p:txBody>
-      </p:sp>
-      <p:sp>
-        <p:nvSpPr>
-          <p:cNvPr id="4" name="Content Placeholder 3"/>
-          <p:cNvSpPr>
-            <a:spLocks noGrp="1"/>
-          </p:cNvSpPr>
-          <p:nvPr>
-            <p:ph sz="quarter" idx="1"/>
-          </p:nvPr>
-        </p:nvSpPr>
-        <p:spPr>
-          <a:xfrm>
-            <a:off x="245815" y="868048"/>
-            <a:ext cx="11697194" cy="5449160"/>
-          </a:xfrm>
-        </p:spPr>
-        <p:txBody>
-          <a:bodyPr>
-            <a:normAutofit lnSpcReduction="10000"/>
-          </a:bodyPr>
-          <a:lstStyle/>
-          <a:p>
-            <a:r>
-              <a:rPr lang="en-US" dirty="0"/>
-              <a:t>More publication venues are adding reproducibility </a:t>
-            </a:r>
-            <a:r>
-              <a:rPr lang="en-US" b="1" dirty="0"/>
-              <a:t>recognition</a:t>
-            </a:r>
-            <a:r>
-              <a:rPr lang="en-US" dirty="0"/>
-              <a:t> or </a:t>
-            </a:r>
-            <a:r>
-              <a:rPr lang="en-US" b="1" dirty="0"/>
-              <a:t>requirements</a:t>
-            </a:r>
-            <a:endParaRPr lang="en-US" sz="2400" dirty="0"/>
-          </a:p>
-          <a:p>
-            <a:r>
-              <a:rPr lang="en-US" sz="2400" dirty="0"/>
-              <a:t>ACM </a:t>
-            </a:r>
-            <a:r>
-              <a:rPr lang="en-US" sz="2400" strike="sngStrike" dirty="0"/>
-              <a:t>Replicated</a:t>
-            </a:r>
-            <a:r>
-              <a:rPr lang="en-US" sz="2400" dirty="0"/>
-              <a:t> Reproducible Computational Results (RCR)</a:t>
-            </a:r>
-          </a:p>
-          <a:p>
-            <a:pPr lvl="1"/>
-            <a:r>
-              <a:rPr lang="en-US" sz="2000" dirty="0"/>
-              <a:t>ACM TOMS, TOMACS</a:t>
-            </a:r>
-          </a:p>
-          <a:p>
-            <a:pPr lvl="1"/>
-            <a:r>
-              <a:rPr lang="en-US" sz="2000" dirty="0">
-                <a:hlinkClick r:id="rId2"/>
-              </a:rPr>
-              <a:t>http://toms.acm.org/replicated-computational-results.cfm</a:t>
-            </a:r>
-            <a:r>
-              <a:rPr lang="en-US" sz="2000" dirty="0"/>
-              <a:t> </a:t>
-            </a:r>
-          </a:p>
-          <a:p>
-            <a:r>
-              <a:rPr lang="en-US" sz="2400" dirty="0"/>
-              <a:t>ACM Badging</a:t>
-            </a:r>
-          </a:p>
-          <a:p>
-            <a:pPr lvl="1"/>
-            <a:r>
-              <a:rPr lang="en-US" dirty="0"/>
-              <a:t>Functional, reusable, available, replicated, reproduced</a:t>
-            </a:r>
-          </a:p>
-          <a:p>
-            <a:pPr lvl="1"/>
-            <a:r>
-              <a:rPr lang="en-US" sz="2000" dirty="0">
-                <a:hlinkClick r:id="rId3"/>
-              </a:rPr>
-              <a:t>https://www.acm.org/publications/policies/artifact-review-badging</a:t>
-            </a:r>
-            <a:r>
-              <a:rPr lang="en-US" sz="2000" dirty="0"/>
-              <a:t> </a:t>
-            </a:r>
-          </a:p>
-          <a:p>
-            <a:r>
-              <a:rPr lang="en-US" sz="2400" dirty="0"/>
-              <a:t>These conferences have artifact evaluation appendices:</a:t>
-            </a:r>
-          </a:p>
-          <a:p>
-            <a:pPr lvl="1"/>
-            <a:r>
-              <a:rPr lang="en-US" sz="2000" dirty="0"/>
-              <a:t>CGO, </a:t>
-            </a:r>
-            <a:r>
-              <a:rPr lang="en-US" sz="2000" dirty="0" err="1"/>
-              <a:t>PPoPP</a:t>
-            </a:r>
-            <a:r>
-              <a:rPr lang="en-US" sz="2000" dirty="0"/>
-              <a:t>, PACT, RTSS and SC</a:t>
-            </a:r>
-          </a:p>
-          <a:p>
-            <a:pPr lvl="1"/>
-            <a:r>
-              <a:rPr lang="en-US" sz="2000" dirty="0">
-                <a:hlinkClick r:id="rId4"/>
-              </a:rPr>
-              <a:t>http://fursin.net/reproducibility.html</a:t>
-            </a:r>
-            <a:endParaRPr lang="en-US" sz="2000" dirty="0"/>
-          </a:p>
-          <a:p>
-            <a:r>
-              <a:rPr lang="en-US" sz="2400" dirty="0"/>
-              <a:t>NISO Committee on Reproducibility and Badging</a:t>
-            </a:r>
-          </a:p>
-          <a:p>
-            <a:pPr lvl="1"/>
-            <a:r>
-              <a:rPr lang="en-US" sz="2000" dirty="0">
-                <a:hlinkClick r:id="rId5"/>
-              </a:rPr>
-              <a:t>https://www.niso.org/niso-io/2019/01/new-niso-project-badging-scheme-reproducibility-computational-and-computing</a:t>
-            </a:r>
-            <a:r>
-              <a:rPr lang="en-US" sz="2000" dirty="0"/>
-              <a:t> </a:t>
-            </a:r>
-          </a:p>
-          <a:p>
-            <a:pPr lvl="1"/>
-            <a:r>
-              <a:rPr lang="en-US" sz="2000" dirty="0"/>
-              <a:t>Publishers: ACM, IEEE, </a:t>
-            </a:r>
-            <a:r>
-              <a:rPr lang="en-US" sz="2000" dirty="0" err="1"/>
-              <a:t>figshare</a:t>
-            </a:r>
-            <a:r>
-              <a:rPr lang="en-US" sz="2000" dirty="0"/>
-              <a:t>, STM, Reed Elsevier, Springer Nature</a:t>
-            </a:r>
-          </a:p>
-        </p:txBody>
-      </p:sp>
-    </p:spTree>
-    <p:extLst>
-      <p:ext uri="{BB962C8B-B14F-4D97-AF65-F5344CB8AC3E}">
-        <p14:creationId xmlns:p14="http://schemas.microsoft.com/office/powerpoint/2010/main" val="2234428243"/>
       </p:ext>
     </p:extLst>
   </p:cSld>
@@ -10365,7 +10364,13 @@
       </p:grpSpPr>
       <p:sp>
         <p:nvSpPr>
-          <p:cNvPr id="2" name="Title 1"/>
+          <p:cNvPr id="2" name="Title 1">
+            <a:extLst>
+              <a:ext uri="{FF2B5EF4-FFF2-40B4-BE49-F238E27FC236}">
+                <a16:creationId xmlns:a16="http://schemas.microsoft.com/office/drawing/2014/main" id="{4716E6A3-96EC-4523-A436-014C2E270151}"/>
+              </a:ext>
+            </a:extLst>
+          </p:cNvPr>
           <p:cNvSpPr>
             <a:spLocks noGrp="1"/>
           </p:cNvSpPr>
@@ -10380,14 +10385,20 @@
           <a:p>
             <a:r>
               <a:rPr lang="en-US" dirty="0"/>
-              <a:t>Other resources</a:t>
+              <a:t>Summary</a:t>
             </a:r>
           </a:p>
         </p:txBody>
       </p:sp>
       <p:sp>
         <p:nvSpPr>
-          <p:cNvPr id="5" name="Content Placeholder 4"/>
+          <p:cNvPr id="3" name="Content Placeholder 2">
+            <a:extLst>
+              <a:ext uri="{FF2B5EF4-FFF2-40B4-BE49-F238E27FC236}">
+                <a16:creationId xmlns:a16="http://schemas.microsoft.com/office/drawing/2014/main" id="{BD1F1B50-97F3-4784-88FE-6A4FC215ACCF}"/>
+              </a:ext>
+            </a:extLst>
+          </p:cNvPr>
           <p:cNvSpPr>
             <a:spLocks noGrp="1"/>
           </p:cNvSpPr>
@@ -10395,157 +10406,100 @@
             <p:ph idx="1"/>
           </p:nvPr>
         </p:nvSpPr>
-        <p:spPr/>
+        <p:spPr>
+          <a:xfrm>
+            <a:off x="365760" y="1421644"/>
+            <a:ext cx="11369809" cy="4047778"/>
+          </a:xfrm>
+        </p:spPr>
         <p:txBody>
-          <a:bodyPr>
-            <a:normAutofit/>
-          </a:bodyPr>
+          <a:bodyPr/>
           <a:lstStyle/>
           <a:p>
-            <a:pPr>
-              <a:spcBef>
-                <a:spcPts val="800"/>
-              </a:spcBef>
-            </a:pPr>
-            <a:r>
-              <a:rPr lang="en-US" dirty="0"/>
-              <a:t>The FAIR Guiding Principles for Scientific Data Management and Stewardship. Mark D. Wilkinson, et al. </a:t>
-            </a:r>
-            <a:r>
-              <a:rPr lang="en-US" dirty="0">
-                <a:hlinkClick r:id="rId2"/>
-              </a:rPr>
-              <a:t>https://doi.org/10.1038/sdata.2016.18</a:t>
-            </a:r>
-            <a:endParaRPr lang="en-US" dirty="0"/>
-          </a:p>
-          <a:p>
-            <a:pPr>
-              <a:spcBef>
-                <a:spcPts val="800"/>
-              </a:spcBef>
-            </a:pPr>
-            <a:r>
-              <a:rPr lang="en-US" dirty="0"/>
-              <a:t>Editorial: ACM TOMS Replicated Computational Results Initiative. Michael A. Heroux. 2015.  </a:t>
-            </a:r>
-            <a:r>
-              <a:rPr lang="en-US" i="1" dirty="0"/>
-              <a:t>ACM Trans. Math. </a:t>
-            </a:r>
-            <a:r>
-              <a:rPr lang="en-US" i="1" dirty="0" err="1"/>
-              <a:t>Softw</a:t>
-            </a:r>
-            <a:r>
-              <a:rPr lang="en-US" i="1" dirty="0"/>
-              <a:t>.</a:t>
-            </a:r>
-            <a:r>
-              <a:rPr lang="en-US" dirty="0"/>
-              <a:t> 41, 3, Article 13 (June 2015), 5 pages. DOI: </a:t>
-            </a:r>
-            <a:r>
-              <a:rPr lang="en-US" dirty="0">
-                <a:hlinkClick r:id="rId3"/>
-              </a:rPr>
-              <a:t>http://dx.doi.org/10.1145/2743015</a:t>
-            </a:r>
-            <a:endParaRPr lang="en-US" dirty="0"/>
-          </a:p>
-          <a:p>
-            <a:pPr>
-              <a:spcBef>
-                <a:spcPts val="800"/>
-              </a:spcBef>
-            </a:pPr>
-            <a:r>
-              <a:rPr lang="en-US" dirty="0"/>
-              <a:t>Enhancing Reproducibility for Computational Methods. Victoria </a:t>
-            </a:r>
-            <a:r>
-              <a:rPr lang="en-US" dirty="0" err="1"/>
-              <a:t>Stodden</a:t>
-            </a:r>
-            <a:r>
-              <a:rPr lang="en-US" dirty="0"/>
-              <a:t>, Marcia McNutt, David H. Bailey, </a:t>
-            </a:r>
-            <a:r>
-              <a:rPr lang="en-US" dirty="0" err="1"/>
-              <a:t>Ewa</a:t>
-            </a:r>
-            <a:r>
-              <a:rPr lang="en-US" dirty="0"/>
-              <a:t> </a:t>
-            </a:r>
-            <a:r>
-              <a:rPr lang="en-US" dirty="0" err="1"/>
-              <a:t>Deelman</a:t>
-            </a:r>
-            <a:r>
-              <a:rPr lang="en-US" dirty="0"/>
-              <a:t>, Yolanda Gil, Brooks Hanson, Michael A. Heroux, John P.A. Ioannidis, Michela </a:t>
-            </a:r>
-            <a:r>
-              <a:rPr lang="en-US" dirty="0" err="1"/>
-              <a:t>Taufer</a:t>
-            </a:r>
-            <a:r>
-              <a:rPr lang="en-US" dirty="0"/>
-              <a:t> Science (09 Dec 2016), pp. 1240-1241</a:t>
-            </a:r>
-          </a:p>
-          <a:p>
-            <a:pPr>
-              <a:spcBef>
-                <a:spcPts val="800"/>
-              </a:spcBef>
-            </a:pPr>
-            <a:r>
-              <a:rPr lang="en-US" dirty="0"/>
-              <a:t>Simple experiments in reproducibility and technical trust by Mike </a:t>
-            </a:r>
-            <a:r>
-              <a:rPr lang="en-US" dirty="0" err="1"/>
-              <a:t>Heroux</a:t>
-            </a:r>
-            <a:r>
-              <a:rPr lang="en-US" dirty="0"/>
-              <a:t> and students (work </a:t>
-            </a:r>
-            <a:r>
-              <a:rPr lang="en-US"/>
-              <a:t>in progress),</a:t>
-            </a:r>
-            <a:r>
-              <a:rPr lang="en-US">
-                <a:hlinkClick r:id="rId4"/>
-              </a:rPr>
-              <a:t> </a:t>
-            </a:r>
-            <a:r>
-              <a:rPr lang="en-US" u="sng" dirty="0">
-                <a:hlinkClick r:id="rId4"/>
-              </a:rPr>
-              <a:t>https://betterscientificsoftware.github.io/Trust-Tools/</a:t>
-            </a:r>
-            <a:endParaRPr lang="en-US" u="sng" dirty="0"/>
-          </a:p>
-          <a:p>
-            <a:pPr>
-              <a:spcBef>
-                <a:spcPts val="800"/>
-              </a:spcBef>
-            </a:pPr>
-            <a:endParaRPr lang="en-US" sz="1600" dirty="0"/>
+            <a:r>
+              <a:rPr lang="en-US" dirty="0"/>
+              <a:t>The credibility of your science derives from the credibility of your code (and process)</a:t>
+            </a:r>
+          </a:p>
+          <a:p>
+            <a:r>
+              <a:rPr lang="en-US" dirty="0"/>
+              <a:t>Science stakeholders are ratcheting up expectations for reproducibility</a:t>
+            </a:r>
+          </a:p>
+          <a:p>
+            <a:r>
+              <a:rPr lang="en-US" dirty="0"/>
+              <a:t>There are strategies to improve reproducibility in all phases of the scientific process</a:t>
+            </a:r>
+          </a:p>
+          <a:p>
+            <a:pPr lvl="1">
+              <a:spcBef>
+                <a:spcPts val="200"/>
+              </a:spcBef>
+            </a:pPr>
+            <a:r>
+              <a:rPr lang="en-US" dirty="0"/>
+              <a:t>During development</a:t>
+            </a:r>
+          </a:p>
+          <a:p>
+            <a:pPr lvl="1">
+              <a:spcBef>
+                <a:spcPts val="200"/>
+              </a:spcBef>
+            </a:pPr>
+            <a:r>
+              <a:rPr lang="en-US" dirty="0"/>
+              <a:t>After development</a:t>
+            </a:r>
+          </a:p>
+          <a:p>
+            <a:pPr lvl="1">
+              <a:spcBef>
+                <a:spcPts val="200"/>
+              </a:spcBef>
+            </a:pPr>
+            <a:r>
+              <a:rPr lang="en-US" dirty="0"/>
+              <a:t>During experiments</a:t>
+            </a:r>
+          </a:p>
+          <a:p>
+            <a:pPr lvl="1">
+              <a:spcBef>
+                <a:spcPts val="200"/>
+              </a:spcBef>
+            </a:pPr>
+            <a:r>
+              <a:rPr lang="en-US" dirty="0"/>
+              <a:t>After experiments</a:t>
+            </a:r>
+          </a:p>
+          <a:p>
+            <a:r>
+              <a:rPr lang="en-US" dirty="0"/>
+              <a:t>They amount to better software development practices</a:t>
+            </a:r>
+          </a:p>
+          <a:p>
+            <a:pPr lvl="1">
+              <a:spcBef>
+                <a:spcPts val="200"/>
+              </a:spcBef>
+            </a:pPr>
+            <a:r>
+              <a:rPr lang="en-US" dirty="0"/>
+              <a:t>The same kinds of practices advocated for reasons of productivity, sustainability, maintainability, etc.</a:t>
+            </a:r>
           </a:p>
         </p:txBody>
       </p:sp>
     </p:spTree>
     <p:extLst>
       <p:ext uri="{BB962C8B-B14F-4D97-AF65-F5344CB8AC3E}">
-        <p14:creationId xmlns:p14="http://schemas.microsoft.com/office/powerpoint/2010/main" val="1932176814"/>
+        <p14:creationId xmlns:p14="http://schemas.microsoft.com/office/powerpoint/2010/main" val="4072028838"/>
       </p:ext>
     </p:extLst>
   </p:cSld>
@@ -10574,13 +10528,7 @@
       </p:grpSpPr>
       <p:sp>
         <p:nvSpPr>
-          <p:cNvPr id="2" name="Title 1">
-            <a:extLst>
-              <a:ext uri="{FF2B5EF4-FFF2-40B4-BE49-F238E27FC236}">
-                <a16:creationId xmlns:a16="http://schemas.microsoft.com/office/drawing/2014/main" id="{A8FB7E71-12B3-4F18-9845-F2C5400A7D80}"/>
-              </a:ext>
-            </a:extLst>
-          </p:cNvPr>
+          <p:cNvPr id="2" name="Title 1"/>
           <p:cNvSpPr>
             <a:spLocks noGrp="1"/>
           </p:cNvSpPr>
@@ -10595,20 +10543,14 @@
           <a:p>
             <a:r>
               <a:rPr lang="en-US" dirty="0"/>
-              <a:t>Digression – “Physics” (or Math)-Based Testing Strategies</a:t>
+              <a:t>Other resources</a:t>
             </a:r>
           </a:p>
         </p:txBody>
       </p:sp>
       <p:sp>
         <p:nvSpPr>
-          <p:cNvPr id="3" name="Content Placeholder 2">
-            <a:extLst>
-              <a:ext uri="{FF2B5EF4-FFF2-40B4-BE49-F238E27FC236}">
-                <a16:creationId xmlns:a16="http://schemas.microsoft.com/office/drawing/2014/main" id="{A5DD7266-4F2C-433C-9206-C4C7FDCEE701}"/>
-              </a:ext>
-            </a:extLst>
-          </p:cNvPr>
+          <p:cNvPr id="5" name="Content Placeholder 4"/>
           <p:cNvSpPr>
             <a:spLocks noGrp="1"/>
           </p:cNvSpPr>
@@ -10616,361 +10558,157 @@
             <p:ph idx="1"/>
           </p:nvPr>
         </p:nvSpPr>
-        <p:spPr>
-          <a:xfrm>
-            <a:off x="365760" y="1340125"/>
-            <a:ext cx="11369809" cy="4047778"/>
-          </a:xfrm>
-        </p:spPr>
+        <p:spPr/>
         <p:txBody>
-          <a:bodyPr/>
+          <a:bodyPr>
+            <a:normAutofit/>
+          </a:bodyPr>
           <a:lstStyle/>
           <a:p>
-            <a:r>
-              <a:rPr lang="en-US" b="1" dirty="0">
-                <a:solidFill>
-                  <a:schemeClr val="tx2"/>
-                </a:solidFill>
+            <a:pPr>
+              <a:spcBef>
+                <a:spcPts val="800"/>
+              </a:spcBef>
+            </a:pPr>
+            <a:r>
+              <a:rPr lang="en-US" dirty="0"/>
+              <a:t>The FAIR Guiding Principles for Scientific Data Management and Stewardship. Mark D. Wilkinson, et al. </a:t>
+            </a:r>
+            <a:r>
+              <a:rPr lang="en-US" dirty="0">
+                <a:hlinkClick r:id="rId2"/>
               </a:rPr>
-              <a:t>Use what you know (or can construct) about the model you’re studying to test its implementation</a:t>
-            </a:r>
-          </a:p>
-          <a:p>
-            <a:r>
-              <a:rPr lang="en-US" dirty="0"/>
-              <a:t>Synthetic operators with known properties</a:t>
-            </a:r>
-          </a:p>
-          <a:p>
-            <a:pPr lvl="1"/>
-            <a:r>
-              <a:rPr lang="en-US" dirty="0"/>
-              <a:t>Spectrum (huge diagonals)</a:t>
-            </a:r>
-          </a:p>
-          <a:p>
-            <a:pPr lvl="1"/>
-            <a:r>
-              <a:rPr lang="en-US" dirty="0"/>
-              <a:t>Rank (by construction)</a:t>
-            </a:r>
-          </a:p>
-          <a:p>
-            <a:r>
-              <a:rPr lang="en-US" dirty="0"/>
-              <a:t>Invariance principles</a:t>
-            </a:r>
-          </a:p>
-          <a:p>
-            <a:pPr lvl="1"/>
-            <a:r>
-              <a:rPr lang="en-US" dirty="0"/>
-              <a:t>Translational, rotational, etc.</a:t>
-            </a:r>
-          </a:p>
-          <a:p>
-            <a:pPr lvl="1"/>
-            <a:r>
-              <a:rPr lang="en-US" dirty="0"/>
-              <a:t>Physical symmetries</a:t>
-            </a:r>
-          </a:p>
-          <a:p>
-            <a:pPr lvl="1"/>
-            <a:r>
-              <a:rPr lang="en-US" dirty="0"/>
-              <a:t>Mathematical symmetries</a:t>
-            </a:r>
-          </a:p>
-          <a:p>
-            <a:r>
-              <a:rPr lang="en-US" dirty="0"/>
-              <a:t>Conservation rules</a:t>
-            </a:r>
-          </a:p>
-          <a:p>
-            <a:pPr lvl="1"/>
-            <a:r>
-              <a:rPr lang="en-US" dirty="0"/>
-              <a:t>Fluxes, energy, mass, etc.</a:t>
-            </a:r>
-          </a:p>
-          <a:p>
-            <a:r>
-              <a:rPr lang="en-US" dirty="0"/>
-              <a:t>…</a:t>
-            </a:r>
+              <a:t>https://doi.org/10.1038/sdata.2016.18</a:t>
+            </a:r>
+            <a:endParaRPr lang="en-US" dirty="0"/>
+          </a:p>
+          <a:p>
+            <a:pPr>
+              <a:spcBef>
+                <a:spcPts val="800"/>
+              </a:spcBef>
+            </a:pPr>
+            <a:r>
+              <a:rPr lang="en-US" dirty="0"/>
+              <a:t>Editorial: ACM TOMS Replicated Computational Results Initiative. Michael A. Heroux. 2015.  </a:t>
+            </a:r>
+            <a:r>
+              <a:rPr lang="en-US" i="1" dirty="0"/>
+              <a:t>ACM Trans. Math. </a:t>
+            </a:r>
+            <a:r>
+              <a:rPr lang="en-US" i="1" dirty="0" err="1"/>
+              <a:t>Softw</a:t>
+            </a:r>
+            <a:r>
+              <a:rPr lang="en-US" i="1" dirty="0"/>
+              <a:t>.</a:t>
+            </a:r>
+            <a:r>
+              <a:rPr lang="en-US" dirty="0"/>
+              <a:t> 41, 3, Article 13 (June 2015), 5 pages. DOI: </a:t>
+            </a:r>
+            <a:r>
+              <a:rPr lang="en-US" dirty="0">
+                <a:hlinkClick r:id="rId3"/>
+              </a:rPr>
+              <a:t>http://dx.doi.org/10.1145/2743015</a:t>
+            </a:r>
+            <a:endParaRPr lang="en-US" dirty="0"/>
+          </a:p>
+          <a:p>
+            <a:pPr>
+              <a:spcBef>
+                <a:spcPts val="800"/>
+              </a:spcBef>
+            </a:pPr>
+            <a:r>
+              <a:rPr lang="en-US" dirty="0"/>
+              <a:t>Enhancing Reproducibility for Computational Methods. Victoria </a:t>
+            </a:r>
+            <a:r>
+              <a:rPr lang="en-US" dirty="0" err="1"/>
+              <a:t>Stodden</a:t>
+            </a:r>
+            <a:r>
+              <a:rPr lang="en-US" dirty="0"/>
+              <a:t>, Marcia McNutt, David H. Bailey, </a:t>
+            </a:r>
+            <a:r>
+              <a:rPr lang="en-US" dirty="0" err="1"/>
+              <a:t>Ewa</a:t>
+            </a:r>
+            <a:r>
+              <a:rPr lang="en-US" dirty="0"/>
+              <a:t> </a:t>
+            </a:r>
+            <a:r>
+              <a:rPr lang="en-US" dirty="0" err="1"/>
+              <a:t>Deelman</a:t>
+            </a:r>
+            <a:r>
+              <a:rPr lang="en-US" dirty="0"/>
+              <a:t>, Yolanda Gil, Brooks Hanson, Michael A. Heroux, John P.A. Ioannidis, Michela </a:t>
+            </a:r>
+            <a:r>
+              <a:rPr lang="en-US" dirty="0" err="1"/>
+              <a:t>Taufer</a:t>
+            </a:r>
+            <a:r>
+              <a:rPr lang="en-US" dirty="0"/>
+              <a:t> Science (09 Dec 2016), pp. 1240-1241</a:t>
+            </a:r>
+          </a:p>
+          <a:p>
+            <a:pPr>
+              <a:spcBef>
+                <a:spcPts val="800"/>
+              </a:spcBef>
+            </a:pPr>
+            <a:r>
+              <a:rPr lang="en-US" dirty="0"/>
+              <a:t>Simple experiments in reproducibility and technical trust by Mike </a:t>
+            </a:r>
+            <a:r>
+              <a:rPr lang="en-US" dirty="0" err="1"/>
+              <a:t>Heroux</a:t>
+            </a:r>
+            <a:r>
+              <a:rPr lang="en-US" dirty="0"/>
+              <a:t> and students (work </a:t>
+            </a:r>
+            <a:r>
+              <a:rPr lang="en-US"/>
+              <a:t>in progress),</a:t>
+            </a:r>
+            <a:r>
+              <a:rPr lang="en-US">
+                <a:hlinkClick r:id="rId4"/>
+              </a:rPr>
+              <a:t> </a:t>
+            </a:r>
+            <a:r>
+              <a:rPr lang="en-US" u="sng" dirty="0">
+                <a:hlinkClick r:id="rId4"/>
+              </a:rPr>
+              <a:t>https://betterscientificsoftware.github.io/Trust-Tools/</a:t>
+            </a:r>
+            <a:endParaRPr lang="en-US" u="sng" dirty="0"/>
+          </a:p>
+          <a:p>
+            <a:pPr>
+              <a:spcBef>
+                <a:spcPts val="800"/>
+              </a:spcBef>
+            </a:pPr>
+            <a:endParaRPr lang="en-US" sz="1600" dirty="0"/>
           </a:p>
         </p:txBody>
       </p:sp>
     </p:spTree>
     <p:extLst>
       <p:ext uri="{BB962C8B-B14F-4D97-AF65-F5344CB8AC3E}">
-        <p14:creationId xmlns:p14="http://schemas.microsoft.com/office/powerpoint/2010/main" val="4136283604"/>
-      </p:ext>
-    </p:extLst>
-  </p:cSld>
-  <p:clrMapOvr>
-    <a:masterClrMapping/>
-  </p:clrMapOvr>
-</p:sld>
-</file>
-
-<file path=ppt/slides/slide32.xml><?xml version="1.0" encoding="utf-8"?>
-<p:sld xmlns:a="http://schemas.openxmlformats.org/drawingml/2006/main" xmlns:r="http://schemas.openxmlformats.org/officeDocument/2006/relationships" xmlns:p="http://schemas.openxmlformats.org/presentationml/2006/main">
-  <p:cSld>
-    <p:spTree>
-      <p:nvGrpSpPr>
-        <p:cNvPr id="1" name=""/>
-        <p:cNvGrpSpPr/>
-        <p:nvPr/>
-      </p:nvGrpSpPr>
-      <p:grpSpPr>
-        <a:xfrm>
-          <a:off x="0" y="0"/>
-          <a:ext cx="0" cy="0"/>
-          <a:chOff x="0" y="0"/>
-          <a:chExt cx="0" cy="0"/>
-        </a:xfrm>
-      </p:grpSpPr>
-      <p:sp>
-        <p:nvSpPr>
-          <p:cNvPr id="2" name="Title 1">
-            <a:extLst>
-              <a:ext uri="{FF2B5EF4-FFF2-40B4-BE49-F238E27FC236}">
-                <a16:creationId xmlns:a16="http://schemas.microsoft.com/office/drawing/2014/main" id="{5ADB740C-7926-4693-996F-58F53886A80C}"/>
-              </a:ext>
-            </a:extLst>
-          </p:cNvPr>
-          <p:cNvSpPr>
-            <a:spLocks noGrp="1"/>
-          </p:cNvSpPr>
-          <p:nvPr>
-            <p:ph type="title"/>
-          </p:nvPr>
-        </p:nvSpPr>
-        <p:spPr/>
-        <p:txBody>
-          <a:bodyPr/>
-          <a:lstStyle/>
-          <a:p>
-            <a:r>
-              <a:rPr lang="en-US" dirty="0"/>
-              <a:t>Digression – Design by Contract Programming</a:t>
-            </a:r>
-          </a:p>
-        </p:txBody>
-      </p:sp>
-      <p:sp>
-        <p:nvSpPr>
-          <p:cNvPr id="3" name="Content Placeholder 2">
-            <a:extLst>
-              <a:ext uri="{FF2B5EF4-FFF2-40B4-BE49-F238E27FC236}">
-                <a16:creationId xmlns:a16="http://schemas.microsoft.com/office/drawing/2014/main" id="{86DB796C-B083-44C4-8467-DE5160CD2C5D}"/>
-              </a:ext>
-            </a:extLst>
-          </p:cNvPr>
-          <p:cNvSpPr>
-            <a:spLocks noGrp="1"/>
-          </p:cNvSpPr>
-          <p:nvPr>
-            <p:ph idx="1"/>
-          </p:nvPr>
-        </p:nvSpPr>
-        <p:spPr>
-          <a:xfrm>
-            <a:off x="365760" y="1079194"/>
-            <a:ext cx="11369809" cy="4047778"/>
-          </a:xfrm>
-        </p:spPr>
-        <p:txBody>
-          <a:bodyPr/>
-          <a:lstStyle/>
-          <a:p>
-            <a:r>
-              <a:rPr lang="en-US" b="1" dirty="0">
-                <a:solidFill>
-                  <a:schemeClr val="tx2"/>
-                </a:solidFill>
-              </a:rPr>
-              <a:t>Building testing into your routines </a:t>
-            </a:r>
-          </a:p>
-          <a:p>
-            <a:pPr lvl="1">
-              <a:spcBef>
-                <a:spcPts val="200"/>
-              </a:spcBef>
-            </a:pPr>
-            <a:r>
-              <a:rPr lang="en-US" b="1" dirty="0">
-                <a:solidFill>
-                  <a:schemeClr val="tx2"/>
-                </a:solidFill>
-              </a:rPr>
-              <a:t>To complement, </a:t>
-            </a:r>
-            <a:r>
-              <a:rPr lang="en-US" b="1" i="1" dirty="0">
-                <a:solidFill>
-                  <a:schemeClr val="tx2"/>
-                </a:solidFill>
-              </a:rPr>
-              <a:t>not replace</a:t>
-            </a:r>
-            <a:r>
-              <a:rPr lang="en-US" b="1" dirty="0">
-                <a:solidFill>
-                  <a:schemeClr val="tx2"/>
-                </a:solidFill>
-              </a:rPr>
-              <a:t>, other testing</a:t>
-            </a:r>
-          </a:p>
-          <a:p>
-            <a:r>
-              <a:rPr lang="en-US" dirty="0"/>
-              <a:t>The interface to a routine can be thought of as a contract between </a:t>
-            </a:r>
-            <a:r>
-              <a:rPr lang="en-US" i="1" dirty="0"/>
-              <a:t>caller</a:t>
-            </a:r>
-            <a:r>
-              <a:rPr lang="en-US" dirty="0"/>
-              <a:t> and the </a:t>
-            </a:r>
-            <a:r>
-              <a:rPr lang="en-US" i="1" dirty="0" err="1"/>
-              <a:t>callee</a:t>
-            </a:r>
-            <a:r>
-              <a:rPr lang="en-US" i="1" dirty="0"/>
-              <a:t> </a:t>
-            </a:r>
-            <a:r>
-              <a:rPr lang="en-US" dirty="0"/>
-              <a:t>(the routine)</a:t>
-            </a:r>
-          </a:p>
-          <a:p>
-            <a:pPr lvl="1">
-              <a:spcBef>
-                <a:spcPts val="200"/>
-              </a:spcBef>
-            </a:pPr>
-            <a:r>
-              <a:rPr lang="en-US" dirty="0"/>
-              <a:t>What does the routine expect on input?		</a:t>
-            </a:r>
-            <a:r>
-              <a:rPr lang="en-US" b="1" dirty="0"/>
-              <a:t>preconditions</a:t>
-            </a:r>
-          </a:p>
-          <a:p>
-            <a:pPr lvl="1">
-              <a:spcBef>
-                <a:spcPts val="200"/>
-              </a:spcBef>
-            </a:pPr>
-            <a:r>
-              <a:rPr lang="en-US" dirty="0"/>
-              <a:t>What does the routine guarantee at completion?	</a:t>
-            </a:r>
-            <a:r>
-              <a:rPr lang="en-US" b="1" dirty="0"/>
-              <a:t>postconditions</a:t>
-            </a:r>
-          </a:p>
-          <a:p>
-            <a:pPr lvl="1">
-              <a:spcBef>
-                <a:spcPts val="200"/>
-              </a:spcBef>
-            </a:pPr>
-            <a:r>
-              <a:rPr lang="en-US" dirty="0"/>
-              <a:t>What does the routine leave unchanged?		</a:t>
-            </a:r>
-            <a:r>
-              <a:rPr lang="en-US" b="1" dirty="0"/>
-              <a:t>invariants</a:t>
-            </a:r>
-          </a:p>
-          <a:p>
-            <a:r>
-              <a:rPr lang="en-US" dirty="0"/>
-              <a:t>Given valid inputs (preconditions satisfied) a routine should guarantee valid outputs (postconditions satisfied, invariants maintained)</a:t>
-            </a:r>
-          </a:p>
-          <a:p>
-            <a:pPr lvl="1">
-              <a:spcBef>
-                <a:spcPts val="200"/>
-              </a:spcBef>
-            </a:pPr>
-            <a:r>
-              <a:rPr lang="en-US" dirty="0"/>
-              <a:t>If the preconditions are not satisfied, the routine should return an error</a:t>
-            </a:r>
-          </a:p>
-          <a:p>
-            <a:pPr lvl="1">
-              <a:spcBef>
-                <a:spcPts val="200"/>
-              </a:spcBef>
-            </a:pPr>
-            <a:r>
-              <a:rPr lang="en-US" dirty="0"/>
-              <a:t>Emphasize low-costs tests that can be always-on</a:t>
-            </a:r>
-          </a:p>
-          <a:p>
-            <a:pPr lvl="1">
-              <a:spcBef>
-                <a:spcPts val="200"/>
-              </a:spcBef>
-            </a:pPr>
-            <a:r>
-              <a:rPr lang="en-US" dirty="0"/>
-              <a:t>May need to be able to switch enforcement of expensive tests on/off (but try not to!)</a:t>
-            </a:r>
-          </a:p>
-          <a:p>
-            <a:r>
-              <a:rPr lang="en-US" dirty="0"/>
-              <a:t>Making the contract explicit facilitates correct use of routines</a:t>
-            </a:r>
-          </a:p>
-          <a:p>
-            <a:pPr lvl="1">
-              <a:spcBef>
-                <a:spcPts val="200"/>
-              </a:spcBef>
-            </a:pPr>
-            <a:r>
-              <a:rPr lang="en-US" dirty="0"/>
-              <a:t>Especially when routine is reused in another context</a:t>
-            </a:r>
-          </a:p>
-          <a:p>
-            <a:pPr lvl="1">
-              <a:spcBef>
-                <a:spcPts val="200"/>
-              </a:spcBef>
-            </a:pPr>
-            <a:r>
-              <a:rPr lang="en-US" dirty="0"/>
-              <a:t>Especially by those not intimately familiar with them</a:t>
-            </a:r>
-          </a:p>
-        </p:txBody>
-      </p:sp>
-    </p:spTree>
-    <p:extLst>
-      <p:ext uri="{BB962C8B-B14F-4D97-AF65-F5344CB8AC3E}">
-        <p14:creationId xmlns:p14="http://schemas.microsoft.com/office/powerpoint/2010/main" val="2645307942"/>
+        <p14:creationId xmlns:p14="http://schemas.microsoft.com/office/powerpoint/2010/main" val="1932176814"/>
       </p:ext>
     </p:extLst>
   </p:cSld>
@@ -13423,12 +13161,9 @@
 </file>
 
 <file path=customXml/item1.xml><?xml version="1.0" encoding="utf-8"?>
-<?mso-contentType ?>
-<FormTemplates xmlns="http://schemas.microsoft.com/sharepoint/v3/contenttype/forms">
-  <Display>DocumentLibraryForm</Display>
-  <Edit>DocumentLibraryForm</Edit>
-  <New>DocumentLibraryForm</New>
-</FormTemplates>
+<p:properties xmlns:p="http://schemas.microsoft.com/office/2006/metadata/properties" xmlns:xsi="http://www.w3.org/2001/XMLSchema-instance" xmlns:pc="http://schemas.microsoft.com/office/infopath/2007/PartnerControls">
+  <documentManagement/>
+</p:properties>
 </file>
 
 <file path=customXml/item2.xml><?xml version="1.0" encoding="utf-8"?>
@@ -13481,15 +13216,25 @@
 </file>
 
 <file path=customXml/item3.xml><?xml version="1.0" encoding="utf-8"?>
-<p:properties xmlns:p="http://schemas.microsoft.com/office/2006/metadata/properties" xmlns:xsi="http://www.w3.org/2001/XMLSchema-instance" xmlns:pc="http://schemas.microsoft.com/office/infopath/2007/PartnerControls">
-  <documentManagement/>
-</p:properties>
+<?mso-contentType ?>
+<FormTemplates xmlns="http://schemas.microsoft.com/sharepoint/v3/contenttype/forms">
+  <Display>DocumentLibraryForm</Display>
+  <Edit>DocumentLibraryForm</Edit>
+  <New>DocumentLibraryForm</New>
+</FormTemplates>
 </file>
 
 <file path=customXml/itemProps1.xml><?xml version="1.0" encoding="utf-8"?>
-<ds:datastoreItem xmlns:ds="http://schemas.openxmlformats.org/officeDocument/2006/customXml" ds:itemID="{19E20559-B232-4371-8690-E3D8007EDB82}">
+<ds:datastoreItem xmlns:ds="http://schemas.openxmlformats.org/officeDocument/2006/customXml" ds:itemID="{A50EC660-24D0-43A0-AE5E-E274115E726B}">
   <ds:schemaRefs>
-    <ds:schemaRef ds:uri="http://schemas.microsoft.com/sharepoint/v3/contenttype/forms"/>
+    <ds:schemaRef ds:uri="http://purl.org/dc/elements/1.1/"/>
+    <ds:schemaRef ds:uri="http://schemas.microsoft.com/office/2006/metadata/properties"/>
+    <ds:schemaRef ds:uri="http://purl.org/dc/terms/"/>
+    <ds:schemaRef ds:uri="http://schemas.openxmlformats.org/package/2006/metadata/core-properties"/>
+    <ds:schemaRef ds:uri="http://schemas.microsoft.com/office/2006/documentManagement/types"/>
+    <ds:schemaRef ds:uri="http://www.w3.org/XML/1998/namespace"/>
+    <ds:schemaRef ds:uri="http://purl.org/dc/dcmitype/"/>
+    <ds:schemaRef ds:uri="http://schemas.microsoft.com/office/infopath/2007/PartnerControls"/>
   </ds:schemaRefs>
 </ds:datastoreItem>
 </file>
@@ -13510,16 +13255,9 @@
 </file>
 
 <file path=customXml/itemProps3.xml><?xml version="1.0" encoding="utf-8"?>
-<ds:datastoreItem xmlns:ds="http://schemas.openxmlformats.org/officeDocument/2006/customXml" ds:itemID="{A50EC660-24D0-43A0-AE5E-E274115E726B}">
+<ds:datastoreItem xmlns:ds="http://schemas.openxmlformats.org/officeDocument/2006/customXml" ds:itemID="{19E20559-B232-4371-8690-E3D8007EDB82}">
   <ds:schemaRefs>
-    <ds:schemaRef ds:uri="http://purl.org/dc/elements/1.1/"/>
-    <ds:schemaRef ds:uri="http://schemas.microsoft.com/office/2006/metadata/properties"/>
-    <ds:schemaRef ds:uri="http://purl.org/dc/terms/"/>
-    <ds:schemaRef ds:uri="http://schemas.openxmlformats.org/package/2006/metadata/core-properties"/>
-    <ds:schemaRef ds:uri="http://schemas.microsoft.com/office/2006/documentManagement/types"/>
-    <ds:schemaRef ds:uri="http://www.w3.org/XML/1998/namespace"/>
-    <ds:schemaRef ds:uri="http://purl.org/dc/dcmitype/"/>
-    <ds:schemaRef ds:uri="http://schemas.microsoft.com/office/infopath/2007/PartnerControls"/>
+    <ds:schemaRef ds:uri="http://schemas.microsoft.com/sharepoint/v3/contenttype/forms"/>
   </ds:schemaRefs>
 </ds:datastoreItem>
 </file>
--- a/reproducibility.pptx
+++ b/reproducibility.pptx
@@ -285,7 +285,7 @@
           <a:p>
             <a:fld id="{0B842F42-2CE9-4E35-95C1-410DC08A50B1}" type="datetimeFigureOut">
               <a:rPr lang="en-US" smtClean="0"/>
-              <a:t>5/21/2021</a:t>
+              <a:t>6/15/2021</a:t>
             </a:fld>
             <a:endParaRPr lang="en-US"/>
           </a:p>
@@ -450,7 +450,7 @@
           <a:p>
             <a:fld id="{6F282904-F315-4730-8D91-37D99E141A6F}" type="datetimeFigureOut">
               <a:rPr lang="en-US" smtClean="0"/>
-              <a:t>5/21/2021</a:t>
+              <a:t>6/15/2021</a:t>
             </a:fld>
             <a:endParaRPr lang="en-US"/>
           </a:p>
@@ -5947,7 +5947,23 @@
           <a:p>
             <a:r>
               <a:rPr lang="en-US" dirty="0"/>
-              <a:t>Fair data principles for maximum use of research data</a:t>
+              <a:t>FAIR data principles for maximum use of research data</a:t>
+            </a:r>
+          </a:p>
+          <a:p>
+            <a:r>
+              <a:rPr lang="en-US" dirty="0"/>
+              <a:t>Emerging FAIR for Research Software (</a:t>
+            </a:r>
+            <a:r>
+              <a:rPr lang="en-US" dirty="0">
+                <a:hlinkClick r:id="rId2"/>
+              </a:rPr>
+              <a:t>FAIR4RS</a:t>
+            </a:r>
+            <a:r>
+              <a:rPr lang="en-US" dirty="0"/>
+              <a:t>) initiative</a:t>
             </a:r>
           </a:p>
           <a:p>
@@ -6120,6 +6136,11 @@
             </a:r>
           </a:p>
           <a:p>
+            <a:pPr>
+              <a:spcBef>
+                <a:spcPts val="800"/>
+              </a:spcBef>
+            </a:pPr>
             <a:r>
               <a:rPr lang="en-US" dirty="0"/>
               <a:t>Example: NSF policy on </a:t>
@@ -6287,6 +6308,11 @@
             </a:r>
           </a:p>
           <a:p>
+            <a:pPr>
+              <a:spcBef>
+                <a:spcPts val="800"/>
+              </a:spcBef>
+            </a:pPr>
             <a:r>
               <a:rPr lang="en-US" dirty="0"/>
               <a:t>Findability</a:t>
@@ -6698,7 +6724,7 @@
           <a:p>
             <a:r>
               <a:rPr lang="en-US" dirty="0"/>
-              <a:t>SC20 Transparency and  Reproducibility Initiative</a:t>
+              <a:t>Supercomputing Reproducibility Initiative</a:t>
             </a:r>
           </a:p>
         </p:txBody>
@@ -6732,21 +6758,21 @@
             <a:pPr lvl="1"/>
             <a:r>
               <a:rPr lang="en-US" sz="2400" dirty="0"/>
-              <a:t>Artifact description (AD).</a:t>
+              <a:t>Artifact description (AD)</a:t>
             </a:r>
           </a:p>
           <a:p>
             <a:pPr lvl="2"/>
             <a:r>
               <a:rPr lang="en-US" sz="2000" dirty="0"/>
-              <a:t>Blue print for setting up your computational experiment.</a:t>
+              <a:t>Blue print for setting up your computational experiment</a:t>
             </a:r>
           </a:p>
           <a:p>
             <a:pPr lvl="2"/>
             <a:r>
               <a:rPr lang="en-US" sz="2000" dirty="0"/>
-              <a:t>Makes it easier to rerun computations in future.</a:t>
+              <a:t>Makes it easier to rerun computations in future</a:t>
             </a:r>
           </a:p>
           <a:p>
@@ -6761,35 +6787,42 @@
             </a:r>
             <a:r>
               <a:rPr lang="en-US" sz="2000" dirty="0"/>
-              <a:t> for paper submissions (since SC19).</a:t>
+              <a:t> for paper submissions (since SC19)</a:t>
             </a:r>
           </a:p>
           <a:p>
             <a:pPr lvl="2"/>
             <a:r>
               <a:rPr lang="en-US" sz="2000" dirty="0"/>
-              <a:t>Largely auto-generated from submission information.</a:t>
+              <a:t>Largely auto-generated from submission information</a:t>
+            </a:r>
+          </a:p>
+          <a:p>
+            <a:pPr lvl="2"/>
+            <a:r>
+              <a:rPr lang="en-US" sz="2000" dirty="0"/>
+              <a:t>For accepted papers, will be evaluated by reviewers</a:t>
             </a:r>
           </a:p>
           <a:p>
             <a:pPr lvl="1"/>
             <a:r>
               <a:rPr lang="en-US" sz="2400" dirty="0"/>
-              <a:t>Artifact Evaluation (AE).</a:t>
+              <a:t>Artifact Evaluation (AE)</a:t>
             </a:r>
           </a:p>
           <a:p>
             <a:pPr lvl="2"/>
             <a:r>
               <a:rPr lang="en-US" sz="2000" dirty="0"/>
-              <a:t>Targets “boutique” environments.</a:t>
+              <a:t>Targets “boutique” environments</a:t>
             </a:r>
           </a:p>
           <a:p>
             <a:pPr lvl="2"/>
             <a:r>
               <a:rPr lang="en-US" sz="2000" dirty="0"/>
-              <a:t>Improves trustworthiness when re-running hard, impossible.</a:t>
+              <a:t>Improves trustworthiness when re-running hard, impossible</a:t>
             </a:r>
           </a:p>
           <a:p>
@@ -6802,20 +6835,15 @@
           <a:p>
             <a:r>
               <a:rPr lang="en-US" sz="2800" dirty="0"/>
-              <a:t>Details:</a:t>
-            </a:r>
-          </a:p>
-          <a:p>
-            <a:pPr lvl="1"/>
+              <a:t>Details: </a:t>
+            </a:r>
             <a:r>
               <a:rPr lang="en-US" sz="2400" dirty="0">
                 <a:hlinkClick r:id="rId2"/>
               </a:rPr>
-              <a:t>https://sc20.supercomputing.org/submit/transparency-reproducibility-initiative/</a:t>
-            </a:r>
-            <a:endParaRPr lang="en-US" sz="2400" dirty="0">
-              <a:hlinkClick r:id="rId3"/>
-            </a:endParaRPr>
+              <a:t>https://sc21.supercomputing.org/submit/reproducibility-initiative/</a:t>
+            </a:r>
+            <a:endParaRPr lang="en-US" sz="2400" dirty="0"/>
           </a:p>
         </p:txBody>
       </p:sp>
@@ -10561,7 +10589,7 @@
         <p:spPr/>
         <p:txBody>
           <a:bodyPr>
-            <a:normAutofit/>
+            <a:normAutofit fontScale="92500" lnSpcReduction="10000"/>
           </a:bodyPr>
           <a:lstStyle/>
           <a:p>
@@ -10590,28 +10618,46 @@
             </a:pPr>
             <a:r>
               <a:rPr lang="en-US" dirty="0"/>
-              <a:t>Editorial: ACM TOMS Replicated Computational Results Initiative. Michael A. Heroux. 2015.  </a:t>
-            </a:r>
-            <a:r>
-              <a:rPr lang="en-US" i="1" dirty="0"/>
-              <a:t>ACM Trans. Math. </a:t>
-            </a:r>
-            <a:r>
-              <a:rPr lang="en-US" i="1" dirty="0" err="1"/>
-              <a:t>Softw</a:t>
-            </a:r>
-            <a:r>
-              <a:rPr lang="en-US" i="1" dirty="0"/>
-              <a:t>.</a:t>
-            </a:r>
-            <a:r>
-              <a:rPr lang="en-US" dirty="0"/>
-              <a:t> 41, 3, Article 13 (June 2015), 5 pages. DOI: </a:t>
+              <a:t>FAIR for Research Software (FAIR4RS) Working Group: </a:t>
             </a:r>
             <a:r>
               <a:rPr lang="en-US" dirty="0">
                 <a:hlinkClick r:id="rId3"/>
               </a:rPr>
+              <a:t>https://www.rd-alliance.org/groups/fair-research-software-fair4rs-wg</a:t>
+            </a:r>
+            <a:endParaRPr lang="en-US" dirty="0"/>
+          </a:p>
+          <a:p>
+            <a:pPr>
+              <a:spcBef>
+                <a:spcPts val="800"/>
+              </a:spcBef>
+            </a:pPr>
+            <a:r>
+              <a:rPr lang="en-US" dirty="0"/>
+              <a:t>Editorial: ACM TOMS Replicated Computational Results Initiative. Michael A. Heroux. 2015.  </a:t>
+            </a:r>
+            <a:r>
+              <a:rPr lang="en-US" i="1" dirty="0"/>
+              <a:t>ACM Trans. Math. </a:t>
+            </a:r>
+            <a:r>
+              <a:rPr lang="en-US" i="1" dirty="0" err="1"/>
+              <a:t>Softw</a:t>
+            </a:r>
+            <a:r>
+              <a:rPr lang="en-US" i="1" dirty="0"/>
+              <a:t>.</a:t>
+            </a:r>
+            <a:r>
+              <a:rPr lang="en-US" dirty="0"/>
+              <a:t> 41, 3, Article 13 (June 2015), 5 pages. DOI: </a:t>
+            </a:r>
+            <a:r>
+              <a:rPr lang="en-US" dirty="0">
+                <a:hlinkClick r:id="rId4"/>
+              </a:rPr>
               <a:t>http://dx.doi.org/10.1145/2743015</a:t>
             </a:r>
             <a:endParaRPr lang="en-US" dirty="0"/>
@@ -10667,29 +10713,17 @@
             </a:pPr>
             <a:r>
               <a:rPr lang="en-US" dirty="0"/>
-              <a:t>Simple experiments in reproducibility and technical trust by Mike </a:t>
-            </a:r>
-            <a:r>
-              <a:rPr lang="en-US" dirty="0" err="1"/>
-              <a:t>Heroux</a:t>
-            </a:r>
-            <a:r>
-              <a:rPr lang="en-US" dirty="0"/>
-              <a:t> and students (work </a:t>
-            </a:r>
-            <a:r>
-              <a:rPr lang="en-US"/>
-              <a:t>in progress),</a:t>
-            </a:r>
-            <a:r>
-              <a:rPr lang="en-US">
-                <a:hlinkClick r:id="rId4"/>
+              <a:t>Simple experiments in reproducibility and technical trust by Mike Heroux and students (work in progress),</a:t>
+            </a:r>
+            <a:r>
+              <a:rPr lang="en-US" dirty="0">
+                <a:hlinkClick r:id="rId5"/>
               </a:rPr>
               <a:t> </a:t>
             </a:r>
             <a:r>
               <a:rPr lang="en-US" u="sng" dirty="0">
-                <a:hlinkClick r:id="rId4"/>
+                <a:hlinkClick r:id="rId5"/>
               </a:rPr>
               <a:t>https://betterscientificsoftware.github.io/Trust-Tools/</a:t>
             </a:r>
@@ -13161,9 +13195,12 @@
 </file>
 
 <file path=customXml/item1.xml><?xml version="1.0" encoding="utf-8"?>
-<p:properties xmlns:p="http://schemas.microsoft.com/office/2006/metadata/properties" xmlns:xsi="http://www.w3.org/2001/XMLSchema-instance" xmlns:pc="http://schemas.microsoft.com/office/infopath/2007/PartnerControls">
-  <documentManagement/>
-</p:properties>
+<?mso-contentType ?>
+<FormTemplates xmlns="http://schemas.microsoft.com/sharepoint/v3/contenttype/forms">
+  <Display>DocumentLibraryForm</Display>
+  <Edit>DocumentLibraryForm</Edit>
+  <New>DocumentLibraryForm</New>
+</FormTemplates>
 </file>
 
 <file path=customXml/item2.xml><?xml version="1.0" encoding="utf-8"?>
@@ -13216,25 +13253,15 @@
 </file>
 
 <file path=customXml/item3.xml><?xml version="1.0" encoding="utf-8"?>
-<?mso-contentType ?>
-<FormTemplates xmlns="http://schemas.microsoft.com/sharepoint/v3/contenttype/forms">
-  <Display>DocumentLibraryForm</Display>
-  <Edit>DocumentLibraryForm</Edit>
-  <New>DocumentLibraryForm</New>
-</FormTemplates>
+<p:properties xmlns:p="http://schemas.microsoft.com/office/2006/metadata/properties" xmlns:xsi="http://www.w3.org/2001/XMLSchema-instance" xmlns:pc="http://schemas.microsoft.com/office/infopath/2007/PartnerControls">
+  <documentManagement/>
+</p:properties>
 </file>
 
 <file path=customXml/itemProps1.xml><?xml version="1.0" encoding="utf-8"?>
-<ds:datastoreItem xmlns:ds="http://schemas.openxmlformats.org/officeDocument/2006/customXml" ds:itemID="{A50EC660-24D0-43A0-AE5E-E274115E726B}">
+<ds:datastoreItem xmlns:ds="http://schemas.openxmlformats.org/officeDocument/2006/customXml" ds:itemID="{19E20559-B232-4371-8690-E3D8007EDB82}">
   <ds:schemaRefs>
-    <ds:schemaRef ds:uri="http://purl.org/dc/elements/1.1/"/>
-    <ds:schemaRef ds:uri="http://schemas.microsoft.com/office/2006/metadata/properties"/>
-    <ds:schemaRef ds:uri="http://purl.org/dc/terms/"/>
-    <ds:schemaRef ds:uri="http://schemas.openxmlformats.org/package/2006/metadata/core-properties"/>
-    <ds:schemaRef ds:uri="http://schemas.microsoft.com/office/2006/documentManagement/types"/>
-    <ds:schemaRef ds:uri="http://www.w3.org/XML/1998/namespace"/>
-    <ds:schemaRef ds:uri="http://purl.org/dc/dcmitype/"/>
-    <ds:schemaRef ds:uri="http://schemas.microsoft.com/office/infopath/2007/PartnerControls"/>
+    <ds:schemaRef ds:uri="http://schemas.microsoft.com/sharepoint/v3/contenttype/forms"/>
   </ds:schemaRefs>
 </ds:datastoreItem>
 </file>
@@ -13255,9 +13282,16 @@
 </file>
 
 <file path=customXml/itemProps3.xml><?xml version="1.0" encoding="utf-8"?>
-<ds:datastoreItem xmlns:ds="http://schemas.openxmlformats.org/officeDocument/2006/customXml" ds:itemID="{19E20559-B232-4371-8690-E3D8007EDB82}">
+<ds:datastoreItem xmlns:ds="http://schemas.openxmlformats.org/officeDocument/2006/customXml" ds:itemID="{A50EC660-24D0-43A0-AE5E-E274115E726B}">
   <ds:schemaRefs>
-    <ds:schemaRef ds:uri="http://schemas.microsoft.com/sharepoint/v3/contenttype/forms"/>
+    <ds:schemaRef ds:uri="http://purl.org/dc/elements/1.1/"/>
+    <ds:schemaRef ds:uri="http://schemas.microsoft.com/office/2006/metadata/properties"/>
+    <ds:schemaRef ds:uri="http://purl.org/dc/terms/"/>
+    <ds:schemaRef ds:uri="http://schemas.openxmlformats.org/package/2006/metadata/core-properties"/>
+    <ds:schemaRef ds:uri="http://schemas.microsoft.com/office/2006/documentManagement/types"/>
+    <ds:schemaRef ds:uri="http://www.w3.org/XML/1998/namespace"/>
+    <ds:schemaRef ds:uri="http://purl.org/dc/dcmitype/"/>
+    <ds:schemaRef ds:uri="http://schemas.microsoft.com/office/infopath/2007/PartnerControls"/>
   </ds:schemaRefs>
 </ds:datastoreItem>
 </file>
--- a/reproducibility.pptx
+++ b/reproducibility.pptx
@@ -12,7 +12,7 @@
   </p:handoutMasterIdLst>
   <p:sldIdLst>
     <p:sldId id="318" r:id="rId5"/>
-    <p:sldId id="1845" r:id="rId6"/>
+    <p:sldId id="320" r:id="rId6"/>
     <p:sldId id="1820" r:id="rId7"/>
     <p:sldId id="1838" r:id="rId8"/>
     <p:sldId id="1824" r:id="rId9"/>
@@ -4961,10 +4961,6 @@
               <a:rPr lang="en-US" u="sng" dirty="0"/>
               <a:t>David E. Bernholdt</a:t>
             </a:r>
-            <a:r>
-              <a:rPr lang="en-US" dirty="0"/>
-              <a:t>, David M. Rogers</a:t>
-            </a:r>
             <a:br>
               <a:rPr lang="en-US" u="sng" dirty="0"/>
             </a:br>
@@ -4974,41 +4970,26 @@
             </a:r>
           </a:p>
           <a:p>
-            <a:r>
-              <a:rPr lang="en-US" dirty="0"/>
-              <a:t>Michael A. Heroux</a:t>
-            </a:r>
-            <a:br>
+            <a:pPr>
+              <a:spcBef>
+                <a:spcPts val="2800"/>
+              </a:spcBef>
+            </a:pPr>
+            <a:r>
               <a:rPr lang="en-US" sz="2000" dirty="0"/>
-            </a:br>
+              <a:t>Better Scientific Software tutorial, ISC, June 2021</a:t>
+            </a:r>
+          </a:p>
+          <a:p>
+            <a:pPr>
+              <a:spcBef>
+                <a:spcPts val="2800"/>
+              </a:spcBef>
+            </a:pPr>
             <a:r>
               <a:rPr lang="en-US" sz="2000" dirty="0"/>
-              <a:t>Sandia National Laboratories</a:t>
-            </a:r>
-          </a:p>
-          <a:p>
-            <a:r>
-              <a:rPr lang="en-US" dirty="0"/>
-              <a:t>Patricia Grubel</a:t>
-            </a:r>
-            <a:br>
-              <a:rPr lang="en-US" sz="2000" u="sng" dirty="0"/>
-            </a:br>
-            <a:r>
-              <a:rPr lang="en-US" sz="2000" dirty="0"/>
-              <a:t>Los Alamos National Laboratory</a:t>
-            </a:r>
-          </a:p>
-          <a:p>
-            <a:r>
-              <a:rPr lang="en-US" dirty="0"/>
-              <a:t>Better Scientific Software Tutorial, ISS, </a:t>
-            </a:r>
-            <a:r>
-              <a:rPr lang="en-US"/>
-              <a:t>March 2021</a:t>
-            </a:r>
-            <a:endParaRPr lang="en-US" dirty="0"/>
+              <a:t>Contributors: David E. Bernholdt (ORNL), Patricia Grubel (LANL), Michael A. Heroux (SNL), David M. Rogers (ORNL)</a:t>
+            </a:r>
           </a:p>
         </p:txBody>
       </p:sp>
@@ -7806,13 +7787,13 @@
             </a:pPr>
             <a:r>
               <a:rPr lang="en-US" sz="1600" b="1" dirty="0"/>
-              <a:t>The requested citation the overall tutorial is: David E. Bernholdt, Anshu Dubey, Rinku K. Gupta, and David M. Rogers, Better Scientific Software tutorial, in Improving Scientific Software conference, online, 2021. DOI: </a:t>
+              <a:t>The requested citation the overall tutorial is: David E. Bernholdt, Anshu Dubey, Patricia A. Grubel, Rinku K. Gupta, and David M. Rogers, Better Scientific Software tutorial, in ISC High Performance, online, 2021. DOI: </a:t>
             </a:r>
             <a:r>
               <a:rPr lang="en-US" sz="1600" b="1" dirty="0">
                 <a:hlinkClick r:id="rId4"/>
               </a:rPr>
-              <a:t>10.6084/m9.figshare.14256257</a:t>
+              <a:t>10.6084/m9.figshare.14642520</a:t>
             </a:r>
             <a:endParaRPr lang="en-US" sz="1600" b="1" dirty="0"/>
           </a:p>
@@ -7846,38 +7827,6 @@
               <a:rPr lang="en-US" sz="2000" b="1" dirty="0"/>
               <a:t>Acknowledgements</a:t>
             </a:r>
-          </a:p>
-          <a:p>
-            <a:pPr>
-              <a:spcBef>
-                <a:spcPts val="400"/>
-              </a:spcBef>
-            </a:pPr>
-            <a:r>
-              <a:rPr lang="en-US" sz="1400" dirty="0"/>
-              <a:t>Additional contributors include: Mike </a:t>
-            </a:r>
-            <a:r>
-              <a:rPr lang="en-US" sz="1400" dirty="0" err="1"/>
-              <a:t>Heroux</a:t>
-            </a:r>
-            <a:r>
-              <a:rPr lang="en-US" sz="1400" dirty="0"/>
-              <a:t>, Alicia </a:t>
-            </a:r>
-            <a:r>
-              <a:rPr lang="en-US" sz="1400" dirty="0" err="1"/>
-              <a:t>Klinvex</a:t>
-            </a:r>
-            <a:r>
-              <a:rPr lang="en-US" sz="1400" dirty="0"/>
-              <a:t>, Mark Miller, Jared O’Neal, Katherine Riley, David Rogers, Deborah Stevens, James </a:t>
-            </a:r>
-            <a:r>
-              <a:rPr lang="en-US" sz="1400" dirty="0" err="1"/>
-              <a:t>Willenbring</a:t>
-            </a:r>
-            <a:endParaRPr lang="en-US" sz="1400" dirty="0"/>
           </a:p>
           <a:p>
             <a:pPr>
@@ -7997,8 +7946,8 @@
         </p:blipFill>
         <p:spPr bwMode="auto">
           <a:xfrm>
-            <a:off x="10249254" y="570111"/>
-            <a:ext cx="1661258" cy="585216"/>
+            <a:off x="10230336" y="879673"/>
+            <a:ext cx="838200" cy="295275"/>
           </a:xfrm>
           <a:prstGeom prst="rect">
             <a:avLst/>
@@ -8018,7 +7967,7 @@
     </p:spTree>
     <p:extLst>
       <p:ext uri="{BB962C8B-B14F-4D97-AF65-F5344CB8AC3E}">
-        <p14:creationId xmlns:p14="http://schemas.microsoft.com/office/powerpoint/2010/main" val="978726433"/>
+        <p14:creationId xmlns:p14="http://schemas.microsoft.com/office/powerpoint/2010/main" val="2444001228"/>
       </p:ext>
     </p:extLst>
   </p:cSld>
@@ -13195,15 +13144,6 @@
 </file>
 
 <file path=customXml/item1.xml><?xml version="1.0" encoding="utf-8"?>
-<?mso-contentType ?>
-<FormTemplates xmlns="http://schemas.microsoft.com/sharepoint/v3/contenttype/forms">
-  <Display>DocumentLibraryForm</Display>
-  <Edit>DocumentLibraryForm</Edit>
-  <New>DocumentLibraryForm</New>
-</FormTemplates>
-</file>
-
-<file path=customXml/item2.xml><?xml version="1.0" encoding="utf-8"?>
 <ct:contentTypeSchema xmlns:ct="http://schemas.microsoft.com/office/2006/metadata/contentType" xmlns:ma="http://schemas.microsoft.com/office/2006/metadata/properties/metaAttributes" ct:_="" ma:_="" ma:contentTypeName="Document" ma:contentTypeID="0x010100565464437F680748A68B85EB6594EA7D" ma:contentTypeVersion="0" ma:contentTypeDescription="Create a new document." ma:contentTypeScope="" ma:versionID="fe3f4dd58d5914c51cfc6deaa8ad845c">
   <xsd:schema xmlns:xsd="http://www.w3.org/2001/XMLSchema" xmlns:p="http://schemas.microsoft.com/office/2006/metadata/properties" targetNamespace="http://schemas.microsoft.com/office/2006/metadata/properties" ma:root="true" ma:fieldsID="4aeb20c0e3442673af7ee10786458764">
     <xsd:element name="properties">
@@ -13252,6 +13192,15 @@
 </ct:contentTypeSchema>
 </file>
 
+<file path=customXml/item2.xml><?xml version="1.0" encoding="utf-8"?>
+<?mso-contentType ?>
+<FormTemplates xmlns="http://schemas.microsoft.com/sharepoint/v3/contenttype/forms">
+  <Display>DocumentLibraryForm</Display>
+  <Edit>DocumentLibraryForm</Edit>
+  <New>DocumentLibraryForm</New>
+</FormTemplates>
+</file>
+
 <file path=customXml/item3.xml><?xml version="1.0" encoding="utf-8"?>
 <p:properties xmlns:p="http://schemas.microsoft.com/office/2006/metadata/properties" xmlns:xsi="http://www.w3.org/2001/XMLSchema-instance" xmlns:pc="http://schemas.microsoft.com/office/infopath/2007/PartnerControls">
   <documentManagement/>
@@ -13259,14 +13208,6 @@
 </file>
 
 <file path=customXml/itemProps1.xml><?xml version="1.0" encoding="utf-8"?>
-<ds:datastoreItem xmlns:ds="http://schemas.openxmlformats.org/officeDocument/2006/customXml" ds:itemID="{19E20559-B232-4371-8690-E3D8007EDB82}">
-  <ds:schemaRefs>
-    <ds:schemaRef ds:uri="http://schemas.microsoft.com/sharepoint/v3/contenttype/forms"/>
-  </ds:schemaRefs>
-</ds:datastoreItem>
-</file>
-
-<file path=customXml/itemProps2.xml><?xml version="1.0" encoding="utf-8"?>
 <ds:datastoreItem xmlns:ds="http://schemas.openxmlformats.org/officeDocument/2006/customXml" ds:itemID="{E8DB7DEB-074E-4EE8-9B6E-FD277323109C}">
   <ds:schemaRefs>
     <ds:schemaRef ds:uri="http://schemas.microsoft.com/office/2006/metadata/contentType"/>
@@ -13277,6 +13218,14 @@
     <ds:schemaRef ds:uri="http://purl.org/dc/elements/1.1/"/>
     <ds:schemaRef ds:uri="http://purl.org/dc/terms/"/>
     <ds:schemaRef ds:uri="http://schemas.microsoft.com/office/internal/2005/internalDocumentation"/>
+  </ds:schemaRefs>
+</ds:datastoreItem>
+</file>
+
+<file path=customXml/itemProps2.xml><?xml version="1.0" encoding="utf-8"?>
+<ds:datastoreItem xmlns:ds="http://schemas.openxmlformats.org/officeDocument/2006/customXml" ds:itemID="{19E20559-B232-4371-8690-E3D8007EDB82}">
+  <ds:schemaRefs>
+    <ds:schemaRef ds:uri="http://schemas.microsoft.com/sharepoint/v3/contenttype/forms"/>
   </ds:schemaRefs>
 </ds:datastoreItem>
 </file>

--- a/reproducibility.pptx
+++ b/reproducibility.pptx
@@ -285,7 +285,7 @@
           <a:p>
             <a:fld id="{0B842F42-2CE9-4E35-95C1-410DC08A50B1}" type="datetimeFigureOut">
               <a:rPr lang="en-US" smtClean="0"/>
-              <a:t>6/15/2021</a:t>
+              <a:t>6/16/2021</a:t>
             </a:fld>
             <a:endParaRPr lang="en-US"/>
           </a:p>
@@ -450,7 +450,7 @@
           <a:p>
             <a:fld id="{6F282904-F315-4730-8D91-37D99E141A6F}" type="datetimeFigureOut">
               <a:rPr lang="en-US" smtClean="0"/>
-              <a:t>6/15/2021</a:t>
+              <a:t>6/16/2021</a:t>
             </a:fld>
             <a:endParaRPr lang="en-US"/>
           </a:p>
@@ -5927,18 +5927,24 @@
           </a:p>
           <a:p>
             <a:r>
-              <a:rPr lang="en-US" dirty="0"/>
-              <a:t>FAIR data principles for maximum use of research data</a:t>
-            </a:r>
-          </a:p>
-          <a:p>
-            <a:r>
-              <a:rPr lang="en-US" dirty="0"/>
-              <a:t>Emerging FAIR for Research Software (</a:t>
-            </a:r>
-            <a:r>
               <a:rPr lang="en-US" dirty="0">
                 <a:hlinkClick r:id="rId2"/>
+              </a:rPr>
+              <a:t>FAIR</a:t>
+            </a:r>
+            <a:r>
+              <a:rPr lang="en-US" dirty="0"/>
+              <a:t> data principles for maximum use of research data</a:t>
+            </a:r>
+          </a:p>
+          <a:p>
+            <a:r>
+              <a:rPr lang="en-US" dirty="0"/>
+              <a:t>Emerging FAIR for Research Software (</a:t>
+            </a:r>
+            <a:r>
+              <a:rPr lang="en-US" dirty="0">
+                <a:hlinkClick r:id="rId3"/>
               </a:rPr>
               <a:t>FAIR4RS</a:t>
             </a:r>
@@ -13144,6 +13150,15 @@
 </file>
 
 <file path=customXml/item1.xml><?xml version="1.0" encoding="utf-8"?>
+<?mso-contentType ?>
+<FormTemplates xmlns="http://schemas.microsoft.com/sharepoint/v3/contenttype/forms">
+  <Display>DocumentLibraryForm</Display>
+  <Edit>DocumentLibraryForm</Edit>
+  <New>DocumentLibraryForm</New>
+</FormTemplates>
+</file>
+
+<file path=customXml/item2.xml><?xml version="1.0" encoding="utf-8"?>
 <ct:contentTypeSchema xmlns:ct="http://schemas.microsoft.com/office/2006/metadata/contentType" xmlns:ma="http://schemas.microsoft.com/office/2006/metadata/properties/metaAttributes" ct:_="" ma:_="" ma:contentTypeName="Document" ma:contentTypeID="0x010100565464437F680748A68B85EB6594EA7D" ma:contentTypeVersion="0" ma:contentTypeDescription="Create a new document." ma:contentTypeScope="" ma:versionID="fe3f4dd58d5914c51cfc6deaa8ad845c">
   <xsd:schema xmlns:xsd="http://www.w3.org/2001/XMLSchema" xmlns:p="http://schemas.microsoft.com/office/2006/metadata/properties" targetNamespace="http://schemas.microsoft.com/office/2006/metadata/properties" ma:root="true" ma:fieldsID="4aeb20c0e3442673af7ee10786458764">
     <xsd:element name="properties">
@@ -13192,15 +13207,6 @@
 </ct:contentTypeSchema>
 </file>
 
-<file path=customXml/item2.xml><?xml version="1.0" encoding="utf-8"?>
-<?mso-contentType ?>
-<FormTemplates xmlns="http://schemas.microsoft.com/sharepoint/v3/contenttype/forms">
-  <Display>DocumentLibraryForm</Display>
-  <Edit>DocumentLibraryForm</Edit>
-  <New>DocumentLibraryForm</New>
-</FormTemplates>
-</file>
-
 <file path=customXml/item3.xml><?xml version="1.0" encoding="utf-8"?>
 <p:properties xmlns:p="http://schemas.microsoft.com/office/2006/metadata/properties" xmlns:xsi="http://www.w3.org/2001/XMLSchema-instance" xmlns:pc="http://schemas.microsoft.com/office/infopath/2007/PartnerControls">
   <documentManagement/>
@@ -13208,6 +13214,14 @@
 </file>
 
 <file path=customXml/itemProps1.xml><?xml version="1.0" encoding="utf-8"?>
+<ds:datastoreItem xmlns:ds="http://schemas.openxmlformats.org/officeDocument/2006/customXml" ds:itemID="{19E20559-B232-4371-8690-E3D8007EDB82}">
+  <ds:schemaRefs>
+    <ds:schemaRef ds:uri="http://schemas.microsoft.com/sharepoint/v3/contenttype/forms"/>
+  </ds:schemaRefs>
+</ds:datastoreItem>
+</file>
+
+<file path=customXml/itemProps2.xml><?xml version="1.0" encoding="utf-8"?>
 <ds:datastoreItem xmlns:ds="http://schemas.openxmlformats.org/officeDocument/2006/customXml" ds:itemID="{E8DB7DEB-074E-4EE8-9B6E-FD277323109C}">
   <ds:schemaRefs>
     <ds:schemaRef ds:uri="http://schemas.microsoft.com/office/2006/metadata/contentType"/>
@@ -13218,14 +13232,6 @@
     <ds:schemaRef ds:uri="http://purl.org/dc/elements/1.1/"/>
     <ds:schemaRef ds:uri="http://purl.org/dc/terms/"/>
     <ds:schemaRef ds:uri="http://schemas.microsoft.com/office/internal/2005/internalDocumentation"/>
-  </ds:schemaRefs>
-</ds:datastoreItem>
-</file>
-
-<file path=customXml/itemProps2.xml><?xml version="1.0" encoding="utf-8"?>
-<ds:datastoreItem xmlns:ds="http://schemas.openxmlformats.org/officeDocument/2006/customXml" ds:itemID="{19E20559-B232-4371-8690-E3D8007EDB82}">
-  <ds:schemaRefs>
-    <ds:schemaRef ds:uri="http://schemas.microsoft.com/sharepoint/v3/contenttype/forms"/>
   </ds:schemaRefs>
 </ds:datastoreItem>
 </file>

--- a/reproducibility.pptx
+++ b/reproducibility.pptx
@@ -5,10 +5,10 @@
     <p:sldMasterId id="2147483935" r:id="rId4"/>
   </p:sldMasterIdLst>
   <p:notesMasterIdLst>
-    <p:notesMasterId r:id="rId36"/>
+    <p:notesMasterId r:id="rId37"/>
   </p:notesMasterIdLst>
   <p:handoutMasterIdLst>
-    <p:handoutMasterId r:id="rId37"/>
+    <p:handoutMasterId r:id="rId38"/>
   </p:handoutMasterIdLst>
   <p:sldIdLst>
     <p:sldId id="318" r:id="rId5"/>
@@ -32,16 +32,17 @@
     <p:sldId id="1826" r:id="rId23"/>
     <p:sldId id="1821" r:id="rId24"/>
     <p:sldId id="1834" r:id="rId25"/>
-    <p:sldId id="1828" r:id="rId26"/>
-    <p:sldId id="1836" r:id="rId27"/>
-    <p:sldId id="1837" r:id="rId28"/>
-    <p:sldId id="1832" r:id="rId29"/>
-    <p:sldId id="1829" r:id="rId30"/>
-    <p:sldId id="1833" r:id="rId31"/>
-    <p:sldId id="1831" r:id="rId32"/>
-    <p:sldId id="1842" r:id="rId33"/>
-    <p:sldId id="1830" r:id="rId34"/>
-    <p:sldId id="313" r:id="rId35"/>
+    <p:sldId id="1845" r:id="rId26"/>
+    <p:sldId id="1844" r:id="rId27"/>
+    <p:sldId id="1836" r:id="rId28"/>
+    <p:sldId id="1837" r:id="rId29"/>
+    <p:sldId id="1832" r:id="rId30"/>
+    <p:sldId id="1829" r:id="rId31"/>
+    <p:sldId id="1833" r:id="rId32"/>
+    <p:sldId id="1831" r:id="rId33"/>
+    <p:sldId id="1842" r:id="rId34"/>
+    <p:sldId id="1830" r:id="rId35"/>
+    <p:sldId id="313" r:id="rId36"/>
   </p:sldIdLst>
   <p:sldSz cx="12188825" cy="6858000"/>
   <p:notesSz cx="7010400" cy="9296400"/>
@@ -285,7 +286,7 @@
           <a:p>
             <a:fld id="{0B842F42-2CE9-4E35-95C1-410DC08A50B1}" type="datetimeFigureOut">
               <a:rPr lang="en-US" smtClean="0"/>
-              <a:t>6/16/2021</a:t>
+              <a:t>8/8/2021</a:t>
             </a:fld>
             <a:endParaRPr lang="en-US"/>
           </a:p>
@@ -450,7 +451,7 @@
           <a:p>
             <a:fld id="{6F282904-F315-4730-8D91-37D99E141A6F}" type="datetimeFigureOut">
               <a:rPr lang="en-US" smtClean="0"/>
-              <a:t>6/16/2021</a:t>
+              <a:t>8/8/2021</a:t>
             </a:fld>
             <a:endParaRPr lang="en-US"/>
           </a:p>
@@ -1443,7 +1444,7 @@
           <a:p>
             <a:fld id="{54E672D7-8E2D-4611-973D-F4591A707C34}" type="slidenum">
               <a:rPr lang="en-US" smtClean="0"/>
-              <a:t>26</a:t>
+              <a:t>27</a:t>
             </a:fld>
             <a:endParaRPr lang="en-US"/>
           </a:p>
@@ -1527,7 +1528,7 @@
           <a:p>
             <a:fld id="{54E672D7-8E2D-4611-973D-F4591A707C34}" type="slidenum">
               <a:rPr lang="en-US" smtClean="0"/>
-              <a:t>28</a:t>
+              <a:t>29</a:t>
             </a:fld>
             <a:endParaRPr lang="en-US"/>
           </a:p>
@@ -4977,7 +4978,7 @@
             </a:pPr>
             <a:r>
               <a:rPr lang="en-US" sz="2000" dirty="0"/>
-              <a:t>Better Scientific Software tutorial, ISC, June 2021</a:t>
+              <a:t>Software Productivity and Sustainability track, ATPESC 2021</a:t>
             </a:r>
           </a:p>
           <a:p>
@@ -5126,7 +5127,7 @@
           <a:p>
             <a:r>
               <a:rPr lang="en-US" dirty="0"/>
-              <a:t>(Additional) Incentives for Paying Attention to Reproducibility</a:t>
+              <a:t>Incentives for Paying Attention to Reproducibility</a:t>
             </a:r>
           </a:p>
         </p:txBody>
@@ -5195,6 +5196,15 @@
             <a:r>
               <a:rPr lang="en-US" dirty="0"/>
               <a:t>: Change incentives to include valuing of better software, better science</a:t>
+            </a:r>
+          </a:p>
+          <a:p>
+            <a:pPr marL="0" indent="0">
+              <a:buNone/>
+            </a:pPr>
+            <a:r>
+              <a:rPr lang="en-US" dirty="0"/>
+              <a:t>This is a long-term goal, requiring a culture change in (computational) science which in the early stages</a:t>
             </a:r>
           </a:p>
           <a:p>
@@ -8040,7 +8050,7 @@
             </a:r>
             <a:r>
               <a:rPr lang="en-US" dirty="0"/>
-              <a:t> (1/2)</a:t>
+              <a:t> (1/3)</a:t>
             </a:r>
           </a:p>
         </p:txBody>
@@ -8216,7 +8226,7 @@
             </a:r>
             <a:r>
               <a:rPr lang="en-US" dirty="0"/>
-              <a:t> (2/2)</a:t>
+              <a:t> (2/3)</a:t>
             </a:r>
           </a:p>
         </p:txBody>
@@ -8435,7 +8445,12 @@
             <p:ph type="title"/>
           </p:nvPr>
         </p:nvSpPr>
-        <p:spPr/>
+        <p:spPr>
+          <a:xfrm>
+            <a:off x="365760" y="411480"/>
+            <a:ext cx="11457305" cy="914400"/>
+          </a:xfrm>
+        </p:spPr>
         <p:txBody>
           <a:bodyPr/>
           <a:lstStyle/>
@@ -8446,11 +8461,15 @@
             </a:r>
             <a:r>
               <a:rPr lang="en-US" i="1" u="sng" dirty="0"/>
-              <a:t>After</a:t>
+              <a:t>During</a:t>
             </a:r>
             <a:r>
               <a:rPr lang="en-US" u="sng" dirty="0"/>
               <a:t> Development</a:t>
+            </a:r>
+            <a:r>
+              <a:rPr lang="en-US" dirty="0"/>
+              <a:t> (3/3)</a:t>
             </a:r>
           </a:p>
         </p:txBody>
@@ -8473,7 +8492,7 @@
         </p:nvSpPr>
         <p:spPr>
           <a:xfrm>
-            <a:off x="365760" y="919426"/>
+            <a:off x="365760" y="995355"/>
             <a:ext cx="11369809" cy="4047778"/>
           </a:xfrm>
         </p:spPr>
@@ -8482,18 +8501,39 @@
           <a:lstStyle/>
           <a:p>
             <a:r>
-              <a:rPr lang="en-US" sz="2000" b="1" dirty="0">
+              <a:rPr lang="en-US" b="1" dirty="0">
                 <a:solidFill>
                   <a:schemeClr val="tx2"/>
                 </a:solidFill>
               </a:rPr>
-              <a:t>Testing, testing, and more testing!</a:t>
-            </a:r>
-          </a:p>
-          <a:p>
-            <a:r>
-              <a:rPr lang="en-US" sz="2000" dirty="0"/>
-              <a:t>Add “regression tests”</a:t>
+              <a:t>Understand the </a:t>
+            </a:r>
+            <a:r>
+              <a:rPr lang="en-US" b="1" dirty="0" err="1">
+                <a:solidFill>
+                  <a:schemeClr val="tx2"/>
+                </a:solidFill>
+              </a:rPr>
+              <a:t>numerics</a:t>
+            </a:r>
+            <a:r>
+              <a:rPr lang="en-US" b="1" dirty="0">
+                <a:solidFill>
+                  <a:schemeClr val="tx2"/>
+                </a:solidFill>
+              </a:rPr>
+              <a:t> of your code</a:t>
+            </a:r>
+          </a:p>
+          <a:p>
+            <a:pPr>
+              <a:spcBef>
+                <a:spcPts val="800"/>
+              </a:spcBef>
+            </a:pPr>
+            <a:r>
+              <a:rPr lang="en-US" dirty="0"/>
+              <a:t>Floating point numbers are just approximations to real numbers</a:t>
             </a:r>
           </a:p>
           <a:p>
@@ -8503,14 +8543,19 @@
               </a:spcBef>
             </a:pPr>
             <a:r>
-              <a:rPr lang="en-US" sz="1800" dirty="0"/>
-              <a:t>If you fix a bug, add a test to make sure that bug doesn’t creep back in</a:t>
-            </a:r>
-          </a:p>
-          <a:p>
-            <a:r>
-              <a:rPr lang="en-US" sz="2000" dirty="0"/>
-              <a:t>Add more tests</a:t>
+              <a:rPr lang="en-US" dirty="0"/>
+              <a:t>Many numerical methods have “quirks” too</a:t>
+            </a:r>
+          </a:p>
+          <a:p>
+            <a:pPr>
+              <a:spcBef>
+                <a:spcPts val="800"/>
+              </a:spcBef>
+            </a:pPr>
+            <a:r>
+              <a:rPr lang="en-US" dirty="0"/>
+              <a:t>If you’re using reduced- or mixed-precision computations, carefully compare with full-precision versions</a:t>
             </a:r>
           </a:p>
           <a:p>
@@ -8520,8 +8565,8 @@
               </a:spcBef>
             </a:pPr>
             <a:r>
-              <a:rPr lang="en-US" sz="1800" dirty="0"/>
-              <a:t>Be creative</a:t>
+              <a:rPr lang="en-US" dirty="0"/>
+              <a:t>On paper during development of the algorithms</a:t>
             </a:r>
           </a:p>
           <a:p>
@@ -8531,8 +8576,19 @@
               </a:spcBef>
             </a:pPr>
             <a:r>
-              <a:rPr lang="en-US" sz="1800" dirty="0"/>
-              <a:t>Think about common cases, then corner cases</a:t>
+              <a:rPr lang="en-US" dirty="0"/>
+              <a:t>Maybe provide an alternative full-precision computational path </a:t>
+            </a:r>
+          </a:p>
+          <a:p>
+            <a:pPr>
+              <a:spcBef>
+                <a:spcPts val="800"/>
+              </a:spcBef>
+            </a:pPr>
+            <a:r>
+              <a:rPr lang="en-US" dirty="0"/>
+              <a:t>Consider the possible effects of non-determinism due to concurrency</a:t>
             </a:r>
           </a:p>
           <a:p>
@@ -8542,8 +8598,8 @@
               </a:spcBef>
             </a:pPr>
             <a:r>
-              <a:rPr lang="en-US" sz="1800" dirty="0"/>
-              <a:t>Think about misuse (unintentional or intentional)</a:t>
+              <a:rPr lang="en-US" dirty="0"/>
+              <a:t>Floating point calculations done in different order may yield different results</a:t>
             </a:r>
           </a:p>
           <a:p>
@@ -8553,8 +8609,8 @@
               </a:spcBef>
             </a:pPr>
             <a:r>
-              <a:rPr lang="en-US" sz="1800" dirty="0"/>
-              <a:t>Think about synthetic tests with synthetic data</a:t>
+              <a:rPr lang="en-US" dirty="0"/>
+              <a:t>Maybe useful to have an option to force deterministic computation</a:t>
             </a:r>
           </a:p>
           <a:p>
@@ -8564,8 +8620,19 @@
               </a:spcBef>
             </a:pPr>
             <a:r>
-              <a:rPr lang="en-US" sz="1800" dirty="0"/>
-              <a:t>Think about low-cost tests that can be “always on” (even if they’re not so stringent)</a:t>
+              <a:rPr lang="en-US" dirty="0"/>
+              <a:t>Look for testing/verification methods that don’t depend on bitwise reproducibility</a:t>
+            </a:r>
+          </a:p>
+          <a:p>
+            <a:pPr>
+              <a:spcBef>
+                <a:spcPts val="800"/>
+              </a:spcBef>
+            </a:pPr>
+            <a:r>
+              <a:rPr lang="en-US" dirty="0"/>
+              <a:t>Know your error bounds and develop tests against them</a:t>
             </a:r>
           </a:p>
           <a:p>
@@ -8575,77 +8642,19 @@
               </a:spcBef>
             </a:pPr>
             <a:r>
-              <a:rPr lang="en-US" sz="1800" dirty="0"/>
-              <a:t>Can you detect silent data corruption?</a:t>
-            </a:r>
-          </a:p>
-          <a:p>
-            <a:r>
-              <a:rPr lang="en-US" sz="2000" dirty="0"/>
-              <a:t>Test your tests!</a:t>
-            </a:r>
-          </a:p>
-          <a:p>
-            <a:pPr lvl="1">
-              <a:spcBef>
-                <a:spcPts val="200"/>
-              </a:spcBef>
-            </a:pPr>
-            <a:r>
-              <a:rPr lang="en-US" sz="1800" dirty="0"/>
-              <a:t>Make sure tests fail when they’re supposed to!</a:t>
-            </a:r>
-          </a:p>
-          <a:p>
-            <a:r>
-              <a:rPr lang="en-US" sz="2000" dirty="0"/>
-              <a:t>Thoroughly verify the code</a:t>
-            </a:r>
-          </a:p>
-          <a:p>
-            <a:pPr lvl="1">
-              <a:spcBef>
-                <a:spcPts val="200"/>
-              </a:spcBef>
-            </a:pPr>
-            <a:r>
-              <a:rPr lang="en-US" sz="1800" dirty="0"/>
-              <a:t>Does the code do what you intended it to do?</a:t>
-            </a:r>
-          </a:p>
-          <a:p>
-            <a:pPr lvl="1">
-              <a:spcBef>
-                <a:spcPts val="200"/>
-              </a:spcBef>
-            </a:pPr>
-            <a:r>
-              <a:rPr lang="en-US" sz="1800" dirty="0"/>
-              <a:t>On all relevant platforms (compilers, hardware, etc.)</a:t>
-            </a:r>
-          </a:p>
-          <a:p>
-            <a:r>
-              <a:rPr lang="en-US" sz="2000" dirty="0"/>
-              <a:t>Test regularly</a:t>
-            </a:r>
-          </a:p>
-          <a:p>
-            <a:pPr lvl="1">
-              <a:spcBef>
-                <a:spcPts val="200"/>
-              </a:spcBef>
-            </a:pPr>
-            <a:r>
-              <a:rPr lang="en-US" sz="1800" dirty="0"/>
-              <a:t>To identify and document where changes to the underlying </a:t>
-            </a:r>
-            <a:br>
-              <a:rPr lang="en-US" sz="1800" dirty="0"/>
-            </a:br>
-            <a:r>
-              <a:rPr lang="en-US" sz="1800" dirty="0"/>
-              <a:t>platform change code behavior/results</a:t>
+              <a:rPr lang="en-US" dirty="0"/>
+              <a:t>E.g., conservation rules apply to many physical quantities</a:t>
+            </a:r>
+          </a:p>
+          <a:p>
+            <a:pPr>
+              <a:spcBef>
+                <a:spcPts val="800"/>
+              </a:spcBef>
+            </a:pPr>
+            <a:r>
+              <a:rPr lang="en-US" dirty="0"/>
+              <a:t>Consider consulting subject matter experts for help</a:t>
             </a:r>
           </a:p>
         </p:txBody>
@@ -8653,7 +8662,7 @@
     </p:spTree>
     <p:extLst>
       <p:ext uri="{BB962C8B-B14F-4D97-AF65-F5344CB8AC3E}">
-        <p14:creationId xmlns:p14="http://schemas.microsoft.com/office/powerpoint/2010/main" val="1368771477"/>
+        <p14:creationId xmlns:p14="http://schemas.microsoft.com/office/powerpoint/2010/main" val="184948764"/>
       </p:ext>
     </p:extLst>
   </p:cSld>
@@ -8664,6 +8673,339 @@
 </file>
 
 <file path=ppt/slides/slide23.xml><?xml version="1.0" encoding="utf-8"?>
+<p:sld xmlns:a="http://schemas.openxmlformats.org/drawingml/2006/main" xmlns:r="http://schemas.openxmlformats.org/officeDocument/2006/relationships" xmlns:p="http://schemas.openxmlformats.org/presentationml/2006/main">
+  <p:cSld>
+    <p:spTree>
+      <p:nvGrpSpPr>
+        <p:cNvPr id="1" name=""/>
+        <p:cNvGrpSpPr/>
+        <p:nvPr/>
+      </p:nvGrpSpPr>
+      <p:grpSpPr>
+        <a:xfrm>
+          <a:off x="0" y="0"/>
+          <a:ext cx="0" cy="0"/>
+          <a:chOff x="0" y="0"/>
+          <a:chExt cx="0" cy="0"/>
+        </a:xfrm>
+      </p:grpSpPr>
+      <p:sp>
+        <p:nvSpPr>
+          <p:cNvPr id="2" name="Title 1">
+            <a:extLst>
+              <a:ext uri="{FF2B5EF4-FFF2-40B4-BE49-F238E27FC236}">
+                <a16:creationId xmlns:a16="http://schemas.microsoft.com/office/drawing/2014/main" id="{AF0E5AE6-BAC5-4D3D-B274-228B336C1693}"/>
+              </a:ext>
+            </a:extLst>
+          </p:cNvPr>
+          <p:cNvSpPr>
+            <a:spLocks noGrp="1"/>
+          </p:cNvSpPr>
+          <p:nvPr>
+            <p:ph type="title"/>
+          </p:nvPr>
+        </p:nvSpPr>
+        <p:spPr/>
+        <p:txBody>
+          <a:bodyPr/>
+          <a:lstStyle/>
+          <a:p>
+            <a:r>
+              <a:rPr lang="en-US" dirty="0"/>
+              <a:t>Strategies for Improving Reproducibility </a:t>
+            </a:r>
+            <a:r>
+              <a:rPr lang="en-US" i="1" u="sng" dirty="0"/>
+              <a:t>After</a:t>
+            </a:r>
+            <a:r>
+              <a:rPr lang="en-US" u="sng" dirty="0"/>
+              <a:t> Development</a:t>
+            </a:r>
+          </a:p>
+        </p:txBody>
+      </p:sp>
+      <p:sp>
+        <p:nvSpPr>
+          <p:cNvPr id="3" name="Content Placeholder 2">
+            <a:extLst>
+              <a:ext uri="{FF2B5EF4-FFF2-40B4-BE49-F238E27FC236}">
+                <a16:creationId xmlns:a16="http://schemas.microsoft.com/office/drawing/2014/main" id="{7E3F8F1F-5081-4F6E-81DA-DC14088609D1}"/>
+              </a:ext>
+            </a:extLst>
+          </p:cNvPr>
+          <p:cNvSpPr>
+            <a:spLocks noGrp="1"/>
+          </p:cNvSpPr>
+          <p:nvPr>
+            <p:ph sz="half" idx="2"/>
+          </p:nvPr>
+        </p:nvSpPr>
+        <p:spPr>
+          <a:xfrm>
+            <a:off x="457200" y="1114436"/>
+            <a:ext cx="5588582" cy="3373229"/>
+          </a:xfrm>
+          <a:ln>
+            <a:noFill/>
+          </a:ln>
+        </p:spPr>
+        <p:txBody>
+          <a:bodyPr/>
+          <a:lstStyle/>
+          <a:p>
+            <a:r>
+              <a:rPr lang="en-US" sz="2000" b="1" dirty="0">
+                <a:solidFill>
+                  <a:schemeClr val="tx2"/>
+                </a:solidFill>
+              </a:rPr>
+              <a:t>Testing, testing, and more testing!</a:t>
+            </a:r>
+          </a:p>
+          <a:p>
+            <a:r>
+              <a:rPr lang="en-US" sz="2000" dirty="0"/>
+              <a:t>Add “regression tests”</a:t>
+            </a:r>
+          </a:p>
+          <a:p>
+            <a:pPr lvl="1">
+              <a:spcBef>
+                <a:spcPts val="200"/>
+              </a:spcBef>
+            </a:pPr>
+            <a:r>
+              <a:rPr lang="en-US" sz="1800" dirty="0"/>
+              <a:t>If you fix a bug, add a test to make sure that bug doesn’t creep back in</a:t>
+            </a:r>
+          </a:p>
+          <a:p>
+            <a:r>
+              <a:rPr lang="en-US" sz="2000" dirty="0"/>
+              <a:t>Add more tests</a:t>
+            </a:r>
+          </a:p>
+          <a:p>
+            <a:pPr lvl="1">
+              <a:spcBef>
+                <a:spcPts val="200"/>
+              </a:spcBef>
+            </a:pPr>
+            <a:r>
+              <a:rPr lang="en-US" sz="1800" dirty="0"/>
+              <a:t>Be creative</a:t>
+            </a:r>
+          </a:p>
+          <a:p>
+            <a:pPr lvl="1">
+              <a:spcBef>
+                <a:spcPts val="200"/>
+              </a:spcBef>
+            </a:pPr>
+            <a:r>
+              <a:rPr lang="en-US" sz="1800" dirty="0"/>
+              <a:t>Think about common cases, then corner cases</a:t>
+            </a:r>
+          </a:p>
+          <a:p>
+            <a:pPr lvl="1">
+              <a:spcBef>
+                <a:spcPts val="200"/>
+              </a:spcBef>
+            </a:pPr>
+            <a:r>
+              <a:rPr lang="en-US" sz="1800" dirty="0"/>
+              <a:t>Think about misuse (unintentional or intentional)</a:t>
+            </a:r>
+          </a:p>
+          <a:p>
+            <a:pPr lvl="1">
+              <a:spcBef>
+                <a:spcPts val="200"/>
+              </a:spcBef>
+            </a:pPr>
+            <a:r>
+              <a:rPr lang="en-US" sz="1800" dirty="0"/>
+              <a:t>Think about synthetic tests with synthetic data</a:t>
+            </a:r>
+          </a:p>
+          <a:p>
+            <a:pPr lvl="1">
+              <a:spcBef>
+                <a:spcPts val="200"/>
+              </a:spcBef>
+            </a:pPr>
+            <a:r>
+              <a:rPr lang="en-US" sz="1800" dirty="0"/>
+              <a:t>Think about low-cost tests that can be “always on” (even if they’re not so stringent)</a:t>
+            </a:r>
+          </a:p>
+          <a:p>
+            <a:pPr lvl="1">
+              <a:spcBef>
+                <a:spcPts val="200"/>
+              </a:spcBef>
+            </a:pPr>
+            <a:r>
+              <a:rPr lang="en-US" sz="1800" dirty="0"/>
+              <a:t>Can you detect silent data corruption?</a:t>
+            </a:r>
+          </a:p>
+        </p:txBody>
+      </p:sp>
+      <p:sp>
+        <p:nvSpPr>
+          <p:cNvPr id="6" name="Content Placeholder 5">
+            <a:extLst>
+              <a:ext uri="{FF2B5EF4-FFF2-40B4-BE49-F238E27FC236}">
+                <a16:creationId xmlns:a16="http://schemas.microsoft.com/office/drawing/2014/main" id="{A6E0D8FD-9F37-4AB6-A176-A8A84426CC7A}"/>
+              </a:ext>
+            </a:extLst>
+          </p:cNvPr>
+          <p:cNvSpPr>
+            <a:spLocks noGrp="1"/>
+          </p:cNvSpPr>
+          <p:nvPr>
+            <p:ph sz="quarter" idx="4"/>
+          </p:nvPr>
+        </p:nvSpPr>
+        <p:spPr>
+          <a:xfrm>
+            <a:off x="6218914" y="1114436"/>
+            <a:ext cx="5531934" cy="3373229"/>
+          </a:xfrm>
+          <a:ln>
+            <a:noFill/>
+          </a:ln>
+        </p:spPr>
+        <p:txBody>
+          <a:bodyPr/>
+          <a:lstStyle/>
+          <a:p>
+            <a:r>
+              <a:rPr lang="en-US" sz="2000" dirty="0"/>
+              <a:t>Test your third-party dependencies</a:t>
+            </a:r>
+          </a:p>
+          <a:p>
+            <a:pPr lvl="1">
+              <a:spcBef>
+                <a:spcPts val="200"/>
+              </a:spcBef>
+            </a:pPr>
+            <a:r>
+              <a:rPr lang="en-US" dirty="0"/>
+              <a:t>Are your tools doing what you think they’re doing?</a:t>
+            </a:r>
+          </a:p>
+          <a:p>
+            <a:pPr lvl="1">
+              <a:spcBef>
+                <a:spcPts val="200"/>
+              </a:spcBef>
+            </a:pPr>
+            <a:r>
+              <a:rPr lang="en-US" dirty="0"/>
+              <a:t>What if you’re using a new version?</a:t>
+            </a:r>
+          </a:p>
+          <a:p>
+            <a:pPr lvl="1">
+              <a:spcBef>
+                <a:spcPts val="200"/>
+              </a:spcBef>
+            </a:pPr>
+            <a:r>
+              <a:rPr lang="en-US" dirty="0"/>
+              <a:t>How do you decide if it is okay to upgrade to a new version?</a:t>
+            </a:r>
+          </a:p>
+          <a:p>
+            <a:r>
+              <a:rPr lang="en-US" sz="2000" dirty="0"/>
+              <a:t>Test your tests!</a:t>
+            </a:r>
+          </a:p>
+          <a:p>
+            <a:pPr lvl="1">
+              <a:spcBef>
+                <a:spcPts val="200"/>
+              </a:spcBef>
+            </a:pPr>
+            <a:r>
+              <a:rPr lang="en-US" sz="1800" dirty="0"/>
+              <a:t>Make sure tests fail when they’re supposed to!</a:t>
+            </a:r>
+          </a:p>
+          <a:p>
+            <a:r>
+              <a:rPr lang="en-US" sz="2000" dirty="0"/>
+              <a:t>Thoroughly verify the code</a:t>
+            </a:r>
+          </a:p>
+          <a:p>
+            <a:pPr lvl="1">
+              <a:spcBef>
+                <a:spcPts val="200"/>
+              </a:spcBef>
+            </a:pPr>
+            <a:r>
+              <a:rPr lang="en-US" sz="1800" dirty="0"/>
+              <a:t>Does the code do what you intended it to do?</a:t>
+            </a:r>
+          </a:p>
+          <a:p>
+            <a:pPr lvl="1">
+              <a:spcBef>
+                <a:spcPts val="200"/>
+              </a:spcBef>
+            </a:pPr>
+            <a:r>
+              <a:rPr lang="en-US" sz="1800" dirty="0"/>
+              <a:t>On all relevant platforms (compilers, hardware, etc.)</a:t>
+            </a:r>
+          </a:p>
+          <a:p>
+            <a:r>
+              <a:rPr lang="en-US" sz="2000" dirty="0"/>
+              <a:t>Test regularly</a:t>
+            </a:r>
+          </a:p>
+          <a:p>
+            <a:pPr lvl="1">
+              <a:spcBef>
+                <a:spcPts val="200"/>
+              </a:spcBef>
+            </a:pPr>
+            <a:r>
+              <a:rPr lang="en-US" sz="1800" dirty="0"/>
+              <a:t>To identify and document where changes to the underlying </a:t>
+            </a:r>
+            <a:br>
+              <a:rPr lang="en-US" sz="1800" dirty="0"/>
+            </a:br>
+            <a:r>
+              <a:rPr lang="en-US" sz="1800" dirty="0"/>
+              <a:t>platform change code behavior/results</a:t>
+            </a:r>
+          </a:p>
+        </p:txBody>
+      </p:sp>
+    </p:spTree>
+    <p:extLst>
+      <p:ext uri="{BB962C8B-B14F-4D97-AF65-F5344CB8AC3E}">
+        <p14:creationId xmlns:p14="http://schemas.microsoft.com/office/powerpoint/2010/main" val="2253672400"/>
+      </p:ext>
+    </p:extLst>
+  </p:cSld>
+  <p:clrMapOvr>
+    <a:masterClrMapping/>
+  </p:clrMapOvr>
+</p:sld>
+</file>
+
+<file path=ppt/slides/slide24.xml><?xml version="1.0" encoding="utf-8"?>
 <p:sld xmlns:a="http://schemas.openxmlformats.org/drawingml/2006/main" xmlns:r="http://schemas.openxmlformats.org/officeDocument/2006/relationships" xmlns:p="http://schemas.openxmlformats.org/presentationml/2006/main">
   <p:cSld>
     <p:spTree>
@@ -8824,7 +9166,7 @@
 </p:sld>
 </file>
 
-<file path=ppt/slides/slide24.xml><?xml version="1.0" encoding="utf-8"?>
+<file path=ppt/slides/slide25.xml><?xml version="1.0" encoding="utf-8"?>
 <p:sld xmlns:a="http://schemas.openxmlformats.org/drawingml/2006/main" xmlns:r="http://schemas.openxmlformats.org/officeDocument/2006/relationships" xmlns:p="http://schemas.openxmlformats.org/presentationml/2006/main">
   <p:cSld>
     <p:spTree>
@@ -9079,202 +9421,6 @@
     <p:extLst>
       <p:ext uri="{BB962C8B-B14F-4D97-AF65-F5344CB8AC3E}">
         <p14:creationId xmlns:p14="http://schemas.microsoft.com/office/powerpoint/2010/main" val="2645307942"/>
-      </p:ext>
-    </p:extLst>
-  </p:cSld>
-  <p:clrMapOvr>
-    <a:masterClrMapping/>
-  </p:clrMapOvr>
-</p:sld>
-</file>
-
-<file path=ppt/slides/slide25.xml><?xml version="1.0" encoding="utf-8"?>
-<p:sld xmlns:a="http://schemas.openxmlformats.org/drawingml/2006/main" xmlns:r="http://schemas.openxmlformats.org/officeDocument/2006/relationships" xmlns:p="http://schemas.openxmlformats.org/presentationml/2006/main">
-  <p:cSld>
-    <p:spTree>
-      <p:nvGrpSpPr>
-        <p:cNvPr id="1" name=""/>
-        <p:cNvGrpSpPr/>
-        <p:nvPr/>
-      </p:nvGrpSpPr>
-      <p:grpSpPr>
-        <a:xfrm>
-          <a:off x="0" y="0"/>
-          <a:ext cx="0" cy="0"/>
-          <a:chOff x="0" y="0"/>
-          <a:chExt cx="0" cy="0"/>
-        </a:xfrm>
-      </p:grpSpPr>
-      <p:sp>
-        <p:nvSpPr>
-          <p:cNvPr id="2" name="Title 1">
-            <a:extLst>
-              <a:ext uri="{FF2B5EF4-FFF2-40B4-BE49-F238E27FC236}">
-                <a16:creationId xmlns:a16="http://schemas.microsoft.com/office/drawing/2014/main" id="{AF0E5AE6-BAC5-4D3D-B274-228B336C1693}"/>
-              </a:ext>
-            </a:extLst>
-          </p:cNvPr>
-          <p:cNvSpPr>
-            <a:spLocks noGrp="1"/>
-          </p:cNvSpPr>
-          <p:nvPr>
-            <p:ph type="title"/>
-          </p:nvPr>
-        </p:nvSpPr>
-        <p:spPr/>
-        <p:txBody>
-          <a:bodyPr/>
-          <a:lstStyle/>
-          <a:p>
-            <a:r>
-              <a:rPr lang="en-US" dirty="0"/>
-              <a:t>Strategies for Improving Reproducibility </a:t>
-            </a:r>
-            <a:r>
-              <a:rPr lang="en-US" i="1" u="sng" dirty="0"/>
-              <a:t>During</a:t>
-            </a:r>
-            <a:r>
-              <a:rPr lang="en-US" u="sng" dirty="0"/>
-              <a:t> Experiments</a:t>
-            </a:r>
-            <a:r>
-              <a:rPr lang="en-US" dirty="0"/>
-              <a:t> (1/3)</a:t>
-            </a:r>
-          </a:p>
-        </p:txBody>
-      </p:sp>
-      <p:sp>
-        <p:nvSpPr>
-          <p:cNvPr id="3" name="Content Placeholder 2">
-            <a:extLst>
-              <a:ext uri="{FF2B5EF4-FFF2-40B4-BE49-F238E27FC236}">
-                <a16:creationId xmlns:a16="http://schemas.microsoft.com/office/drawing/2014/main" id="{7E3F8F1F-5081-4F6E-81DA-DC14088609D1}"/>
-              </a:ext>
-            </a:extLst>
-          </p:cNvPr>
-          <p:cNvSpPr>
-            <a:spLocks noGrp="1"/>
-          </p:cNvSpPr>
-          <p:nvPr>
-            <p:ph idx="1"/>
-          </p:nvPr>
-        </p:nvSpPr>
-        <p:spPr>
-          <a:xfrm>
-            <a:off x="365760" y="982589"/>
-            <a:ext cx="11369809" cy="4047778"/>
-          </a:xfrm>
-        </p:spPr>
-        <p:txBody>
-          <a:bodyPr/>
-          <a:lstStyle/>
-          <a:p>
-            <a:r>
-              <a:rPr lang="en-US" b="1" dirty="0">
-                <a:solidFill>
-                  <a:schemeClr val="tx2"/>
-                </a:solidFill>
-              </a:rPr>
-              <a:t>What are you going to do, why, and how?</a:t>
-            </a:r>
-          </a:p>
-          <a:p>
-            <a:r>
-              <a:rPr lang="en-US" dirty="0"/>
-              <a:t>Plan your experiments thoroughly</a:t>
-            </a:r>
-          </a:p>
-          <a:p>
-            <a:pPr lvl="1"/>
-            <a:r>
-              <a:rPr lang="en-US" dirty="0"/>
-              <a:t>If you’re in a team, designate </a:t>
-            </a:r>
-            <a:r>
-              <a:rPr lang="en-US" i="1" dirty="0"/>
-              <a:t>one</a:t>
-            </a:r>
-            <a:r>
-              <a:rPr lang="en-US" dirty="0"/>
-              <a:t> person to coordinate the experimental campaign</a:t>
-            </a:r>
-          </a:p>
-          <a:p>
-            <a:pPr lvl="1"/>
-            <a:r>
-              <a:rPr lang="en-US" dirty="0"/>
-              <a:t>Know what you need (in the code, as inputs, as outputs to capture/analyze, etc.)</a:t>
-            </a:r>
-          </a:p>
-          <a:p>
-            <a:pPr lvl="1"/>
-            <a:r>
-              <a:rPr lang="en-US" dirty="0"/>
-              <a:t>Know how you’re going to process or analyze the results</a:t>
-            </a:r>
-          </a:p>
-          <a:p>
-            <a:pPr lvl="1"/>
-            <a:r>
-              <a:rPr lang="en-US" dirty="0"/>
-              <a:t>Know what to expect (in results, performance/cost, etc.)</a:t>
-            </a:r>
-          </a:p>
-          <a:p>
-            <a:pPr lvl="1"/>
-            <a:r>
-              <a:rPr lang="en-US" dirty="0"/>
-              <a:t>How will you convince yourself that your results are trustworthy?</a:t>
-            </a:r>
-          </a:p>
-          <a:p>
-            <a:r>
-              <a:rPr lang="en-US" dirty="0"/>
-              <a:t>Perform pilot/test runs to build confidence in correctness, performance, scaling</a:t>
-            </a:r>
-          </a:p>
-          <a:p>
-            <a:pPr lvl="1"/>
-            <a:r>
-              <a:rPr lang="en-US" dirty="0"/>
-              <a:t>Often useful to pursue an incremental/layered strategy</a:t>
-            </a:r>
-          </a:p>
-          <a:p>
-            <a:r>
-              <a:rPr lang="en-US" dirty="0"/>
-              <a:t>Ensure that you have the resources to store and/or analyze the outputs</a:t>
-            </a:r>
-          </a:p>
-          <a:p>
-            <a:pPr lvl="1"/>
-            <a:r>
-              <a:rPr lang="en-US" dirty="0"/>
-              <a:t>What can you afford to archive?</a:t>
-            </a:r>
-          </a:p>
-          <a:p>
-            <a:pPr lvl="1"/>
-            <a:r>
-              <a:rPr lang="en-US" dirty="0"/>
-              <a:t>What will you need to process and delete?</a:t>
-            </a:r>
-          </a:p>
-          <a:p>
-            <a:pPr lvl="1"/>
-            <a:r>
-              <a:rPr lang="en-US" dirty="0"/>
-              <a:t>What will you need to process during execution or stream?</a:t>
-            </a:r>
-          </a:p>
-        </p:txBody>
-      </p:sp>
-    </p:spTree>
-    <p:extLst>
-      <p:ext uri="{BB962C8B-B14F-4D97-AF65-F5344CB8AC3E}">
-        <p14:creationId xmlns:p14="http://schemas.microsoft.com/office/powerpoint/2010/main" val="3488834746"/>
       </p:ext>
     </p:extLst>
   </p:cSld>
@@ -9336,9 +9482,8 @@
             </a:r>
             <a:r>
               <a:rPr lang="en-US" dirty="0"/>
-              <a:t> (2/3)</a:t>
-            </a:r>
-            <a:endParaRPr lang="en-US" u="sng" dirty="0"/>
+              <a:t> (1/3)</a:t>
+            </a:r>
           </a:p>
         </p:txBody>
       </p:sp>
@@ -9360,8 +9505,8 @@
         </p:nvSpPr>
         <p:spPr>
           <a:xfrm>
-            <a:off x="365760" y="1280165"/>
-            <a:ext cx="11534052" cy="4047778"/>
+            <a:off x="365760" y="982589"/>
+            <a:ext cx="11369809" cy="4047778"/>
           </a:xfrm>
         </p:spPr>
         <p:txBody>
@@ -9374,134 +9519,96 @@
                   <a:schemeClr val="tx2"/>
                 </a:solidFill>
               </a:rPr>
-              <a:t>Can you reproduce the code used for each and every experiment?</a:t>
-            </a:r>
-          </a:p>
-          <a:p>
-            <a:pPr lvl="1">
-              <a:spcBef>
-                <a:spcPts val="200"/>
-              </a:spcBef>
-            </a:pPr>
-            <a:r>
-              <a:rPr lang="en-US" b="1" dirty="0">
-                <a:solidFill>
-                  <a:schemeClr val="tx2"/>
-                </a:solidFill>
-              </a:rPr>
-              <a:t>Three years later?</a:t>
-            </a:r>
-          </a:p>
-          <a:p>
-            <a:r>
-              <a:rPr lang="en-US" dirty="0"/>
-              <a:t>Use only well-defined versions of code (i.e., official “releases”, tags, etc.)</a:t>
-            </a:r>
-          </a:p>
-          <a:p>
-            <a:pPr lvl="1">
-              <a:spcBef>
-                <a:spcPts val="200"/>
-              </a:spcBef>
-            </a:pPr>
-            <a:r>
-              <a:rPr lang="en-US" dirty="0"/>
-              <a:t>Master or development branches are often moving targets</a:t>
-            </a:r>
-          </a:p>
-          <a:p>
-            <a:pPr lvl="1">
-              <a:spcBef>
-                <a:spcPts val="200"/>
-              </a:spcBef>
-            </a:pPr>
-            <a:r>
-              <a:rPr lang="en-US" dirty="0"/>
-              <a:t>Capture the exact version of the code used for each experiment</a:t>
-            </a:r>
-          </a:p>
-          <a:p>
-            <a:pPr lvl="2">
-              <a:spcBef>
-                <a:spcPts val="200"/>
-              </a:spcBef>
-            </a:pPr>
-            <a:r>
-              <a:rPr lang="en-US" dirty="0"/>
-              <a:t>Is the code you’re building exactly what’s in the version control repo?</a:t>
-            </a:r>
-          </a:p>
-          <a:p>
-            <a:pPr lvl="1">
-              <a:spcBef>
-                <a:spcPts val="200"/>
-              </a:spcBef>
-            </a:pPr>
-            <a:r>
-              <a:rPr lang="en-US" dirty="0"/>
-              <a:t>Don’t change versions during a related series of experiments (unless you have to)</a:t>
-            </a:r>
-          </a:p>
-          <a:p>
-            <a:pPr lvl="1">
-              <a:spcBef>
-                <a:spcPts val="200"/>
-              </a:spcBef>
-            </a:pPr>
-            <a:r>
-              <a:rPr lang="en-US" dirty="0"/>
-              <a:t>If you have to change versions, know exactly what changed</a:t>
-            </a:r>
-          </a:p>
-          <a:p>
-            <a:pPr lvl="2">
-              <a:spcBef>
-                <a:spcPts val="200"/>
-              </a:spcBef>
-            </a:pPr>
-            <a:r>
-              <a:rPr lang="en-US" dirty="0"/>
-              <a:t>Capture the exact version of the code used for each experiment</a:t>
-            </a:r>
-          </a:p>
-          <a:p>
-            <a:r>
-              <a:rPr lang="en-US" dirty="0"/>
-              <a:t>Use only versions of code that have been thoroughly verified</a:t>
-            </a:r>
-          </a:p>
-          <a:p>
-            <a:r>
-              <a:rPr lang="en-US" dirty="0"/>
-              <a:t>Continue to use regular testing to identify changes due to the underlying platform</a:t>
-            </a:r>
-          </a:p>
-          <a:p>
-            <a:pPr lvl="1">
-              <a:spcBef>
-                <a:spcPts val="200"/>
-              </a:spcBef>
-            </a:pPr>
-            <a:r>
-              <a:rPr lang="en-US" dirty="0"/>
-              <a:t>E.g., compiler release introduces a new optimization that changes numerical results</a:t>
-            </a:r>
-          </a:p>
-          <a:p>
-            <a:r>
-              <a:rPr lang="en-US" dirty="0"/>
-              <a:t>Consider capturing version information of key libraries, compilers, and other dependencies used to build code</a:t>
-            </a:r>
-          </a:p>
-          <a:p>
-            <a:pPr lvl="1">
-              <a:spcBef>
-                <a:spcPts val="200"/>
-              </a:spcBef>
-            </a:pPr>
+              <a:t>What are you going to do, why, and how?</a:t>
+            </a:r>
+          </a:p>
+          <a:p>
+            <a:r>
+              <a:rPr lang="en-US" dirty="0"/>
+              <a:t>Plan your experiments thoroughly</a:t>
+            </a:r>
+          </a:p>
+          <a:p>
+            <a:pPr lvl="1"/>
+            <a:r>
+              <a:rPr lang="en-US" dirty="0"/>
+              <a:t>If you’re in a team, designate </a:t>
+            </a:r>
             <a:r>
               <a:rPr lang="en-US" i="1" dirty="0"/>
-              <a:t>Not often done, in practice</a:t>
+              <a:t>one</a:t>
+            </a:r>
+            <a:r>
+              <a:rPr lang="en-US" dirty="0"/>
+              <a:t> person to coordinate the experimental campaign</a:t>
+            </a:r>
+          </a:p>
+          <a:p>
+            <a:pPr lvl="1"/>
+            <a:r>
+              <a:rPr lang="en-US" dirty="0"/>
+              <a:t>Know what you need (in the code, as inputs, as outputs to capture/analyze, etc.)</a:t>
+            </a:r>
+          </a:p>
+          <a:p>
+            <a:pPr lvl="1"/>
+            <a:r>
+              <a:rPr lang="en-US" dirty="0"/>
+              <a:t>Know how you’re going to process or analyze the results</a:t>
+            </a:r>
+          </a:p>
+          <a:p>
+            <a:pPr lvl="1"/>
+            <a:r>
+              <a:rPr lang="en-US" dirty="0"/>
+              <a:t>Know what to expect (in results, performance/cost, etc.)</a:t>
+            </a:r>
+          </a:p>
+          <a:p>
+            <a:pPr lvl="1"/>
+            <a:r>
+              <a:rPr lang="en-US" dirty="0"/>
+              <a:t>How will you convince yourself that your results are trustworthy?</a:t>
+            </a:r>
+          </a:p>
+          <a:p>
+            <a:r>
+              <a:rPr lang="en-US" dirty="0"/>
+              <a:t>Perform pilot/test runs to build confidence in correctness, performance, scaling</a:t>
+            </a:r>
+          </a:p>
+          <a:p>
+            <a:pPr lvl="1"/>
+            <a:r>
+              <a:rPr lang="en-US" dirty="0"/>
+              <a:t>Often useful to pursue an incremental/layered strategy</a:t>
+            </a:r>
+          </a:p>
+          <a:p>
+            <a:r>
+              <a:rPr lang="en-US" dirty="0"/>
+              <a:t>Ensure that you have the resources to store and/or analyze the outputs</a:t>
+            </a:r>
+          </a:p>
+          <a:p>
+            <a:pPr lvl="1"/>
+            <a:r>
+              <a:rPr lang="en-US" dirty="0"/>
+              <a:t>What can you afford to archive?</a:t>
+            </a:r>
+          </a:p>
+          <a:p>
+            <a:pPr lvl="1"/>
+            <a:r>
+              <a:rPr lang="en-US" dirty="0"/>
+              <a:t>What will you need to process and delete?</a:t>
+            </a:r>
+          </a:p>
+          <a:p>
+            <a:pPr lvl="1"/>
+            <a:r>
+              <a:rPr lang="en-US" dirty="0"/>
+              <a:t>What will you need to process during execution or stream?</a:t>
             </a:r>
           </a:p>
         </p:txBody>
@@ -9509,7 +9616,7 @@
     </p:spTree>
     <p:extLst>
       <p:ext uri="{BB962C8B-B14F-4D97-AF65-F5344CB8AC3E}">
-        <p14:creationId xmlns:p14="http://schemas.microsoft.com/office/powerpoint/2010/main" val="847899985"/>
+        <p14:creationId xmlns:p14="http://schemas.microsoft.com/office/powerpoint/2010/main" val="3488834746"/>
       </p:ext>
     </p:extLst>
   </p:cSld>
@@ -9571,7 +9678,7 @@
             </a:r>
             <a:r>
               <a:rPr lang="en-US" dirty="0"/>
-              <a:t> (3/3)</a:t>
+              <a:t> (2/3)</a:t>
             </a:r>
             <a:endParaRPr lang="en-US" u="sng" dirty="0"/>
           </a:p>
@@ -9595,8 +9702,8 @@
         </p:nvSpPr>
         <p:spPr>
           <a:xfrm>
-            <a:off x="365760" y="1310145"/>
-            <a:ext cx="11369809" cy="4047778"/>
+            <a:off x="365760" y="1280165"/>
+            <a:ext cx="11534052" cy="4047778"/>
           </a:xfrm>
         </p:spPr>
         <p:txBody>
@@ -9609,77 +9716,134 @@
                   <a:schemeClr val="tx2"/>
                 </a:solidFill>
               </a:rPr>
-              <a:t>Be thorough in capturing provenance</a:t>
-            </a:r>
-          </a:p>
-          <a:p>
-            <a:pPr lvl="1"/>
+              <a:t>Can you reproduce the code used for each and every experiment?</a:t>
+            </a:r>
+          </a:p>
+          <a:p>
+            <a:pPr lvl="1">
+              <a:spcBef>
+                <a:spcPts val="200"/>
+              </a:spcBef>
+            </a:pPr>
             <a:r>
               <a:rPr lang="en-US" b="1" dirty="0">
                 <a:solidFill>
                   <a:schemeClr val="tx2"/>
                 </a:solidFill>
               </a:rPr>
-              <a:t> Agents (codes), entities (inputs, outputs, etc.), activities (the transformation)</a:t>
-            </a:r>
-          </a:p>
-          <a:p>
-            <a:r>
-              <a:rPr lang="en-US" dirty="0"/>
-              <a:t>Capture code version</a:t>
-            </a:r>
-          </a:p>
-          <a:p>
-            <a:r>
-              <a:rPr lang="en-US" dirty="0"/>
-              <a:t>Capture all inputs/configuration information for each experiment</a:t>
-            </a:r>
-          </a:p>
-          <a:p>
-            <a:r>
-              <a:rPr lang="en-US" dirty="0"/>
-              <a:t>Use multiple systems to ensure that you can correctly associate inputs, outputs, and code versions</a:t>
-            </a:r>
-          </a:p>
-          <a:p>
-            <a:pPr lvl="1"/>
-            <a:r>
-              <a:rPr lang="en-US" dirty="0"/>
-              <a:t>Systematic directory and file naming conventions</a:t>
-            </a:r>
-          </a:p>
-          <a:p>
-            <a:pPr lvl="1"/>
-            <a:r>
-              <a:rPr lang="en-US" dirty="0"/>
-              <a:t>Separate written notes (paper notebook, electronic notebook)</a:t>
-            </a:r>
-          </a:p>
-          <a:p>
-            <a:pPr lvl="2"/>
-            <a:r>
-              <a:rPr lang="en-US" dirty="0"/>
-              <a:t>Lab notebooks aren’t just for people who literally work in a laboratory!</a:t>
-            </a:r>
-          </a:p>
-          <a:p>
-            <a:pPr lvl="1"/>
-            <a:r>
-              <a:rPr lang="en-US" dirty="0"/>
-              <a:t>Scripts to orchestrate experiments (versioned and captured)</a:t>
-            </a:r>
-          </a:p>
-          <a:p>
-            <a:pPr lvl="1"/>
-            <a:r>
-              <a:rPr lang="en-US" dirty="0"/>
-              <a:t>Version control (if data is not too large)</a:t>
-            </a:r>
-          </a:p>
-          <a:p>
-            <a:r>
-              <a:rPr lang="en-US" dirty="0"/>
-              <a:t>Capture important outputs (as feasible)</a:t>
+              <a:t>Three years later?</a:t>
+            </a:r>
+          </a:p>
+          <a:p>
+            <a:r>
+              <a:rPr lang="en-US" dirty="0"/>
+              <a:t>Use only well-defined versions of code (i.e., official “releases”, tags, etc.)</a:t>
+            </a:r>
+          </a:p>
+          <a:p>
+            <a:pPr lvl="1">
+              <a:spcBef>
+                <a:spcPts val="200"/>
+              </a:spcBef>
+            </a:pPr>
+            <a:r>
+              <a:rPr lang="en-US" dirty="0"/>
+              <a:t>Master or development branches are often moving targets</a:t>
+            </a:r>
+          </a:p>
+          <a:p>
+            <a:pPr lvl="1">
+              <a:spcBef>
+                <a:spcPts val="200"/>
+              </a:spcBef>
+            </a:pPr>
+            <a:r>
+              <a:rPr lang="en-US" dirty="0"/>
+              <a:t>Capture the exact version of the code used for each experiment</a:t>
+            </a:r>
+          </a:p>
+          <a:p>
+            <a:pPr lvl="2">
+              <a:spcBef>
+                <a:spcPts val="200"/>
+              </a:spcBef>
+            </a:pPr>
+            <a:r>
+              <a:rPr lang="en-US" dirty="0"/>
+              <a:t>Is the code you’re building exactly what’s in the version control repo?</a:t>
+            </a:r>
+          </a:p>
+          <a:p>
+            <a:pPr lvl="1">
+              <a:spcBef>
+                <a:spcPts val="200"/>
+              </a:spcBef>
+            </a:pPr>
+            <a:r>
+              <a:rPr lang="en-US" dirty="0"/>
+              <a:t>Don’t change versions during a related series of experiments (unless you have to)</a:t>
+            </a:r>
+          </a:p>
+          <a:p>
+            <a:pPr lvl="1">
+              <a:spcBef>
+                <a:spcPts val="200"/>
+              </a:spcBef>
+            </a:pPr>
+            <a:r>
+              <a:rPr lang="en-US" dirty="0"/>
+              <a:t>If you have to change versions, know exactly what changed</a:t>
+            </a:r>
+          </a:p>
+          <a:p>
+            <a:pPr lvl="2">
+              <a:spcBef>
+                <a:spcPts val="200"/>
+              </a:spcBef>
+            </a:pPr>
+            <a:r>
+              <a:rPr lang="en-US" dirty="0"/>
+              <a:t>Capture the exact version of the code used for each experiment</a:t>
+            </a:r>
+          </a:p>
+          <a:p>
+            <a:r>
+              <a:rPr lang="en-US" dirty="0"/>
+              <a:t>Use only versions of code that have been thoroughly verified</a:t>
+            </a:r>
+          </a:p>
+          <a:p>
+            <a:r>
+              <a:rPr lang="en-US" dirty="0"/>
+              <a:t>Continue to use regular testing to identify changes due to the underlying platform</a:t>
+            </a:r>
+          </a:p>
+          <a:p>
+            <a:pPr lvl="1">
+              <a:spcBef>
+                <a:spcPts val="200"/>
+              </a:spcBef>
+            </a:pPr>
+            <a:r>
+              <a:rPr lang="en-US" dirty="0"/>
+              <a:t>E.g., compiler release introduces a new optimization that changes numerical results</a:t>
+            </a:r>
+          </a:p>
+          <a:p>
+            <a:r>
+              <a:rPr lang="en-US" dirty="0"/>
+              <a:t>Consider capturing version information of key libraries, compilers, and other dependencies used to build code</a:t>
+            </a:r>
+          </a:p>
+          <a:p>
+            <a:pPr lvl="1">
+              <a:spcBef>
+                <a:spcPts val="200"/>
+              </a:spcBef>
+            </a:pPr>
+            <a:r>
+              <a:rPr lang="en-US" i="1" dirty="0"/>
+              <a:t>Not often done, in practice</a:t>
             </a:r>
           </a:p>
         </p:txBody>
@@ -9687,7 +9851,7 @@
     </p:spTree>
     <p:extLst>
       <p:ext uri="{BB962C8B-B14F-4D97-AF65-F5344CB8AC3E}">
-        <p14:creationId xmlns:p14="http://schemas.microsoft.com/office/powerpoint/2010/main" val="1441357727"/>
+        <p14:creationId xmlns:p14="http://schemas.microsoft.com/office/powerpoint/2010/main" val="847899985"/>
       </p:ext>
     </p:extLst>
   </p:cSld>
@@ -9741,12 +9905,17 @@
             </a:r>
             <a:r>
               <a:rPr lang="en-US" i="1" u="sng" dirty="0"/>
-              <a:t>After</a:t>
+              <a:t>During</a:t>
             </a:r>
             <a:r>
               <a:rPr lang="en-US" u="sng" dirty="0"/>
               <a:t> Experiments</a:t>
             </a:r>
+            <a:r>
+              <a:rPr lang="en-US" dirty="0"/>
+              <a:t> (3/3)</a:t>
+            </a:r>
+            <a:endParaRPr lang="en-US" u="sng" dirty="0"/>
           </a:p>
         </p:txBody>
       </p:sp>
@@ -9768,7 +9937,7 @@
         </p:nvSpPr>
         <p:spPr>
           <a:xfrm>
-            <a:off x="365760" y="1115269"/>
+            <a:off x="365760" y="1310145"/>
             <a:ext cx="11369809" cy="4047778"/>
           </a:xfrm>
         </p:spPr>
@@ -9782,134 +9951,77 @@
                   <a:schemeClr val="tx2"/>
                 </a:solidFill>
               </a:rPr>
-              <a:t>Continue provenance capture through data analysis/reduction process</a:t>
-            </a:r>
-          </a:p>
-          <a:p>
-            <a:pPr lvl="1">
-              <a:spcBef>
-                <a:spcPts val="200"/>
-              </a:spcBef>
-            </a:pPr>
+              <a:t>Be thorough in capturing provenance</a:t>
+            </a:r>
+          </a:p>
+          <a:p>
+            <a:pPr lvl="1"/>
             <a:r>
               <a:rPr lang="en-US" b="1" dirty="0">
                 <a:solidFill>
                   <a:schemeClr val="tx2"/>
                 </a:solidFill>
               </a:rPr>
-              <a:t>Agents (codes), entities (inputs, outputs, etc.), activities (the transformation)</a:t>
-            </a:r>
-          </a:p>
-          <a:p>
-            <a:r>
-              <a:rPr lang="en-US" dirty="0"/>
-              <a:t>Script as much of your analysis/reduction as possible</a:t>
-            </a:r>
-          </a:p>
-          <a:p>
-            <a:pPr lvl="1">
-              <a:spcBef>
-                <a:spcPts val="200"/>
-              </a:spcBef>
-            </a:pPr>
-            <a:r>
-              <a:rPr lang="en-US" dirty="0"/>
-              <a:t>Prefer scriptable tools over those requiring human interaction</a:t>
-            </a:r>
-          </a:p>
-          <a:p>
-            <a:pPr lvl="1">
-              <a:spcBef>
-                <a:spcPts val="200"/>
-              </a:spcBef>
-            </a:pPr>
-            <a:r>
-              <a:rPr lang="en-US" dirty="0"/>
-              <a:t>Keep them under version control</a:t>
-            </a:r>
-          </a:p>
-          <a:p>
-            <a:r>
-              <a:rPr lang="en-US" dirty="0"/>
-              <a:t>Document your process thoroughly</a:t>
-            </a:r>
-          </a:p>
-          <a:p>
-            <a:pPr lvl="1">
-              <a:spcBef>
-                <a:spcPts val="200"/>
-              </a:spcBef>
-            </a:pPr>
-            <a:r>
-              <a:rPr lang="en-US" dirty="0"/>
-              <a:t>Separately from scripts, etc.</a:t>
-            </a:r>
-          </a:p>
-          <a:p>
-            <a:pPr lvl="1">
-              <a:spcBef>
-                <a:spcPts val="200"/>
-              </a:spcBef>
-            </a:pPr>
-            <a:r>
-              <a:rPr lang="en-US" dirty="0"/>
-              <a:t>E.g., paper or electronic notebook</a:t>
-            </a:r>
-          </a:p>
-          <a:p>
-            <a:pPr lvl="1">
-              <a:spcBef>
-                <a:spcPts val="200"/>
-              </a:spcBef>
-            </a:pPr>
-            <a:r>
-              <a:rPr lang="en-US" dirty="0"/>
-              <a:t>Especially where human interaction is required</a:t>
-            </a:r>
-          </a:p>
-          <a:p>
-            <a:r>
-              <a:rPr lang="en-US" dirty="0"/>
-              <a:t>Capture key intermediates in the reduction process</a:t>
-            </a:r>
-          </a:p>
-          <a:p>
-            <a:pPr lvl="1">
-              <a:spcBef>
-                <a:spcPts val="200"/>
-              </a:spcBef>
-            </a:pPr>
-            <a:r>
-              <a:rPr lang="en-US" dirty="0"/>
-              <a:t>The more you capture, the more you have to verify (and find problems) later</a:t>
-            </a:r>
-          </a:p>
-          <a:p>
-            <a:r>
-              <a:rPr lang="en-US" dirty="0"/>
-              <a:t>Capture the data (in machine-readable form) used to produce graphs and tables</a:t>
-            </a:r>
-          </a:p>
-          <a:p>
-            <a:pPr lvl="1">
-              <a:spcBef>
-                <a:spcPts val="200"/>
-              </a:spcBef>
-            </a:pPr>
-            <a:r>
-              <a:rPr lang="en-US" dirty="0"/>
-              <a:t>Expected by basic data management plans</a:t>
-            </a:r>
-          </a:p>
-          <a:p>
-            <a:pPr lvl="1">
-              <a:spcBef>
-                <a:spcPts val="200"/>
-              </a:spcBef>
-            </a:pPr>
-            <a:r>
-              <a:rPr lang="en-US" dirty="0"/>
-              <a:t>And an increasing number of publishers</a:t>
+              <a:t> Agents (codes), entities (inputs, outputs, etc.), activities (the transformation)</a:t>
+            </a:r>
+          </a:p>
+          <a:p>
+            <a:r>
+              <a:rPr lang="en-US" dirty="0"/>
+              <a:t>Capture code version</a:t>
+            </a:r>
+          </a:p>
+          <a:p>
+            <a:r>
+              <a:rPr lang="en-US" dirty="0"/>
+              <a:t>Capture all inputs/configuration information for each experiment</a:t>
+            </a:r>
+          </a:p>
+          <a:p>
+            <a:r>
+              <a:rPr lang="en-US" dirty="0"/>
+              <a:t>Use multiple systems to ensure that you can correctly associate inputs, outputs, and code versions</a:t>
+            </a:r>
+          </a:p>
+          <a:p>
+            <a:pPr lvl="1"/>
+            <a:r>
+              <a:rPr lang="en-US" dirty="0"/>
+              <a:t>Systematic directory and file naming conventions</a:t>
+            </a:r>
+          </a:p>
+          <a:p>
+            <a:pPr lvl="1"/>
+            <a:r>
+              <a:rPr lang="en-US" dirty="0"/>
+              <a:t>Separate written notes (paper notebook, electronic notebook)</a:t>
+            </a:r>
+          </a:p>
+          <a:p>
+            <a:pPr lvl="2"/>
+            <a:r>
+              <a:rPr lang="en-US" dirty="0"/>
+              <a:t>Lab notebooks aren’t just for people who literally work in a laboratory!</a:t>
+            </a:r>
+          </a:p>
+          <a:p>
+            <a:pPr lvl="1"/>
+            <a:r>
+              <a:rPr lang="en-US" dirty="0"/>
+              <a:t>Scripts to orchestrate experiments (versioned and captured)</a:t>
+            </a:r>
+          </a:p>
+          <a:p>
+            <a:pPr lvl="1"/>
+            <a:r>
+              <a:rPr lang="en-US" dirty="0"/>
+              <a:t>Version control (if data is not too large)</a:t>
+            </a:r>
+          </a:p>
+          <a:p>
+            <a:r>
+              <a:rPr lang="en-US" dirty="0"/>
+              <a:t>Capture important outputs (as feasible)</a:t>
             </a:r>
           </a:p>
         </p:txBody>
@@ -9917,7 +10029,7 @@
     </p:spTree>
     <p:extLst>
       <p:ext uri="{BB962C8B-B14F-4D97-AF65-F5344CB8AC3E}">
-        <p14:creationId xmlns:p14="http://schemas.microsoft.com/office/powerpoint/2010/main" val="3808973367"/>
+        <p14:creationId xmlns:p14="http://schemas.microsoft.com/office/powerpoint/2010/main" val="1441357727"/>
       </p:ext>
     </p:extLst>
   </p:cSld>
@@ -9949,7 +10061,7 @@
           <p:cNvPr id="2" name="Title 1">
             <a:extLst>
               <a:ext uri="{FF2B5EF4-FFF2-40B4-BE49-F238E27FC236}">
-                <a16:creationId xmlns:a16="http://schemas.microsoft.com/office/drawing/2014/main" id="{E3A332E9-2FA0-40C4-8D47-26B41016D037}"/>
+                <a16:creationId xmlns:a16="http://schemas.microsoft.com/office/drawing/2014/main" id="{AF0E5AE6-BAC5-4D3D-B274-228B336C1693}"/>
               </a:ext>
             </a:extLst>
           </p:cNvPr>
@@ -9967,7 +10079,15 @@
           <a:p>
             <a:r>
               <a:rPr lang="en-US" dirty="0"/>
-              <a:t>Tools May Help with Reproducibility</a:t>
+              <a:t>Strategies for Improving Reproducibility </a:t>
+            </a:r>
+            <a:r>
+              <a:rPr lang="en-US" i="1" u="sng" dirty="0"/>
+              <a:t>After</a:t>
+            </a:r>
+            <a:r>
+              <a:rPr lang="en-US" u="sng" dirty="0"/>
+              <a:t> Experiments</a:t>
             </a:r>
           </a:p>
         </p:txBody>
@@ -9977,7 +10097,7 @@
           <p:cNvPr id="3" name="Content Placeholder 2">
             <a:extLst>
               <a:ext uri="{FF2B5EF4-FFF2-40B4-BE49-F238E27FC236}">
-                <a16:creationId xmlns:a16="http://schemas.microsoft.com/office/drawing/2014/main" id="{735D30F0-B0A3-467E-9909-18B09F1F526A}"/>
+                <a16:creationId xmlns:a16="http://schemas.microsoft.com/office/drawing/2014/main" id="{7E3F8F1F-5081-4F6E-81DA-DC14088609D1}"/>
               </a:ext>
             </a:extLst>
           </p:cNvPr>
@@ -9990,7 +10110,7 @@
         </p:nvSpPr>
         <p:spPr>
           <a:xfrm>
-            <a:off x="365760" y="1207641"/>
+            <a:off x="365760" y="1115269"/>
             <a:ext cx="11369809" cy="4047778"/>
           </a:xfrm>
         </p:spPr>
@@ -9998,124 +10118,148 @@
           <a:bodyPr/>
           <a:lstStyle/>
           <a:p>
-            <a:pPr marL="0" indent="0">
-              <a:buNone/>
-            </a:pPr>
-            <a:r>
-              <a:rPr lang="en-US" dirty="0"/>
-              <a:t>Just a small sampling…</a:t>
-            </a:r>
-          </a:p>
-          <a:p>
-            <a:r>
-              <a:rPr lang="en-US" dirty="0"/>
-              <a:t>Containers to capture the software</a:t>
-            </a:r>
-          </a:p>
-          <a:p>
-            <a:r>
-              <a:rPr lang="en-US" dirty="0"/>
-              <a:t>Resources for finding, understanding, and debugging floating point math problems: </a:t>
-            </a:r>
-            <a:r>
-              <a:rPr lang="en-US" dirty="0">
-                <a:hlinkClick r:id="rId2"/>
-              </a:rPr>
-              <a:t>http://fpanalysistools.org/</a:t>
-            </a:r>
-            <a:endParaRPr lang="en-US" dirty="0"/>
-          </a:p>
-          <a:p>
-            <a:r>
-              <a:rPr lang="en-US" dirty="0"/>
-              <a:t>Cloud platforms to publish and reproduce research code and data</a:t>
-            </a:r>
-          </a:p>
-          <a:p>
-            <a:pPr lvl="1"/>
-            <a:r>
-              <a:rPr lang="en-US" dirty="0"/>
-              <a:t>E.g., </a:t>
-            </a:r>
-            <a:r>
-              <a:rPr lang="en-US" dirty="0">
-                <a:hlinkClick r:id="rId3"/>
-              </a:rPr>
-              <a:t>https://CodeOcean.com</a:t>
-            </a:r>
-            <a:endParaRPr lang="en-US" dirty="0"/>
-          </a:p>
-          <a:p>
-            <a:r>
-              <a:rPr lang="en-US" dirty="0"/>
-              <a:t>DOIs and hosting of data, code, documents, etc.</a:t>
-            </a:r>
-          </a:p>
-          <a:p>
-            <a:pPr lvl="1"/>
-            <a:r>
-              <a:rPr lang="en-US" dirty="0"/>
-              <a:t>E.g., </a:t>
-            </a:r>
-            <a:r>
-              <a:rPr lang="en-US" dirty="0">
-                <a:hlinkClick r:id="rId4"/>
-              </a:rPr>
-              <a:t>https://zenodo.org/</a:t>
-            </a:r>
-            <a:r>
-              <a:rPr lang="en-US" dirty="0"/>
-              <a:t>, </a:t>
-            </a:r>
-            <a:r>
-              <a:rPr lang="en-US" dirty="0">
-                <a:hlinkClick r:id="rId5"/>
-              </a:rPr>
-              <a:t>https://FigShare.com</a:t>
-            </a:r>
-            <a:endParaRPr lang="en-US" dirty="0"/>
-          </a:p>
-          <a:p>
-            <a:pPr marL="0" indent="0">
-              <a:spcBef>
-                <a:spcPts val="2800"/>
-              </a:spcBef>
-              <a:buNone/>
-            </a:pPr>
             <a:r>
               <a:rPr lang="en-US" b="1" dirty="0">
                 <a:solidFill>
                   <a:schemeClr val="tx2"/>
                 </a:solidFill>
               </a:rPr>
-              <a:t>Make sure to test and understand your tools thoroughly </a:t>
-            </a:r>
-            <a:r>
-              <a:rPr lang="en-US" b="1" i="1" dirty="0">
-                <a:solidFill>
-                  <a:schemeClr val="tx2"/>
-                </a:solidFill>
-              </a:rPr>
-              <a:t>before</a:t>
-            </a:r>
+              <a:t>Continue provenance capture through data analysis/reduction process</a:t>
+            </a:r>
+          </a:p>
+          <a:p>
+            <a:pPr lvl="1">
+              <a:spcBef>
+                <a:spcPts val="200"/>
+              </a:spcBef>
+            </a:pPr>
             <a:r>
               <a:rPr lang="en-US" b="1" dirty="0">
                 <a:solidFill>
                   <a:schemeClr val="tx2"/>
                 </a:solidFill>
               </a:rPr>
-              <a:t> using them for something important!</a:t>
-            </a:r>
-          </a:p>
-          <a:p>
-            <a:endParaRPr lang="en-US" dirty="0"/>
+              <a:t>Agents (codes), entities (inputs, outputs, etc.), activities (the transformation)</a:t>
+            </a:r>
+          </a:p>
+          <a:p>
+            <a:r>
+              <a:rPr lang="en-US" dirty="0"/>
+              <a:t>Script as much of your analysis/reduction as possible</a:t>
+            </a:r>
+          </a:p>
+          <a:p>
+            <a:pPr lvl="1">
+              <a:spcBef>
+                <a:spcPts val="200"/>
+              </a:spcBef>
+            </a:pPr>
+            <a:r>
+              <a:rPr lang="en-US" dirty="0"/>
+              <a:t>Prefer scriptable tools over those requiring human interaction</a:t>
+            </a:r>
+          </a:p>
+          <a:p>
+            <a:pPr lvl="1">
+              <a:spcBef>
+                <a:spcPts val="200"/>
+              </a:spcBef>
+            </a:pPr>
+            <a:r>
+              <a:rPr lang="en-US" dirty="0"/>
+              <a:t>Keep them under version control</a:t>
+            </a:r>
+          </a:p>
+          <a:p>
+            <a:r>
+              <a:rPr lang="en-US" dirty="0"/>
+              <a:t>Document your process thoroughly</a:t>
+            </a:r>
+          </a:p>
+          <a:p>
+            <a:pPr lvl="1">
+              <a:spcBef>
+                <a:spcPts val="200"/>
+              </a:spcBef>
+            </a:pPr>
+            <a:r>
+              <a:rPr lang="en-US" dirty="0"/>
+              <a:t>Separately from scripts, etc.</a:t>
+            </a:r>
+          </a:p>
+          <a:p>
+            <a:pPr lvl="1">
+              <a:spcBef>
+                <a:spcPts val="200"/>
+              </a:spcBef>
+            </a:pPr>
+            <a:r>
+              <a:rPr lang="en-US" dirty="0"/>
+              <a:t>E.g., paper or electronic notebook</a:t>
+            </a:r>
+          </a:p>
+          <a:p>
+            <a:pPr lvl="1">
+              <a:spcBef>
+                <a:spcPts val="200"/>
+              </a:spcBef>
+            </a:pPr>
+            <a:r>
+              <a:rPr lang="en-US" dirty="0"/>
+              <a:t>Especially where human interaction is required</a:t>
+            </a:r>
+          </a:p>
+          <a:p>
+            <a:r>
+              <a:rPr lang="en-US" dirty="0"/>
+              <a:t>Capture key intermediates in the reduction process</a:t>
+            </a:r>
+          </a:p>
+          <a:p>
+            <a:pPr lvl="1">
+              <a:spcBef>
+                <a:spcPts val="200"/>
+              </a:spcBef>
+            </a:pPr>
+            <a:r>
+              <a:rPr lang="en-US" dirty="0"/>
+              <a:t>The more you capture, the more you have to verify (and find problems) later</a:t>
+            </a:r>
+          </a:p>
+          <a:p>
+            <a:r>
+              <a:rPr lang="en-US" dirty="0"/>
+              <a:t>Capture the data (in machine-readable form) used to produce graphs and tables</a:t>
+            </a:r>
+          </a:p>
+          <a:p>
+            <a:pPr lvl="1">
+              <a:spcBef>
+                <a:spcPts val="200"/>
+              </a:spcBef>
+            </a:pPr>
+            <a:r>
+              <a:rPr lang="en-US" dirty="0"/>
+              <a:t>Expected by basic data management plans</a:t>
+            </a:r>
+          </a:p>
+          <a:p>
+            <a:pPr lvl="1">
+              <a:spcBef>
+                <a:spcPts val="200"/>
+              </a:spcBef>
+            </a:pPr>
+            <a:r>
+              <a:rPr lang="en-US" dirty="0"/>
+              <a:t>And an increasing number of publishers</a:t>
+            </a:r>
           </a:p>
         </p:txBody>
       </p:sp>
     </p:spTree>
     <p:extLst>
       <p:ext uri="{BB962C8B-B14F-4D97-AF65-F5344CB8AC3E}">
-        <p14:creationId xmlns:p14="http://schemas.microsoft.com/office/powerpoint/2010/main" val="2976835437"/>
+        <p14:creationId xmlns:p14="http://schemas.microsoft.com/office/powerpoint/2010/main" val="3808973367"/>
       </p:ext>
     </p:extLst>
   </p:cSld>
@@ -10350,6 +10494,204 @@
           <p:cNvPr id="2" name="Title 1">
             <a:extLst>
               <a:ext uri="{FF2B5EF4-FFF2-40B4-BE49-F238E27FC236}">
+                <a16:creationId xmlns:a16="http://schemas.microsoft.com/office/drawing/2014/main" id="{E3A332E9-2FA0-40C4-8D47-26B41016D037}"/>
+              </a:ext>
+            </a:extLst>
+          </p:cNvPr>
+          <p:cNvSpPr>
+            <a:spLocks noGrp="1"/>
+          </p:cNvSpPr>
+          <p:nvPr>
+            <p:ph type="title"/>
+          </p:nvPr>
+        </p:nvSpPr>
+        <p:spPr/>
+        <p:txBody>
+          <a:bodyPr/>
+          <a:lstStyle/>
+          <a:p>
+            <a:r>
+              <a:rPr lang="en-US" dirty="0"/>
+              <a:t>Tools May Help with Reproducibility</a:t>
+            </a:r>
+          </a:p>
+        </p:txBody>
+      </p:sp>
+      <p:sp>
+        <p:nvSpPr>
+          <p:cNvPr id="3" name="Content Placeholder 2">
+            <a:extLst>
+              <a:ext uri="{FF2B5EF4-FFF2-40B4-BE49-F238E27FC236}">
+                <a16:creationId xmlns:a16="http://schemas.microsoft.com/office/drawing/2014/main" id="{735D30F0-B0A3-467E-9909-18B09F1F526A}"/>
+              </a:ext>
+            </a:extLst>
+          </p:cNvPr>
+          <p:cNvSpPr>
+            <a:spLocks noGrp="1"/>
+          </p:cNvSpPr>
+          <p:nvPr>
+            <p:ph idx="1"/>
+          </p:nvPr>
+        </p:nvSpPr>
+        <p:spPr>
+          <a:xfrm>
+            <a:off x="365760" y="1207641"/>
+            <a:ext cx="11369809" cy="4047778"/>
+          </a:xfrm>
+        </p:spPr>
+        <p:txBody>
+          <a:bodyPr/>
+          <a:lstStyle/>
+          <a:p>
+            <a:pPr marL="0" indent="0">
+              <a:buNone/>
+            </a:pPr>
+            <a:r>
+              <a:rPr lang="en-US" dirty="0"/>
+              <a:t>Just a small sampling…</a:t>
+            </a:r>
+          </a:p>
+          <a:p>
+            <a:r>
+              <a:rPr lang="en-US" dirty="0"/>
+              <a:t>Containers to capture the software</a:t>
+            </a:r>
+          </a:p>
+          <a:p>
+            <a:r>
+              <a:rPr lang="en-US" dirty="0"/>
+              <a:t>Resources for finding, understanding, and debugging floating point math problems: </a:t>
+            </a:r>
+            <a:r>
+              <a:rPr lang="en-US" dirty="0">
+                <a:hlinkClick r:id="rId2"/>
+              </a:rPr>
+              <a:t>http://fpanalysistools.org/</a:t>
+            </a:r>
+            <a:endParaRPr lang="en-US" dirty="0"/>
+          </a:p>
+          <a:p>
+            <a:r>
+              <a:rPr lang="en-US" dirty="0"/>
+              <a:t>Cloud platforms to publish and reproduce research code and data</a:t>
+            </a:r>
+          </a:p>
+          <a:p>
+            <a:pPr lvl="1"/>
+            <a:r>
+              <a:rPr lang="en-US" dirty="0"/>
+              <a:t>E.g., </a:t>
+            </a:r>
+            <a:r>
+              <a:rPr lang="en-US" dirty="0">
+                <a:hlinkClick r:id="rId3"/>
+              </a:rPr>
+              <a:t>https://CodeOcean.com</a:t>
+            </a:r>
+            <a:endParaRPr lang="en-US" dirty="0"/>
+          </a:p>
+          <a:p>
+            <a:r>
+              <a:rPr lang="en-US" dirty="0"/>
+              <a:t>DOIs and hosting of data, code, documents, etc.</a:t>
+            </a:r>
+          </a:p>
+          <a:p>
+            <a:pPr lvl="1"/>
+            <a:r>
+              <a:rPr lang="en-US" dirty="0"/>
+              <a:t>E.g., </a:t>
+            </a:r>
+            <a:r>
+              <a:rPr lang="en-US" dirty="0">
+                <a:hlinkClick r:id="rId4"/>
+              </a:rPr>
+              <a:t>https://zenodo.org/</a:t>
+            </a:r>
+            <a:r>
+              <a:rPr lang="en-US" dirty="0"/>
+              <a:t>, </a:t>
+            </a:r>
+            <a:r>
+              <a:rPr lang="en-US" dirty="0">
+                <a:hlinkClick r:id="rId5"/>
+              </a:rPr>
+              <a:t>https://FigShare.com</a:t>
+            </a:r>
+            <a:endParaRPr lang="en-US" dirty="0"/>
+          </a:p>
+          <a:p>
+            <a:pPr marL="0" indent="0">
+              <a:spcBef>
+                <a:spcPts val="2800"/>
+              </a:spcBef>
+              <a:buNone/>
+            </a:pPr>
+            <a:r>
+              <a:rPr lang="en-US" b="1" dirty="0">
+                <a:solidFill>
+                  <a:schemeClr val="tx2"/>
+                </a:solidFill>
+              </a:rPr>
+              <a:t>Make sure to test and understand your tools thoroughly </a:t>
+            </a:r>
+            <a:r>
+              <a:rPr lang="en-US" b="1" i="1" dirty="0">
+                <a:solidFill>
+                  <a:schemeClr val="tx2"/>
+                </a:solidFill>
+              </a:rPr>
+              <a:t>before</a:t>
+            </a:r>
+            <a:r>
+              <a:rPr lang="en-US" b="1" dirty="0">
+                <a:solidFill>
+                  <a:schemeClr val="tx2"/>
+                </a:solidFill>
+              </a:rPr>
+              <a:t> using them for something important!</a:t>
+            </a:r>
+          </a:p>
+          <a:p>
+            <a:endParaRPr lang="en-US" dirty="0"/>
+          </a:p>
+        </p:txBody>
+      </p:sp>
+    </p:spTree>
+    <p:extLst>
+      <p:ext uri="{BB962C8B-B14F-4D97-AF65-F5344CB8AC3E}">
+        <p14:creationId xmlns:p14="http://schemas.microsoft.com/office/powerpoint/2010/main" val="2976835437"/>
+      </p:ext>
+    </p:extLst>
+  </p:cSld>
+  <p:clrMapOvr>
+    <a:masterClrMapping/>
+  </p:clrMapOvr>
+</p:sld>
+</file>
+
+<file path=ppt/slides/slide31.xml><?xml version="1.0" encoding="utf-8"?>
+<p:sld xmlns:a="http://schemas.openxmlformats.org/drawingml/2006/main" xmlns:r="http://schemas.openxmlformats.org/officeDocument/2006/relationships" xmlns:p="http://schemas.openxmlformats.org/presentationml/2006/main">
+  <p:cSld>
+    <p:spTree>
+      <p:nvGrpSpPr>
+        <p:cNvPr id="1" name=""/>
+        <p:cNvGrpSpPr/>
+        <p:nvPr/>
+      </p:nvGrpSpPr>
+      <p:grpSpPr>
+        <a:xfrm>
+          <a:off x="0" y="0"/>
+          <a:ext cx="0" cy="0"/>
+          <a:chOff x="0" y="0"/>
+          <a:chExt cx="0" cy="0"/>
+        </a:xfrm>
+      </p:grpSpPr>
+      <p:sp>
+        <p:nvSpPr>
+          <p:cNvPr id="2" name="Title 1">
+            <a:extLst>
+              <a:ext uri="{FF2B5EF4-FFF2-40B4-BE49-F238E27FC236}">
                 <a16:creationId xmlns:a16="http://schemas.microsoft.com/office/drawing/2014/main" id="{4716E6A3-96EC-4523-A436-014C2E270151}"/>
               </a:ext>
             </a:extLst>
@@ -10492,7 +10834,7 @@
 </p:sld>
 </file>
 
-<file path=ppt/slides/slide31.xml><?xml version="1.0" encoding="utf-8"?>
+<file path=ppt/slides/slide32.xml><?xml version="1.0" encoding="utf-8"?>
 <p:sld xmlns:a="http://schemas.openxmlformats.org/drawingml/2006/main" xmlns:r="http://schemas.openxmlformats.org/officeDocument/2006/relationships" xmlns:p="http://schemas.openxmlformats.org/presentationml/2006/main">
   <p:cSld>
     <p:spTree>
@@ -10544,15 +10886,10 @@
         <p:spPr/>
         <p:txBody>
           <a:bodyPr>
-            <a:normAutofit fontScale="92500" lnSpcReduction="10000"/>
+            <a:normAutofit fontScale="85000" lnSpcReduction="20000"/>
           </a:bodyPr>
           <a:lstStyle/>
           <a:p>
-            <a:pPr>
-              <a:spcBef>
-                <a:spcPts val="800"/>
-              </a:spcBef>
-            </a:pPr>
             <a:r>
               <a:rPr lang="en-US" dirty="0"/>
               <a:t>The FAIR Guiding Principles for Scientific Data Management and Stewardship. Mark D. Wilkinson, et al. </a:t>
@@ -10566,11 +10903,6 @@
             <a:endParaRPr lang="en-US" dirty="0"/>
           </a:p>
           <a:p>
-            <a:pPr>
-              <a:spcBef>
-                <a:spcPts val="800"/>
-              </a:spcBef>
-            </a:pPr>
             <a:r>
               <a:rPr lang="en-US" dirty="0"/>
               <a:t>FAIR for Research Software (FAIR4RS) Working Group: </a:t>
@@ -10584,11 +10916,6 @@
             <a:endParaRPr lang="en-US" dirty="0"/>
           </a:p>
           <a:p>
-            <a:pPr>
-              <a:spcBef>
-                <a:spcPts val="800"/>
-              </a:spcBef>
-            </a:pPr>
             <a:r>
               <a:rPr lang="en-US" dirty="0"/>
               <a:t>Editorial: ACM TOMS Replicated Computational Results Initiative. Michael A. Heroux. 2015.  </a:t>
@@ -10618,11 +10945,6 @@
             <a:endParaRPr lang="en-US" dirty="0"/>
           </a:p>
           <a:p>
-            <a:pPr>
-              <a:spcBef>
-                <a:spcPts val="800"/>
-              </a:spcBef>
-            </a:pPr>
             <a:r>
               <a:rPr lang="en-US" dirty="0"/>
               <a:t>Enhancing Reproducibility for Computational Methods. Victoria </a:t>
@@ -10661,11 +10983,6 @@
             </a:r>
           </a:p>
           <a:p>
-            <a:pPr>
-              <a:spcBef>
-                <a:spcPts val="800"/>
-              </a:spcBef>
-            </a:pPr>
             <a:r>
               <a:rPr lang="en-US" dirty="0"/>
               <a:t>Simple experiments in reproducibility and technical trust by Mike Heroux and students (work in progress),</a:t>
@@ -10685,11 +11002,19 @@
             <a:endParaRPr lang="en-US" u="sng" dirty="0"/>
           </a:p>
           <a:p>
-            <a:pPr>
-              <a:spcBef>
-                <a:spcPts val="800"/>
-              </a:spcBef>
-            </a:pPr>
+            <a:r>
+              <a:rPr lang="en-US" dirty="0"/>
+              <a:t>What every scientist should know about floating-point arithmetic. David Goldberg. </a:t>
+            </a:r>
+            <a:r>
+              <a:rPr lang="en-US" dirty="0">
+                <a:hlinkClick r:id="rId6"/>
+              </a:rPr>
+              <a:t>https://doi.org/10.1145/103162.103163</a:t>
+            </a:r>
+            <a:endParaRPr lang="en-US" dirty="0"/>
+          </a:p>
+          <a:p>
             <a:endParaRPr lang="en-US" sz="1600" dirty="0"/>
           </a:p>
         </p:txBody>

--- a/reproducibility.pptx
+++ b/reproducibility.pptx
@@ -286,7 +286,7 @@
           <a:p>
             <a:fld id="{0B842F42-2CE9-4E35-95C1-410DC08A50B1}" type="datetimeFigureOut">
               <a:rPr lang="en-US" smtClean="0"/>
-              <a:t>8/8/2021</a:t>
+              <a:t>8/10/2021</a:t>
             </a:fld>
             <a:endParaRPr lang="en-US"/>
           </a:p>
@@ -451,7 +451,7 @@
           <a:p>
             <a:fld id="{6F282904-F315-4730-8D91-37D99E141A6F}" type="datetimeFigureOut">
               <a:rPr lang="en-US" smtClean="0"/>
-              <a:t>8/8/2021</a:t>
+              <a:t>8/10/2021</a:t>
             </a:fld>
             <a:endParaRPr lang="en-US"/>
           </a:p>
@@ -7803,13 +7803,13 @@
             </a:pPr>
             <a:r>
               <a:rPr lang="en-US" sz="1600" b="1" dirty="0"/>
-              <a:t>The requested citation the overall tutorial is: David E. Bernholdt, Anshu Dubey, Patricia A. Grubel, Rinku K. Gupta, and David M. Rogers, Better Scientific Software tutorial, in ISC High Performance, online, 2021. DOI: </a:t>
+              <a:t>The requested citation the overall tutorial is: David E. Bernholdt, Anshu Dubey, Rinku K. Gupta, and David M. Rogers, Software Productivity and Sustainability track, in Argonne Training Program on Extreme-Scale Computing (ATPESC), online, 2021. DOI: </a:t>
             </a:r>
             <a:r>
               <a:rPr lang="en-US" sz="1600" b="1" dirty="0">
                 <a:hlinkClick r:id="rId4"/>
               </a:rPr>
-              <a:t>10.6084/m9.figshare.14642520</a:t>
+              <a:t>10.6084/m9.figshare.15130590</a:t>
             </a:r>
             <a:endParaRPr lang="en-US" sz="1600" b="1" dirty="0"/>
           </a:p>
@@ -7983,7 +7983,7 @@
     </p:spTree>
     <p:extLst>
       <p:ext uri="{BB962C8B-B14F-4D97-AF65-F5344CB8AC3E}">
-        <p14:creationId xmlns:p14="http://schemas.microsoft.com/office/powerpoint/2010/main" val="2444001228"/>
+        <p14:creationId xmlns:p14="http://schemas.microsoft.com/office/powerpoint/2010/main" val="978726433"/>
       </p:ext>
     </p:extLst>
   </p:cSld>
@@ -13475,12 +13475,9 @@
 </file>
 
 <file path=customXml/item1.xml><?xml version="1.0" encoding="utf-8"?>
-<?mso-contentType ?>
-<FormTemplates xmlns="http://schemas.microsoft.com/sharepoint/v3/contenttype/forms">
-  <Display>DocumentLibraryForm</Display>
-  <Edit>DocumentLibraryForm</Edit>
-  <New>DocumentLibraryForm</New>
-</FormTemplates>
+<p:properties xmlns:p="http://schemas.microsoft.com/office/2006/metadata/properties" xmlns:xsi="http://www.w3.org/2001/XMLSchema-instance" xmlns:pc="http://schemas.microsoft.com/office/infopath/2007/PartnerControls">
+  <documentManagement/>
+</p:properties>
 </file>
 
 <file path=customXml/item2.xml><?xml version="1.0" encoding="utf-8"?>
@@ -13533,15 +13530,25 @@
 </file>
 
 <file path=customXml/item3.xml><?xml version="1.0" encoding="utf-8"?>
-<p:properties xmlns:p="http://schemas.microsoft.com/office/2006/metadata/properties" xmlns:xsi="http://www.w3.org/2001/XMLSchema-instance" xmlns:pc="http://schemas.microsoft.com/office/infopath/2007/PartnerControls">
-  <documentManagement/>
-</p:properties>
+<?mso-contentType ?>
+<FormTemplates xmlns="http://schemas.microsoft.com/sharepoint/v3/contenttype/forms">
+  <Display>DocumentLibraryForm</Display>
+  <Edit>DocumentLibraryForm</Edit>
+  <New>DocumentLibraryForm</New>
+</FormTemplates>
 </file>
 
 <file path=customXml/itemProps1.xml><?xml version="1.0" encoding="utf-8"?>
-<ds:datastoreItem xmlns:ds="http://schemas.openxmlformats.org/officeDocument/2006/customXml" ds:itemID="{19E20559-B232-4371-8690-E3D8007EDB82}">
+<ds:datastoreItem xmlns:ds="http://schemas.openxmlformats.org/officeDocument/2006/customXml" ds:itemID="{A50EC660-24D0-43A0-AE5E-E274115E726B}">
   <ds:schemaRefs>
-    <ds:schemaRef ds:uri="http://schemas.microsoft.com/sharepoint/v3/contenttype/forms"/>
+    <ds:schemaRef ds:uri="http://purl.org/dc/elements/1.1/"/>
+    <ds:schemaRef ds:uri="http://schemas.microsoft.com/office/2006/metadata/properties"/>
+    <ds:schemaRef ds:uri="http://purl.org/dc/terms/"/>
+    <ds:schemaRef ds:uri="http://schemas.openxmlformats.org/package/2006/metadata/core-properties"/>
+    <ds:schemaRef ds:uri="http://schemas.microsoft.com/office/2006/documentManagement/types"/>
+    <ds:schemaRef ds:uri="http://www.w3.org/XML/1998/namespace"/>
+    <ds:schemaRef ds:uri="http://purl.org/dc/dcmitype/"/>
+    <ds:schemaRef ds:uri="http://schemas.microsoft.com/office/infopath/2007/PartnerControls"/>
   </ds:schemaRefs>
 </ds:datastoreItem>
 </file>
@@ -13562,16 +13569,9 @@
 </file>
 
 <file path=customXml/itemProps3.xml><?xml version="1.0" encoding="utf-8"?>
-<ds:datastoreItem xmlns:ds="http://schemas.openxmlformats.org/officeDocument/2006/customXml" ds:itemID="{A50EC660-24D0-43A0-AE5E-E274115E726B}">
+<ds:datastoreItem xmlns:ds="http://schemas.openxmlformats.org/officeDocument/2006/customXml" ds:itemID="{19E20559-B232-4371-8690-E3D8007EDB82}">
   <ds:schemaRefs>
-    <ds:schemaRef ds:uri="http://purl.org/dc/elements/1.1/"/>
-    <ds:schemaRef ds:uri="http://schemas.microsoft.com/office/2006/metadata/properties"/>
-    <ds:schemaRef ds:uri="http://purl.org/dc/terms/"/>
-    <ds:schemaRef ds:uri="http://schemas.openxmlformats.org/package/2006/metadata/core-properties"/>
-    <ds:schemaRef ds:uri="http://schemas.microsoft.com/office/2006/documentManagement/types"/>
-    <ds:schemaRef ds:uri="http://www.w3.org/XML/1998/namespace"/>
-    <ds:schemaRef ds:uri="http://purl.org/dc/dcmitype/"/>
-    <ds:schemaRef ds:uri="http://schemas.microsoft.com/office/infopath/2007/PartnerControls"/>
+    <ds:schemaRef ds:uri="http://schemas.microsoft.com/sharepoint/v3/contenttype/forms"/>
   </ds:schemaRefs>
 </ds:datastoreItem>
 </file>
--- a/reproducibility.pptx
+++ b/reproducibility.pptx
@@ -12,7 +12,7 @@
   </p:handoutMasterIdLst>
   <p:sldIdLst>
     <p:sldId id="318" r:id="rId5"/>
-    <p:sldId id="320" r:id="rId6"/>
+    <p:sldId id="1846" r:id="rId6"/>
     <p:sldId id="1820" r:id="rId7"/>
     <p:sldId id="1838" r:id="rId8"/>
     <p:sldId id="1824" r:id="rId9"/>
@@ -286,7 +286,7 @@
           <a:p>
             <a:fld id="{0B842F42-2CE9-4E35-95C1-410DC08A50B1}" type="datetimeFigureOut">
               <a:rPr lang="en-US" smtClean="0"/>
-              <a:t>8/10/2021</a:t>
+              <a:t>9/1/2021</a:t>
             </a:fld>
             <a:endParaRPr lang="en-US"/>
           </a:p>
@@ -451,7 +451,7 @@
           <a:p>
             <a:fld id="{6F282904-F315-4730-8D91-37D99E141A6F}" type="datetimeFigureOut">
               <a:rPr lang="en-US" smtClean="0"/>
-              <a:t>8/10/2021</a:t>
+              <a:t>9/1/2021</a:t>
             </a:fld>
             <a:endParaRPr lang="en-US"/>
           </a:p>
@@ -4962,8 +4962,16 @@
               <a:rPr lang="en-US" u="sng" dirty="0"/>
               <a:t>David E. Bernholdt</a:t>
             </a:r>
+            <a:r>
+              <a:rPr lang="en-US" dirty="0"/>
+              <a:t> </a:t>
+            </a:r>
+            <a:r>
+              <a:rPr lang="en-US" sz="2000" dirty="0"/>
+              <a:t>(he/him)</a:t>
+            </a:r>
             <a:br>
-              <a:rPr lang="en-US" u="sng" dirty="0"/>
+              <a:rPr lang="en-US" sz="2000" u="sng" dirty="0"/>
             </a:br>
             <a:r>
               <a:rPr lang="en-US" sz="2000" dirty="0"/>
@@ -4978,7 +4986,7 @@
             </a:pPr>
             <a:r>
               <a:rPr lang="en-US" sz="2000" dirty="0"/>
-              <a:t>Software Productivity and Sustainability track, ATPESC 2021</a:t>
+              <a:t>Better Scientific Software tutorial @ SC21</a:t>
             </a:r>
           </a:p>
           <a:p>
@@ -7803,13 +7811,13 @@
             </a:pPr>
             <a:r>
               <a:rPr lang="en-US" sz="1600" b="1" dirty="0"/>
-              <a:t>The requested citation the overall tutorial is: David E. Bernholdt, Anshu Dubey, Rinku K. Gupta, and David M. Rogers, Software Productivity and Sustainability track, in Argonne Training Program on Extreme-Scale Computing (ATPESC), online, 2021. DOI: </a:t>
+              <a:t>The requested citation the overall tutorial is: David E. Bernholdt, Anshu Dubey, Patricia A. Grubel, Rinku K. Gupta, and Gregory R. Watson, Better Scientific Software tutorial, in the International Conference for High-Performance Computing, Networking, Storage, and Analysis (SC21), St. Louis, MO, USA and online, 2021. DOI: </a:t>
             </a:r>
             <a:r>
               <a:rPr lang="en-US" sz="1600" b="1" dirty="0">
                 <a:hlinkClick r:id="rId4"/>
               </a:rPr>
-              <a:t>10.6084/m9.figshare.15130590</a:t>
+              <a:t>10.6084/m9.figshare.16556628</a:t>
             </a:r>
             <a:endParaRPr lang="en-US" sz="1600" b="1" dirty="0"/>
           </a:p>
@@ -7983,7 +7991,7 @@
     </p:spTree>
     <p:extLst>
       <p:ext uri="{BB962C8B-B14F-4D97-AF65-F5344CB8AC3E}">
-        <p14:creationId xmlns:p14="http://schemas.microsoft.com/office/powerpoint/2010/main" val="978726433"/>
+        <p14:creationId xmlns:p14="http://schemas.microsoft.com/office/powerpoint/2010/main" val="4012735612"/>
       </p:ext>
     </p:extLst>
   </p:cSld>
@@ -13475,12 +13483,6 @@
 </file>
 
 <file path=customXml/item1.xml><?xml version="1.0" encoding="utf-8"?>
-<p:properties xmlns:p="http://schemas.microsoft.com/office/2006/metadata/properties" xmlns:xsi="http://www.w3.org/2001/XMLSchema-instance" xmlns:pc="http://schemas.microsoft.com/office/infopath/2007/PartnerControls">
-  <documentManagement/>
-</p:properties>
-</file>
-
-<file path=customXml/item2.xml><?xml version="1.0" encoding="utf-8"?>
 <ct:contentTypeSchema xmlns:ct="http://schemas.microsoft.com/office/2006/metadata/contentType" xmlns:ma="http://schemas.microsoft.com/office/2006/metadata/properties/metaAttributes" ct:_="" ma:_="" ma:contentTypeName="Document" ma:contentTypeID="0x010100565464437F680748A68B85EB6594EA7D" ma:contentTypeVersion="0" ma:contentTypeDescription="Create a new document." ma:contentTypeScope="" ma:versionID="fe3f4dd58d5914c51cfc6deaa8ad845c">
   <xsd:schema xmlns:xsd="http://www.w3.org/2001/XMLSchema" xmlns:p="http://schemas.microsoft.com/office/2006/metadata/properties" targetNamespace="http://schemas.microsoft.com/office/2006/metadata/properties" ma:root="true" ma:fieldsID="4aeb20c0e3442673af7ee10786458764">
     <xsd:element name="properties">
@@ -13529,6 +13531,12 @@
 </ct:contentTypeSchema>
 </file>
 
+<file path=customXml/item2.xml><?xml version="1.0" encoding="utf-8"?>
+<p:properties xmlns:p="http://schemas.microsoft.com/office/2006/metadata/properties" xmlns:xsi="http://www.w3.org/2001/XMLSchema-instance" xmlns:pc="http://schemas.microsoft.com/office/infopath/2007/PartnerControls">
+  <documentManagement/>
+</p:properties>
+</file>
+
 <file path=customXml/item3.xml><?xml version="1.0" encoding="utf-8"?>
 <?mso-contentType ?>
 <FormTemplates xmlns="http://schemas.microsoft.com/sharepoint/v3/contenttype/forms">
@@ -13539,6 +13547,21 @@
 </file>
 
 <file path=customXml/itemProps1.xml><?xml version="1.0" encoding="utf-8"?>
+<ds:datastoreItem xmlns:ds="http://schemas.openxmlformats.org/officeDocument/2006/customXml" ds:itemID="{E8DB7DEB-074E-4EE8-9B6E-FD277323109C}">
+  <ds:schemaRefs>
+    <ds:schemaRef ds:uri="http://schemas.microsoft.com/office/2006/metadata/contentType"/>
+    <ds:schemaRef ds:uri="http://schemas.microsoft.com/office/2006/metadata/properties/metaAttributes"/>
+    <ds:schemaRef ds:uri="http://www.w3.org/2001/XMLSchema"/>
+    <ds:schemaRef ds:uri="http://schemas.microsoft.com/office/2006/metadata/properties"/>
+    <ds:schemaRef ds:uri="http://schemas.openxmlformats.org/package/2006/metadata/core-properties"/>
+    <ds:schemaRef ds:uri="http://purl.org/dc/elements/1.1/"/>
+    <ds:schemaRef ds:uri="http://purl.org/dc/terms/"/>
+    <ds:schemaRef ds:uri="http://schemas.microsoft.com/office/internal/2005/internalDocumentation"/>
+  </ds:schemaRefs>
+</ds:datastoreItem>
+</file>
+
+<file path=customXml/itemProps2.xml><?xml version="1.0" encoding="utf-8"?>
 <ds:datastoreItem xmlns:ds="http://schemas.openxmlformats.org/officeDocument/2006/customXml" ds:itemID="{A50EC660-24D0-43A0-AE5E-E274115E726B}">
   <ds:schemaRefs>
     <ds:schemaRef ds:uri="http://purl.org/dc/elements/1.1/"/>
@@ -13553,21 +13576,6 @@
 </ds:datastoreItem>
 </file>
 
-<file path=customXml/itemProps2.xml><?xml version="1.0" encoding="utf-8"?>
-<ds:datastoreItem xmlns:ds="http://schemas.openxmlformats.org/officeDocument/2006/customXml" ds:itemID="{E8DB7DEB-074E-4EE8-9B6E-FD277323109C}">
-  <ds:schemaRefs>
-    <ds:schemaRef ds:uri="http://schemas.microsoft.com/office/2006/metadata/contentType"/>
-    <ds:schemaRef ds:uri="http://schemas.microsoft.com/office/2006/metadata/properties/metaAttributes"/>
-    <ds:schemaRef ds:uri="http://www.w3.org/2001/XMLSchema"/>
-    <ds:schemaRef ds:uri="http://schemas.microsoft.com/office/2006/metadata/properties"/>
-    <ds:schemaRef ds:uri="http://schemas.openxmlformats.org/package/2006/metadata/core-properties"/>
-    <ds:schemaRef ds:uri="http://purl.org/dc/elements/1.1/"/>
-    <ds:schemaRef ds:uri="http://purl.org/dc/terms/"/>
-    <ds:schemaRef ds:uri="http://schemas.microsoft.com/office/internal/2005/internalDocumentation"/>
-  </ds:schemaRefs>
-</ds:datastoreItem>
-</file>
-
 <file path=customXml/itemProps3.xml><?xml version="1.0" encoding="utf-8"?>
 <ds:datastoreItem xmlns:ds="http://schemas.openxmlformats.org/officeDocument/2006/customXml" ds:itemID="{19E20559-B232-4371-8690-E3D8007EDB82}">
   <ds:schemaRefs>

--- a/reproducibility.pptx
+++ b/reproducibility.pptx
@@ -286,7 +286,7 @@
           <a:p>
             <a:fld id="{0B842F42-2CE9-4E35-95C1-410DC08A50B1}" type="datetimeFigureOut">
               <a:rPr lang="en-US" smtClean="0"/>
-              <a:t>9/1/2021</a:t>
+              <a:t>9/14/2021</a:t>
             </a:fld>
             <a:endParaRPr lang="en-US"/>
           </a:p>
@@ -451,7 +451,7 @@
           <a:p>
             <a:fld id="{6F282904-F315-4730-8D91-37D99E141A6F}" type="datetimeFigureOut">
               <a:rPr lang="en-US" smtClean="0"/>
-              <a:t>9/1/2021</a:t>
+              <a:t>9/14/2021</a:t>
             </a:fld>
             <a:endParaRPr lang="en-US"/>
           </a:p>
@@ -5986,34 +5986,6 @@
             <a:r>
               <a:rPr lang="en-US" dirty="0"/>
               <a:t>Increasing requirements for publications (SC, ACM and more)</a:t>
-            </a:r>
-          </a:p>
-          <a:p>
-            <a:pPr marL="346075" lvl="1" indent="0">
-              <a:buNone/>
-            </a:pPr>
-            <a:endParaRPr lang="en-US" dirty="0"/>
-          </a:p>
-          <a:p>
-            <a:pPr marL="346075" lvl="1" indent="0">
-              <a:buNone/>
-            </a:pPr>
-            <a:r>
-              <a:rPr lang="en-US" sz="2400" b="1" dirty="0"/>
-              <a:t>See Appendix</a:t>
-            </a:r>
-            <a:r>
-              <a:rPr lang="en-US" sz="2400" dirty="0"/>
-              <a:t>:</a:t>
-            </a:r>
-          </a:p>
-          <a:p>
-            <a:pPr marL="346075" lvl="1" indent="0">
-              <a:buNone/>
-            </a:pPr>
-            <a:r>
-              <a:rPr lang="en-US" sz="2400" dirty="0"/>
-              <a:t>Requirement Initiatives for Data Management and Publication</a:t>
             </a:r>
           </a:p>
         </p:txBody>
@@ -13483,6 +13455,12 @@
 </file>
 
 <file path=customXml/item1.xml><?xml version="1.0" encoding="utf-8"?>
+<p:properties xmlns:p="http://schemas.microsoft.com/office/2006/metadata/properties" xmlns:xsi="http://www.w3.org/2001/XMLSchema-instance" xmlns:pc="http://schemas.microsoft.com/office/infopath/2007/PartnerControls">
+  <documentManagement/>
+</p:properties>
+</file>
+
+<file path=customXml/item2.xml><?xml version="1.0" encoding="utf-8"?>
 <ct:contentTypeSchema xmlns:ct="http://schemas.microsoft.com/office/2006/metadata/contentType" xmlns:ma="http://schemas.microsoft.com/office/2006/metadata/properties/metaAttributes" ct:_="" ma:_="" ma:contentTypeName="Document" ma:contentTypeID="0x010100565464437F680748A68B85EB6594EA7D" ma:contentTypeVersion="0" ma:contentTypeDescription="Create a new document." ma:contentTypeScope="" ma:versionID="fe3f4dd58d5914c51cfc6deaa8ad845c">
   <xsd:schema xmlns:xsd="http://www.w3.org/2001/XMLSchema" xmlns:p="http://schemas.microsoft.com/office/2006/metadata/properties" targetNamespace="http://schemas.microsoft.com/office/2006/metadata/properties" ma:root="true" ma:fieldsID="4aeb20c0e3442673af7ee10786458764">
     <xsd:element name="properties">
@@ -13531,12 +13509,6 @@
 </ct:contentTypeSchema>
 </file>
 
-<file path=customXml/item2.xml><?xml version="1.0" encoding="utf-8"?>
-<p:properties xmlns:p="http://schemas.microsoft.com/office/2006/metadata/properties" xmlns:xsi="http://www.w3.org/2001/XMLSchema-instance" xmlns:pc="http://schemas.microsoft.com/office/infopath/2007/PartnerControls">
-  <documentManagement/>
-</p:properties>
-</file>
-
 <file path=customXml/item3.xml><?xml version="1.0" encoding="utf-8"?>
 <?mso-contentType ?>
 <FormTemplates xmlns="http://schemas.microsoft.com/sharepoint/v3/contenttype/forms">
@@ -13547,6 +13519,21 @@
 </file>
 
 <file path=customXml/itemProps1.xml><?xml version="1.0" encoding="utf-8"?>
+<ds:datastoreItem xmlns:ds="http://schemas.openxmlformats.org/officeDocument/2006/customXml" ds:itemID="{A50EC660-24D0-43A0-AE5E-E274115E726B}">
+  <ds:schemaRefs>
+    <ds:schemaRef ds:uri="http://purl.org/dc/elements/1.1/"/>
+    <ds:schemaRef ds:uri="http://schemas.microsoft.com/office/2006/metadata/properties"/>
+    <ds:schemaRef ds:uri="http://purl.org/dc/terms/"/>
+    <ds:schemaRef ds:uri="http://schemas.openxmlformats.org/package/2006/metadata/core-properties"/>
+    <ds:schemaRef ds:uri="http://schemas.microsoft.com/office/2006/documentManagement/types"/>
+    <ds:schemaRef ds:uri="http://www.w3.org/XML/1998/namespace"/>
+    <ds:schemaRef ds:uri="http://purl.org/dc/dcmitype/"/>
+    <ds:schemaRef ds:uri="http://schemas.microsoft.com/office/infopath/2007/PartnerControls"/>
+  </ds:schemaRefs>
+</ds:datastoreItem>
+</file>
+
+<file path=customXml/itemProps2.xml><?xml version="1.0" encoding="utf-8"?>
 <ds:datastoreItem xmlns:ds="http://schemas.openxmlformats.org/officeDocument/2006/customXml" ds:itemID="{E8DB7DEB-074E-4EE8-9B6E-FD277323109C}">
   <ds:schemaRefs>
     <ds:schemaRef ds:uri="http://schemas.microsoft.com/office/2006/metadata/contentType"/>
@@ -13561,21 +13548,6 @@
 </ds:datastoreItem>
 </file>
 
-<file path=customXml/itemProps2.xml><?xml version="1.0" encoding="utf-8"?>
-<ds:datastoreItem xmlns:ds="http://schemas.openxmlformats.org/officeDocument/2006/customXml" ds:itemID="{A50EC660-24D0-43A0-AE5E-E274115E726B}">
-  <ds:schemaRefs>
-    <ds:schemaRef ds:uri="http://purl.org/dc/elements/1.1/"/>
-    <ds:schemaRef ds:uri="http://schemas.microsoft.com/office/2006/metadata/properties"/>
-    <ds:schemaRef ds:uri="http://purl.org/dc/terms/"/>
-    <ds:schemaRef ds:uri="http://schemas.openxmlformats.org/package/2006/metadata/core-properties"/>
-    <ds:schemaRef ds:uri="http://schemas.microsoft.com/office/2006/documentManagement/types"/>
-    <ds:schemaRef ds:uri="http://www.w3.org/XML/1998/namespace"/>
-    <ds:schemaRef ds:uri="http://purl.org/dc/dcmitype/"/>
-    <ds:schemaRef ds:uri="http://schemas.microsoft.com/office/infopath/2007/PartnerControls"/>
-  </ds:schemaRefs>
-</ds:datastoreItem>
-</file>
-
 <file path=customXml/itemProps3.xml><?xml version="1.0" encoding="utf-8"?>
 <ds:datastoreItem xmlns:ds="http://schemas.openxmlformats.org/officeDocument/2006/customXml" ds:itemID="{19E20559-B232-4371-8690-E3D8007EDB82}">
   <ds:schemaRefs>

--- a/reproducibility.pptx
+++ b/reproducibility.pptx
@@ -5,10 +5,10 @@
     <p:sldMasterId id="2147483935" r:id="rId4"/>
   </p:sldMasterIdLst>
   <p:notesMasterIdLst>
-    <p:notesMasterId r:id="rId37"/>
+    <p:notesMasterId r:id="rId36"/>
   </p:notesMasterIdLst>
   <p:handoutMasterIdLst>
-    <p:handoutMasterId r:id="rId38"/>
+    <p:handoutMasterId r:id="rId37"/>
   </p:handoutMasterIdLst>
   <p:sldIdLst>
     <p:sldId id="318" r:id="rId5"/>
@@ -23,26 +23,25 @@
     <p:sldId id="1819" r:id="rId14"/>
     <p:sldId id="1825" r:id="rId15"/>
     <p:sldId id="1823" r:id="rId16"/>
-    <p:sldId id="1843" r:id="rId17"/>
-    <p:sldId id="1841" r:id="rId18"/>
-    <p:sldId id="1806" r:id="rId19"/>
-    <p:sldId id="1807" r:id="rId20"/>
-    <p:sldId id="1811" r:id="rId21"/>
-    <p:sldId id="1840" r:id="rId22"/>
-    <p:sldId id="1826" r:id="rId23"/>
-    <p:sldId id="1821" r:id="rId24"/>
-    <p:sldId id="1834" r:id="rId25"/>
-    <p:sldId id="1845" r:id="rId26"/>
-    <p:sldId id="1844" r:id="rId27"/>
-    <p:sldId id="1836" r:id="rId28"/>
-    <p:sldId id="1837" r:id="rId29"/>
-    <p:sldId id="1832" r:id="rId30"/>
-    <p:sldId id="1829" r:id="rId31"/>
-    <p:sldId id="1833" r:id="rId32"/>
-    <p:sldId id="1831" r:id="rId33"/>
-    <p:sldId id="1842" r:id="rId34"/>
-    <p:sldId id="1830" r:id="rId35"/>
-    <p:sldId id="313" r:id="rId36"/>
+    <p:sldId id="1841" r:id="rId17"/>
+    <p:sldId id="1807" r:id="rId18"/>
+    <p:sldId id="1811" r:id="rId19"/>
+    <p:sldId id="1806" r:id="rId20"/>
+    <p:sldId id="1840" r:id="rId21"/>
+    <p:sldId id="1826" r:id="rId22"/>
+    <p:sldId id="1821" r:id="rId23"/>
+    <p:sldId id="1834" r:id="rId24"/>
+    <p:sldId id="1845" r:id="rId25"/>
+    <p:sldId id="1844" r:id="rId26"/>
+    <p:sldId id="1836" r:id="rId27"/>
+    <p:sldId id="1837" r:id="rId28"/>
+    <p:sldId id="1832" r:id="rId29"/>
+    <p:sldId id="1829" r:id="rId30"/>
+    <p:sldId id="1833" r:id="rId31"/>
+    <p:sldId id="1831" r:id="rId32"/>
+    <p:sldId id="1842" r:id="rId33"/>
+    <p:sldId id="1830" r:id="rId34"/>
+    <p:sldId id="313" r:id="rId35"/>
   </p:sldIdLst>
   <p:sldSz cx="12188825" cy="6858000"/>
   <p:notesSz cx="7010400" cy="9296400"/>
@@ -286,7 +285,7 @@
           <a:p>
             <a:fld id="{0B842F42-2CE9-4E35-95C1-410DC08A50B1}" type="datetimeFigureOut">
               <a:rPr lang="en-US" smtClean="0"/>
-              <a:t>9/14/2021</a:t>
+              <a:t>10/12/2021</a:t>
             </a:fld>
             <a:endParaRPr lang="en-US"/>
           </a:p>
@@ -451,7 +450,7 @@
           <a:p>
             <a:fld id="{6F282904-F315-4730-8D91-37D99E141A6F}" type="datetimeFigureOut">
               <a:rPr lang="en-US" smtClean="0"/>
-              <a:t>9/14/2021</a:t>
+              <a:t>10/12/2021</a:t>
             </a:fld>
             <a:endParaRPr lang="en-US"/>
           </a:p>
@@ -1276,7 +1275,7 @@
           <a:p>
             <a:fld id="{54E672D7-8E2D-4611-973D-F4591A707C34}" type="slidenum">
               <a:rPr lang="en-US" smtClean="0"/>
-              <a:t>18</a:t>
+              <a:t>17</a:t>
             </a:fld>
             <a:endParaRPr lang="en-US"/>
           </a:p>
@@ -1360,7 +1359,7 @@
           <a:p>
             <a:fld id="{54E672D7-8E2D-4611-973D-F4591A707C34}" type="slidenum">
               <a:rPr lang="en-US" smtClean="0"/>
-              <a:t>19</a:t>
+              <a:t>18</a:t>
             </a:fld>
             <a:endParaRPr lang="en-US"/>
           </a:p>
@@ -1444,7 +1443,7 @@
           <a:p>
             <a:fld id="{54E672D7-8E2D-4611-973D-F4591A707C34}" type="slidenum">
               <a:rPr lang="en-US" smtClean="0"/>
-              <a:t>27</a:t>
+              <a:t>26</a:t>
             </a:fld>
             <a:endParaRPr lang="en-US"/>
           </a:p>
@@ -1528,7 +1527,7 @@
           <a:p>
             <a:fld id="{54E672D7-8E2D-4611-973D-F4591A707C34}" type="slidenum">
               <a:rPr lang="en-US" smtClean="0"/>
-              <a:t>29</a:t>
+              <a:t>28</a:t>
             </a:fld>
             <a:endParaRPr lang="en-US"/>
           </a:p>
@@ -5187,10 +5186,17 @@
             <a:pPr marL="342900" indent="-342900"/>
             <a:r>
               <a:rPr lang="en-US" dirty="0"/>
-              <a:t>Do something my employer values more</a:t>
-            </a:r>
-          </a:p>
-          <a:p>
+              <a:t>Do something my employer </a:t>
+            </a:r>
+            <a:r>
+              <a:rPr lang="en-US"/>
+              <a:t>values more</a:t>
+            </a:r>
+          </a:p>
+          <a:p>
+            <a:pPr marL="0" indent="0">
+              <a:buNone/>
+            </a:pPr>
             <a:endParaRPr lang="en-US" dirty="0"/>
           </a:p>
           <a:p>
@@ -5695,10 +5701,10 @@
       </p:grpSpPr>
       <p:sp>
         <p:nvSpPr>
-          <p:cNvPr id="2" name="Title 1">
+          <p:cNvPr id="4" name="Title 3">
             <a:extLst>
               <a:ext uri="{FF2B5EF4-FFF2-40B4-BE49-F238E27FC236}">
-                <a16:creationId xmlns:a16="http://schemas.microsoft.com/office/drawing/2014/main" id="{37DBEDD4-F65E-034B-BB5E-8D99F4CD0FBF}"/>
+                <a16:creationId xmlns:a16="http://schemas.microsoft.com/office/drawing/2014/main" id="{672F71E0-47A2-4020-9B2A-62C994864519}"/>
               </a:ext>
             </a:extLst>
           </p:cNvPr>
@@ -5716,276 +5722,334 @@
           <a:p>
             <a:r>
               <a:rPr lang="en-US" dirty="0"/>
-              <a:t>Reproducibility and Transparency Initiatives and Requirements</a:t>
+              <a:t>Funders and the Community Setting Expectations for Your Data</a:t>
             </a:r>
           </a:p>
         </p:txBody>
       </p:sp>
       <p:sp>
         <p:nvSpPr>
-          <p:cNvPr id="4" name="Content Placeholder 2">
+          <p:cNvPr id="5" name="Text Placeholder 4">
             <a:extLst>
               <a:ext uri="{FF2B5EF4-FFF2-40B4-BE49-F238E27FC236}">
-                <a16:creationId xmlns:a16="http://schemas.microsoft.com/office/drawing/2014/main" id="{9A58FF00-57DF-C346-9B46-007A03E57299}"/>
+                <a16:creationId xmlns:a16="http://schemas.microsoft.com/office/drawing/2014/main" id="{5C43CE43-3F69-454F-91AA-79F31589C030}"/>
               </a:ext>
             </a:extLst>
           </p:cNvPr>
-          <p:cNvSpPr txBox="1">
+          <p:cNvSpPr>
             <a:spLocks noGrp="1"/>
           </p:cNvSpPr>
           <p:nvPr>
-            <p:ph idx="1"/>
+            <p:ph type="body" idx="1"/>
           </p:nvPr>
         </p:nvSpPr>
         <p:spPr>
           <a:xfrm>
-            <a:off x="409507" y="1405111"/>
-            <a:ext cx="11369809" cy="4047778"/>
+            <a:off x="457200" y="873418"/>
+            <a:ext cx="5588582" cy="821190"/>
           </a:xfrm>
-          <a:prstGeom prst="rect">
-            <a:avLst/>
-          </a:prstGeom>
         </p:spPr>
         <p:txBody>
           <a:bodyPr/>
-          <a:lstStyle>
-            <a:lvl1pPr marL="230188" indent="-230188" algn="l" rtl="0" eaLnBrk="1" fontAlgn="base" hangingPunct="1">
-              <a:lnSpc>
-                <a:spcPct val="90000"/>
-              </a:lnSpc>
-              <a:spcBef>
-                <a:spcPts val="1400"/>
-              </a:spcBef>
-              <a:spcAft>
-                <a:spcPct val="0"/>
-              </a:spcAft>
-              <a:buClr>
-                <a:schemeClr val="tx1"/>
-              </a:buClr>
-              <a:buFont typeface="Arial" charset="0"/>
-              <a:buChar char="•"/>
-              <a:defRPr sz="2400" kern="1200">
-                <a:solidFill>
-                  <a:schemeClr val="tx1"/>
-                </a:solidFill>
-                <a:latin typeface="+mn-lt"/>
-                <a:ea typeface="+mn-ea"/>
-                <a:cs typeface="+mn-cs"/>
-              </a:defRPr>
-            </a:lvl1pPr>
-            <a:lvl2pPr marL="625475" indent="-279400" algn="l" rtl="0" eaLnBrk="1" fontAlgn="base" hangingPunct="1">
-              <a:lnSpc>
-                <a:spcPct val="90000"/>
-              </a:lnSpc>
+          <a:lstStyle/>
+          <a:p>
+            <a:r>
+              <a:rPr lang="en-US" dirty="0"/>
+              <a:t>Data Management Plans</a:t>
+            </a:r>
+          </a:p>
+        </p:txBody>
+      </p:sp>
+      <p:sp>
+        <p:nvSpPr>
+          <p:cNvPr id="6" name="Content Placeholder 5">
+            <a:extLst>
+              <a:ext uri="{FF2B5EF4-FFF2-40B4-BE49-F238E27FC236}">
+                <a16:creationId xmlns:a16="http://schemas.microsoft.com/office/drawing/2014/main" id="{D66E6D61-44C6-4432-83DF-8B05B0B813B2}"/>
+              </a:ext>
+            </a:extLst>
+          </p:cNvPr>
+          <p:cNvSpPr>
+            <a:spLocks noGrp="1"/>
+          </p:cNvSpPr>
+          <p:nvPr>
+            <p:ph sz="half" idx="2"/>
+          </p:nvPr>
+        </p:nvSpPr>
+        <p:spPr>
+          <a:xfrm>
+            <a:off x="457200" y="1694608"/>
+            <a:ext cx="5588582" cy="3373229"/>
+          </a:xfrm>
+        </p:spPr>
+        <p:txBody>
+          <a:bodyPr/>
+          <a:lstStyle/>
+          <a:p>
+            <a:r>
+              <a:rPr lang="en-US" dirty="0"/>
+              <a:t>Most research sponsors require data management plans as part of proposals</a:t>
+            </a:r>
+          </a:p>
+          <a:p>
+            <a:pPr>
               <a:spcBef>
                 <a:spcPts val="800"/>
               </a:spcBef>
-              <a:spcAft>
-                <a:spcPct val="0"/>
-              </a:spcAft>
-              <a:buClr>
-                <a:schemeClr val="tx1"/>
-              </a:buClr>
-              <a:buFont typeface="Arial" charset="0"/>
-              <a:buChar char="–"/>
-              <a:defRPr sz="2000" kern="1200">
-                <a:solidFill>
-                  <a:schemeClr val="tx1"/>
-                </a:solidFill>
-                <a:latin typeface="+mn-lt"/>
-                <a:ea typeface="+mn-ea"/>
-                <a:cs typeface="+mn-cs"/>
-              </a:defRPr>
-            </a:lvl2pPr>
-            <a:lvl3pPr marL="914400" indent="-230188" algn="l" rtl="0" eaLnBrk="1" fontAlgn="base" hangingPunct="1">
-              <a:lnSpc>
-                <a:spcPct val="90000"/>
-              </a:lnSpc>
-              <a:spcBef>
-                <a:spcPts val="800"/>
-              </a:spcBef>
-              <a:spcAft>
-                <a:spcPct val="0"/>
-              </a:spcAft>
-              <a:buClr>
-                <a:schemeClr val="tx1"/>
-              </a:buClr>
-              <a:buFont typeface="Arial" charset="0"/>
-              <a:buChar char="•"/>
-              <a:defRPr sz="1800" kern="1200">
-                <a:solidFill>
-                  <a:schemeClr val="tx1"/>
-                </a:solidFill>
-                <a:latin typeface="+mn-lt"/>
-                <a:ea typeface="+mn-ea"/>
-                <a:cs typeface="+mn-cs"/>
-              </a:defRPr>
-            </a:lvl3pPr>
-            <a:lvl4pPr marL="1144588" indent="-173038" algn="l" rtl="0" eaLnBrk="1" fontAlgn="base" hangingPunct="1">
-              <a:lnSpc>
-                <a:spcPct val="90000"/>
-              </a:lnSpc>
-              <a:spcBef>
-                <a:spcPts val="800"/>
-              </a:spcBef>
-              <a:spcAft>
-                <a:spcPct val="0"/>
-              </a:spcAft>
-              <a:buClr>
-                <a:schemeClr val="tx1"/>
-              </a:buClr>
-              <a:buFont typeface="Arial" charset="0"/>
-              <a:buChar char="–"/>
-              <a:defRPr sz="1600" kern="1200">
-                <a:solidFill>
-                  <a:schemeClr val="tx1"/>
-                </a:solidFill>
-                <a:latin typeface="+mn-lt"/>
-                <a:ea typeface="+mn-ea"/>
-                <a:cs typeface="+mn-cs"/>
-              </a:defRPr>
-            </a:lvl4pPr>
-            <a:lvl5pPr marL="1482725" indent="-222250" algn="l" rtl="0" eaLnBrk="1" fontAlgn="base" hangingPunct="1">
-              <a:lnSpc>
-                <a:spcPct val="90000"/>
-              </a:lnSpc>
-              <a:spcBef>
-                <a:spcPts val="600"/>
-              </a:spcBef>
-              <a:spcAft>
-                <a:spcPct val="0"/>
-              </a:spcAft>
-              <a:buClr>
-                <a:schemeClr val="tx1"/>
-              </a:buClr>
-              <a:buFont typeface="Arial" charset="0"/>
-              <a:buChar char="»"/>
-              <a:defRPr sz="1600" kern="1200">
-                <a:solidFill>
-                  <a:schemeClr val="tx1"/>
-                </a:solidFill>
-                <a:latin typeface="+mn-lt"/>
-                <a:ea typeface="+mn-ea"/>
-                <a:cs typeface="+mn-cs"/>
-              </a:defRPr>
-            </a:lvl5pPr>
-            <a:lvl6pPr marL="2514600" indent="-228600" algn="l" defTabSz="914400" rtl="0" eaLnBrk="1" latinLnBrk="0" hangingPunct="1">
-              <a:spcBef>
-                <a:spcPct val="20000"/>
-              </a:spcBef>
-              <a:buFont typeface="Arial" pitchFamily="34" charset="0"/>
-              <a:buChar char="•"/>
-              <a:defRPr sz="2000" kern="1200">
-                <a:solidFill>
-                  <a:schemeClr val="tx1"/>
-                </a:solidFill>
-                <a:latin typeface="+mn-lt"/>
-                <a:ea typeface="+mn-ea"/>
-                <a:cs typeface="+mn-cs"/>
-              </a:defRPr>
-            </a:lvl6pPr>
-            <a:lvl7pPr marL="2971800" indent="-228600" algn="l" defTabSz="914400" rtl="0" eaLnBrk="1" latinLnBrk="0" hangingPunct="1">
-              <a:spcBef>
-                <a:spcPct val="20000"/>
-              </a:spcBef>
-              <a:buFont typeface="Arial" pitchFamily="34" charset="0"/>
-              <a:buChar char="•"/>
-              <a:defRPr sz="2000" kern="1200">
-                <a:solidFill>
-                  <a:schemeClr val="tx1"/>
-                </a:solidFill>
-                <a:latin typeface="+mn-lt"/>
-                <a:ea typeface="+mn-ea"/>
-                <a:cs typeface="+mn-cs"/>
-              </a:defRPr>
-            </a:lvl7pPr>
-            <a:lvl8pPr marL="3429000" indent="-228600" algn="l" defTabSz="914400" rtl="0" eaLnBrk="1" latinLnBrk="0" hangingPunct="1">
-              <a:spcBef>
-                <a:spcPct val="20000"/>
-              </a:spcBef>
-              <a:buFont typeface="Arial" pitchFamily="34" charset="0"/>
-              <a:buChar char="•"/>
-              <a:defRPr sz="2000" kern="1200">
-                <a:solidFill>
-                  <a:schemeClr val="tx1"/>
-                </a:solidFill>
-                <a:latin typeface="+mn-lt"/>
-                <a:ea typeface="+mn-ea"/>
-                <a:cs typeface="+mn-cs"/>
-              </a:defRPr>
-            </a:lvl8pPr>
-            <a:lvl9pPr marL="3886200" indent="-228600" algn="l" defTabSz="914400" rtl="0" eaLnBrk="1" latinLnBrk="0" hangingPunct="1">
-              <a:spcBef>
-                <a:spcPct val="20000"/>
-              </a:spcBef>
-              <a:buFont typeface="Arial" pitchFamily="34" charset="0"/>
-              <a:buChar char="•"/>
-              <a:defRPr sz="2000" kern="1200">
-                <a:solidFill>
-                  <a:schemeClr val="tx1"/>
-                </a:solidFill>
-                <a:latin typeface="+mn-lt"/>
-                <a:ea typeface="+mn-ea"/>
-                <a:cs typeface="+mn-cs"/>
-              </a:defRPr>
-            </a:lvl9pPr>
-          </a:lstStyle>
-          <a:p>
-            <a:r>
-              <a:rPr lang="en-US" dirty="0"/>
-              <a:t>Data management plans for research funding</a:t>
-            </a:r>
-          </a:p>
-          <a:p>
-            <a:pPr lvl="1"/>
-            <a:r>
-              <a:rPr lang="en-US" dirty="0"/>
-              <a:t>Example NSF policy on dissemination of results and sharing data</a:t>
-            </a:r>
-          </a:p>
-          <a:p>
+            </a:pPr>
+            <a:r>
+              <a:rPr lang="en-US" dirty="0"/>
+              <a:t>Example: NSF policy on </a:t>
+            </a:r>
             <a:r>
               <a:rPr lang="en-US" dirty="0">
                 <a:hlinkClick r:id="rId2"/>
               </a:rPr>
-              <a:t>FAIR</a:t>
-            </a:r>
-            <a:r>
-              <a:rPr lang="en-US" dirty="0"/>
-              <a:t> data principles for maximum use of research data</a:t>
-            </a:r>
-          </a:p>
-          <a:p>
-            <a:r>
-              <a:rPr lang="en-US" dirty="0"/>
-              <a:t>Emerging FAIR for Research Software (</a:t>
-            </a:r>
-            <a:r>
-              <a:rPr lang="en-US" dirty="0">
-                <a:hlinkClick r:id="rId3"/>
-              </a:rPr>
-              <a:t>FAIR4RS</a:t>
-            </a:r>
-            <a:r>
-              <a:rPr lang="en-US" dirty="0"/>
-              <a:t>) initiative</a:t>
-            </a:r>
-          </a:p>
-          <a:p>
-            <a:pPr lvl="1"/>
+              <a:t>Dissemination and Sharing of Research Results</a:t>
+            </a:r>
             <a:endParaRPr lang="en-US" dirty="0"/>
           </a:p>
           <a:p>
-            <a:r>
-              <a:rPr lang="en-US" dirty="0"/>
-              <a:t>Reproducibility and transparency Initiatives by Publications</a:t>
-            </a:r>
-          </a:p>
-          <a:p>
-            <a:pPr lvl="1"/>
-            <a:r>
-              <a:rPr lang="en-US" dirty="0"/>
-              <a:t>Increasing requirements for publications (SC, ACM and more)</a:t>
+            <a:pPr lvl="1">
+              <a:spcBef>
+                <a:spcPts val="200"/>
+              </a:spcBef>
+            </a:pPr>
+            <a:r>
+              <a:rPr lang="en-US" dirty="0"/>
+              <a:t>Promptly publish with appropriate authorship</a:t>
+            </a:r>
+          </a:p>
+          <a:p>
+            <a:pPr lvl="1">
+              <a:spcBef>
+                <a:spcPts val="200"/>
+              </a:spcBef>
+            </a:pPr>
+            <a:r>
+              <a:rPr lang="en-US" dirty="0"/>
+              <a:t>Share data, samples, physical collections, and supporting materials with others, within a reasonable time frame</a:t>
+            </a:r>
+          </a:p>
+          <a:p>
+            <a:pPr lvl="1">
+              <a:spcBef>
+                <a:spcPts val="200"/>
+              </a:spcBef>
+            </a:pPr>
+            <a:r>
+              <a:rPr lang="en-US" dirty="0"/>
+              <a:t>Share software and inventions</a:t>
+            </a:r>
+          </a:p>
+          <a:p>
+            <a:pPr lvl="1">
+              <a:spcBef>
+                <a:spcPts val="200"/>
+              </a:spcBef>
+            </a:pPr>
+            <a:r>
+              <a:rPr lang="en-US" dirty="0"/>
+              <a:t>Investigators can keep their legal rights over their intellectual property, but they still have to make their results, data, and collections available to others</a:t>
+            </a:r>
+          </a:p>
+          <a:p>
+            <a:pPr lvl="1">
+              <a:spcBef>
+                <a:spcPts val="200"/>
+              </a:spcBef>
+            </a:pPr>
+            <a:r>
+              <a:rPr lang="en-US" dirty="0"/>
+              <a:t>Policies will be implemented via</a:t>
+            </a:r>
+          </a:p>
+          <a:p>
+            <a:pPr lvl="2">
+              <a:spcBef>
+                <a:spcPts val="200"/>
+              </a:spcBef>
+            </a:pPr>
+            <a:r>
+              <a:rPr lang="en-US" dirty="0"/>
+              <a:t>Proposal review</a:t>
+            </a:r>
+          </a:p>
+          <a:p>
+            <a:pPr lvl="2">
+              <a:spcBef>
+                <a:spcPts val="200"/>
+              </a:spcBef>
+            </a:pPr>
+            <a:r>
+              <a:rPr lang="en-US" dirty="0"/>
+              <a:t>Award negotiations and conditions</a:t>
+            </a:r>
+          </a:p>
+          <a:p>
+            <a:pPr lvl="2">
+              <a:spcBef>
+                <a:spcPts val="200"/>
+              </a:spcBef>
+            </a:pPr>
+            <a:r>
+              <a:rPr lang="en-US" dirty="0"/>
+              <a:t>Support/incentives</a:t>
+            </a:r>
+          </a:p>
+        </p:txBody>
+      </p:sp>
+      <p:sp>
+        <p:nvSpPr>
+          <p:cNvPr id="7" name="Text Placeholder 6">
+            <a:extLst>
+              <a:ext uri="{FF2B5EF4-FFF2-40B4-BE49-F238E27FC236}">
+                <a16:creationId xmlns:a16="http://schemas.microsoft.com/office/drawing/2014/main" id="{7FA9370A-7387-4D95-8D73-35942A83C120}"/>
+              </a:ext>
+            </a:extLst>
+          </p:cNvPr>
+          <p:cNvSpPr>
+            <a:spLocks noGrp="1"/>
+          </p:cNvSpPr>
+          <p:nvPr>
+            <p:ph type="body" sz="quarter" idx="3"/>
+          </p:nvPr>
+        </p:nvSpPr>
+        <p:spPr>
+          <a:xfrm>
+            <a:off x="6218914" y="873418"/>
+            <a:ext cx="5531934" cy="821190"/>
+          </a:xfrm>
+        </p:spPr>
+        <p:txBody>
+          <a:bodyPr/>
+          <a:lstStyle/>
+          <a:p>
+            <a:r>
+              <a:rPr lang="en-US" dirty="0"/>
+              <a:t>FAIR Data Principles</a:t>
+            </a:r>
+          </a:p>
+        </p:txBody>
+      </p:sp>
+      <p:sp>
+        <p:nvSpPr>
+          <p:cNvPr id="8" name="Content Placeholder 7">
+            <a:extLst>
+              <a:ext uri="{FF2B5EF4-FFF2-40B4-BE49-F238E27FC236}">
+                <a16:creationId xmlns:a16="http://schemas.microsoft.com/office/drawing/2014/main" id="{78928391-B382-4CEF-AAAA-6902053F38C2}"/>
+              </a:ext>
+            </a:extLst>
+          </p:cNvPr>
+          <p:cNvSpPr>
+            <a:spLocks noGrp="1"/>
+          </p:cNvSpPr>
+          <p:nvPr>
+            <p:ph sz="quarter" idx="4"/>
+          </p:nvPr>
+        </p:nvSpPr>
+        <p:spPr>
+          <a:xfrm>
+            <a:off x="6218914" y="1694608"/>
+            <a:ext cx="5531934" cy="3373229"/>
+          </a:xfrm>
+        </p:spPr>
+        <p:txBody>
+          <a:bodyPr/>
+          <a:lstStyle/>
+          <a:p>
+            <a:r>
+              <a:rPr lang="en-US" dirty="0"/>
+              <a:t>Address data producers and publishers to promote maximum use of research data</a:t>
+            </a:r>
+          </a:p>
+          <a:p>
+            <a:pPr>
+              <a:spcBef>
+                <a:spcPts val="800"/>
+              </a:spcBef>
+            </a:pPr>
+            <a:r>
+              <a:rPr lang="en-US" dirty="0"/>
+              <a:t>Findability</a:t>
+            </a:r>
+          </a:p>
+          <a:p>
+            <a:pPr lvl="1">
+              <a:spcBef>
+                <a:spcPts val="200"/>
+              </a:spcBef>
+            </a:pPr>
+            <a:r>
+              <a:rPr lang="en-US" sz="1600" dirty="0"/>
+              <a:t>Data and supplementary materials have sufficiently rich metadata and a unique and persistent identifier.</a:t>
+            </a:r>
+          </a:p>
+          <a:p>
+            <a:pPr>
+              <a:spcBef>
+                <a:spcPts val="800"/>
+              </a:spcBef>
+            </a:pPr>
+            <a:r>
+              <a:rPr lang="en-US" dirty="0"/>
+              <a:t>Accessibility</a:t>
+            </a:r>
+          </a:p>
+          <a:p>
+            <a:pPr lvl="1">
+              <a:spcBef>
+                <a:spcPts val="200"/>
+              </a:spcBef>
+            </a:pPr>
+            <a:r>
+              <a:rPr lang="en-US" sz="1600" dirty="0"/>
+              <a:t>Metadata and data are understandable to humans and machines. Data is deposited in a trusted repository.</a:t>
+            </a:r>
+            <a:endParaRPr lang="en-US" dirty="0"/>
+          </a:p>
+          <a:p>
+            <a:pPr>
+              <a:spcBef>
+                <a:spcPts val="800"/>
+              </a:spcBef>
+            </a:pPr>
+            <a:r>
+              <a:rPr lang="en-US" dirty="0"/>
+              <a:t>Interoperability</a:t>
+            </a:r>
+          </a:p>
+          <a:p>
+            <a:pPr lvl="1">
+              <a:spcBef>
+                <a:spcPts val="200"/>
+              </a:spcBef>
+            </a:pPr>
+            <a:r>
+              <a:rPr lang="en-US" sz="1600" dirty="0"/>
+              <a:t>Metadata use a formal, accessible, shared, and broadly applicable language for knowledge representation.</a:t>
+            </a:r>
+          </a:p>
+          <a:p>
+            <a:pPr>
+              <a:spcBef>
+                <a:spcPts val="800"/>
+              </a:spcBef>
+            </a:pPr>
+            <a:r>
+              <a:rPr lang="en-US" dirty="0"/>
+              <a:t>Reusability</a:t>
+            </a:r>
+          </a:p>
+          <a:p>
+            <a:pPr lvl="1">
+              <a:spcBef>
+                <a:spcPts val="200"/>
+              </a:spcBef>
+            </a:pPr>
+            <a:r>
+              <a:rPr lang="en-US" sz="1600" dirty="0"/>
+              <a:t>Data and collections have a clear usage licenses and provide accurate information on provenance.</a:t>
             </a:r>
           </a:p>
         </p:txBody>
@@ -5993,7 +6057,7 @@
     </p:spTree>
     <p:extLst>
       <p:ext uri="{BB962C8B-B14F-4D97-AF65-F5344CB8AC3E}">
-        <p14:creationId xmlns:p14="http://schemas.microsoft.com/office/powerpoint/2010/main" val="783000739"/>
+        <p14:creationId xmlns:p14="http://schemas.microsoft.com/office/powerpoint/2010/main" val="3993795658"/>
       </p:ext>
     </p:extLst>
   </p:cSld>
@@ -6022,13 +6086,7 @@
       </p:grpSpPr>
       <p:sp>
         <p:nvSpPr>
-          <p:cNvPr id="4" name="Title 3">
-            <a:extLst>
-              <a:ext uri="{FF2B5EF4-FFF2-40B4-BE49-F238E27FC236}">
-                <a16:creationId xmlns:a16="http://schemas.microsoft.com/office/drawing/2014/main" id="{672F71E0-47A2-4020-9B2A-62C994864519}"/>
-              </a:ext>
-            </a:extLst>
-          </p:cNvPr>
+          <p:cNvPr id="4" name="Title 3"/>
           <p:cNvSpPr>
             <a:spLocks noGrp="1"/>
           </p:cNvSpPr>
@@ -6043,31 +6101,25 @@
           <a:p>
             <a:r>
               <a:rPr lang="en-US" dirty="0"/>
-              <a:t>Setting Expectations for Your Data</a:t>
+              <a:t>Supercomputing Reproducibility Initiative</a:t>
             </a:r>
           </a:p>
         </p:txBody>
       </p:sp>
       <p:sp>
         <p:nvSpPr>
-          <p:cNvPr id="5" name="Text Placeholder 4">
-            <a:extLst>
-              <a:ext uri="{FF2B5EF4-FFF2-40B4-BE49-F238E27FC236}">
-                <a16:creationId xmlns:a16="http://schemas.microsoft.com/office/drawing/2014/main" id="{5C43CE43-3F69-454F-91AA-79F31589C030}"/>
-              </a:ext>
-            </a:extLst>
-          </p:cNvPr>
+          <p:cNvPr id="5" name="Content Placeholder 4"/>
           <p:cNvSpPr>
             <a:spLocks noGrp="1"/>
           </p:cNvSpPr>
           <p:nvPr>
-            <p:ph type="body" idx="1"/>
+            <p:ph sz="quarter" idx="1"/>
           </p:nvPr>
         </p:nvSpPr>
         <p:spPr>
           <a:xfrm>
-            <a:off x="457200" y="873418"/>
-            <a:ext cx="5588582" cy="821190"/>
+            <a:off x="365760" y="1141612"/>
+            <a:ext cx="11369809" cy="4047778"/>
           </a:xfrm>
         </p:spPr>
         <p:txBody>
@@ -6075,310 +6127,107 @@
           <a:lstStyle/>
           <a:p>
             <a:r>
-              <a:rPr lang="en-US" dirty="0"/>
-              <a:t>Data Management Plans</a:t>
-            </a:r>
-          </a:p>
-        </p:txBody>
-      </p:sp>
-      <p:sp>
-        <p:nvSpPr>
-          <p:cNvPr id="6" name="Content Placeholder 5">
-            <a:extLst>
-              <a:ext uri="{FF2B5EF4-FFF2-40B4-BE49-F238E27FC236}">
-                <a16:creationId xmlns:a16="http://schemas.microsoft.com/office/drawing/2014/main" id="{D66E6D61-44C6-4432-83DF-8B05B0B813B2}"/>
-              </a:ext>
-            </a:extLst>
-          </p:cNvPr>
-          <p:cNvSpPr>
-            <a:spLocks noGrp="1"/>
-          </p:cNvSpPr>
-          <p:nvPr>
-            <p:ph sz="half" idx="2"/>
-          </p:nvPr>
-        </p:nvSpPr>
-        <p:spPr>
-          <a:xfrm>
-            <a:off x="457200" y="1694608"/>
-            <a:ext cx="5588582" cy="3373229"/>
-          </a:xfrm>
-        </p:spPr>
-        <p:txBody>
-          <a:bodyPr/>
-          <a:lstStyle/>
-          <a:p>
-            <a:r>
-              <a:rPr lang="en-US" dirty="0"/>
-              <a:t>Most research sponsors require data management plans as part of proposals</a:t>
-            </a:r>
-          </a:p>
-          <a:p>
-            <a:pPr>
-              <a:spcBef>
-                <a:spcPts val="800"/>
-              </a:spcBef>
-            </a:pPr>
-            <a:r>
-              <a:rPr lang="en-US" dirty="0"/>
-              <a:t>Example: NSF policy on </a:t>
-            </a:r>
-            <a:r>
-              <a:rPr lang="en-US" dirty="0">
+              <a:rPr lang="en-US" sz="2800" dirty="0"/>
+              <a:t>Two appendices: </a:t>
+            </a:r>
+          </a:p>
+          <a:p>
+            <a:pPr lvl="1"/>
+            <a:r>
+              <a:rPr lang="en-US" sz="2400" dirty="0"/>
+              <a:t>Artifact description (AD)</a:t>
+            </a:r>
+          </a:p>
+          <a:p>
+            <a:pPr lvl="2"/>
+            <a:r>
+              <a:rPr lang="en-US" sz="2000" dirty="0"/>
+              <a:t>Blue print for setting up your computational experiment</a:t>
+            </a:r>
+          </a:p>
+          <a:p>
+            <a:pPr lvl="2"/>
+            <a:r>
+              <a:rPr lang="en-US" sz="2000" dirty="0"/>
+              <a:t>Makes it easier to rerun computations in future</a:t>
+            </a:r>
+          </a:p>
+          <a:p>
+            <a:pPr lvl="2"/>
+            <a:r>
+              <a:rPr lang="en-US" sz="2000" dirty="0"/>
+              <a:t>AD appendix is </a:t>
+            </a:r>
+            <a:r>
+              <a:rPr lang="en-US" sz="2000" b="1" dirty="0"/>
+              <a:t>mandatory</a:t>
+            </a:r>
+            <a:r>
+              <a:rPr lang="en-US" sz="2000" dirty="0"/>
+              <a:t> for paper submissions (since SC19)</a:t>
+            </a:r>
+          </a:p>
+          <a:p>
+            <a:pPr lvl="2"/>
+            <a:r>
+              <a:rPr lang="en-US" sz="2000" dirty="0"/>
+              <a:t>Largely auto-generated from submission information</a:t>
+            </a:r>
+          </a:p>
+          <a:p>
+            <a:pPr lvl="2"/>
+            <a:r>
+              <a:rPr lang="en-US" sz="2000" dirty="0"/>
+              <a:t>For accepted papers, will be evaluated by reviewers</a:t>
+            </a:r>
+          </a:p>
+          <a:p>
+            <a:pPr lvl="1"/>
+            <a:r>
+              <a:rPr lang="en-US" sz="2400" dirty="0"/>
+              <a:t>Artifact Evaluation (AE)</a:t>
+            </a:r>
+          </a:p>
+          <a:p>
+            <a:pPr lvl="2"/>
+            <a:r>
+              <a:rPr lang="en-US" sz="2000" dirty="0"/>
+              <a:t>Targets “boutique” environments</a:t>
+            </a:r>
+          </a:p>
+          <a:p>
+            <a:pPr lvl="2"/>
+            <a:r>
+              <a:rPr lang="en-US" sz="2000" dirty="0"/>
+              <a:t>Improves trustworthiness when re-running hard, impossible</a:t>
+            </a:r>
+          </a:p>
+          <a:p>
+            <a:pPr lvl="2"/>
+            <a:r>
+              <a:rPr lang="en-US" sz="2000" b="1" dirty="0"/>
+              <a:t>Remains optional</a:t>
+            </a:r>
+          </a:p>
+          <a:p>
+            <a:r>
+              <a:rPr lang="en-US" sz="2800" dirty="0"/>
+              <a:t>Details: </a:t>
+            </a:r>
+            <a:r>
+              <a:rPr lang="en-US" sz="2400" dirty="0">
                 <a:hlinkClick r:id="rId2"/>
               </a:rPr>
-              <a:t>Dissemination and Sharing of Research Results</a:t>
-            </a:r>
-            <a:endParaRPr lang="en-US" dirty="0"/>
-          </a:p>
-          <a:p>
-            <a:pPr lvl="1">
-              <a:spcBef>
-                <a:spcPts val="200"/>
-              </a:spcBef>
-            </a:pPr>
-            <a:r>
-              <a:rPr lang="en-US" dirty="0"/>
-              <a:t>Promptly publish with appropriate authorship</a:t>
-            </a:r>
-          </a:p>
-          <a:p>
-            <a:pPr lvl="1">
-              <a:spcBef>
-                <a:spcPts val="200"/>
-              </a:spcBef>
-            </a:pPr>
-            <a:r>
-              <a:rPr lang="en-US" dirty="0"/>
-              <a:t>Share data, samples, physical collections, and supporting materials with others, within a reasonable time frame</a:t>
-            </a:r>
-          </a:p>
-          <a:p>
-            <a:pPr lvl="1">
-              <a:spcBef>
-                <a:spcPts val="200"/>
-              </a:spcBef>
-            </a:pPr>
-            <a:r>
-              <a:rPr lang="en-US" dirty="0"/>
-              <a:t>Share software and inventions</a:t>
-            </a:r>
-          </a:p>
-          <a:p>
-            <a:pPr lvl="1">
-              <a:spcBef>
-                <a:spcPts val="200"/>
-              </a:spcBef>
-            </a:pPr>
-            <a:r>
-              <a:rPr lang="en-US" dirty="0"/>
-              <a:t>Investigators can keep their legal rights over their intellectual property, but they still have to make their results, data, and collections available to others</a:t>
-            </a:r>
-          </a:p>
-          <a:p>
-            <a:pPr lvl="1">
-              <a:spcBef>
-                <a:spcPts val="200"/>
-              </a:spcBef>
-            </a:pPr>
-            <a:r>
-              <a:rPr lang="en-US" dirty="0"/>
-              <a:t>Policies will be implemented via</a:t>
-            </a:r>
-          </a:p>
-          <a:p>
-            <a:pPr lvl="2">
-              <a:spcBef>
-                <a:spcPts val="200"/>
-              </a:spcBef>
-            </a:pPr>
-            <a:r>
-              <a:rPr lang="en-US" dirty="0"/>
-              <a:t>Proposal review</a:t>
-            </a:r>
-          </a:p>
-          <a:p>
-            <a:pPr lvl="2">
-              <a:spcBef>
-                <a:spcPts val="200"/>
-              </a:spcBef>
-            </a:pPr>
-            <a:r>
-              <a:rPr lang="en-US" dirty="0"/>
-              <a:t>Award negotiations and conditions</a:t>
-            </a:r>
-          </a:p>
-          <a:p>
-            <a:pPr lvl="2">
-              <a:spcBef>
-                <a:spcPts val="200"/>
-              </a:spcBef>
-            </a:pPr>
-            <a:r>
-              <a:rPr lang="en-US" dirty="0"/>
-              <a:t>Support/incentives</a:t>
-            </a:r>
-          </a:p>
-        </p:txBody>
-      </p:sp>
-      <p:sp>
-        <p:nvSpPr>
-          <p:cNvPr id="7" name="Text Placeholder 6">
-            <a:extLst>
-              <a:ext uri="{FF2B5EF4-FFF2-40B4-BE49-F238E27FC236}">
-                <a16:creationId xmlns:a16="http://schemas.microsoft.com/office/drawing/2014/main" id="{7FA9370A-7387-4D95-8D73-35942A83C120}"/>
-              </a:ext>
-            </a:extLst>
-          </p:cNvPr>
-          <p:cNvSpPr>
-            <a:spLocks noGrp="1"/>
-          </p:cNvSpPr>
-          <p:nvPr>
-            <p:ph type="body" sz="quarter" idx="3"/>
-          </p:nvPr>
-        </p:nvSpPr>
-        <p:spPr>
-          <a:xfrm>
-            <a:off x="6218914" y="873418"/>
-            <a:ext cx="5531934" cy="821190"/>
-          </a:xfrm>
-        </p:spPr>
-        <p:txBody>
-          <a:bodyPr/>
-          <a:lstStyle/>
-          <a:p>
-            <a:r>
-              <a:rPr lang="en-US" dirty="0"/>
-              <a:t>FAIR Data Principles</a:t>
-            </a:r>
-          </a:p>
-        </p:txBody>
-      </p:sp>
-      <p:sp>
-        <p:nvSpPr>
-          <p:cNvPr id="8" name="Content Placeholder 7">
-            <a:extLst>
-              <a:ext uri="{FF2B5EF4-FFF2-40B4-BE49-F238E27FC236}">
-                <a16:creationId xmlns:a16="http://schemas.microsoft.com/office/drawing/2014/main" id="{78928391-B382-4CEF-AAAA-6902053F38C2}"/>
-              </a:ext>
-            </a:extLst>
-          </p:cNvPr>
-          <p:cNvSpPr>
-            <a:spLocks noGrp="1"/>
-          </p:cNvSpPr>
-          <p:nvPr>
-            <p:ph sz="quarter" idx="4"/>
-          </p:nvPr>
-        </p:nvSpPr>
-        <p:spPr>
-          <a:xfrm>
-            <a:off x="6218914" y="1694608"/>
-            <a:ext cx="5531934" cy="3373229"/>
-          </a:xfrm>
-        </p:spPr>
-        <p:txBody>
-          <a:bodyPr/>
-          <a:lstStyle/>
-          <a:p>
-            <a:r>
-              <a:rPr lang="en-US" dirty="0"/>
-              <a:t>Address data producers and publishers to promote maximum use of research data</a:t>
-            </a:r>
-          </a:p>
-          <a:p>
-            <a:pPr>
-              <a:spcBef>
-                <a:spcPts val="800"/>
-              </a:spcBef>
-            </a:pPr>
-            <a:r>
-              <a:rPr lang="en-US" dirty="0"/>
-              <a:t>Findability</a:t>
-            </a:r>
-          </a:p>
-          <a:p>
-            <a:pPr lvl="1">
-              <a:spcBef>
-                <a:spcPts val="200"/>
-              </a:spcBef>
-            </a:pPr>
-            <a:r>
-              <a:rPr lang="en-US" sz="1600" dirty="0"/>
-              <a:t>Data and supplementary materials have sufficiently rich metadata and a unique and persistent identifier.</a:t>
-            </a:r>
-          </a:p>
-          <a:p>
-            <a:pPr>
-              <a:spcBef>
-                <a:spcPts val="800"/>
-              </a:spcBef>
-            </a:pPr>
-            <a:r>
-              <a:rPr lang="en-US" dirty="0"/>
-              <a:t>Accessibility</a:t>
-            </a:r>
-          </a:p>
-          <a:p>
-            <a:pPr lvl="1">
-              <a:spcBef>
-                <a:spcPts val="200"/>
-              </a:spcBef>
-            </a:pPr>
-            <a:r>
-              <a:rPr lang="en-US" sz="1600" dirty="0"/>
-              <a:t>Metadata and data are understandable to humans and machines. Data is deposited in a trusted repository.</a:t>
-            </a:r>
-            <a:endParaRPr lang="en-US" dirty="0"/>
-          </a:p>
-          <a:p>
-            <a:pPr>
-              <a:spcBef>
-                <a:spcPts val="800"/>
-              </a:spcBef>
-            </a:pPr>
-            <a:r>
-              <a:rPr lang="en-US" dirty="0"/>
-              <a:t>Interoperability</a:t>
-            </a:r>
-          </a:p>
-          <a:p>
-            <a:pPr lvl="1">
-              <a:spcBef>
-                <a:spcPts val="200"/>
-              </a:spcBef>
-            </a:pPr>
-            <a:r>
-              <a:rPr lang="en-US" sz="1600" dirty="0"/>
-              <a:t>Metadata use a formal, accessible, shared, and broadly applicable language for knowledge representation.</a:t>
-            </a:r>
-          </a:p>
-          <a:p>
-            <a:pPr>
-              <a:spcBef>
-                <a:spcPts val="800"/>
-              </a:spcBef>
-            </a:pPr>
-            <a:r>
-              <a:rPr lang="en-US" dirty="0"/>
-              <a:t>Reusability</a:t>
-            </a:r>
-          </a:p>
-          <a:p>
-            <a:pPr lvl="1">
-              <a:spcBef>
-                <a:spcPts val="200"/>
-              </a:spcBef>
-            </a:pPr>
-            <a:r>
-              <a:rPr lang="en-US" sz="1600" dirty="0"/>
-              <a:t>Data and collections have a clear usage licenses and provide accurate information on provenance.</a:t>
-            </a:r>
+              <a:t>https://sc21.supercomputing.org/submit/reproducibility-initiative/</a:t>
+            </a:r>
+            <a:endParaRPr lang="en-US" sz="2400" dirty="0"/>
           </a:p>
         </p:txBody>
       </p:sp>
     </p:spTree>
     <p:extLst>
       <p:ext uri="{BB962C8B-B14F-4D97-AF65-F5344CB8AC3E}">
-        <p14:creationId xmlns:p14="http://schemas.microsoft.com/office/powerpoint/2010/main" val="3993795658"/>
+        <p14:creationId xmlns:p14="http://schemas.microsoft.com/office/powerpoint/2010/main" val="2302033408"/>
       </p:ext>
     </p:extLst>
   </p:cSld>
@@ -6389,6 +6238,237 @@
 </file>
 
 <file path=ppt/slides/slide15.xml><?xml version="1.0" encoding="utf-8"?>
+<p:sld xmlns:a="http://schemas.openxmlformats.org/drawingml/2006/main" xmlns:r="http://schemas.openxmlformats.org/officeDocument/2006/relationships" xmlns:p="http://schemas.openxmlformats.org/presentationml/2006/main">
+  <p:cSld>
+    <p:spTree>
+      <p:nvGrpSpPr>
+        <p:cNvPr id="1" name=""/>
+        <p:cNvGrpSpPr/>
+        <p:nvPr/>
+      </p:nvGrpSpPr>
+      <p:grpSpPr>
+        <a:xfrm>
+          <a:off x="0" y="0"/>
+          <a:ext cx="0" cy="0"/>
+          <a:chOff x="0" y="0"/>
+          <a:chExt cx="0" cy="0"/>
+        </a:xfrm>
+      </p:grpSpPr>
+      <p:sp>
+        <p:nvSpPr>
+          <p:cNvPr id="2" name="Title 1"/>
+          <p:cNvSpPr>
+            <a:spLocks noGrp="1"/>
+          </p:cNvSpPr>
+          <p:nvPr>
+            <p:ph type="title"/>
+          </p:nvPr>
+        </p:nvSpPr>
+        <p:spPr>
+          <a:xfrm>
+            <a:off x="368135" y="192378"/>
+            <a:ext cx="11269682" cy="532017"/>
+          </a:xfrm>
+        </p:spPr>
+        <p:txBody>
+          <a:bodyPr>
+            <a:normAutofit/>
+          </a:bodyPr>
+          <a:lstStyle/>
+          <a:p>
+            <a:r>
+              <a:rPr lang="en-US" sz="2800" dirty="0"/>
+              <a:t>Increasing Attention on Reproducibility fro</a:t>
+            </a:r>
+            <a:r>
+              <a:rPr lang="en-US" dirty="0"/>
+              <a:t>m Publishers</a:t>
+            </a:r>
+            <a:endParaRPr lang="en-US" sz="2800" dirty="0"/>
+          </a:p>
+        </p:txBody>
+      </p:sp>
+      <p:sp>
+        <p:nvSpPr>
+          <p:cNvPr id="4" name="Content Placeholder 3"/>
+          <p:cNvSpPr>
+            <a:spLocks noGrp="1"/>
+          </p:cNvSpPr>
+          <p:nvPr>
+            <p:ph sz="quarter" idx="1"/>
+          </p:nvPr>
+        </p:nvSpPr>
+        <p:spPr>
+          <a:xfrm>
+            <a:off x="245815" y="868048"/>
+            <a:ext cx="11697194" cy="5449160"/>
+          </a:xfrm>
+        </p:spPr>
+        <p:txBody>
+          <a:bodyPr>
+            <a:normAutofit lnSpcReduction="10000"/>
+          </a:bodyPr>
+          <a:lstStyle/>
+          <a:p>
+            <a:r>
+              <a:rPr lang="en-US" dirty="0"/>
+              <a:t>More publication venues are adding reproducibility </a:t>
+            </a:r>
+            <a:r>
+              <a:rPr lang="en-US" b="1" dirty="0"/>
+              <a:t>recognition</a:t>
+            </a:r>
+            <a:r>
+              <a:rPr lang="en-US" dirty="0"/>
+              <a:t> or </a:t>
+            </a:r>
+            <a:r>
+              <a:rPr lang="en-US" b="1" dirty="0"/>
+              <a:t>requirements</a:t>
+            </a:r>
+            <a:endParaRPr lang="en-US" sz="2400" dirty="0"/>
+          </a:p>
+          <a:p>
+            <a:r>
+              <a:rPr lang="en-US" sz="2400" dirty="0"/>
+              <a:t>ACM </a:t>
+            </a:r>
+            <a:r>
+              <a:rPr lang="en-US" sz="2400" strike="sngStrike" dirty="0"/>
+              <a:t>Replicated</a:t>
+            </a:r>
+            <a:r>
+              <a:rPr lang="en-US" sz="2400" dirty="0"/>
+              <a:t> Reproducible Computational Results (RCR)</a:t>
+            </a:r>
+          </a:p>
+          <a:p>
+            <a:pPr lvl="1"/>
+            <a:r>
+              <a:rPr lang="en-US" sz="2000" dirty="0"/>
+              <a:t>ACM TOMS, TOMACS</a:t>
+            </a:r>
+          </a:p>
+          <a:p>
+            <a:pPr lvl="1"/>
+            <a:r>
+              <a:rPr lang="en-US" sz="2000" dirty="0">
+                <a:hlinkClick r:id="rId2"/>
+              </a:rPr>
+              <a:t>http://toms.acm.org/replicated-computational-results.cfm</a:t>
+            </a:r>
+            <a:r>
+              <a:rPr lang="en-US" sz="2000" dirty="0"/>
+              <a:t> </a:t>
+            </a:r>
+          </a:p>
+          <a:p>
+            <a:r>
+              <a:rPr lang="en-US" sz="2400" dirty="0"/>
+              <a:t>ACM Badging</a:t>
+            </a:r>
+          </a:p>
+          <a:p>
+            <a:pPr lvl="1"/>
+            <a:r>
+              <a:rPr lang="en-US" dirty="0"/>
+              <a:t>Functional, reusable, available, replicated, reproduced</a:t>
+            </a:r>
+          </a:p>
+          <a:p>
+            <a:pPr lvl="1"/>
+            <a:r>
+              <a:rPr lang="en-US" sz="2000" dirty="0">
+                <a:hlinkClick r:id="rId3"/>
+              </a:rPr>
+              <a:t>https://www.acm.org/publications/policies/artifact-review-badging</a:t>
+            </a:r>
+            <a:r>
+              <a:rPr lang="en-US" sz="2000" dirty="0"/>
+              <a:t> </a:t>
+            </a:r>
+          </a:p>
+          <a:p>
+            <a:r>
+              <a:rPr lang="en-US" sz="2400" dirty="0"/>
+              <a:t>These conferences have artifact evaluation appendices:</a:t>
+            </a:r>
+          </a:p>
+          <a:p>
+            <a:pPr lvl="1"/>
+            <a:r>
+              <a:rPr lang="en-US" sz="2000" dirty="0"/>
+              <a:t>CGO, </a:t>
+            </a:r>
+            <a:r>
+              <a:rPr lang="en-US" sz="2000" dirty="0" err="1"/>
+              <a:t>PPoPP</a:t>
+            </a:r>
+            <a:r>
+              <a:rPr lang="en-US" sz="2000" dirty="0"/>
+              <a:t>, PACT, RTSS and SC</a:t>
+            </a:r>
+          </a:p>
+          <a:p>
+            <a:pPr lvl="1"/>
+            <a:r>
+              <a:rPr lang="en-US" sz="2000" dirty="0">
+                <a:hlinkClick r:id="rId4"/>
+              </a:rPr>
+              <a:t>http://fursin.net/reproducibility.html</a:t>
+            </a:r>
+            <a:endParaRPr lang="en-US" sz="2000" dirty="0"/>
+          </a:p>
+          <a:p>
+            <a:r>
+              <a:rPr lang="en-US" sz="2400" dirty="0"/>
+              <a:t>NISO Committee on Reproducibility and Badging</a:t>
+            </a:r>
+          </a:p>
+          <a:p>
+            <a:pPr lvl="1"/>
+            <a:r>
+              <a:rPr lang="en-US" sz="2000" dirty="0">
+                <a:hlinkClick r:id="rId5"/>
+              </a:rPr>
+              <a:t>https://www.niso.org/niso-io/2019/01/new-niso-project-badging-scheme-reproducibility-computational-and-computing</a:t>
+            </a:r>
+            <a:r>
+              <a:rPr lang="en-US" sz="2000" dirty="0"/>
+              <a:t> </a:t>
+            </a:r>
+          </a:p>
+          <a:p>
+            <a:pPr lvl="1"/>
+            <a:r>
+              <a:rPr lang="en-US" sz="2000" dirty="0"/>
+              <a:t>Publishers: ACM, IEEE, </a:t>
+            </a:r>
+            <a:r>
+              <a:rPr lang="en-US" sz="2000" dirty="0" err="1"/>
+              <a:t>figshare</a:t>
+            </a:r>
+            <a:r>
+              <a:rPr lang="en-US" sz="2000" dirty="0"/>
+              <a:t>, STM, Reed Elsevier, Springer Nature</a:t>
+            </a:r>
+          </a:p>
+        </p:txBody>
+      </p:sp>
+    </p:spTree>
+    <p:extLst>
+      <p:ext uri="{BB962C8B-B14F-4D97-AF65-F5344CB8AC3E}">
+        <p14:creationId xmlns:p14="http://schemas.microsoft.com/office/powerpoint/2010/main" val="2234428243"/>
+      </p:ext>
+    </p:extLst>
+  </p:cSld>
+  <p:clrMapOvr>
+    <a:masterClrMapping/>
+  </p:clrMapOvr>
+</p:sld>
+</file>
+
+<file path=ppt/slides/slide16.xml><?xml version="1.0" encoding="utf-8"?>
 <p:sld xmlns:a="http://schemas.openxmlformats.org/drawingml/2006/main" xmlns:r="http://schemas.openxmlformats.org/officeDocument/2006/relationships" xmlns:p="http://schemas.openxmlformats.org/presentationml/2006/main">
   <p:cSld>
     <p:spTree>
@@ -6667,403 +6747,7 @@
 </p:sld>
 </file>
 
-<file path=ppt/slides/slide16.xml><?xml version="1.0" encoding="utf-8"?>
-<p:sld xmlns:a="http://schemas.openxmlformats.org/drawingml/2006/main" xmlns:r="http://schemas.openxmlformats.org/officeDocument/2006/relationships" xmlns:p="http://schemas.openxmlformats.org/presentationml/2006/main">
-  <p:cSld>
-    <p:spTree>
-      <p:nvGrpSpPr>
-        <p:cNvPr id="1" name=""/>
-        <p:cNvGrpSpPr/>
-        <p:nvPr/>
-      </p:nvGrpSpPr>
-      <p:grpSpPr>
-        <a:xfrm>
-          <a:off x="0" y="0"/>
-          <a:ext cx="0" cy="0"/>
-          <a:chOff x="0" y="0"/>
-          <a:chExt cx="0" cy="0"/>
-        </a:xfrm>
-      </p:grpSpPr>
-      <p:sp>
-        <p:nvSpPr>
-          <p:cNvPr id="4" name="Title 3"/>
-          <p:cNvSpPr>
-            <a:spLocks noGrp="1"/>
-          </p:cNvSpPr>
-          <p:nvPr>
-            <p:ph type="title"/>
-          </p:nvPr>
-        </p:nvSpPr>
-        <p:spPr/>
-        <p:txBody>
-          <a:bodyPr/>
-          <a:lstStyle/>
-          <a:p>
-            <a:r>
-              <a:rPr lang="en-US" dirty="0"/>
-              <a:t>Supercomputing Reproducibility Initiative</a:t>
-            </a:r>
-          </a:p>
-        </p:txBody>
-      </p:sp>
-      <p:sp>
-        <p:nvSpPr>
-          <p:cNvPr id="5" name="Content Placeholder 4"/>
-          <p:cNvSpPr>
-            <a:spLocks noGrp="1"/>
-          </p:cNvSpPr>
-          <p:nvPr>
-            <p:ph sz="quarter" idx="1"/>
-          </p:nvPr>
-        </p:nvSpPr>
-        <p:spPr>
-          <a:xfrm>
-            <a:off x="365760" y="1141612"/>
-            <a:ext cx="11369809" cy="4047778"/>
-          </a:xfrm>
-        </p:spPr>
-        <p:txBody>
-          <a:bodyPr/>
-          <a:lstStyle/>
-          <a:p>
-            <a:r>
-              <a:rPr lang="en-US" sz="2800" dirty="0"/>
-              <a:t>Two appendices: </a:t>
-            </a:r>
-          </a:p>
-          <a:p>
-            <a:pPr lvl="1"/>
-            <a:r>
-              <a:rPr lang="en-US" sz="2400" dirty="0"/>
-              <a:t>Artifact description (AD)</a:t>
-            </a:r>
-          </a:p>
-          <a:p>
-            <a:pPr lvl="2"/>
-            <a:r>
-              <a:rPr lang="en-US" sz="2000" dirty="0"/>
-              <a:t>Blue print for setting up your computational experiment</a:t>
-            </a:r>
-          </a:p>
-          <a:p>
-            <a:pPr lvl="2"/>
-            <a:r>
-              <a:rPr lang="en-US" sz="2000" dirty="0"/>
-              <a:t>Makes it easier to rerun computations in future</a:t>
-            </a:r>
-          </a:p>
-          <a:p>
-            <a:pPr lvl="2"/>
-            <a:r>
-              <a:rPr lang="en-US" sz="2000" dirty="0"/>
-              <a:t>AD appendix is </a:t>
-            </a:r>
-            <a:r>
-              <a:rPr lang="en-US" sz="2000" b="1" dirty="0"/>
-              <a:t>mandatory</a:t>
-            </a:r>
-            <a:r>
-              <a:rPr lang="en-US" sz="2000" dirty="0"/>
-              <a:t> for paper submissions (since SC19)</a:t>
-            </a:r>
-          </a:p>
-          <a:p>
-            <a:pPr lvl="2"/>
-            <a:r>
-              <a:rPr lang="en-US" sz="2000" dirty="0"/>
-              <a:t>Largely auto-generated from submission information</a:t>
-            </a:r>
-          </a:p>
-          <a:p>
-            <a:pPr lvl="2"/>
-            <a:r>
-              <a:rPr lang="en-US" sz="2000" dirty="0"/>
-              <a:t>For accepted papers, will be evaluated by reviewers</a:t>
-            </a:r>
-          </a:p>
-          <a:p>
-            <a:pPr lvl="1"/>
-            <a:r>
-              <a:rPr lang="en-US" sz="2400" dirty="0"/>
-              <a:t>Artifact Evaluation (AE)</a:t>
-            </a:r>
-          </a:p>
-          <a:p>
-            <a:pPr lvl="2"/>
-            <a:r>
-              <a:rPr lang="en-US" sz="2000" dirty="0"/>
-              <a:t>Targets “boutique” environments</a:t>
-            </a:r>
-          </a:p>
-          <a:p>
-            <a:pPr lvl="2"/>
-            <a:r>
-              <a:rPr lang="en-US" sz="2000" dirty="0"/>
-              <a:t>Improves trustworthiness when re-running hard, impossible</a:t>
-            </a:r>
-          </a:p>
-          <a:p>
-            <a:pPr lvl="2"/>
-            <a:r>
-              <a:rPr lang="en-US" sz="2000" b="1" dirty="0"/>
-              <a:t>Remains optional</a:t>
-            </a:r>
-          </a:p>
-          <a:p>
-            <a:r>
-              <a:rPr lang="en-US" sz="2800" dirty="0"/>
-              <a:t>Details: </a:t>
-            </a:r>
-            <a:r>
-              <a:rPr lang="en-US" sz="2400" dirty="0">
-                <a:hlinkClick r:id="rId2"/>
-              </a:rPr>
-              <a:t>https://sc21.supercomputing.org/submit/reproducibility-initiative/</a:t>
-            </a:r>
-            <a:endParaRPr lang="en-US" sz="2400" dirty="0"/>
-          </a:p>
-        </p:txBody>
-      </p:sp>
-    </p:spTree>
-    <p:extLst>
-      <p:ext uri="{BB962C8B-B14F-4D97-AF65-F5344CB8AC3E}">
-        <p14:creationId xmlns:p14="http://schemas.microsoft.com/office/powerpoint/2010/main" val="2302033408"/>
-      </p:ext>
-    </p:extLst>
-  </p:cSld>
-  <p:clrMapOvr>
-    <a:masterClrMapping/>
-  </p:clrMapOvr>
-</p:sld>
-</file>
-
 <file path=ppt/slides/slide17.xml><?xml version="1.0" encoding="utf-8"?>
-<p:sld xmlns:a="http://schemas.openxmlformats.org/drawingml/2006/main" xmlns:r="http://schemas.openxmlformats.org/officeDocument/2006/relationships" xmlns:p="http://schemas.openxmlformats.org/presentationml/2006/main">
-  <p:cSld>
-    <p:spTree>
-      <p:nvGrpSpPr>
-        <p:cNvPr id="1" name=""/>
-        <p:cNvGrpSpPr/>
-        <p:nvPr/>
-      </p:nvGrpSpPr>
-      <p:grpSpPr>
-        <a:xfrm>
-          <a:off x="0" y="0"/>
-          <a:ext cx="0" cy="0"/>
-          <a:chOff x="0" y="0"/>
-          <a:chExt cx="0" cy="0"/>
-        </a:xfrm>
-      </p:grpSpPr>
-      <p:sp>
-        <p:nvSpPr>
-          <p:cNvPr id="2" name="Title 1"/>
-          <p:cNvSpPr>
-            <a:spLocks noGrp="1"/>
-          </p:cNvSpPr>
-          <p:nvPr>
-            <p:ph type="title"/>
-          </p:nvPr>
-        </p:nvSpPr>
-        <p:spPr>
-          <a:xfrm>
-            <a:off x="368135" y="192378"/>
-            <a:ext cx="11269682" cy="532017"/>
-          </a:xfrm>
-        </p:spPr>
-        <p:txBody>
-          <a:bodyPr>
-            <a:normAutofit/>
-          </a:bodyPr>
-          <a:lstStyle/>
-          <a:p>
-            <a:r>
-              <a:rPr lang="en-US" sz="2800" dirty="0"/>
-              <a:t>Increasing Attention on Reproducibility</a:t>
-            </a:r>
-          </a:p>
-        </p:txBody>
-      </p:sp>
-      <p:sp>
-        <p:nvSpPr>
-          <p:cNvPr id="4" name="Content Placeholder 3"/>
-          <p:cNvSpPr>
-            <a:spLocks noGrp="1"/>
-          </p:cNvSpPr>
-          <p:nvPr>
-            <p:ph sz="quarter" idx="1"/>
-          </p:nvPr>
-        </p:nvSpPr>
-        <p:spPr>
-          <a:xfrm>
-            <a:off x="245815" y="868048"/>
-            <a:ext cx="11697194" cy="5449160"/>
-          </a:xfrm>
-        </p:spPr>
-        <p:txBody>
-          <a:bodyPr>
-            <a:normAutofit lnSpcReduction="10000"/>
-          </a:bodyPr>
-          <a:lstStyle/>
-          <a:p>
-            <a:r>
-              <a:rPr lang="en-US" dirty="0"/>
-              <a:t>More publication venues are adding reproducibility </a:t>
-            </a:r>
-            <a:r>
-              <a:rPr lang="en-US" b="1" dirty="0"/>
-              <a:t>recognition</a:t>
-            </a:r>
-            <a:r>
-              <a:rPr lang="en-US" dirty="0"/>
-              <a:t> or </a:t>
-            </a:r>
-            <a:r>
-              <a:rPr lang="en-US" b="1" dirty="0"/>
-              <a:t>requirements</a:t>
-            </a:r>
-            <a:endParaRPr lang="en-US" sz="2400" dirty="0"/>
-          </a:p>
-          <a:p>
-            <a:r>
-              <a:rPr lang="en-US" sz="2400" dirty="0"/>
-              <a:t>ACM </a:t>
-            </a:r>
-            <a:r>
-              <a:rPr lang="en-US" sz="2400" strike="sngStrike" dirty="0"/>
-              <a:t>Replicated</a:t>
-            </a:r>
-            <a:r>
-              <a:rPr lang="en-US" sz="2400" dirty="0"/>
-              <a:t> Reproducible Computational Results (RCR)</a:t>
-            </a:r>
-          </a:p>
-          <a:p>
-            <a:pPr lvl="1"/>
-            <a:r>
-              <a:rPr lang="en-US" sz="2000" dirty="0"/>
-              <a:t>ACM TOMS, TOMACS</a:t>
-            </a:r>
-          </a:p>
-          <a:p>
-            <a:pPr lvl="1"/>
-            <a:r>
-              <a:rPr lang="en-US" sz="2000" dirty="0">
-                <a:hlinkClick r:id="rId2"/>
-              </a:rPr>
-              <a:t>http://toms.acm.org/replicated-computational-results.cfm</a:t>
-            </a:r>
-            <a:r>
-              <a:rPr lang="en-US" sz="2000" dirty="0"/>
-              <a:t> </a:t>
-            </a:r>
-          </a:p>
-          <a:p>
-            <a:r>
-              <a:rPr lang="en-US" sz="2400" dirty="0"/>
-              <a:t>ACM Badging</a:t>
-            </a:r>
-          </a:p>
-          <a:p>
-            <a:pPr lvl="1"/>
-            <a:r>
-              <a:rPr lang="en-US" dirty="0"/>
-              <a:t>Functional, reusable, available, replicated, reproduced</a:t>
-            </a:r>
-          </a:p>
-          <a:p>
-            <a:pPr lvl="1"/>
-            <a:r>
-              <a:rPr lang="en-US" sz="2000" dirty="0">
-                <a:hlinkClick r:id="rId3"/>
-              </a:rPr>
-              <a:t>https://www.acm.org/publications/policies/artifact-review-badging</a:t>
-            </a:r>
-            <a:r>
-              <a:rPr lang="en-US" sz="2000" dirty="0"/>
-              <a:t> </a:t>
-            </a:r>
-          </a:p>
-          <a:p>
-            <a:r>
-              <a:rPr lang="en-US" sz="2400" dirty="0"/>
-              <a:t>These conferences have artifact evaluation appendices:</a:t>
-            </a:r>
-          </a:p>
-          <a:p>
-            <a:pPr lvl="1"/>
-            <a:r>
-              <a:rPr lang="en-US" sz="2000" dirty="0"/>
-              <a:t>CGO, </a:t>
-            </a:r>
-            <a:r>
-              <a:rPr lang="en-US" sz="2000" dirty="0" err="1"/>
-              <a:t>PPoPP</a:t>
-            </a:r>
-            <a:r>
-              <a:rPr lang="en-US" sz="2000" dirty="0"/>
-              <a:t>, PACT, RTSS and SC</a:t>
-            </a:r>
-          </a:p>
-          <a:p>
-            <a:pPr lvl="1"/>
-            <a:r>
-              <a:rPr lang="en-US" sz="2000" dirty="0">
-                <a:hlinkClick r:id="rId4"/>
-              </a:rPr>
-              <a:t>http://fursin.net/reproducibility.html</a:t>
-            </a:r>
-            <a:endParaRPr lang="en-US" sz="2000" dirty="0"/>
-          </a:p>
-          <a:p>
-            <a:r>
-              <a:rPr lang="en-US" sz="2400" dirty="0"/>
-              <a:t>NISO Committee on Reproducibility and Badging</a:t>
-            </a:r>
-          </a:p>
-          <a:p>
-            <a:pPr lvl="1"/>
-            <a:r>
-              <a:rPr lang="en-US" sz="2000" dirty="0">
-                <a:hlinkClick r:id="rId5"/>
-              </a:rPr>
-              <a:t>https://www.niso.org/niso-io/2019/01/new-niso-project-badging-scheme-reproducibility-computational-and-computing</a:t>
-            </a:r>
-            <a:r>
-              <a:rPr lang="en-US" sz="2000" dirty="0"/>
-              <a:t> </a:t>
-            </a:r>
-          </a:p>
-          <a:p>
-            <a:pPr lvl="1"/>
-            <a:r>
-              <a:rPr lang="en-US" sz="2000" dirty="0"/>
-              <a:t>Publishers: ACM, IEEE, </a:t>
-            </a:r>
-            <a:r>
-              <a:rPr lang="en-US" sz="2000" dirty="0" err="1"/>
-              <a:t>figshare</a:t>
-            </a:r>
-            <a:r>
-              <a:rPr lang="en-US" sz="2000" dirty="0"/>
-              <a:t>, STM, Reed Elsevier, Springer Nature</a:t>
-            </a:r>
-          </a:p>
-        </p:txBody>
-      </p:sp>
-    </p:spTree>
-    <p:extLst>
-      <p:ext uri="{BB962C8B-B14F-4D97-AF65-F5344CB8AC3E}">
-        <p14:creationId xmlns:p14="http://schemas.microsoft.com/office/powerpoint/2010/main" val="2234428243"/>
-      </p:ext>
-    </p:extLst>
-  </p:cSld>
-  <p:clrMapOvr>
-    <a:masterClrMapping/>
-  </p:clrMapOvr>
-</p:sld>
-</file>
-
-<file path=ppt/slides/slide18.xml><?xml version="1.0" encoding="utf-8"?>
 <p:sld xmlns:a="http://schemas.openxmlformats.org/drawingml/2006/main" xmlns:r="http://schemas.openxmlformats.org/officeDocument/2006/relationships" xmlns:p="http://schemas.openxmlformats.org/presentationml/2006/main">
   <p:cSld>
     <p:spTree>
@@ -7606,7 +7290,7 @@
 </p:sld>
 </file>
 
-<file path=ppt/slides/slide19.xml><?xml version="1.0" encoding="utf-8"?>
+<file path=ppt/slides/slide18.xml><?xml version="1.0" encoding="utf-8"?>
 <p:sld xmlns:a="http://schemas.openxmlformats.org/drawingml/2006/main" xmlns:r="http://schemas.openxmlformats.org/officeDocument/2006/relationships" xmlns:p="http://schemas.openxmlformats.org/presentationml/2006/main">
   <p:cSld>
     <p:spTree>
@@ -7655,6 +7339,182 @@
     <p:extLst>
       <p:ext uri="{BB962C8B-B14F-4D97-AF65-F5344CB8AC3E}">
         <p14:creationId xmlns:p14="http://schemas.microsoft.com/office/powerpoint/2010/main" val="1180185825"/>
+      </p:ext>
+    </p:extLst>
+  </p:cSld>
+  <p:clrMapOvr>
+    <a:masterClrMapping/>
+  </p:clrMapOvr>
+</p:sld>
+</file>
+
+<file path=ppt/slides/slide19.xml><?xml version="1.0" encoding="utf-8"?>
+<p:sld xmlns:a="http://schemas.openxmlformats.org/drawingml/2006/main" xmlns:r="http://schemas.openxmlformats.org/officeDocument/2006/relationships" xmlns:p="http://schemas.openxmlformats.org/presentationml/2006/main">
+  <p:cSld>
+    <p:spTree>
+      <p:nvGrpSpPr>
+        <p:cNvPr id="1" name=""/>
+        <p:cNvGrpSpPr/>
+        <p:nvPr/>
+      </p:nvGrpSpPr>
+      <p:grpSpPr>
+        <a:xfrm>
+          <a:off x="0" y="0"/>
+          <a:ext cx="0" cy="0"/>
+          <a:chOff x="0" y="0"/>
+          <a:chExt cx="0" cy="0"/>
+        </a:xfrm>
+      </p:grpSpPr>
+      <p:sp>
+        <p:nvSpPr>
+          <p:cNvPr id="2" name="Title 1">
+            <a:extLst>
+              <a:ext uri="{FF2B5EF4-FFF2-40B4-BE49-F238E27FC236}">
+                <a16:creationId xmlns:a16="http://schemas.microsoft.com/office/drawing/2014/main" id="{AF0E5AE6-BAC5-4D3D-B274-228B336C1693}"/>
+              </a:ext>
+            </a:extLst>
+          </p:cNvPr>
+          <p:cNvSpPr>
+            <a:spLocks noGrp="1"/>
+          </p:cNvSpPr>
+          <p:nvPr>
+            <p:ph type="title"/>
+          </p:nvPr>
+        </p:nvSpPr>
+        <p:spPr>
+          <a:xfrm>
+            <a:off x="365760" y="411480"/>
+            <a:ext cx="11438994" cy="914400"/>
+          </a:xfrm>
+        </p:spPr>
+        <p:txBody>
+          <a:bodyPr/>
+          <a:lstStyle/>
+          <a:p>
+            <a:r>
+              <a:rPr lang="en-US" dirty="0"/>
+              <a:t>Strategies for Improving Reproducibility </a:t>
+            </a:r>
+            <a:r>
+              <a:rPr lang="en-US" i="1" u="sng" dirty="0"/>
+              <a:t>During</a:t>
+            </a:r>
+            <a:r>
+              <a:rPr lang="en-US" u="sng" dirty="0"/>
+              <a:t> Development</a:t>
+            </a:r>
+            <a:r>
+              <a:rPr lang="en-US" dirty="0"/>
+              <a:t> (1/3)</a:t>
+            </a:r>
+          </a:p>
+        </p:txBody>
+      </p:sp>
+      <p:sp>
+        <p:nvSpPr>
+          <p:cNvPr id="3" name="Content Placeholder 2">
+            <a:extLst>
+              <a:ext uri="{FF2B5EF4-FFF2-40B4-BE49-F238E27FC236}">
+                <a16:creationId xmlns:a16="http://schemas.microsoft.com/office/drawing/2014/main" id="{7E3F8F1F-5081-4F6E-81DA-DC14088609D1}"/>
+              </a:ext>
+            </a:extLst>
+          </p:cNvPr>
+          <p:cNvSpPr>
+            <a:spLocks noGrp="1"/>
+          </p:cNvSpPr>
+          <p:nvPr>
+            <p:ph idx="1"/>
+          </p:nvPr>
+        </p:nvSpPr>
+        <p:spPr>
+          <a:xfrm>
+            <a:off x="365760" y="1445055"/>
+            <a:ext cx="11369809" cy="4047778"/>
+          </a:xfrm>
+        </p:spPr>
+        <p:txBody>
+          <a:bodyPr/>
+          <a:lstStyle/>
+          <a:p>
+            <a:r>
+              <a:rPr lang="en-US" b="1" dirty="0">
+                <a:solidFill>
+                  <a:schemeClr val="tx2"/>
+                </a:solidFill>
+              </a:rPr>
+              <a:t>Solid versioning practices are fundamental to reproducibility</a:t>
+            </a:r>
+          </a:p>
+          <a:p>
+            <a:r>
+              <a:rPr lang="en-US" dirty="0"/>
+              <a:t>Version control of code, documentation, and other artifacts</a:t>
+            </a:r>
+          </a:p>
+          <a:p>
+            <a:pPr lvl="1"/>
+            <a:r>
+              <a:rPr lang="en-US" dirty="0"/>
+              <a:t>Frequent commits (perhaps to a separate development branch) </a:t>
+            </a:r>
+          </a:p>
+          <a:p>
+            <a:r>
+              <a:rPr lang="en-US" dirty="0"/>
+              <a:t>Provide versioning information in key output(s)</a:t>
+            </a:r>
+          </a:p>
+          <a:p>
+            <a:pPr lvl="1"/>
+            <a:r>
+              <a:rPr lang="en-US" dirty="0"/>
+              <a:t>Version numbers (i.e., semantic versioning) are useful, but when do you increment them?</a:t>
+            </a:r>
+          </a:p>
+          <a:p>
+            <a:pPr lvl="1"/>
+            <a:r>
+              <a:rPr lang="en-US" dirty="0"/>
+              <a:t>Automatic identifiers (i.e., git commit hash) are less ambiguous, but may not be as meaningful</a:t>
+            </a:r>
+          </a:p>
+          <a:p>
+            <a:pPr lvl="1"/>
+            <a:r>
+              <a:rPr lang="en-US" dirty="0"/>
+              <a:t>Is the code you’re building modified from the version in the repository? </a:t>
+            </a:r>
+            <a:r>
+              <a:rPr lang="en-US" i="1" dirty="0"/>
+              <a:t>(Not often done in practice)</a:t>
+            </a:r>
+          </a:p>
+          <a:p>
+            <a:r>
+              <a:rPr lang="en-US" dirty="0"/>
+              <a:t>Maintaining documentation (and other artifacts) in sync with code</a:t>
+            </a:r>
+          </a:p>
+          <a:p>
+            <a:pPr lvl="1"/>
+            <a:r>
+              <a:rPr lang="en-US" dirty="0"/>
+              <a:t>You’ll forget</a:t>
+            </a:r>
+          </a:p>
+          <a:p>
+            <a:pPr lvl="1"/>
+            <a:r>
+              <a:rPr lang="en-US" dirty="0"/>
+              <a:t>Or you won’t have (make) time to go back to it</a:t>
+            </a:r>
+          </a:p>
+        </p:txBody>
+      </p:sp>
+    </p:spTree>
+    <p:extLst>
+      <p:ext uri="{BB962C8B-B14F-4D97-AF65-F5344CB8AC3E}">
+        <p14:creationId xmlns:p14="http://schemas.microsoft.com/office/powerpoint/2010/main" val="993821894"/>
       </p:ext>
     </p:extLst>
   </p:cSld>
@@ -8009,7 +7869,7 @@
         <p:spPr>
           <a:xfrm>
             <a:off x="365760" y="411480"/>
-            <a:ext cx="11438994" cy="914400"/>
+            <a:ext cx="11457305" cy="914400"/>
           </a:xfrm>
         </p:spPr>
         <p:txBody>
@@ -8030,7 +7890,7 @@
             </a:r>
             <a:r>
               <a:rPr lang="en-US" dirty="0"/>
-              <a:t> (1/3)</a:t>
+              <a:t> (2/3)</a:t>
             </a:r>
           </a:p>
         </p:txBody>
@@ -8053,7 +7913,7 @@
         </p:nvSpPr>
         <p:spPr>
           <a:xfrm>
-            <a:off x="365760" y="1445055"/>
+            <a:off x="365760" y="995355"/>
             <a:ext cx="11369809" cy="4047778"/>
           </a:xfrm>
         </p:spPr>
@@ -8067,71 +7927,138 @@
                   <a:schemeClr val="tx2"/>
                 </a:solidFill>
               </a:rPr>
-              <a:t>Solid versioning practices are fundamental to reproducibility</a:t>
-            </a:r>
-          </a:p>
-          <a:p>
-            <a:r>
-              <a:rPr lang="en-US" dirty="0"/>
-              <a:t>Version control of code, documentation, and other artifacts</a:t>
-            </a:r>
-          </a:p>
-          <a:p>
-            <a:pPr lvl="1"/>
-            <a:r>
-              <a:rPr lang="en-US" dirty="0"/>
-              <a:t>Frequent commits (perhaps to a separate development branch) </a:t>
-            </a:r>
-          </a:p>
-          <a:p>
-            <a:r>
-              <a:rPr lang="en-US" dirty="0"/>
-              <a:t>Provide versioning information in key output(s)</a:t>
-            </a:r>
-          </a:p>
-          <a:p>
-            <a:pPr lvl="1"/>
-            <a:r>
-              <a:rPr lang="en-US" dirty="0"/>
-              <a:t>Version numbers (i.e., semantic versioning) are useful, but when do you increment them?</a:t>
-            </a:r>
-          </a:p>
-          <a:p>
-            <a:pPr lvl="1"/>
-            <a:r>
-              <a:rPr lang="en-US" dirty="0"/>
-              <a:t>Automatic identifiers (i.e., git commit hash) are less ambiguous, but may not be as meaningful</a:t>
-            </a:r>
-          </a:p>
-          <a:p>
-            <a:pPr lvl="1"/>
-            <a:r>
-              <a:rPr lang="en-US" dirty="0"/>
-              <a:t>Is the code you’re building modified from the version in the repository? </a:t>
+              <a:t>Build in quality from the start</a:t>
+            </a:r>
+          </a:p>
+          <a:p>
+            <a:r>
+              <a:rPr lang="en-US" dirty="0"/>
+              <a:t>Define and follow coding standards</a:t>
+            </a:r>
+          </a:p>
+          <a:p>
+            <a:pPr lvl="1">
+              <a:spcBef>
+                <a:spcPts val="200"/>
+              </a:spcBef>
+            </a:pPr>
+            <a:r>
+              <a:rPr lang="en-US" dirty="0"/>
+              <a:t>Not just code style</a:t>
+            </a:r>
+          </a:p>
+          <a:p>
+            <a:pPr lvl="1">
+              <a:spcBef>
+                <a:spcPts val="200"/>
+              </a:spcBef>
+            </a:pPr>
+            <a:r>
+              <a:rPr lang="en-US" dirty="0"/>
+              <a:t>Expectations for kinds and extent of documentation, types and rigor of tests</a:t>
+            </a:r>
+          </a:p>
+          <a:p>
+            <a:r>
+              <a:rPr lang="en-US" dirty="0"/>
+              <a:t>Develop tests as you code</a:t>
+            </a:r>
+          </a:p>
+          <a:p>
+            <a:pPr lvl="1">
+              <a:spcBef>
+                <a:spcPts val="200"/>
+              </a:spcBef>
+            </a:pPr>
+            <a:r>
+              <a:rPr lang="en-US" dirty="0"/>
+              <a:t>Write tests while the code is fresh in your mind</a:t>
+            </a:r>
+          </a:p>
+          <a:p>
+            <a:pPr lvl="1">
+              <a:spcBef>
+                <a:spcPts val="200"/>
+              </a:spcBef>
+            </a:pPr>
+            <a:r>
+              <a:rPr lang="en-US" dirty="0"/>
+              <a:t>Test Driven Development (TDD) means write tests before code, then code to pass the tests</a:t>
+            </a:r>
+          </a:p>
+          <a:p>
+            <a:r>
+              <a:rPr lang="en-US" dirty="0"/>
+              <a:t>Require increasingly rigorous testing as the code becomes more “public”</a:t>
+            </a:r>
+          </a:p>
+          <a:p>
+            <a:pPr lvl="1">
+              <a:spcBef>
+                <a:spcPts val="200"/>
+              </a:spcBef>
+            </a:pPr>
+            <a:r>
+              <a:rPr lang="en-US" dirty="0"/>
+              <a:t>Testing has costs, need to balance level of risk against cost of creating and executing tests</a:t>
+            </a:r>
+          </a:p>
+          <a:p>
+            <a:pPr lvl="1">
+              <a:spcBef>
+                <a:spcPts val="200"/>
+              </a:spcBef>
+            </a:pPr>
+            <a:r>
+              <a:rPr lang="en-US" dirty="0"/>
+              <a:t>Also think about frequency of tests at different levels of cost (c.f. continuous integration)</a:t>
+            </a:r>
+          </a:p>
+          <a:p>
+            <a:r>
+              <a:rPr lang="en-US" dirty="0"/>
+              <a:t>Practice peer code review</a:t>
+            </a:r>
+          </a:p>
+          <a:p>
+            <a:pPr lvl="1">
+              <a:spcBef>
+                <a:spcPts val="200"/>
+              </a:spcBef>
+            </a:pPr>
+            <a:r>
+              <a:rPr lang="en-US" dirty="0"/>
+              <a:t>Per commit – should meet standards, </a:t>
             </a:r>
             <a:r>
               <a:rPr lang="en-US" i="1" dirty="0"/>
-              <a:t>(Not often done in practice)</a:t>
-            </a:r>
-          </a:p>
-          <a:p>
-            <a:r>
-              <a:rPr lang="en-US" dirty="0"/>
-              <a:t>Maintaining documentation (and other artifacts) in sync with code</a:t>
-            </a:r>
-          </a:p>
-          <a:p>
-            <a:pPr lvl="1"/>
-            <a:r>
-              <a:rPr lang="en-US" dirty="0"/>
-              <a:t>You’ll forget</a:t>
-            </a:r>
-          </a:p>
-          <a:p>
-            <a:pPr lvl="1"/>
-            <a:r>
-              <a:rPr lang="en-US" dirty="0"/>
-              <a:t>Or you won’t have (make) time to go back to it</a:t>
+              <a:t>and</a:t>
+            </a:r>
+            <a:r>
+              <a:rPr lang="en-US" dirty="0"/>
+              <a:t> be understood and judged correct by reviewer</a:t>
+            </a:r>
+          </a:p>
+          <a:p>
+            <a:pPr lvl="1">
+              <a:spcBef>
+                <a:spcPts val="200"/>
+              </a:spcBef>
+            </a:pPr>
+            <a:r>
+              <a:rPr lang="en-US" dirty="0"/>
+              <a:t>Pair experienced reviewers with less experienced coders to help ensure quality</a:t>
+            </a:r>
+          </a:p>
+          <a:p>
+            <a:pPr lvl="1">
+              <a:spcBef>
+                <a:spcPts val="200"/>
+              </a:spcBef>
+            </a:pPr>
+            <a:r>
+              <a:rPr lang="en-US" dirty="0"/>
+              <a:t>Retrospective if you have a lot of existing unreviewed code</a:t>
             </a:r>
           </a:p>
         </p:txBody>
@@ -8139,7 +8066,7 @@
     </p:spTree>
     <p:extLst>
       <p:ext uri="{BB962C8B-B14F-4D97-AF65-F5344CB8AC3E}">
-        <p14:creationId xmlns:p14="http://schemas.microsoft.com/office/powerpoint/2010/main" val="993821894"/>
+        <p14:creationId xmlns:p14="http://schemas.microsoft.com/office/powerpoint/2010/main" val="1828586750"/>
       </p:ext>
     </p:extLst>
   </p:cSld>
@@ -8206,7 +8133,7 @@
             </a:r>
             <a:r>
               <a:rPr lang="en-US" dirty="0"/>
-              <a:t> (2/3)</a:t>
+              <a:t> (3/3)</a:t>
             </a:r>
           </a:p>
         </p:txBody>
@@ -8243,13 +8170,34 @@
                   <a:schemeClr val="tx2"/>
                 </a:solidFill>
               </a:rPr>
-              <a:t>Build in quality from the start</a:t>
-            </a:r>
-          </a:p>
-          <a:p>
-            <a:r>
-              <a:rPr lang="en-US" dirty="0"/>
-              <a:t>Define and follow coding standards</a:t>
+              <a:t>Understand the </a:t>
+            </a:r>
+            <a:r>
+              <a:rPr lang="en-US" b="1" dirty="0" err="1">
+                <a:solidFill>
+                  <a:schemeClr val="tx2"/>
+                </a:solidFill>
+              </a:rPr>
+              <a:t>numerics</a:t>
+            </a:r>
+            <a:r>
+              <a:rPr lang="en-US" b="1" dirty="0">
+                <a:solidFill>
+                  <a:schemeClr val="tx2"/>
+                </a:solidFill>
+              </a:rPr>
+              <a:t> of your code</a:t>
+            </a:r>
+          </a:p>
+          <a:p>
+            <a:pPr>
+              <a:spcBef>
+                <a:spcPts val="800"/>
+              </a:spcBef>
+            </a:pPr>
+            <a:r>
+              <a:rPr lang="en-US" dirty="0"/>
+              <a:t>Floating point numbers are just approximations to real numbers</a:t>
             </a:r>
           </a:p>
           <a:p>
@@ -8260,7 +8208,18 @@
             </a:pPr>
             <a:r>
               <a:rPr lang="en-US" dirty="0"/>
-              <a:t>Not just code style</a:t>
+              <a:t>Many numerical methods have “quirks” too</a:t>
+            </a:r>
+          </a:p>
+          <a:p>
+            <a:pPr>
+              <a:spcBef>
+                <a:spcPts val="800"/>
+              </a:spcBef>
+            </a:pPr>
+            <a:r>
+              <a:rPr lang="en-US" dirty="0"/>
+              <a:t>If you’re using reduced- or mixed-precision computations, carefully compare with full-precision versions</a:t>
             </a:r>
           </a:p>
           <a:p>
@@ -8271,13 +8230,7 @@
             </a:pPr>
             <a:r>
               <a:rPr lang="en-US" dirty="0"/>
-              <a:t>Expectations for kinds and extent of documentation, types and rigor of tests</a:t>
-            </a:r>
-          </a:p>
-          <a:p>
-            <a:r>
-              <a:rPr lang="en-US" dirty="0"/>
-              <a:t>Develop tests as you code</a:t>
+              <a:t>On paper during development of the algorithms</a:t>
             </a:r>
           </a:p>
           <a:p>
@@ -8288,7 +8241,18 @@
             </a:pPr>
             <a:r>
               <a:rPr lang="en-US" dirty="0"/>
-              <a:t>Write tests while the code is fresh in your mind</a:t>
+              <a:t>Maybe provide an alternative full-precision computational path </a:t>
+            </a:r>
+          </a:p>
+          <a:p>
+            <a:pPr>
+              <a:spcBef>
+                <a:spcPts val="800"/>
+              </a:spcBef>
+            </a:pPr>
+            <a:r>
+              <a:rPr lang="en-US" dirty="0"/>
+              <a:t>Consider the possible effects of non-determinism due to concurrency</a:t>
             </a:r>
           </a:p>
           <a:p>
@@ -8299,13 +8263,7 @@
             </a:pPr>
             <a:r>
               <a:rPr lang="en-US" dirty="0"/>
-              <a:t>Test Driven Development (TDD) means write tests before code, then code to pass the tests</a:t>
-            </a:r>
-          </a:p>
-          <a:p>
-            <a:r>
-              <a:rPr lang="en-US" dirty="0"/>
-              <a:t>Require increasingly rigorous testing as the code becomes more “public”</a:t>
+              <a:t>Floating point calculations done in different order may yield different results</a:t>
             </a:r>
           </a:p>
           <a:p>
@@ -8316,7 +8274,7 @@
             </a:pPr>
             <a:r>
               <a:rPr lang="en-US" dirty="0"/>
-              <a:t>Testing has costs, need to balance level of risk against cost of creating and executing tests</a:t>
+              <a:t>Maybe useful to have an option to force deterministic computation</a:t>
             </a:r>
           </a:p>
           <a:p>
@@ -8327,13 +8285,18 @@
             </a:pPr>
             <a:r>
               <a:rPr lang="en-US" dirty="0"/>
-              <a:t>Also think about frequency of tests at different levels of cost (c.f. continuous integration)</a:t>
-            </a:r>
-          </a:p>
-          <a:p>
-            <a:r>
-              <a:rPr lang="en-US" dirty="0"/>
-              <a:t>Practice peer code review</a:t>
+              <a:t>Look for testing/verification methods that don’t depend on bitwise reproducibility</a:t>
+            </a:r>
+          </a:p>
+          <a:p>
+            <a:pPr>
+              <a:spcBef>
+                <a:spcPts val="800"/>
+              </a:spcBef>
+            </a:pPr>
+            <a:r>
+              <a:rPr lang="en-US" dirty="0"/>
+              <a:t>Know your error bounds and develop tests against them</a:t>
             </a:r>
           </a:p>
           <a:p>
@@ -8344,37 +8307,18 @@
             </a:pPr>
             <a:r>
               <a:rPr lang="en-US" dirty="0"/>
-              <a:t>Per commit – should meet standards, </a:t>
-            </a:r>
-            <a:r>
-              <a:rPr lang="en-US" i="1" dirty="0"/>
-              <a:t>and</a:t>
-            </a:r>
-            <a:r>
-              <a:rPr lang="en-US" dirty="0"/>
-              <a:t> be understood and judged correct by reviewer</a:t>
-            </a:r>
-          </a:p>
-          <a:p>
-            <a:pPr lvl="1">
-              <a:spcBef>
-                <a:spcPts val="200"/>
-              </a:spcBef>
-            </a:pPr>
-            <a:r>
-              <a:rPr lang="en-US" dirty="0"/>
-              <a:t>Pair experienced reviewers with less experienced coders to help ensure quality</a:t>
-            </a:r>
-          </a:p>
-          <a:p>
-            <a:pPr lvl="1">
-              <a:spcBef>
-                <a:spcPts val="200"/>
-              </a:spcBef>
-            </a:pPr>
-            <a:r>
-              <a:rPr lang="en-US" dirty="0"/>
-              <a:t>Retrospective if you have a lot of existing unreviewed code</a:t>
+              <a:t>E.g., conservation rules apply to many physical quantities</a:t>
+            </a:r>
+          </a:p>
+          <a:p>
+            <a:pPr>
+              <a:spcBef>
+                <a:spcPts val="800"/>
+              </a:spcBef>
+            </a:pPr>
+            <a:r>
+              <a:rPr lang="en-US" dirty="0"/>
+              <a:t>Consider consulting subject matter experts for help</a:t>
             </a:r>
           </a:p>
         </p:txBody>
@@ -8382,7 +8326,7 @@
     </p:spTree>
     <p:extLst>
       <p:ext uri="{BB962C8B-B14F-4D97-AF65-F5344CB8AC3E}">
-        <p14:creationId xmlns:p14="http://schemas.microsoft.com/office/powerpoint/2010/main" val="1828586750"/>
+        <p14:creationId xmlns:p14="http://schemas.microsoft.com/office/powerpoint/2010/main" val="184948764"/>
       </p:ext>
     </p:extLst>
   </p:cSld>
@@ -8425,12 +8369,7 @@
             <p:ph type="title"/>
           </p:nvPr>
         </p:nvSpPr>
-        <p:spPr>
-          <a:xfrm>
-            <a:off x="365760" y="411480"/>
-            <a:ext cx="11457305" cy="914400"/>
-          </a:xfrm>
-        </p:spPr>
+        <p:spPr/>
         <p:txBody>
           <a:bodyPr/>
           <a:lstStyle/>
@@ -8441,15 +8380,11 @@
             </a:r>
             <a:r>
               <a:rPr lang="en-US" i="1" u="sng" dirty="0"/>
-              <a:t>During</a:t>
+              <a:t>After</a:t>
             </a:r>
             <a:r>
               <a:rPr lang="en-US" u="sng" dirty="0"/>
               <a:t> Development</a:t>
-            </a:r>
-            <a:r>
-              <a:rPr lang="en-US" dirty="0"/>
-              <a:t> (3/3)</a:t>
             </a:r>
           </a:p>
         </p:txBody>
@@ -8467,53 +8402,35 @@
             <a:spLocks noGrp="1"/>
           </p:cNvSpPr>
           <p:nvPr>
-            <p:ph idx="1"/>
+            <p:ph sz="half" idx="2"/>
           </p:nvPr>
         </p:nvSpPr>
         <p:spPr>
           <a:xfrm>
-            <a:off x="365760" y="995355"/>
-            <a:ext cx="11369809" cy="4047778"/>
+            <a:off x="457200" y="1114436"/>
+            <a:ext cx="5588582" cy="3373229"/>
           </a:xfrm>
+          <a:ln>
+            <a:noFill/>
+          </a:ln>
         </p:spPr>
         <p:txBody>
           <a:bodyPr/>
           <a:lstStyle/>
           <a:p>
             <a:r>
-              <a:rPr lang="en-US" b="1" dirty="0">
+              <a:rPr lang="en-US" sz="2000" b="1" dirty="0">
                 <a:solidFill>
                   <a:schemeClr val="tx2"/>
                 </a:solidFill>
               </a:rPr>
-              <a:t>Understand the </a:t>
-            </a:r>
-            <a:r>
-              <a:rPr lang="en-US" b="1" dirty="0" err="1">
-                <a:solidFill>
-                  <a:schemeClr val="tx2"/>
-                </a:solidFill>
-              </a:rPr>
-              <a:t>numerics</a:t>
-            </a:r>
-            <a:r>
-              <a:rPr lang="en-US" b="1" dirty="0">
-                <a:solidFill>
-                  <a:schemeClr val="tx2"/>
-                </a:solidFill>
-              </a:rPr>
-              <a:t> of your code</a:t>
-            </a:r>
-          </a:p>
-          <a:p>
-            <a:pPr>
-              <a:spcBef>
-                <a:spcPts val="800"/>
-              </a:spcBef>
-            </a:pPr>
-            <a:r>
-              <a:rPr lang="en-US" dirty="0"/>
-              <a:t>Floating point numbers are just approximations to real numbers</a:t>
+              <a:t>Testing, testing, and more testing!</a:t>
+            </a:r>
+          </a:p>
+          <a:p>
+            <a:r>
+              <a:rPr lang="en-US" sz="2000" dirty="0"/>
+              <a:t>Add “regression tests”</a:t>
             </a:r>
           </a:p>
           <a:p>
@@ -8523,19 +8440,14 @@
               </a:spcBef>
             </a:pPr>
             <a:r>
-              <a:rPr lang="en-US" dirty="0"/>
-              <a:t>Many numerical methods have “quirks” too</a:t>
-            </a:r>
-          </a:p>
-          <a:p>
-            <a:pPr>
-              <a:spcBef>
-                <a:spcPts val="800"/>
-              </a:spcBef>
-            </a:pPr>
-            <a:r>
-              <a:rPr lang="en-US" dirty="0"/>
-              <a:t>If you’re using reduced- or mixed-precision computations, carefully compare with full-precision versions</a:t>
+              <a:rPr lang="en-US" sz="1800" dirty="0"/>
+              <a:t>If you fix a bug, add a test to make sure that bug doesn’t creep back in</a:t>
+            </a:r>
+          </a:p>
+          <a:p>
+            <a:r>
+              <a:rPr lang="en-US" sz="2000" dirty="0"/>
+              <a:t>Add more tests</a:t>
             </a:r>
           </a:p>
           <a:p>
@@ -8545,8 +8457,8 @@
               </a:spcBef>
             </a:pPr>
             <a:r>
-              <a:rPr lang="en-US" dirty="0"/>
-              <a:t>On paper during development of the algorithms</a:t>
+              <a:rPr lang="en-US" sz="1800" dirty="0"/>
+              <a:t>Be creative</a:t>
             </a:r>
           </a:p>
           <a:p>
@@ -8556,19 +8468,8 @@
               </a:spcBef>
             </a:pPr>
             <a:r>
-              <a:rPr lang="en-US" dirty="0"/>
-              <a:t>Maybe provide an alternative full-precision computational path </a:t>
-            </a:r>
-          </a:p>
-          <a:p>
-            <a:pPr>
-              <a:spcBef>
-                <a:spcPts val="800"/>
-              </a:spcBef>
-            </a:pPr>
-            <a:r>
-              <a:rPr lang="en-US" dirty="0"/>
-              <a:t>Consider the possible effects of non-determinism due to concurrency</a:t>
+              <a:rPr lang="en-US" sz="1800" dirty="0"/>
+              <a:t>Think about common cases, then corner cases</a:t>
             </a:r>
           </a:p>
           <a:p>
@@ -8578,8 +8479,8 @@
               </a:spcBef>
             </a:pPr>
             <a:r>
-              <a:rPr lang="en-US" dirty="0"/>
-              <a:t>Floating point calculations done in different order may yield different results</a:t>
+              <a:rPr lang="en-US" sz="1800" dirty="0"/>
+              <a:t>Think about misuse (unintentional or intentional)</a:t>
             </a:r>
           </a:p>
           <a:p>
@@ -8589,8 +8490,8 @@
               </a:spcBef>
             </a:pPr>
             <a:r>
-              <a:rPr lang="en-US" dirty="0"/>
-              <a:t>Maybe useful to have an option to force deterministic computation</a:t>
+              <a:rPr lang="en-US" sz="1800" dirty="0"/>
+              <a:t>Think about synthetic tests with synthetic data</a:t>
             </a:r>
           </a:p>
           <a:p>
@@ -8600,19 +8501,8 @@
               </a:spcBef>
             </a:pPr>
             <a:r>
-              <a:rPr lang="en-US" dirty="0"/>
-              <a:t>Look for testing/verification methods that don’t depend on bitwise reproducibility</a:t>
-            </a:r>
-          </a:p>
-          <a:p>
-            <a:pPr>
-              <a:spcBef>
-                <a:spcPts val="800"/>
-              </a:spcBef>
-            </a:pPr>
-            <a:r>
-              <a:rPr lang="en-US" dirty="0"/>
-              <a:t>Know your error bounds and develop tests against them</a:t>
+              <a:rPr lang="en-US" sz="1800" dirty="0"/>
+              <a:t>Think about low-cost tests that can be “always on” (even if they’re not so stringent)</a:t>
             </a:r>
           </a:p>
           <a:p>
@@ -8622,19 +8512,146 @@
               </a:spcBef>
             </a:pPr>
             <a:r>
-              <a:rPr lang="en-US" dirty="0"/>
-              <a:t>E.g., conservation rules apply to many physical quantities</a:t>
-            </a:r>
-          </a:p>
-          <a:p>
-            <a:pPr>
-              <a:spcBef>
-                <a:spcPts val="800"/>
-              </a:spcBef>
-            </a:pPr>
-            <a:r>
-              <a:rPr lang="en-US" dirty="0"/>
-              <a:t>Consider consulting subject matter experts for help</a:t>
+              <a:rPr lang="en-US" sz="1800" dirty="0"/>
+              <a:t>Can you detect silent data corruption?</a:t>
+            </a:r>
+          </a:p>
+        </p:txBody>
+      </p:sp>
+      <p:sp>
+        <p:nvSpPr>
+          <p:cNvPr id="6" name="Content Placeholder 5">
+            <a:extLst>
+              <a:ext uri="{FF2B5EF4-FFF2-40B4-BE49-F238E27FC236}">
+                <a16:creationId xmlns:a16="http://schemas.microsoft.com/office/drawing/2014/main" id="{A6E0D8FD-9F37-4AB6-A176-A8A84426CC7A}"/>
+              </a:ext>
+            </a:extLst>
+          </p:cNvPr>
+          <p:cNvSpPr>
+            <a:spLocks noGrp="1"/>
+          </p:cNvSpPr>
+          <p:nvPr>
+            <p:ph sz="quarter" idx="4"/>
+          </p:nvPr>
+        </p:nvSpPr>
+        <p:spPr>
+          <a:xfrm>
+            <a:off x="6218914" y="1114436"/>
+            <a:ext cx="5531934" cy="3373229"/>
+          </a:xfrm>
+          <a:ln>
+            <a:noFill/>
+          </a:ln>
+        </p:spPr>
+        <p:txBody>
+          <a:bodyPr/>
+          <a:lstStyle/>
+          <a:p>
+            <a:r>
+              <a:rPr lang="en-US" sz="2000" dirty="0"/>
+              <a:t>Test your third-party dependencies</a:t>
+            </a:r>
+          </a:p>
+          <a:p>
+            <a:pPr lvl="1">
+              <a:spcBef>
+                <a:spcPts val="200"/>
+              </a:spcBef>
+            </a:pPr>
+            <a:r>
+              <a:rPr lang="en-US" dirty="0"/>
+              <a:t>Are your tools doing what you think they’re doing?</a:t>
+            </a:r>
+          </a:p>
+          <a:p>
+            <a:pPr lvl="1">
+              <a:spcBef>
+                <a:spcPts val="200"/>
+              </a:spcBef>
+            </a:pPr>
+            <a:r>
+              <a:rPr lang="en-US" dirty="0"/>
+              <a:t>What if you’re using a new version?</a:t>
+            </a:r>
+          </a:p>
+          <a:p>
+            <a:pPr lvl="1">
+              <a:spcBef>
+                <a:spcPts val="200"/>
+              </a:spcBef>
+            </a:pPr>
+            <a:r>
+              <a:rPr lang="en-US" dirty="0"/>
+              <a:t>How do you decide if it is okay to upgrade to a new version?</a:t>
+            </a:r>
+          </a:p>
+          <a:p>
+            <a:r>
+              <a:rPr lang="en-US" sz="2000" dirty="0"/>
+              <a:t>Test your tests!</a:t>
+            </a:r>
+          </a:p>
+          <a:p>
+            <a:pPr lvl="1">
+              <a:spcBef>
+                <a:spcPts val="200"/>
+              </a:spcBef>
+            </a:pPr>
+            <a:r>
+              <a:rPr lang="en-US" sz="1800" dirty="0"/>
+              <a:t>Make sure tests fail when they’re supposed to!</a:t>
+            </a:r>
+          </a:p>
+          <a:p>
+            <a:r>
+              <a:rPr lang="en-US" sz="2000" dirty="0"/>
+              <a:t>Thoroughly verify the code</a:t>
+            </a:r>
+          </a:p>
+          <a:p>
+            <a:pPr lvl="1">
+              <a:spcBef>
+                <a:spcPts val="200"/>
+              </a:spcBef>
+            </a:pPr>
+            <a:r>
+              <a:rPr lang="en-US" sz="1800" dirty="0"/>
+              <a:t>Does the code do what you intended it to do?</a:t>
+            </a:r>
+          </a:p>
+          <a:p>
+            <a:pPr lvl="1">
+              <a:spcBef>
+                <a:spcPts val="200"/>
+              </a:spcBef>
+            </a:pPr>
+            <a:r>
+              <a:rPr lang="en-US" sz="1800" dirty="0"/>
+              <a:t>On all relevant platforms (compilers, hardware, etc.)</a:t>
+            </a:r>
+          </a:p>
+          <a:p>
+            <a:r>
+              <a:rPr lang="en-US" sz="2000" dirty="0"/>
+              <a:t>Test regularly</a:t>
+            </a:r>
+          </a:p>
+          <a:p>
+            <a:pPr lvl="1">
+              <a:spcBef>
+                <a:spcPts val="200"/>
+              </a:spcBef>
+            </a:pPr>
+            <a:r>
+              <a:rPr lang="en-US" sz="1800" dirty="0"/>
+              <a:t>To identify and document where changes to the underlying </a:t>
+            </a:r>
+            <a:br>
+              <a:rPr lang="en-US" sz="1800" dirty="0"/>
+            </a:br>
+            <a:r>
+              <a:rPr lang="en-US" sz="1800" dirty="0"/>
+              <a:t>platform change code behavior/results</a:t>
             </a:r>
           </a:p>
         </p:txBody>
@@ -8642,7 +8659,7 @@
     </p:spTree>
     <p:extLst>
       <p:ext uri="{BB962C8B-B14F-4D97-AF65-F5344CB8AC3E}">
-        <p14:creationId xmlns:p14="http://schemas.microsoft.com/office/powerpoint/2010/main" val="184948764"/>
+        <p14:creationId xmlns:p14="http://schemas.microsoft.com/office/powerpoint/2010/main" val="2253672400"/>
       </p:ext>
     </p:extLst>
   </p:cSld>
@@ -8653,6 +8670,431 @@
 </file>
 
 <file path=ppt/slides/slide23.xml><?xml version="1.0" encoding="utf-8"?>
+<p:sld xmlns:a="http://schemas.openxmlformats.org/drawingml/2006/main" xmlns:r="http://schemas.openxmlformats.org/officeDocument/2006/relationships" xmlns:p="http://schemas.openxmlformats.org/presentationml/2006/main">
+  <p:cSld>
+    <p:spTree>
+      <p:nvGrpSpPr>
+        <p:cNvPr id="1" name=""/>
+        <p:cNvGrpSpPr/>
+        <p:nvPr/>
+      </p:nvGrpSpPr>
+      <p:grpSpPr>
+        <a:xfrm>
+          <a:off x="0" y="0"/>
+          <a:ext cx="0" cy="0"/>
+          <a:chOff x="0" y="0"/>
+          <a:chExt cx="0" cy="0"/>
+        </a:xfrm>
+      </p:grpSpPr>
+      <p:sp>
+        <p:nvSpPr>
+          <p:cNvPr id="2" name="Title 1">
+            <a:extLst>
+              <a:ext uri="{FF2B5EF4-FFF2-40B4-BE49-F238E27FC236}">
+                <a16:creationId xmlns:a16="http://schemas.microsoft.com/office/drawing/2014/main" id="{A8FB7E71-12B3-4F18-9845-F2C5400A7D80}"/>
+              </a:ext>
+            </a:extLst>
+          </p:cNvPr>
+          <p:cNvSpPr>
+            <a:spLocks noGrp="1"/>
+          </p:cNvSpPr>
+          <p:nvPr>
+            <p:ph type="title"/>
+          </p:nvPr>
+        </p:nvSpPr>
+        <p:spPr/>
+        <p:txBody>
+          <a:bodyPr/>
+          <a:lstStyle/>
+          <a:p>
+            <a:r>
+              <a:rPr lang="en-US" dirty="0"/>
+              <a:t>Digression – “Physics” (or Math)-Based Testing Strategies</a:t>
+            </a:r>
+          </a:p>
+        </p:txBody>
+      </p:sp>
+      <p:sp>
+        <p:nvSpPr>
+          <p:cNvPr id="3" name="Content Placeholder 2">
+            <a:extLst>
+              <a:ext uri="{FF2B5EF4-FFF2-40B4-BE49-F238E27FC236}">
+                <a16:creationId xmlns:a16="http://schemas.microsoft.com/office/drawing/2014/main" id="{A5DD7266-4F2C-433C-9206-C4C7FDCEE701}"/>
+              </a:ext>
+            </a:extLst>
+          </p:cNvPr>
+          <p:cNvSpPr>
+            <a:spLocks noGrp="1"/>
+          </p:cNvSpPr>
+          <p:nvPr>
+            <p:ph idx="1"/>
+          </p:nvPr>
+        </p:nvSpPr>
+        <p:spPr>
+          <a:xfrm>
+            <a:off x="365760" y="1340125"/>
+            <a:ext cx="11369809" cy="4047778"/>
+          </a:xfrm>
+        </p:spPr>
+        <p:txBody>
+          <a:bodyPr/>
+          <a:lstStyle/>
+          <a:p>
+            <a:r>
+              <a:rPr lang="en-US" b="1" dirty="0">
+                <a:solidFill>
+                  <a:schemeClr val="tx2"/>
+                </a:solidFill>
+              </a:rPr>
+              <a:t>Use what you know (or can construct) about the model you’re studying to test its implementation</a:t>
+            </a:r>
+          </a:p>
+          <a:p>
+            <a:r>
+              <a:rPr lang="en-US" dirty="0"/>
+              <a:t>Synthetic operators with known properties</a:t>
+            </a:r>
+          </a:p>
+          <a:p>
+            <a:pPr lvl="1"/>
+            <a:r>
+              <a:rPr lang="en-US" dirty="0"/>
+              <a:t>Spectrum (huge diagonals)</a:t>
+            </a:r>
+          </a:p>
+          <a:p>
+            <a:pPr lvl="1"/>
+            <a:r>
+              <a:rPr lang="en-US" dirty="0"/>
+              <a:t>Rank (by construction)</a:t>
+            </a:r>
+          </a:p>
+          <a:p>
+            <a:r>
+              <a:rPr lang="en-US" dirty="0"/>
+              <a:t>Invariance principles</a:t>
+            </a:r>
+          </a:p>
+          <a:p>
+            <a:pPr lvl="1"/>
+            <a:r>
+              <a:rPr lang="en-US" dirty="0"/>
+              <a:t>Translational, rotational, etc.</a:t>
+            </a:r>
+          </a:p>
+          <a:p>
+            <a:pPr lvl="1"/>
+            <a:r>
+              <a:rPr lang="en-US" dirty="0"/>
+              <a:t>Physical symmetries</a:t>
+            </a:r>
+          </a:p>
+          <a:p>
+            <a:pPr lvl="1"/>
+            <a:r>
+              <a:rPr lang="en-US" dirty="0"/>
+              <a:t>Mathematical symmetries</a:t>
+            </a:r>
+          </a:p>
+          <a:p>
+            <a:r>
+              <a:rPr lang="en-US" dirty="0"/>
+              <a:t>Conservation rules</a:t>
+            </a:r>
+          </a:p>
+          <a:p>
+            <a:pPr lvl="1"/>
+            <a:r>
+              <a:rPr lang="en-US" dirty="0"/>
+              <a:t>Fluxes, energy, mass, etc.</a:t>
+            </a:r>
+          </a:p>
+          <a:p>
+            <a:r>
+              <a:rPr lang="en-US" dirty="0"/>
+              <a:t>…</a:t>
+            </a:r>
+          </a:p>
+        </p:txBody>
+      </p:sp>
+    </p:spTree>
+    <p:extLst>
+      <p:ext uri="{BB962C8B-B14F-4D97-AF65-F5344CB8AC3E}">
+        <p14:creationId xmlns:p14="http://schemas.microsoft.com/office/powerpoint/2010/main" val="4136283604"/>
+      </p:ext>
+    </p:extLst>
+  </p:cSld>
+  <p:clrMapOvr>
+    <a:masterClrMapping/>
+  </p:clrMapOvr>
+</p:sld>
+</file>
+
+<file path=ppt/slides/slide24.xml><?xml version="1.0" encoding="utf-8"?>
+<p:sld xmlns:a="http://schemas.openxmlformats.org/drawingml/2006/main" xmlns:r="http://schemas.openxmlformats.org/officeDocument/2006/relationships" xmlns:p="http://schemas.openxmlformats.org/presentationml/2006/main">
+  <p:cSld>
+    <p:spTree>
+      <p:nvGrpSpPr>
+        <p:cNvPr id="1" name=""/>
+        <p:cNvGrpSpPr/>
+        <p:nvPr/>
+      </p:nvGrpSpPr>
+      <p:grpSpPr>
+        <a:xfrm>
+          <a:off x="0" y="0"/>
+          <a:ext cx="0" cy="0"/>
+          <a:chOff x="0" y="0"/>
+          <a:chExt cx="0" cy="0"/>
+        </a:xfrm>
+      </p:grpSpPr>
+      <p:sp>
+        <p:nvSpPr>
+          <p:cNvPr id="2" name="Title 1">
+            <a:extLst>
+              <a:ext uri="{FF2B5EF4-FFF2-40B4-BE49-F238E27FC236}">
+                <a16:creationId xmlns:a16="http://schemas.microsoft.com/office/drawing/2014/main" id="{5ADB740C-7926-4693-996F-58F53886A80C}"/>
+              </a:ext>
+            </a:extLst>
+          </p:cNvPr>
+          <p:cNvSpPr>
+            <a:spLocks noGrp="1"/>
+          </p:cNvSpPr>
+          <p:nvPr>
+            <p:ph type="title"/>
+          </p:nvPr>
+        </p:nvSpPr>
+        <p:spPr/>
+        <p:txBody>
+          <a:bodyPr/>
+          <a:lstStyle/>
+          <a:p>
+            <a:r>
+              <a:rPr lang="en-US" dirty="0"/>
+              <a:t>Digression – Design by Contract Programming</a:t>
+            </a:r>
+          </a:p>
+        </p:txBody>
+      </p:sp>
+      <p:sp>
+        <p:nvSpPr>
+          <p:cNvPr id="3" name="Content Placeholder 2">
+            <a:extLst>
+              <a:ext uri="{FF2B5EF4-FFF2-40B4-BE49-F238E27FC236}">
+                <a16:creationId xmlns:a16="http://schemas.microsoft.com/office/drawing/2014/main" id="{86DB796C-B083-44C4-8467-DE5160CD2C5D}"/>
+              </a:ext>
+            </a:extLst>
+          </p:cNvPr>
+          <p:cNvSpPr>
+            <a:spLocks noGrp="1"/>
+          </p:cNvSpPr>
+          <p:nvPr>
+            <p:ph idx="1"/>
+          </p:nvPr>
+        </p:nvSpPr>
+        <p:spPr>
+          <a:xfrm>
+            <a:off x="365760" y="1079194"/>
+            <a:ext cx="11369809" cy="4047778"/>
+          </a:xfrm>
+        </p:spPr>
+        <p:txBody>
+          <a:bodyPr/>
+          <a:lstStyle/>
+          <a:p>
+            <a:r>
+              <a:rPr lang="en-US" b="1" dirty="0">
+                <a:solidFill>
+                  <a:schemeClr val="tx2"/>
+                </a:solidFill>
+              </a:rPr>
+              <a:t>Building testing into your routines </a:t>
+            </a:r>
+          </a:p>
+          <a:p>
+            <a:pPr lvl="1">
+              <a:spcBef>
+                <a:spcPts val="200"/>
+              </a:spcBef>
+            </a:pPr>
+            <a:r>
+              <a:rPr lang="en-US" b="1" dirty="0">
+                <a:solidFill>
+                  <a:schemeClr val="tx2"/>
+                </a:solidFill>
+              </a:rPr>
+              <a:t>To complement, </a:t>
+            </a:r>
+            <a:r>
+              <a:rPr lang="en-US" b="1" i="1" dirty="0">
+                <a:solidFill>
+                  <a:schemeClr val="tx2"/>
+                </a:solidFill>
+              </a:rPr>
+              <a:t>not replace</a:t>
+            </a:r>
+            <a:r>
+              <a:rPr lang="en-US" b="1" dirty="0">
+                <a:solidFill>
+                  <a:schemeClr val="tx2"/>
+                </a:solidFill>
+              </a:rPr>
+              <a:t>, other testing</a:t>
+            </a:r>
+          </a:p>
+          <a:p>
+            <a:r>
+              <a:rPr lang="en-US" dirty="0"/>
+              <a:t>The interface to a routine can be thought of as a contract between </a:t>
+            </a:r>
+            <a:r>
+              <a:rPr lang="en-US" i="1" dirty="0"/>
+              <a:t>caller</a:t>
+            </a:r>
+            <a:r>
+              <a:rPr lang="en-US" dirty="0"/>
+              <a:t> and the </a:t>
+            </a:r>
+            <a:r>
+              <a:rPr lang="en-US" i="1" dirty="0" err="1"/>
+              <a:t>callee</a:t>
+            </a:r>
+            <a:r>
+              <a:rPr lang="en-US" i="1" dirty="0"/>
+              <a:t> </a:t>
+            </a:r>
+            <a:r>
+              <a:rPr lang="en-US" dirty="0"/>
+              <a:t>(the routine)</a:t>
+            </a:r>
+          </a:p>
+          <a:p>
+            <a:pPr lvl="1">
+              <a:spcBef>
+                <a:spcPts val="200"/>
+              </a:spcBef>
+            </a:pPr>
+            <a:r>
+              <a:rPr lang="en-US" dirty="0"/>
+              <a:t>What does the routine expect on input?		</a:t>
+            </a:r>
+            <a:r>
+              <a:rPr lang="en-US" b="1" dirty="0"/>
+              <a:t>preconditions</a:t>
+            </a:r>
+          </a:p>
+          <a:p>
+            <a:pPr lvl="1">
+              <a:spcBef>
+                <a:spcPts val="200"/>
+              </a:spcBef>
+            </a:pPr>
+            <a:r>
+              <a:rPr lang="en-US" dirty="0"/>
+              <a:t>What does the routine guarantee at completion?	</a:t>
+            </a:r>
+            <a:r>
+              <a:rPr lang="en-US" b="1" dirty="0"/>
+              <a:t>postconditions</a:t>
+            </a:r>
+          </a:p>
+          <a:p>
+            <a:pPr lvl="1">
+              <a:spcBef>
+                <a:spcPts val="200"/>
+              </a:spcBef>
+            </a:pPr>
+            <a:r>
+              <a:rPr lang="en-US" dirty="0"/>
+              <a:t>What does the routine leave unchanged?		</a:t>
+            </a:r>
+            <a:r>
+              <a:rPr lang="en-US" b="1" dirty="0"/>
+              <a:t>invariants</a:t>
+            </a:r>
+          </a:p>
+          <a:p>
+            <a:r>
+              <a:rPr lang="en-US" dirty="0"/>
+              <a:t>Given valid inputs (preconditions satisfied) a routine should guarantee valid outputs (postconditions satisfied, invariants maintained)</a:t>
+            </a:r>
+          </a:p>
+          <a:p>
+            <a:pPr lvl="1">
+              <a:spcBef>
+                <a:spcPts val="200"/>
+              </a:spcBef>
+            </a:pPr>
+            <a:r>
+              <a:rPr lang="en-US" dirty="0"/>
+              <a:t>If the preconditions are not satisfied, the routine should return an error</a:t>
+            </a:r>
+          </a:p>
+          <a:p>
+            <a:pPr lvl="1">
+              <a:spcBef>
+                <a:spcPts val="200"/>
+              </a:spcBef>
+            </a:pPr>
+            <a:r>
+              <a:rPr lang="en-US" dirty="0"/>
+              <a:t>Emphasize low-costs tests that can be always-on</a:t>
+            </a:r>
+          </a:p>
+          <a:p>
+            <a:pPr lvl="1">
+              <a:spcBef>
+                <a:spcPts val="200"/>
+              </a:spcBef>
+            </a:pPr>
+            <a:r>
+              <a:rPr lang="en-US" dirty="0"/>
+              <a:t>May need to be able to switch enforcement of expensive tests on/off (but try not to!)</a:t>
+            </a:r>
+          </a:p>
+          <a:p>
+            <a:r>
+              <a:rPr lang="en-US" dirty="0"/>
+              <a:t>Making the contract explicit facilitates correct use of routines</a:t>
+            </a:r>
+          </a:p>
+          <a:p>
+            <a:pPr lvl="1">
+              <a:spcBef>
+                <a:spcPts val="200"/>
+              </a:spcBef>
+            </a:pPr>
+            <a:r>
+              <a:rPr lang="en-US" dirty="0"/>
+              <a:t>Especially when routine is reused in another context</a:t>
+            </a:r>
+          </a:p>
+          <a:p>
+            <a:pPr lvl="1">
+              <a:spcBef>
+                <a:spcPts val="200"/>
+              </a:spcBef>
+            </a:pPr>
+            <a:r>
+              <a:rPr lang="en-US" dirty="0"/>
+              <a:t>Especially by those not intimately familiar with them</a:t>
+            </a:r>
+          </a:p>
+        </p:txBody>
+      </p:sp>
+    </p:spTree>
+    <p:extLst>
+      <p:ext uri="{BB962C8B-B14F-4D97-AF65-F5344CB8AC3E}">
+        <p14:creationId xmlns:p14="http://schemas.microsoft.com/office/powerpoint/2010/main" val="2645307942"/>
+      </p:ext>
+    </p:extLst>
+  </p:cSld>
+  <p:clrMapOvr>
+    <a:masterClrMapping/>
+  </p:clrMapOvr>
+</p:sld>
+</file>
+
+<file path=ppt/slides/slide25.xml><?xml version="1.0" encoding="utf-8"?>
 <p:sld xmlns:a="http://schemas.openxmlformats.org/drawingml/2006/main" xmlns:r="http://schemas.openxmlformats.org/officeDocument/2006/relationships" xmlns:p="http://schemas.openxmlformats.org/presentationml/2006/main">
   <p:cSld>
     <p:spTree>
@@ -8696,11 +9138,15 @@
             </a:r>
             <a:r>
               <a:rPr lang="en-US" i="1" u="sng" dirty="0"/>
-              <a:t>After</a:t>
+              <a:t>During</a:t>
             </a:r>
             <a:r>
               <a:rPr lang="en-US" u="sng" dirty="0"/>
-              <a:t> Development</a:t>
+              <a:t> Experiments</a:t>
+            </a:r>
+            <a:r>
+              <a:rPr lang="en-US" dirty="0"/>
+              <a:t> (1/3)</a:t>
             </a:r>
           </a:p>
         </p:txBody>
@@ -8718,337 +9164,12 @@
             <a:spLocks noGrp="1"/>
           </p:cNvSpPr>
           <p:nvPr>
-            <p:ph sz="half" idx="2"/>
-          </p:nvPr>
-        </p:nvSpPr>
-        <p:spPr>
-          <a:xfrm>
-            <a:off x="457200" y="1114436"/>
-            <a:ext cx="5588582" cy="3373229"/>
-          </a:xfrm>
-          <a:ln>
-            <a:noFill/>
-          </a:ln>
-        </p:spPr>
-        <p:txBody>
-          <a:bodyPr/>
-          <a:lstStyle/>
-          <a:p>
-            <a:r>
-              <a:rPr lang="en-US" sz="2000" b="1" dirty="0">
-                <a:solidFill>
-                  <a:schemeClr val="tx2"/>
-                </a:solidFill>
-              </a:rPr>
-              <a:t>Testing, testing, and more testing!</a:t>
-            </a:r>
-          </a:p>
-          <a:p>
-            <a:r>
-              <a:rPr lang="en-US" sz="2000" dirty="0"/>
-              <a:t>Add “regression tests”</a:t>
-            </a:r>
-          </a:p>
-          <a:p>
-            <a:pPr lvl="1">
-              <a:spcBef>
-                <a:spcPts val="200"/>
-              </a:spcBef>
-            </a:pPr>
-            <a:r>
-              <a:rPr lang="en-US" sz="1800" dirty="0"/>
-              <a:t>If you fix a bug, add a test to make sure that bug doesn’t creep back in</a:t>
-            </a:r>
-          </a:p>
-          <a:p>
-            <a:r>
-              <a:rPr lang="en-US" sz="2000" dirty="0"/>
-              <a:t>Add more tests</a:t>
-            </a:r>
-          </a:p>
-          <a:p>
-            <a:pPr lvl="1">
-              <a:spcBef>
-                <a:spcPts val="200"/>
-              </a:spcBef>
-            </a:pPr>
-            <a:r>
-              <a:rPr lang="en-US" sz="1800" dirty="0"/>
-              <a:t>Be creative</a:t>
-            </a:r>
-          </a:p>
-          <a:p>
-            <a:pPr lvl="1">
-              <a:spcBef>
-                <a:spcPts val="200"/>
-              </a:spcBef>
-            </a:pPr>
-            <a:r>
-              <a:rPr lang="en-US" sz="1800" dirty="0"/>
-              <a:t>Think about common cases, then corner cases</a:t>
-            </a:r>
-          </a:p>
-          <a:p>
-            <a:pPr lvl="1">
-              <a:spcBef>
-                <a:spcPts val="200"/>
-              </a:spcBef>
-            </a:pPr>
-            <a:r>
-              <a:rPr lang="en-US" sz="1800" dirty="0"/>
-              <a:t>Think about misuse (unintentional or intentional)</a:t>
-            </a:r>
-          </a:p>
-          <a:p>
-            <a:pPr lvl="1">
-              <a:spcBef>
-                <a:spcPts val="200"/>
-              </a:spcBef>
-            </a:pPr>
-            <a:r>
-              <a:rPr lang="en-US" sz="1800" dirty="0"/>
-              <a:t>Think about synthetic tests with synthetic data</a:t>
-            </a:r>
-          </a:p>
-          <a:p>
-            <a:pPr lvl="1">
-              <a:spcBef>
-                <a:spcPts val="200"/>
-              </a:spcBef>
-            </a:pPr>
-            <a:r>
-              <a:rPr lang="en-US" sz="1800" dirty="0"/>
-              <a:t>Think about low-cost tests that can be “always on” (even if they’re not so stringent)</a:t>
-            </a:r>
-          </a:p>
-          <a:p>
-            <a:pPr lvl="1">
-              <a:spcBef>
-                <a:spcPts val="200"/>
-              </a:spcBef>
-            </a:pPr>
-            <a:r>
-              <a:rPr lang="en-US" sz="1800" dirty="0"/>
-              <a:t>Can you detect silent data corruption?</a:t>
-            </a:r>
-          </a:p>
-        </p:txBody>
-      </p:sp>
-      <p:sp>
-        <p:nvSpPr>
-          <p:cNvPr id="6" name="Content Placeholder 5">
-            <a:extLst>
-              <a:ext uri="{FF2B5EF4-FFF2-40B4-BE49-F238E27FC236}">
-                <a16:creationId xmlns:a16="http://schemas.microsoft.com/office/drawing/2014/main" id="{A6E0D8FD-9F37-4AB6-A176-A8A84426CC7A}"/>
-              </a:ext>
-            </a:extLst>
-          </p:cNvPr>
-          <p:cNvSpPr>
-            <a:spLocks noGrp="1"/>
-          </p:cNvSpPr>
-          <p:nvPr>
-            <p:ph sz="quarter" idx="4"/>
-          </p:nvPr>
-        </p:nvSpPr>
-        <p:spPr>
-          <a:xfrm>
-            <a:off x="6218914" y="1114436"/>
-            <a:ext cx="5531934" cy="3373229"/>
-          </a:xfrm>
-          <a:ln>
-            <a:noFill/>
-          </a:ln>
-        </p:spPr>
-        <p:txBody>
-          <a:bodyPr/>
-          <a:lstStyle/>
-          <a:p>
-            <a:r>
-              <a:rPr lang="en-US" sz="2000" dirty="0"/>
-              <a:t>Test your third-party dependencies</a:t>
-            </a:r>
-          </a:p>
-          <a:p>
-            <a:pPr lvl="1">
-              <a:spcBef>
-                <a:spcPts val="200"/>
-              </a:spcBef>
-            </a:pPr>
-            <a:r>
-              <a:rPr lang="en-US" dirty="0"/>
-              <a:t>Are your tools doing what you think they’re doing?</a:t>
-            </a:r>
-          </a:p>
-          <a:p>
-            <a:pPr lvl="1">
-              <a:spcBef>
-                <a:spcPts val="200"/>
-              </a:spcBef>
-            </a:pPr>
-            <a:r>
-              <a:rPr lang="en-US" dirty="0"/>
-              <a:t>What if you’re using a new version?</a:t>
-            </a:r>
-          </a:p>
-          <a:p>
-            <a:pPr lvl="1">
-              <a:spcBef>
-                <a:spcPts val="200"/>
-              </a:spcBef>
-            </a:pPr>
-            <a:r>
-              <a:rPr lang="en-US" dirty="0"/>
-              <a:t>How do you decide if it is okay to upgrade to a new version?</a:t>
-            </a:r>
-          </a:p>
-          <a:p>
-            <a:r>
-              <a:rPr lang="en-US" sz="2000" dirty="0"/>
-              <a:t>Test your tests!</a:t>
-            </a:r>
-          </a:p>
-          <a:p>
-            <a:pPr lvl="1">
-              <a:spcBef>
-                <a:spcPts val="200"/>
-              </a:spcBef>
-            </a:pPr>
-            <a:r>
-              <a:rPr lang="en-US" sz="1800" dirty="0"/>
-              <a:t>Make sure tests fail when they’re supposed to!</a:t>
-            </a:r>
-          </a:p>
-          <a:p>
-            <a:r>
-              <a:rPr lang="en-US" sz="2000" dirty="0"/>
-              <a:t>Thoroughly verify the code</a:t>
-            </a:r>
-          </a:p>
-          <a:p>
-            <a:pPr lvl="1">
-              <a:spcBef>
-                <a:spcPts val="200"/>
-              </a:spcBef>
-            </a:pPr>
-            <a:r>
-              <a:rPr lang="en-US" sz="1800" dirty="0"/>
-              <a:t>Does the code do what you intended it to do?</a:t>
-            </a:r>
-          </a:p>
-          <a:p>
-            <a:pPr lvl="1">
-              <a:spcBef>
-                <a:spcPts val="200"/>
-              </a:spcBef>
-            </a:pPr>
-            <a:r>
-              <a:rPr lang="en-US" sz="1800" dirty="0"/>
-              <a:t>On all relevant platforms (compilers, hardware, etc.)</a:t>
-            </a:r>
-          </a:p>
-          <a:p>
-            <a:r>
-              <a:rPr lang="en-US" sz="2000" dirty="0"/>
-              <a:t>Test regularly</a:t>
-            </a:r>
-          </a:p>
-          <a:p>
-            <a:pPr lvl="1">
-              <a:spcBef>
-                <a:spcPts val="200"/>
-              </a:spcBef>
-            </a:pPr>
-            <a:r>
-              <a:rPr lang="en-US" sz="1800" dirty="0"/>
-              <a:t>To identify and document where changes to the underlying </a:t>
-            </a:r>
-            <a:br>
-              <a:rPr lang="en-US" sz="1800" dirty="0"/>
-            </a:br>
-            <a:r>
-              <a:rPr lang="en-US" sz="1800" dirty="0"/>
-              <a:t>platform change code behavior/results</a:t>
-            </a:r>
-          </a:p>
-        </p:txBody>
-      </p:sp>
-    </p:spTree>
-    <p:extLst>
-      <p:ext uri="{BB962C8B-B14F-4D97-AF65-F5344CB8AC3E}">
-        <p14:creationId xmlns:p14="http://schemas.microsoft.com/office/powerpoint/2010/main" val="2253672400"/>
-      </p:ext>
-    </p:extLst>
-  </p:cSld>
-  <p:clrMapOvr>
-    <a:masterClrMapping/>
-  </p:clrMapOvr>
-</p:sld>
-</file>
-
-<file path=ppt/slides/slide24.xml><?xml version="1.0" encoding="utf-8"?>
-<p:sld xmlns:a="http://schemas.openxmlformats.org/drawingml/2006/main" xmlns:r="http://schemas.openxmlformats.org/officeDocument/2006/relationships" xmlns:p="http://schemas.openxmlformats.org/presentationml/2006/main">
-  <p:cSld>
-    <p:spTree>
-      <p:nvGrpSpPr>
-        <p:cNvPr id="1" name=""/>
-        <p:cNvGrpSpPr/>
-        <p:nvPr/>
-      </p:nvGrpSpPr>
-      <p:grpSpPr>
-        <a:xfrm>
-          <a:off x="0" y="0"/>
-          <a:ext cx="0" cy="0"/>
-          <a:chOff x="0" y="0"/>
-          <a:chExt cx="0" cy="0"/>
-        </a:xfrm>
-      </p:grpSpPr>
-      <p:sp>
-        <p:nvSpPr>
-          <p:cNvPr id="2" name="Title 1">
-            <a:extLst>
-              <a:ext uri="{FF2B5EF4-FFF2-40B4-BE49-F238E27FC236}">
-                <a16:creationId xmlns:a16="http://schemas.microsoft.com/office/drawing/2014/main" id="{A8FB7E71-12B3-4F18-9845-F2C5400A7D80}"/>
-              </a:ext>
-            </a:extLst>
-          </p:cNvPr>
-          <p:cNvSpPr>
-            <a:spLocks noGrp="1"/>
-          </p:cNvSpPr>
-          <p:nvPr>
-            <p:ph type="title"/>
-          </p:nvPr>
-        </p:nvSpPr>
-        <p:spPr/>
-        <p:txBody>
-          <a:bodyPr/>
-          <a:lstStyle/>
-          <a:p>
-            <a:r>
-              <a:rPr lang="en-US" dirty="0"/>
-              <a:t>Digression – “Physics” (or Math)-Based Testing Strategies</a:t>
-            </a:r>
-          </a:p>
-        </p:txBody>
-      </p:sp>
-      <p:sp>
-        <p:nvSpPr>
-          <p:cNvPr id="3" name="Content Placeholder 2">
-            <a:extLst>
-              <a:ext uri="{FF2B5EF4-FFF2-40B4-BE49-F238E27FC236}">
-                <a16:creationId xmlns:a16="http://schemas.microsoft.com/office/drawing/2014/main" id="{A5DD7266-4F2C-433C-9206-C4C7FDCEE701}"/>
-              </a:ext>
-            </a:extLst>
-          </p:cNvPr>
-          <p:cNvSpPr>
-            <a:spLocks noGrp="1"/>
-          </p:cNvSpPr>
-          <p:nvPr>
             <p:ph idx="1"/>
           </p:nvPr>
         </p:nvSpPr>
         <p:spPr>
           <a:xfrm>
-            <a:off x="365760" y="1340125"/>
+            <a:off x="365760" y="982589"/>
             <a:ext cx="11369809" cy="4047778"/>
           </a:xfrm>
         </p:spPr>
@@ -9062,73 +9183,96 @@
                   <a:schemeClr val="tx2"/>
                 </a:solidFill>
               </a:rPr>
-              <a:t>Use what you know (or can construct) about the model you’re studying to test its implementation</a:t>
-            </a:r>
-          </a:p>
-          <a:p>
-            <a:r>
-              <a:rPr lang="en-US" dirty="0"/>
-              <a:t>Synthetic operators with known properties</a:t>
+              <a:t>What are you going to do, why, and how?</a:t>
+            </a:r>
+          </a:p>
+          <a:p>
+            <a:r>
+              <a:rPr lang="en-US" dirty="0"/>
+              <a:t>Plan your experiments thoroughly</a:t>
             </a:r>
           </a:p>
           <a:p>
             <a:pPr lvl="1"/>
             <a:r>
               <a:rPr lang="en-US" dirty="0"/>
-              <a:t>Spectrum (huge diagonals)</a:t>
+              <a:t>If you’re in a team, designate </a:t>
+            </a:r>
+            <a:r>
+              <a:rPr lang="en-US" i="1" dirty="0"/>
+              <a:t>one</a:t>
+            </a:r>
+            <a:r>
+              <a:rPr lang="en-US" dirty="0"/>
+              <a:t> person to coordinate the experimental campaign</a:t>
             </a:r>
           </a:p>
           <a:p>
             <a:pPr lvl="1"/>
             <a:r>
               <a:rPr lang="en-US" dirty="0"/>
-              <a:t>Rank (by construction)</a:t>
-            </a:r>
-          </a:p>
-          <a:p>
-            <a:r>
-              <a:rPr lang="en-US" dirty="0"/>
-              <a:t>Invariance principles</a:t>
+              <a:t>Know what you need (in the code, as inputs, as outputs to capture/analyze, etc.)</a:t>
             </a:r>
           </a:p>
           <a:p>
             <a:pPr lvl="1"/>
             <a:r>
               <a:rPr lang="en-US" dirty="0"/>
-              <a:t>Translational, rotational, etc.</a:t>
+              <a:t>Know how you’re going to process or analyze the results</a:t>
             </a:r>
           </a:p>
           <a:p>
             <a:pPr lvl="1"/>
             <a:r>
               <a:rPr lang="en-US" dirty="0"/>
-              <a:t>Physical symmetries</a:t>
+              <a:t>Know what to expect (in results, performance/cost, etc.)</a:t>
             </a:r>
           </a:p>
           <a:p>
             <a:pPr lvl="1"/>
             <a:r>
               <a:rPr lang="en-US" dirty="0"/>
-              <a:t>Mathematical symmetries</a:t>
-            </a:r>
-          </a:p>
-          <a:p>
-            <a:r>
-              <a:rPr lang="en-US" dirty="0"/>
-              <a:t>Conservation rules</a:t>
+              <a:t>How will you convince yourself that your results are trustworthy?</a:t>
+            </a:r>
+          </a:p>
+          <a:p>
+            <a:r>
+              <a:rPr lang="en-US" dirty="0"/>
+              <a:t>Perform pilot/test runs to build confidence in correctness, performance, scaling</a:t>
             </a:r>
           </a:p>
           <a:p>
             <a:pPr lvl="1"/>
             <a:r>
               <a:rPr lang="en-US" dirty="0"/>
-              <a:t>Fluxes, energy, mass, etc.</a:t>
-            </a:r>
-          </a:p>
-          <a:p>
-            <a:r>
-              <a:rPr lang="en-US" dirty="0"/>
-              <a:t>…</a:t>
+              <a:t>Often useful to pursue an incremental/layered strategy</a:t>
+            </a:r>
+          </a:p>
+          <a:p>
+            <a:r>
+              <a:rPr lang="en-US" dirty="0"/>
+              <a:t>Ensure that you have the resources to store and/or analyze the outputs</a:t>
+            </a:r>
+          </a:p>
+          <a:p>
+            <a:pPr lvl="1"/>
+            <a:r>
+              <a:rPr lang="en-US" dirty="0"/>
+              <a:t>What can you afford to archive?</a:t>
+            </a:r>
+          </a:p>
+          <a:p>
+            <a:pPr lvl="1"/>
+            <a:r>
+              <a:rPr lang="en-US" dirty="0"/>
+              <a:t>What will you need to process and delete?</a:t>
+            </a:r>
+          </a:p>
+          <a:p>
+            <a:pPr lvl="1"/>
+            <a:r>
+              <a:rPr lang="en-US" dirty="0"/>
+              <a:t>What will you need to process during execution or stream?</a:t>
             </a:r>
           </a:p>
         </p:txBody>
@@ -9136,271 +9280,7 @@
     </p:spTree>
     <p:extLst>
       <p:ext uri="{BB962C8B-B14F-4D97-AF65-F5344CB8AC3E}">
-        <p14:creationId xmlns:p14="http://schemas.microsoft.com/office/powerpoint/2010/main" val="4136283604"/>
-      </p:ext>
-    </p:extLst>
-  </p:cSld>
-  <p:clrMapOvr>
-    <a:masterClrMapping/>
-  </p:clrMapOvr>
-</p:sld>
-</file>
-
-<file path=ppt/slides/slide25.xml><?xml version="1.0" encoding="utf-8"?>
-<p:sld xmlns:a="http://schemas.openxmlformats.org/drawingml/2006/main" xmlns:r="http://schemas.openxmlformats.org/officeDocument/2006/relationships" xmlns:p="http://schemas.openxmlformats.org/presentationml/2006/main">
-  <p:cSld>
-    <p:spTree>
-      <p:nvGrpSpPr>
-        <p:cNvPr id="1" name=""/>
-        <p:cNvGrpSpPr/>
-        <p:nvPr/>
-      </p:nvGrpSpPr>
-      <p:grpSpPr>
-        <a:xfrm>
-          <a:off x="0" y="0"/>
-          <a:ext cx="0" cy="0"/>
-          <a:chOff x="0" y="0"/>
-          <a:chExt cx="0" cy="0"/>
-        </a:xfrm>
-      </p:grpSpPr>
-      <p:sp>
-        <p:nvSpPr>
-          <p:cNvPr id="2" name="Title 1">
-            <a:extLst>
-              <a:ext uri="{FF2B5EF4-FFF2-40B4-BE49-F238E27FC236}">
-                <a16:creationId xmlns:a16="http://schemas.microsoft.com/office/drawing/2014/main" id="{5ADB740C-7926-4693-996F-58F53886A80C}"/>
-              </a:ext>
-            </a:extLst>
-          </p:cNvPr>
-          <p:cNvSpPr>
-            <a:spLocks noGrp="1"/>
-          </p:cNvSpPr>
-          <p:nvPr>
-            <p:ph type="title"/>
-          </p:nvPr>
-        </p:nvSpPr>
-        <p:spPr/>
-        <p:txBody>
-          <a:bodyPr/>
-          <a:lstStyle/>
-          <a:p>
-            <a:r>
-              <a:rPr lang="en-US" dirty="0"/>
-              <a:t>Digression – Design by Contract Programming</a:t>
-            </a:r>
-          </a:p>
-        </p:txBody>
-      </p:sp>
-      <p:sp>
-        <p:nvSpPr>
-          <p:cNvPr id="3" name="Content Placeholder 2">
-            <a:extLst>
-              <a:ext uri="{FF2B5EF4-FFF2-40B4-BE49-F238E27FC236}">
-                <a16:creationId xmlns:a16="http://schemas.microsoft.com/office/drawing/2014/main" id="{86DB796C-B083-44C4-8467-DE5160CD2C5D}"/>
-              </a:ext>
-            </a:extLst>
-          </p:cNvPr>
-          <p:cNvSpPr>
-            <a:spLocks noGrp="1"/>
-          </p:cNvSpPr>
-          <p:nvPr>
-            <p:ph idx="1"/>
-          </p:nvPr>
-        </p:nvSpPr>
-        <p:spPr>
-          <a:xfrm>
-            <a:off x="365760" y="1079194"/>
-            <a:ext cx="11369809" cy="4047778"/>
-          </a:xfrm>
-        </p:spPr>
-        <p:txBody>
-          <a:bodyPr/>
-          <a:lstStyle/>
-          <a:p>
-            <a:r>
-              <a:rPr lang="en-US" b="1" dirty="0">
-                <a:solidFill>
-                  <a:schemeClr val="tx2"/>
-                </a:solidFill>
-              </a:rPr>
-              <a:t>Building testing into your routines </a:t>
-            </a:r>
-          </a:p>
-          <a:p>
-            <a:pPr lvl="1">
-              <a:spcBef>
-                <a:spcPts val="200"/>
-              </a:spcBef>
-            </a:pPr>
-            <a:r>
-              <a:rPr lang="en-US" b="1" dirty="0">
-                <a:solidFill>
-                  <a:schemeClr val="tx2"/>
-                </a:solidFill>
-              </a:rPr>
-              <a:t>To complement, </a:t>
-            </a:r>
-            <a:r>
-              <a:rPr lang="en-US" b="1" i="1" dirty="0">
-                <a:solidFill>
-                  <a:schemeClr val="tx2"/>
-                </a:solidFill>
-              </a:rPr>
-              <a:t>not replace</a:t>
-            </a:r>
-            <a:r>
-              <a:rPr lang="en-US" b="1" dirty="0">
-                <a:solidFill>
-                  <a:schemeClr val="tx2"/>
-                </a:solidFill>
-              </a:rPr>
-              <a:t>, other testing</a:t>
-            </a:r>
-          </a:p>
-          <a:p>
-            <a:r>
-              <a:rPr lang="en-US" dirty="0"/>
-              <a:t>The interface to a routine can be thought of as a contract between </a:t>
-            </a:r>
-            <a:r>
-              <a:rPr lang="en-US" i="1" dirty="0"/>
-              <a:t>caller</a:t>
-            </a:r>
-            <a:r>
-              <a:rPr lang="en-US" dirty="0"/>
-              <a:t> and the </a:t>
-            </a:r>
-            <a:r>
-              <a:rPr lang="en-US" i="1" dirty="0" err="1"/>
-              <a:t>callee</a:t>
-            </a:r>
-            <a:r>
-              <a:rPr lang="en-US" i="1" dirty="0"/>
-              <a:t> </a:t>
-            </a:r>
-            <a:r>
-              <a:rPr lang="en-US" dirty="0"/>
-              <a:t>(the routine)</a:t>
-            </a:r>
-          </a:p>
-          <a:p>
-            <a:pPr lvl="1">
-              <a:spcBef>
-                <a:spcPts val="200"/>
-              </a:spcBef>
-            </a:pPr>
-            <a:r>
-              <a:rPr lang="en-US" dirty="0"/>
-              <a:t>What does the routine expect on input?		</a:t>
-            </a:r>
-            <a:r>
-              <a:rPr lang="en-US" b="1" dirty="0"/>
-              <a:t>preconditions</a:t>
-            </a:r>
-          </a:p>
-          <a:p>
-            <a:pPr lvl="1">
-              <a:spcBef>
-                <a:spcPts val="200"/>
-              </a:spcBef>
-            </a:pPr>
-            <a:r>
-              <a:rPr lang="en-US" dirty="0"/>
-              <a:t>What does the routine guarantee at completion?	</a:t>
-            </a:r>
-            <a:r>
-              <a:rPr lang="en-US" b="1" dirty="0"/>
-              <a:t>postconditions</a:t>
-            </a:r>
-          </a:p>
-          <a:p>
-            <a:pPr lvl="1">
-              <a:spcBef>
-                <a:spcPts val="200"/>
-              </a:spcBef>
-            </a:pPr>
-            <a:r>
-              <a:rPr lang="en-US" dirty="0"/>
-              <a:t>What does the routine leave unchanged?		</a:t>
-            </a:r>
-            <a:r>
-              <a:rPr lang="en-US" b="1" dirty="0"/>
-              <a:t>invariants</a:t>
-            </a:r>
-          </a:p>
-          <a:p>
-            <a:r>
-              <a:rPr lang="en-US" dirty="0"/>
-              <a:t>Given valid inputs (preconditions satisfied) a routine should guarantee valid outputs (postconditions satisfied, invariants maintained)</a:t>
-            </a:r>
-          </a:p>
-          <a:p>
-            <a:pPr lvl="1">
-              <a:spcBef>
-                <a:spcPts val="200"/>
-              </a:spcBef>
-            </a:pPr>
-            <a:r>
-              <a:rPr lang="en-US" dirty="0"/>
-              <a:t>If the preconditions are not satisfied, the routine should return an error</a:t>
-            </a:r>
-          </a:p>
-          <a:p>
-            <a:pPr lvl="1">
-              <a:spcBef>
-                <a:spcPts val="200"/>
-              </a:spcBef>
-            </a:pPr>
-            <a:r>
-              <a:rPr lang="en-US" dirty="0"/>
-              <a:t>Emphasize low-costs tests that can be always-on</a:t>
-            </a:r>
-          </a:p>
-          <a:p>
-            <a:pPr lvl="1">
-              <a:spcBef>
-                <a:spcPts val="200"/>
-              </a:spcBef>
-            </a:pPr>
-            <a:r>
-              <a:rPr lang="en-US" dirty="0"/>
-              <a:t>May need to be able to switch enforcement of expensive tests on/off (but try not to!)</a:t>
-            </a:r>
-          </a:p>
-          <a:p>
-            <a:r>
-              <a:rPr lang="en-US" dirty="0"/>
-              <a:t>Making the contract explicit facilitates correct use of routines</a:t>
-            </a:r>
-          </a:p>
-          <a:p>
-            <a:pPr lvl="1">
-              <a:spcBef>
-                <a:spcPts val="200"/>
-              </a:spcBef>
-            </a:pPr>
-            <a:r>
-              <a:rPr lang="en-US" dirty="0"/>
-              <a:t>Especially when routine is reused in another context</a:t>
-            </a:r>
-          </a:p>
-          <a:p>
-            <a:pPr lvl="1">
-              <a:spcBef>
-                <a:spcPts val="200"/>
-              </a:spcBef>
-            </a:pPr>
-            <a:r>
-              <a:rPr lang="en-US" dirty="0"/>
-              <a:t>Especially by those not intimately familiar with them</a:t>
-            </a:r>
-          </a:p>
-        </p:txBody>
-      </p:sp>
-    </p:spTree>
-    <p:extLst>
-      <p:ext uri="{BB962C8B-B14F-4D97-AF65-F5344CB8AC3E}">
-        <p14:creationId xmlns:p14="http://schemas.microsoft.com/office/powerpoint/2010/main" val="2645307942"/>
+        <p14:creationId xmlns:p14="http://schemas.microsoft.com/office/powerpoint/2010/main" val="3488834746"/>
       </p:ext>
     </p:extLst>
   </p:cSld>
@@ -9462,8 +9342,9 @@
             </a:r>
             <a:r>
               <a:rPr lang="en-US" dirty="0"/>
-              <a:t> (1/3)</a:t>
-            </a:r>
+              <a:t> (2/3)</a:t>
+            </a:r>
+            <a:endParaRPr lang="en-US" u="sng" dirty="0"/>
           </a:p>
         </p:txBody>
       </p:sp>
@@ -9485,8 +9366,8 @@
         </p:nvSpPr>
         <p:spPr>
           <a:xfrm>
-            <a:off x="365760" y="982589"/>
-            <a:ext cx="11369809" cy="4047778"/>
+            <a:off x="365760" y="1280165"/>
+            <a:ext cx="11534052" cy="4047778"/>
           </a:xfrm>
         </p:spPr>
         <p:txBody>
@@ -9499,96 +9380,138 @@
                   <a:schemeClr val="tx2"/>
                 </a:solidFill>
               </a:rPr>
-              <a:t>What are you going to do, why, and how?</a:t>
-            </a:r>
-          </a:p>
-          <a:p>
-            <a:r>
-              <a:rPr lang="en-US" dirty="0"/>
-              <a:t>Plan your experiments thoroughly</a:t>
-            </a:r>
-          </a:p>
-          <a:p>
-            <a:pPr lvl="1"/>
-            <a:r>
-              <a:rPr lang="en-US" dirty="0"/>
-              <a:t>If you’re in a team, designate </a:t>
-            </a:r>
+              <a:t>Can you reproduce the code used for each and every experiment?</a:t>
+            </a:r>
+          </a:p>
+          <a:p>
+            <a:pPr lvl="1">
+              <a:spcBef>
+                <a:spcPts val="200"/>
+              </a:spcBef>
+            </a:pPr>
+            <a:r>
+              <a:rPr lang="en-US" b="1" dirty="0">
+                <a:solidFill>
+                  <a:schemeClr val="tx2"/>
+                </a:solidFill>
+              </a:rPr>
+              <a:t>Three years later?</a:t>
+            </a:r>
+          </a:p>
+          <a:p>
+            <a:r>
+              <a:rPr lang="en-US" dirty="0"/>
+              <a:t>Use only well-defined versions of code (i.e., official “releases”, tags, etc.)</a:t>
+            </a:r>
+          </a:p>
+          <a:p>
+            <a:pPr lvl="1">
+              <a:spcBef>
+                <a:spcPts val="200"/>
+              </a:spcBef>
+            </a:pPr>
+            <a:r>
+              <a:rPr lang="en-US"/>
+              <a:t>Main </a:t>
+            </a:r>
+            <a:r>
+              <a:rPr lang="en-US" dirty="0"/>
+              <a:t>or development branches are often moving targets</a:t>
+            </a:r>
+          </a:p>
+          <a:p>
+            <a:pPr lvl="1">
+              <a:spcBef>
+                <a:spcPts val="200"/>
+              </a:spcBef>
+            </a:pPr>
+            <a:r>
+              <a:rPr lang="en-US" dirty="0"/>
+              <a:t>Capture the exact version of the code used for each experiment</a:t>
+            </a:r>
+          </a:p>
+          <a:p>
+            <a:pPr lvl="2">
+              <a:spcBef>
+                <a:spcPts val="200"/>
+              </a:spcBef>
+            </a:pPr>
+            <a:r>
+              <a:rPr lang="en-US" dirty="0"/>
+              <a:t>Is the code you’re building exactly what’s in the version control repo?</a:t>
+            </a:r>
+          </a:p>
+          <a:p>
+            <a:pPr lvl="1">
+              <a:spcBef>
+                <a:spcPts val="200"/>
+              </a:spcBef>
+            </a:pPr>
+            <a:r>
+              <a:rPr lang="en-US" dirty="0"/>
+              <a:t>Don’t change versions during a related series of experiments (unless you have to)</a:t>
+            </a:r>
+          </a:p>
+          <a:p>
+            <a:pPr lvl="1">
+              <a:spcBef>
+                <a:spcPts val="200"/>
+              </a:spcBef>
+            </a:pPr>
+            <a:r>
+              <a:rPr lang="en-US" dirty="0"/>
+              <a:t>If you have to change versions, know exactly what changed</a:t>
+            </a:r>
+          </a:p>
+          <a:p>
+            <a:pPr lvl="2">
+              <a:spcBef>
+                <a:spcPts val="200"/>
+              </a:spcBef>
+            </a:pPr>
+            <a:r>
+              <a:rPr lang="en-US" dirty="0"/>
+              <a:t>Capture the exact version of the code used for each experiment</a:t>
+            </a:r>
+          </a:p>
+          <a:p>
+            <a:r>
+              <a:rPr lang="en-US" dirty="0"/>
+              <a:t>Use only versions of code that have been thoroughly verified</a:t>
+            </a:r>
+          </a:p>
+          <a:p>
+            <a:r>
+              <a:rPr lang="en-US" dirty="0"/>
+              <a:t>Continue to use regular testing to identify changes due to the underlying platform</a:t>
+            </a:r>
+          </a:p>
+          <a:p>
+            <a:pPr lvl="1">
+              <a:spcBef>
+                <a:spcPts val="200"/>
+              </a:spcBef>
+            </a:pPr>
+            <a:r>
+              <a:rPr lang="en-US" dirty="0"/>
+              <a:t>E.g., compiler release introduces a new optimization that changes numerical results</a:t>
+            </a:r>
+          </a:p>
+          <a:p>
+            <a:r>
+              <a:rPr lang="en-US" dirty="0"/>
+              <a:t>Consider capturing version information of key libraries, compilers, and other dependencies used to build code</a:t>
+            </a:r>
+          </a:p>
+          <a:p>
+            <a:pPr lvl="1">
+              <a:spcBef>
+                <a:spcPts val="200"/>
+              </a:spcBef>
+            </a:pPr>
             <a:r>
               <a:rPr lang="en-US" i="1" dirty="0"/>
-              <a:t>one</a:t>
-            </a:r>
-            <a:r>
-              <a:rPr lang="en-US" dirty="0"/>
-              <a:t> person to coordinate the experimental campaign</a:t>
-            </a:r>
-          </a:p>
-          <a:p>
-            <a:pPr lvl="1"/>
-            <a:r>
-              <a:rPr lang="en-US" dirty="0"/>
-              <a:t>Know what you need (in the code, as inputs, as outputs to capture/analyze, etc.)</a:t>
-            </a:r>
-          </a:p>
-          <a:p>
-            <a:pPr lvl="1"/>
-            <a:r>
-              <a:rPr lang="en-US" dirty="0"/>
-              <a:t>Know how you’re going to process or analyze the results</a:t>
-            </a:r>
-          </a:p>
-          <a:p>
-            <a:pPr lvl="1"/>
-            <a:r>
-              <a:rPr lang="en-US" dirty="0"/>
-              <a:t>Know what to expect (in results, performance/cost, etc.)</a:t>
-            </a:r>
-          </a:p>
-          <a:p>
-            <a:pPr lvl="1"/>
-            <a:r>
-              <a:rPr lang="en-US" dirty="0"/>
-              <a:t>How will you convince yourself that your results are trustworthy?</a:t>
-            </a:r>
-          </a:p>
-          <a:p>
-            <a:r>
-              <a:rPr lang="en-US" dirty="0"/>
-              <a:t>Perform pilot/test runs to build confidence in correctness, performance, scaling</a:t>
-            </a:r>
-          </a:p>
-          <a:p>
-            <a:pPr lvl="1"/>
-            <a:r>
-              <a:rPr lang="en-US" dirty="0"/>
-              <a:t>Often useful to pursue an incremental/layered strategy</a:t>
-            </a:r>
-          </a:p>
-          <a:p>
-            <a:r>
-              <a:rPr lang="en-US" dirty="0"/>
-              <a:t>Ensure that you have the resources to store and/or analyze the outputs</a:t>
-            </a:r>
-          </a:p>
-          <a:p>
-            <a:pPr lvl="1"/>
-            <a:r>
-              <a:rPr lang="en-US" dirty="0"/>
-              <a:t>What can you afford to archive?</a:t>
-            </a:r>
-          </a:p>
-          <a:p>
-            <a:pPr lvl="1"/>
-            <a:r>
-              <a:rPr lang="en-US" dirty="0"/>
-              <a:t>What will you need to process and delete?</a:t>
-            </a:r>
-          </a:p>
-          <a:p>
-            <a:pPr lvl="1"/>
-            <a:r>
-              <a:rPr lang="en-US" dirty="0"/>
-              <a:t>What will you need to process during execution or stream?</a:t>
+              <a:t>Not often done, in practice</a:t>
             </a:r>
           </a:p>
         </p:txBody>
@@ -9596,7 +9519,7 @@
     </p:spTree>
     <p:extLst>
       <p:ext uri="{BB962C8B-B14F-4D97-AF65-F5344CB8AC3E}">
-        <p14:creationId xmlns:p14="http://schemas.microsoft.com/office/powerpoint/2010/main" val="3488834746"/>
+        <p14:creationId xmlns:p14="http://schemas.microsoft.com/office/powerpoint/2010/main" val="847899985"/>
       </p:ext>
     </p:extLst>
   </p:cSld>
@@ -9658,7 +9581,7 @@
             </a:r>
             <a:r>
               <a:rPr lang="en-US" dirty="0"/>
-              <a:t> (2/3)</a:t>
+              <a:t> (3/3)</a:t>
             </a:r>
             <a:endParaRPr lang="en-US" u="sng" dirty="0"/>
           </a:p>
@@ -9682,8 +9605,8 @@
         </p:nvSpPr>
         <p:spPr>
           <a:xfrm>
-            <a:off x="365760" y="1280165"/>
-            <a:ext cx="11534052" cy="4047778"/>
+            <a:off x="365760" y="1310145"/>
+            <a:ext cx="11369809" cy="4047778"/>
           </a:xfrm>
         </p:spPr>
         <p:txBody>
@@ -9696,134 +9619,77 @@
                   <a:schemeClr val="tx2"/>
                 </a:solidFill>
               </a:rPr>
-              <a:t>Can you reproduce the code used for each and every experiment?</a:t>
-            </a:r>
-          </a:p>
-          <a:p>
-            <a:pPr lvl="1">
-              <a:spcBef>
-                <a:spcPts val="200"/>
-              </a:spcBef>
-            </a:pPr>
+              <a:t>Be thorough in capturing provenance</a:t>
+            </a:r>
+          </a:p>
+          <a:p>
+            <a:pPr lvl="1"/>
             <a:r>
               <a:rPr lang="en-US" b="1" dirty="0">
                 <a:solidFill>
                   <a:schemeClr val="tx2"/>
                 </a:solidFill>
               </a:rPr>
-              <a:t>Three years later?</a:t>
-            </a:r>
-          </a:p>
-          <a:p>
-            <a:r>
-              <a:rPr lang="en-US" dirty="0"/>
-              <a:t>Use only well-defined versions of code (i.e., official “releases”, tags, etc.)</a:t>
-            </a:r>
-          </a:p>
-          <a:p>
-            <a:pPr lvl="1">
-              <a:spcBef>
-                <a:spcPts val="200"/>
-              </a:spcBef>
-            </a:pPr>
-            <a:r>
-              <a:rPr lang="en-US" dirty="0"/>
-              <a:t>Master or development branches are often moving targets</a:t>
-            </a:r>
-          </a:p>
-          <a:p>
-            <a:pPr lvl="1">
-              <a:spcBef>
-                <a:spcPts val="200"/>
-              </a:spcBef>
-            </a:pPr>
-            <a:r>
-              <a:rPr lang="en-US" dirty="0"/>
-              <a:t>Capture the exact version of the code used for each experiment</a:t>
-            </a:r>
-          </a:p>
-          <a:p>
-            <a:pPr lvl="2">
-              <a:spcBef>
-                <a:spcPts val="200"/>
-              </a:spcBef>
-            </a:pPr>
-            <a:r>
-              <a:rPr lang="en-US" dirty="0"/>
-              <a:t>Is the code you’re building exactly what’s in the version control repo?</a:t>
-            </a:r>
-          </a:p>
-          <a:p>
-            <a:pPr lvl="1">
-              <a:spcBef>
-                <a:spcPts val="200"/>
-              </a:spcBef>
-            </a:pPr>
-            <a:r>
-              <a:rPr lang="en-US" dirty="0"/>
-              <a:t>Don’t change versions during a related series of experiments (unless you have to)</a:t>
-            </a:r>
-          </a:p>
-          <a:p>
-            <a:pPr lvl="1">
-              <a:spcBef>
-                <a:spcPts val="200"/>
-              </a:spcBef>
-            </a:pPr>
-            <a:r>
-              <a:rPr lang="en-US" dirty="0"/>
-              <a:t>If you have to change versions, know exactly what changed</a:t>
-            </a:r>
-          </a:p>
-          <a:p>
-            <a:pPr lvl="2">
-              <a:spcBef>
-                <a:spcPts val="200"/>
-              </a:spcBef>
-            </a:pPr>
-            <a:r>
-              <a:rPr lang="en-US" dirty="0"/>
-              <a:t>Capture the exact version of the code used for each experiment</a:t>
-            </a:r>
-          </a:p>
-          <a:p>
-            <a:r>
-              <a:rPr lang="en-US" dirty="0"/>
-              <a:t>Use only versions of code that have been thoroughly verified</a:t>
-            </a:r>
-          </a:p>
-          <a:p>
-            <a:r>
-              <a:rPr lang="en-US" dirty="0"/>
-              <a:t>Continue to use regular testing to identify changes due to the underlying platform</a:t>
-            </a:r>
-          </a:p>
-          <a:p>
-            <a:pPr lvl="1">
-              <a:spcBef>
-                <a:spcPts val="200"/>
-              </a:spcBef>
-            </a:pPr>
-            <a:r>
-              <a:rPr lang="en-US" dirty="0"/>
-              <a:t>E.g., compiler release introduces a new optimization that changes numerical results</a:t>
-            </a:r>
-          </a:p>
-          <a:p>
-            <a:r>
-              <a:rPr lang="en-US" dirty="0"/>
-              <a:t>Consider capturing version information of key libraries, compilers, and other dependencies used to build code</a:t>
-            </a:r>
-          </a:p>
-          <a:p>
-            <a:pPr lvl="1">
-              <a:spcBef>
-                <a:spcPts val="200"/>
-              </a:spcBef>
-            </a:pPr>
-            <a:r>
-              <a:rPr lang="en-US" i="1" dirty="0"/>
-              <a:t>Not often done, in practice</a:t>
+              <a:t> Agents (codes), entities (inputs, outputs, etc.), activities (the transformation)</a:t>
+            </a:r>
+          </a:p>
+          <a:p>
+            <a:r>
+              <a:rPr lang="en-US" dirty="0"/>
+              <a:t>Capture code version</a:t>
+            </a:r>
+          </a:p>
+          <a:p>
+            <a:r>
+              <a:rPr lang="en-US" dirty="0"/>
+              <a:t>Capture all inputs/configuration information for each experiment</a:t>
+            </a:r>
+          </a:p>
+          <a:p>
+            <a:r>
+              <a:rPr lang="en-US" dirty="0"/>
+              <a:t>Use multiple systems to ensure that you can correctly associate inputs, outputs, and code versions</a:t>
+            </a:r>
+          </a:p>
+          <a:p>
+            <a:pPr lvl="1"/>
+            <a:r>
+              <a:rPr lang="en-US" dirty="0"/>
+              <a:t>Systematic directory and file naming conventions</a:t>
+            </a:r>
+          </a:p>
+          <a:p>
+            <a:pPr lvl="1"/>
+            <a:r>
+              <a:rPr lang="en-US" dirty="0"/>
+              <a:t>Separate written notes (paper notebook, electronic notebook)</a:t>
+            </a:r>
+          </a:p>
+          <a:p>
+            <a:pPr lvl="2"/>
+            <a:r>
+              <a:rPr lang="en-US" dirty="0"/>
+              <a:t>Lab notebooks aren’t just for people who literally work in a laboratory!</a:t>
+            </a:r>
+          </a:p>
+          <a:p>
+            <a:pPr lvl="1"/>
+            <a:r>
+              <a:rPr lang="en-US" dirty="0"/>
+              <a:t>Scripts to orchestrate experiments (versioned and captured)</a:t>
+            </a:r>
+          </a:p>
+          <a:p>
+            <a:pPr lvl="1"/>
+            <a:r>
+              <a:rPr lang="en-US" dirty="0"/>
+              <a:t>Version control (if data is not too large)</a:t>
+            </a:r>
+          </a:p>
+          <a:p>
+            <a:r>
+              <a:rPr lang="en-US" dirty="0"/>
+              <a:t>Capture important outputs (as feasible)</a:t>
             </a:r>
           </a:p>
         </p:txBody>
@@ -9831,7 +9697,7 @@
     </p:spTree>
     <p:extLst>
       <p:ext uri="{BB962C8B-B14F-4D97-AF65-F5344CB8AC3E}">
-        <p14:creationId xmlns:p14="http://schemas.microsoft.com/office/powerpoint/2010/main" val="847899985"/>
+        <p14:creationId xmlns:p14="http://schemas.microsoft.com/office/powerpoint/2010/main" val="1441357727"/>
       </p:ext>
     </p:extLst>
   </p:cSld>
@@ -9885,17 +9751,12 @@
             </a:r>
             <a:r>
               <a:rPr lang="en-US" i="1" u="sng" dirty="0"/>
-              <a:t>During</a:t>
+              <a:t>After</a:t>
             </a:r>
             <a:r>
               <a:rPr lang="en-US" u="sng" dirty="0"/>
               <a:t> Experiments</a:t>
             </a:r>
-            <a:r>
-              <a:rPr lang="en-US" dirty="0"/>
-              <a:t> (3/3)</a:t>
-            </a:r>
-            <a:endParaRPr lang="en-US" u="sng" dirty="0"/>
           </a:p>
         </p:txBody>
       </p:sp>
@@ -9917,7 +9778,7 @@
         </p:nvSpPr>
         <p:spPr>
           <a:xfrm>
-            <a:off x="365760" y="1310145"/>
+            <a:off x="365760" y="1115269"/>
             <a:ext cx="11369809" cy="4047778"/>
           </a:xfrm>
         </p:spPr>
@@ -9931,77 +9792,134 @@
                   <a:schemeClr val="tx2"/>
                 </a:solidFill>
               </a:rPr>
-              <a:t>Be thorough in capturing provenance</a:t>
-            </a:r>
-          </a:p>
-          <a:p>
-            <a:pPr lvl="1"/>
+              <a:t>Continue provenance capture through data analysis/reduction process</a:t>
+            </a:r>
+          </a:p>
+          <a:p>
+            <a:pPr lvl="1">
+              <a:spcBef>
+                <a:spcPts val="200"/>
+              </a:spcBef>
+            </a:pPr>
             <a:r>
               <a:rPr lang="en-US" b="1" dirty="0">
                 <a:solidFill>
                   <a:schemeClr val="tx2"/>
                 </a:solidFill>
               </a:rPr>
-              <a:t> Agents (codes), entities (inputs, outputs, etc.), activities (the transformation)</a:t>
-            </a:r>
-          </a:p>
-          <a:p>
-            <a:r>
-              <a:rPr lang="en-US" dirty="0"/>
-              <a:t>Capture code version</a:t>
-            </a:r>
-          </a:p>
-          <a:p>
-            <a:r>
-              <a:rPr lang="en-US" dirty="0"/>
-              <a:t>Capture all inputs/configuration information for each experiment</a:t>
-            </a:r>
-          </a:p>
-          <a:p>
-            <a:r>
-              <a:rPr lang="en-US" dirty="0"/>
-              <a:t>Use multiple systems to ensure that you can correctly associate inputs, outputs, and code versions</a:t>
-            </a:r>
-          </a:p>
-          <a:p>
-            <a:pPr lvl="1"/>
-            <a:r>
-              <a:rPr lang="en-US" dirty="0"/>
-              <a:t>Systematic directory and file naming conventions</a:t>
-            </a:r>
-          </a:p>
-          <a:p>
-            <a:pPr lvl="1"/>
-            <a:r>
-              <a:rPr lang="en-US" dirty="0"/>
-              <a:t>Separate written notes (paper notebook, electronic notebook)</a:t>
-            </a:r>
-          </a:p>
-          <a:p>
-            <a:pPr lvl="2"/>
-            <a:r>
-              <a:rPr lang="en-US" dirty="0"/>
-              <a:t>Lab notebooks aren’t just for people who literally work in a laboratory!</a:t>
-            </a:r>
-          </a:p>
-          <a:p>
-            <a:pPr lvl="1"/>
-            <a:r>
-              <a:rPr lang="en-US" dirty="0"/>
-              <a:t>Scripts to orchestrate experiments (versioned and captured)</a:t>
-            </a:r>
-          </a:p>
-          <a:p>
-            <a:pPr lvl="1"/>
-            <a:r>
-              <a:rPr lang="en-US" dirty="0"/>
-              <a:t>Version control (if data is not too large)</a:t>
-            </a:r>
-          </a:p>
-          <a:p>
-            <a:r>
-              <a:rPr lang="en-US" dirty="0"/>
-              <a:t>Capture important outputs (as feasible)</a:t>
+              <a:t>Agents (codes), entities (inputs, outputs, etc.), activities (the transformation)</a:t>
+            </a:r>
+          </a:p>
+          <a:p>
+            <a:r>
+              <a:rPr lang="en-US" dirty="0"/>
+              <a:t>Script as much of your analysis/reduction as possible</a:t>
+            </a:r>
+          </a:p>
+          <a:p>
+            <a:pPr lvl="1">
+              <a:spcBef>
+                <a:spcPts val="200"/>
+              </a:spcBef>
+            </a:pPr>
+            <a:r>
+              <a:rPr lang="en-US" dirty="0"/>
+              <a:t>Prefer scriptable tools over those requiring human interaction</a:t>
+            </a:r>
+          </a:p>
+          <a:p>
+            <a:pPr lvl="1">
+              <a:spcBef>
+                <a:spcPts val="200"/>
+              </a:spcBef>
+            </a:pPr>
+            <a:r>
+              <a:rPr lang="en-US" dirty="0"/>
+              <a:t>Keep them under version control</a:t>
+            </a:r>
+          </a:p>
+          <a:p>
+            <a:r>
+              <a:rPr lang="en-US" dirty="0"/>
+              <a:t>Document your process thoroughly</a:t>
+            </a:r>
+          </a:p>
+          <a:p>
+            <a:pPr lvl="1">
+              <a:spcBef>
+                <a:spcPts val="200"/>
+              </a:spcBef>
+            </a:pPr>
+            <a:r>
+              <a:rPr lang="en-US" dirty="0"/>
+              <a:t>Separately from scripts, etc.</a:t>
+            </a:r>
+          </a:p>
+          <a:p>
+            <a:pPr lvl="1">
+              <a:spcBef>
+                <a:spcPts val="200"/>
+              </a:spcBef>
+            </a:pPr>
+            <a:r>
+              <a:rPr lang="en-US" dirty="0"/>
+              <a:t>E.g., paper or electronic notebook</a:t>
+            </a:r>
+          </a:p>
+          <a:p>
+            <a:pPr lvl="1">
+              <a:spcBef>
+                <a:spcPts val="200"/>
+              </a:spcBef>
+            </a:pPr>
+            <a:r>
+              <a:rPr lang="en-US" dirty="0"/>
+              <a:t>Especially where human interaction is required</a:t>
+            </a:r>
+          </a:p>
+          <a:p>
+            <a:r>
+              <a:rPr lang="en-US" dirty="0"/>
+              <a:t>Capture key intermediates in the reduction process</a:t>
+            </a:r>
+          </a:p>
+          <a:p>
+            <a:pPr lvl="1">
+              <a:spcBef>
+                <a:spcPts val="200"/>
+              </a:spcBef>
+            </a:pPr>
+            <a:r>
+              <a:rPr lang="en-US" dirty="0"/>
+              <a:t>The more you capture, the more you have to verify (and find problems) later</a:t>
+            </a:r>
+          </a:p>
+          <a:p>
+            <a:r>
+              <a:rPr lang="en-US" dirty="0"/>
+              <a:t>Capture the data (in machine-readable form) used to produce graphs and tables</a:t>
+            </a:r>
+          </a:p>
+          <a:p>
+            <a:pPr lvl="1">
+              <a:spcBef>
+                <a:spcPts val="200"/>
+              </a:spcBef>
+            </a:pPr>
+            <a:r>
+              <a:rPr lang="en-US" dirty="0"/>
+              <a:t>Expected by basic data management plans</a:t>
+            </a:r>
+          </a:p>
+          <a:p>
+            <a:pPr lvl="1">
+              <a:spcBef>
+                <a:spcPts val="200"/>
+              </a:spcBef>
+            </a:pPr>
+            <a:r>
+              <a:rPr lang="en-US" dirty="0"/>
+              <a:t>And an increasing number of publishers</a:t>
             </a:r>
           </a:p>
         </p:txBody>
@@ -10009,7 +9927,7 @@
     </p:spTree>
     <p:extLst>
       <p:ext uri="{BB962C8B-B14F-4D97-AF65-F5344CB8AC3E}">
-        <p14:creationId xmlns:p14="http://schemas.microsoft.com/office/powerpoint/2010/main" val="1441357727"/>
+        <p14:creationId xmlns:p14="http://schemas.microsoft.com/office/powerpoint/2010/main" val="3808973367"/>
       </p:ext>
     </p:extLst>
   </p:cSld>
@@ -10041,7 +9959,7 @@
           <p:cNvPr id="2" name="Title 1">
             <a:extLst>
               <a:ext uri="{FF2B5EF4-FFF2-40B4-BE49-F238E27FC236}">
-                <a16:creationId xmlns:a16="http://schemas.microsoft.com/office/drawing/2014/main" id="{AF0E5AE6-BAC5-4D3D-B274-228B336C1693}"/>
+                <a16:creationId xmlns:a16="http://schemas.microsoft.com/office/drawing/2014/main" id="{E3A332E9-2FA0-40C4-8D47-26B41016D037}"/>
               </a:ext>
             </a:extLst>
           </p:cNvPr>
@@ -10059,15 +9977,7 @@
           <a:p>
             <a:r>
               <a:rPr lang="en-US" dirty="0"/>
-              <a:t>Strategies for Improving Reproducibility </a:t>
-            </a:r>
-            <a:r>
-              <a:rPr lang="en-US" i="1" u="sng" dirty="0"/>
-              <a:t>After</a:t>
-            </a:r>
-            <a:r>
-              <a:rPr lang="en-US" u="sng" dirty="0"/>
-              <a:t> Experiments</a:t>
+              <a:t>Tools May Help with Reproducibility</a:t>
             </a:r>
           </a:p>
         </p:txBody>
@@ -10077,7 +9987,7 @@
           <p:cNvPr id="3" name="Content Placeholder 2">
             <a:extLst>
               <a:ext uri="{FF2B5EF4-FFF2-40B4-BE49-F238E27FC236}">
-                <a16:creationId xmlns:a16="http://schemas.microsoft.com/office/drawing/2014/main" id="{7E3F8F1F-5081-4F6E-81DA-DC14088609D1}"/>
+                <a16:creationId xmlns:a16="http://schemas.microsoft.com/office/drawing/2014/main" id="{735D30F0-B0A3-467E-9909-18B09F1F526A}"/>
               </a:ext>
             </a:extLst>
           </p:cNvPr>
@@ -10090,7 +10000,7 @@
         </p:nvSpPr>
         <p:spPr>
           <a:xfrm>
-            <a:off x="365760" y="1115269"/>
+            <a:off x="365760" y="1207641"/>
             <a:ext cx="11369809" cy="4047778"/>
           </a:xfrm>
         </p:spPr>
@@ -10098,148 +10008,124 @@
           <a:bodyPr/>
           <a:lstStyle/>
           <a:p>
+            <a:pPr marL="0" indent="0">
+              <a:buNone/>
+            </a:pPr>
+            <a:r>
+              <a:rPr lang="en-US" dirty="0"/>
+              <a:t>Just a small sampling…</a:t>
+            </a:r>
+          </a:p>
+          <a:p>
+            <a:r>
+              <a:rPr lang="en-US" dirty="0"/>
+              <a:t>Containers to capture the software</a:t>
+            </a:r>
+          </a:p>
+          <a:p>
+            <a:r>
+              <a:rPr lang="en-US" dirty="0"/>
+              <a:t>Resources for finding, understanding, and debugging floating point math problems: </a:t>
+            </a:r>
+            <a:r>
+              <a:rPr lang="en-US" dirty="0">
+                <a:hlinkClick r:id="rId2"/>
+              </a:rPr>
+              <a:t>http://fpanalysistools.org/</a:t>
+            </a:r>
+            <a:endParaRPr lang="en-US" dirty="0"/>
+          </a:p>
+          <a:p>
+            <a:r>
+              <a:rPr lang="en-US" dirty="0"/>
+              <a:t>Cloud platforms to publish and reproduce research code and data</a:t>
+            </a:r>
+          </a:p>
+          <a:p>
+            <a:pPr lvl="1"/>
+            <a:r>
+              <a:rPr lang="en-US" dirty="0"/>
+              <a:t>E.g., </a:t>
+            </a:r>
+            <a:r>
+              <a:rPr lang="en-US" dirty="0">
+                <a:hlinkClick r:id="rId3"/>
+              </a:rPr>
+              <a:t>https://CodeOcean.com</a:t>
+            </a:r>
+            <a:endParaRPr lang="en-US" dirty="0"/>
+          </a:p>
+          <a:p>
+            <a:r>
+              <a:rPr lang="en-US" dirty="0"/>
+              <a:t>DOIs and hosting of data, code, documents, etc.</a:t>
+            </a:r>
+          </a:p>
+          <a:p>
+            <a:pPr lvl="1"/>
+            <a:r>
+              <a:rPr lang="en-US" dirty="0"/>
+              <a:t>E.g., </a:t>
+            </a:r>
+            <a:r>
+              <a:rPr lang="en-US" dirty="0">
+                <a:hlinkClick r:id="rId4"/>
+              </a:rPr>
+              <a:t>https://zenodo.org/</a:t>
+            </a:r>
+            <a:r>
+              <a:rPr lang="en-US" dirty="0"/>
+              <a:t>, </a:t>
+            </a:r>
+            <a:r>
+              <a:rPr lang="en-US" dirty="0">
+                <a:hlinkClick r:id="rId5"/>
+              </a:rPr>
+              <a:t>https://FigShare.com</a:t>
+            </a:r>
+            <a:endParaRPr lang="en-US" dirty="0"/>
+          </a:p>
+          <a:p>
+            <a:pPr marL="0" indent="0">
+              <a:spcBef>
+                <a:spcPts val="2800"/>
+              </a:spcBef>
+              <a:buNone/>
+            </a:pPr>
             <a:r>
               <a:rPr lang="en-US" b="1" dirty="0">
                 <a:solidFill>
                   <a:schemeClr val="tx2"/>
                 </a:solidFill>
               </a:rPr>
-              <a:t>Continue provenance capture through data analysis/reduction process</a:t>
-            </a:r>
-          </a:p>
-          <a:p>
-            <a:pPr lvl="1">
-              <a:spcBef>
-                <a:spcPts val="200"/>
-              </a:spcBef>
-            </a:pPr>
+              <a:t>Make sure to test and understand your tools thoroughly </a:t>
+            </a:r>
+            <a:r>
+              <a:rPr lang="en-US" b="1" i="1" dirty="0">
+                <a:solidFill>
+                  <a:schemeClr val="tx2"/>
+                </a:solidFill>
+              </a:rPr>
+              <a:t>before</a:t>
+            </a:r>
             <a:r>
               <a:rPr lang="en-US" b="1" dirty="0">
                 <a:solidFill>
                   <a:schemeClr val="tx2"/>
                 </a:solidFill>
               </a:rPr>
-              <a:t>Agents (codes), entities (inputs, outputs, etc.), activities (the transformation)</a:t>
-            </a:r>
-          </a:p>
-          <a:p>
-            <a:r>
-              <a:rPr lang="en-US" dirty="0"/>
-              <a:t>Script as much of your analysis/reduction as possible</a:t>
-            </a:r>
-          </a:p>
-          <a:p>
-            <a:pPr lvl="1">
-              <a:spcBef>
-                <a:spcPts val="200"/>
-              </a:spcBef>
-            </a:pPr>
-            <a:r>
-              <a:rPr lang="en-US" dirty="0"/>
-              <a:t>Prefer scriptable tools over those requiring human interaction</a:t>
-            </a:r>
-          </a:p>
-          <a:p>
-            <a:pPr lvl="1">
-              <a:spcBef>
-                <a:spcPts val="200"/>
-              </a:spcBef>
-            </a:pPr>
-            <a:r>
-              <a:rPr lang="en-US" dirty="0"/>
-              <a:t>Keep them under version control</a:t>
-            </a:r>
-          </a:p>
-          <a:p>
-            <a:r>
-              <a:rPr lang="en-US" dirty="0"/>
-              <a:t>Document your process thoroughly</a:t>
-            </a:r>
-          </a:p>
-          <a:p>
-            <a:pPr lvl="1">
-              <a:spcBef>
-                <a:spcPts val="200"/>
-              </a:spcBef>
-            </a:pPr>
-            <a:r>
-              <a:rPr lang="en-US" dirty="0"/>
-              <a:t>Separately from scripts, etc.</a:t>
-            </a:r>
-          </a:p>
-          <a:p>
-            <a:pPr lvl="1">
-              <a:spcBef>
-                <a:spcPts val="200"/>
-              </a:spcBef>
-            </a:pPr>
-            <a:r>
-              <a:rPr lang="en-US" dirty="0"/>
-              <a:t>E.g., paper or electronic notebook</a:t>
-            </a:r>
-          </a:p>
-          <a:p>
-            <a:pPr lvl="1">
-              <a:spcBef>
-                <a:spcPts val="200"/>
-              </a:spcBef>
-            </a:pPr>
-            <a:r>
-              <a:rPr lang="en-US" dirty="0"/>
-              <a:t>Especially where human interaction is required</a:t>
-            </a:r>
-          </a:p>
-          <a:p>
-            <a:r>
-              <a:rPr lang="en-US" dirty="0"/>
-              <a:t>Capture key intermediates in the reduction process</a:t>
-            </a:r>
-          </a:p>
-          <a:p>
-            <a:pPr lvl="1">
-              <a:spcBef>
-                <a:spcPts val="200"/>
-              </a:spcBef>
-            </a:pPr>
-            <a:r>
-              <a:rPr lang="en-US" dirty="0"/>
-              <a:t>The more you capture, the more you have to verify (and find problems) later</a:t>
-            </a:r>
-          </a:p>
-          <a:p>
-            <a:r>
-              <a:rPr lang="en-US" dirty="0"/>
-              <a:t>Capture the data (in machine-readable form) used to produce graphs and tables</a:t>
-            </a:r>
-          </a:p>
-          <a:p>
-            <a:pPr lvl="1">
-              <a:spcBef>
-                <a:spcPts val="200"/>
-              </a:spcBef>
-            </a:pPr>
-            <a:r>
-              <a:rPr lang="en-US" dirty="0"/>
-              <a:t>Expected by basic data management plans</a:t>
-            </a:r>
-          </a:p>
-          <a:p>
-            <a:pPr lvl="1">
-              <a:spcBef>
-                <a:spcPts val="200"/>
-              </a:spcBef>
-            </a:pPr>
-            <a:r>
-              <a:rPr lang="en-US" dirty="0"/>
-              <a:t>And an increasing number of publishers</a:t>
-            </a:r>
+              <a:t> using them for something important!</a:t>
+            </a:r>
+          </a:p>
+          <a:p>
+            <a:endParaRPr lang="en-US" dirty="0"/>
           </a:p>
         </p:txBody>
       </p:sp>
     </p:spTree>
     <p:extLst>
       <p:ext uri="{BB962C8B-B14F-4D97-AF65-F5344CB8AC3E}">
-        <p14:creationId xmlns:p14="http://schemas.microsoft.com/office/powerpoint/2010/main" val="3808973367"/>
+        <p14:creationId xmlns:p14="http://schemas.microsoft.com/office/powerpoint/2010/main" val="2976835437"/>
       </p:ext>
     </p:extLst>
   </p:cSld>
@@ -10474,204 +10360,6 @@
           <p:cNvPr id="2" name="Title 1">
             <a:extLst>
               <a:ext uri="{FF2B5EF4-FFF2-40B4-BE49-F238E27FC236}">
-                <a16:creationId xmlns:a16="http://schemas.microsoft.com/office/drawing/2014/main" id="{E3A332E9-2FA0-40C4-8D47-26B41016D037}"/>
-              </a:ext>
-            </a:extLst>
-          </p:cNvPr>
-          <p:cNvSpPr>
-            <a:spLocks noGrp="1"/>
-          </p:cNvSpPr>
-          <p:nvPr>
-            <p:ph type="title"/>
-          </p:nvPr>
-        </p:nvSpPr>
-        <p:spPr/>
-        <p:txBody>
-          <a:bodyPr/>
-          <a:lstStyle/>
-          <a:p>
-            <a:r>
-              <a:rPr lang="en-US" dirty="0"/>
-              <a:t>Tools May Help with Reproducibility</a:t>
-            </a:r>
-          </a:p>
-        </p:txBody>
-      </p:sp>
-      <p:sp>
-        <p:nvSpPr>
-          <p:cNvPr id="3" name="Content Placeholder 2">
-            <a:extLst>
-              <a:ext uri="{FF2B5EF4-FFF2-40B4-BE49-F238E27FC236}">
-                <a16:creationId xmlns:a16="http://schemas.microsoft.com/office/drawing/2014/main" id="{735D30F0-B0A3-467E-9909-18B09F1F526A}"/>
-              </a:ext>
-            </a:extLst>
-          </p:cNvPr>
-          <p:cNvSpPr>
-            <a:spLocks noGrp="1"/>
-          </p:cNvSpPr>
-          <p:nvPr>
-            <p:ph idx="1"/>
-          </p:nvPr>
-        </p:nvSpPr>
-        <p:spPr>
-          <a:xfrm>
-            <a:off x="365760" y="1207641"/>
-            <a:ext cx="11369809" cy="4047778"/>
-          </a:xfrm>
-        </p:spPr>
-        <p:txBody>
-          <a:bodyPr/>
-          <a:lstStyle/>
-          <a:p>
-            <a:pPr marL="0" indent="0">
-              <a:buNone/>
-            </a:pPr>
-            <a:r>
-              <a:rPr lang="en-US" dirty="0"/>
-              <a:t>Just a small sampling…</a:t>
-            </a:r>
-          </a:p>
-          <a:p>
-            <a:r>
-              <a:rPr lang="en-US" dirty="0"/>
-              <a:t>Containers to capture the software</a:t>
-            </a:r>
-          </a:p>
-          <a:p>
-            <a:r>
-              <a:rPr lang="en-US" dirty="0"/>
-              <a:t>Resources for finding, understanding, and debugging floating point math problems: </a:t>
-            </a:r>
-            <a:r>
-              <a:rPr lang="en-US" dirty="0">
-                <a:hlinkClick r:id="rId2"/>
-              </a:rPr>
-              <a:t>http://fpanalysistools.org/</a:t>
-            </a:r>
-            <a:endParaRPr lang="en-US" dirty="0"/>
-          </a:p>
-          <a:p>
-            <a:r>
-              <a:rPr lang="en-US" dirty="0"/>
-              <a:t>Cloud platforms to publish and reproduce research code and data</a:t>
-            </a:r>
-          </a:p>
-          <a:p>
-            <a:pPr lvl="1"/>
-            <a:r>
-              <a:rPr lang="en-US" dirty="0"/>
-              <a:t>E.g., </a:t>
-            </a:r>
-            <a:r>
-              <a:rPr lang="en-US" dirty="0">
-                <a:hlinkClick r:id="rId3"/>
-              </a:rPr>
-              <a:t>https://CodeOcean.com</a:t>
-            </a:r>
-            <a:endParaRPr lang="en-US" dirty="0"/>
-          </a:p>
-          <a:p>
-            <a:r>
-              <a:rPr lang="en-US" dirty="0"/>
-              <a:t>DOIs and hosting of data, code, documents, etc.</a:t>
-            </a:r>
-          </a:p>
-          <a:p>
-            <a:pPr lvl="1"/>
-            <a:r>
-              <a:rPr lang="en-US" dirty="0"/>
-              <a:t>E.g., </a:t>
-            </a:r>
-            <a:r>
-              <a:rPr lang="en-US" dirty="0">
-                <a:hlinkClick r:id="rId4"/>
-              </a:rPr>
-              <a:t>https://zenodo.org/</a:t>
-            </a:r>
-            <a:r>
-              <a:rPr lang="en-US" dirty="0"/>
-              <a:t>, </a:t>
-            </a:r>
-            <a:r>
-              <a:rPr lang="en-US" dirty="0">
-                <a:hlinkClick r:id="rId5"/>
-              </a:rPr>
-              <a:t>https://FigShare.com</a:t>
-            </a:r>
-            <a:endParaRPr lang="en-US" dirty="0"/>
-          </a:p>
-          <a:p>
-            <a:pPr marL="0" indent="0">
-              <a:spcBef>
-                <a:spcPts val="2800"/>
-              </a:spcBef>
-              <a:buNone/>
-            </a:pPr>
-            <a:r>
-              <a:rPr lang="en-US" b="1" dirty="0">
-                <a:solidFill>
-                  <a:schemeClr val="tx2"/>
-                </a:solidFill>
-              </a:rPr>
-              <a:t>Make sure to test and understand your tools thoroughly </a:t>
-            </a:r>
-            <a:r>
-              <a:rPr lang="en-US" b="1" i="1" dirty="0">
-                <a:solidFill>
-                  <a:schemeClr val="tx2"/>
-                </a:solidFill>
-              </a:rPr>
-              <a:t>before</a:t>
-            </a:r>
-            <a:r>
-              <a:rPr lang="en-US" b="1" dirty="0">
-                <a:solidFill>
-                  <a:schemeClr val="tx2"/>
-                </a:solidFill>
-              </a:rPr>
-              <a:t> using them for something important!</a:t>
-            </a:r>
-          </a:p>
-          <a:p>
-            <a:endParaRPr lang="en-US" dirty="0"/>
-          </a:p>
-        </p:txBody>
-      </p:sp>
-    </p:spTree>
-    <p:extLst>
-      <p:ext uri="{BB962C8B-B14F-4D97-AF65-F5344CB8AC3E}">
-        <p14:creationId xmlns:p14="http://schemas.microsoft.com/office/powerpoint/2010/main" val="2976835437"/>
-      </p:ext>
-    </p:extLst>
-  </p:cSld>
-  <p:clrMapOvr>
-    <a:masterClrMapping/>
-  </p:clrMapOvr>
-</p:sld>
-</file>
-
-<file path=ppt/slides/slide31.xml><?xml version="1.0" encoding="utf-8"?>
-<p:sld xmlns:a="http://schemas.openxmlformats.org/drawingml/2006/main" xmlns:r="http://schemas.openxmlformats.org/officeDocument/2006/relationships" xmlns:p="http://schemas.openxmlformats.org/presentationml/2006/main">
-  <p:cSld>
-    <p:spTree>
-      <p:nvGrpSpPr>
-        <p:cNvPr id="1" name=""/>
-        <p:cNvGrpSpPr/>
-        <p:nvPr/>
-      </p:nvGrpSpPr>
-      <p:grpSpPr>
-        <a:xfrm>
-          <a:off x="0" y="0"/>
-          <a:ext cx="0" cy="0"/>
-          <a:chOff x="0" y="0"/>
-          <a:chExt cx="0" cy="0"/>
-        </a:xfrm>
-      </p:grpSpPr>
-      <p:sp>
-        <p:nvSpPr>
-          <p:cNvPr id="2" name="Title 1">
-            <a:extLst>
-              <a:ext uri="{FF2B5EF4-FFF2-40B4-BE49-F238E27FC236}">
                 <a16:creationId xmlns:a16="http://schemas.microsoft.com/office/drawing/2014/main" id="{4716E6A3-96EC-4523-A436-014C2E270151}"/>
               </a:ext>
             </a:extLst>
@@ -10814,7 +10502,7 @@
 </p:sld>
 </file>
 
-<file path=ppt/slides/slide32.xml><?xml version="1.0" encoding="utf-8"?>
+<file path=ppt/slides/slide31.xml><?xml version="1.0" encoding="utf-8"?>
 <p:sld xmlns:a="http://schemas.openxmlformats.org/drawingml/2006/main" xmlns:r="http://schemas.openxmlformats.org/officeDocument/2006/relationships" xmlns:p="http://schemas.openxmlformats.org/presentationml/2006/main">
   <p:cSld>
     <p:spTree>
@@ -13455,9 +13143,12 @@
 </file>
 
 <file path=customXml/item1.xml><?xml version="1.0" encoding="utf-8"?>
-<p:properties xmlns:p="http://schemas.microsoft.com/office/2006/metadata/properties" xmlns:xsi="http://www.w3.org/2001/XMLSchema-instance" xmlns:pc="http://schemas.microsoft.com/office/infopath/2007/PartnerControls">
-  <documentManagement/>
-</p:properties>
+<?mso-contentType ?>
+<FormTemplates xmlns="http://schemas.microsoft.com/sharepoint/v3/contenttype/forms">
+  <Display>DocumentLibraryForm</Display>
+  <Edit>DocumentLibraryForm</Edit>
+  <New>DocumentLibraryForm</New>
+</FormTemplates>
 </file>
 
 <file path=customXml/item2.xml><?xml version="1.0" encoding="utf-8"?>
@@ -13510,25 +13201,15 @@
 </file>
 
 <file path=customXml/item3.xml><?xml version="1.0" encoding="utf-8"?>
-<?mso-contentType ?>
-<FormTemplates xmlns="http://schemas.microsoft.com/sharepoint/v3/contenttype/forms">
-  <Display>DocumentLibraryForm</Display>
-  <Edit>DocumentLibraryForm</Edit>
-  <New>DocumentLibraryForm</New>
-</FormTemplates>
+<p:properties xmlns:p="http://schemas.microsoft.com/office/2006/metadata/properties" xmlns:xsi="http://www.w3.org/2001/XMLSchema-instance" xmlns:pc="http://schemas.microsoft.com/office/infopath/2007/PartnerControls">
+  <documentManagement/>
+</p:properties>
 </file>
 
 <file path=customXml/itemProps1.xml><?xml version="1.0" encoding="utf-8"?>
-<ds:datastoreItem xmlns:ds="http://schemas.openxmlformats.org/officeDocument/2006/customXml" ds:itemID="{A50EC660-24D0-43A0-AE5E-E274115E726B}">
+<ds:datastoreItem xmlns:ds="http://schemas.openxmlformats.org/officeDocument/2006/customXml" ds:itemID="{19E20559-B232-4371-8690-E3D8007EDB82}">
   <ds:schemaRefs>
-    <ds:schemaRef ds:uri="http://purl.org/dc/elements/1.1/"/>
-    <ds:schemaRef ds:uri="http://schemas.microsoft.com/office/2006/metadata/properties"/>
-    <ds:schemaRef ds:uri="http://purl.org/dc/terms/"/>
-    <ds:schemaRef ds:uri="http://schemas.openxmlformats.org/package/2006/metadata/core-properties"/>
-    <ds:schemaRef ds:uri="http://schemas.microsoft.com/office/2006/documentManagement/types"/>
-    <ds:schemaRef ds:uri="http://www.w3.org/XML/1998/namespace"/>
-    <ds:schemaRef ds:uri="http://purl.org/dc/dcmitype/"/>
-    <ds:schemaRef ds:uri="http://schemas.microsoft.com/office/infopath/2007/PartnerControls"/>
+    <ds:schemaRef ds:uri="http://schemas.microsoft.com/sharepoint/v3/contenttype/forms"/>
   </ds:schemaRefs>
 </ds:datastoreItem>
 </file>
@@ -13549,9 +13230,16 @@
 </file>
 
 <file path=customXml/itemProps3.xml><?xml version="1.0" encoding="utf-8"?>
-<ds:datastoreItem xmlns:ds="http://schemas.openxmlformats.org/officeDocument/2006/customXml" ds:itemID="{19E20559-B232-4371-8690-E3D8007EDB82}">
+<ds:datastoreItem xmlns:ds="http://schemas.openxmlformats.org/officeDocument/2006/customXml" ds:itemID="{A50EC660-24D0-43A0-AE5E-E274115E726B}">
   <ds:schemaRefs>
-    <ds:schemaRef ds:uri="http://schemas.microsoft.com/sharepoint/v3/contenttype/forms"/>
+    <ds:schemaRef ds:uri="http://purl.org/dc/elements/1.1/"/>
+    <ds:schemaRef ds:uri="http://schemas.microsoft.com/office/2006/metadata/properties"/>
+    <ds:schemaRef ds:uri="http://purl.org/dc/terms/"/>
+    <ds:schemaRef ds:uri="http://schemas.openxmlformats.org/package/2006/metadata/core-properties"/>
+    <ds:schemaRef ds:uri="http://schemas.microsoft.com/office/2006/documentManagement/types"/>
+    <ds:schemaRef ds:uri="http://www.w3.org/XML/1998/namespace"/>
+    <ds:schemaRef ds:uri="http://purl.org/dc/dcmitype/"/>
+    <ds:schemaRef ds:uri="http://schemas.microsoft.com/office/infopath/2007/PartnerControls"/>
   </ds:schemaRefs>
 </ds:datastoreItem>
 </file>
--- a/reproducibility.pptx
+++ b/reproducibility.pptx
@@ -285,7 +285,7 @@
           <a:p>
             <a:fld id="{0B842F42-2CE9-4E35-95C1-410DC08A50B1}" type="datetimeFigureOut">
               <a:rPr lang="en-US" smtClean="0"/>
-              <a:t>10/12/2021</a:t>
+              <a:t>11/14/2021</a:t>
             </a:fld>
             <a:endParaRPr lang="en-US"/>
           </a:p>
@@ -450,7 +450,7 @@
           <a:p>
             <a:fld id="{6F282904-F315-4730-8D91-37D99E141A6F}" type="datetimeFigureOut">
               <a:rPr lang="en-US" smtClean="0"/>
-              <a:t>10/12/2021</a:t>
+              <a:t>11/14/2021</a:t>
             </a:fld>
             <a:endParaRPr lang="en-US"/>
           </a:p>
@@ -5926,9 +5926,12 @@
           <a:lstStyle/>
           <a:p>
             <a:r>
-              <a:rPr lang="en-US" dirty="0"/>
+              <a:rPr lang="en-US" dirty="0">
+                <a:hlinkClick r:id="rId3"/>
+              </a:rPr>
               <a:t>FAIR Data Principles</a:t>
             </a:r>
+            <a:endParaRPr lang="en-US" dirty="0"/>
           </a:p>
         </p:txBody>
       </p:sp>
@@ -10647,23 +10650,40 @@
             </a:r>
             <a:r>
               <a:rPr lang="en-US" dirty="0"/>
-              <a:t> Science (09 Dec 2016), pp. 1240-1241</a:t>
-            </a:r>
-          </a:p>
-          <a:p>
-            <a:r>
-              <a:rPr lang="en-US" dirty="0"/>
-              <a:t>Simple experiments in reproducibility and technical trust by Mike Heroux and students (work in progress),</a:t>
-            </a:r>
-            <a:r>
-              <a:rPr lang="en-US" dirty="0">
+              <a:t> Science (09 Dec 2016), pp. 1240-1241. </a:t>
+            </a:r>
+            <a:r>
+              <a:rPr lang="en-US" b="0" dirty="0">
+                <a:effectLst/>
+              </a:rPr>
+              <a:t>DOI: </a:t>
+            </a:r>
+            <a:r>
+              <a:rPr lang="en-US" b="0" u="sng" dirty="0">
+                <a:solidFill>
+                  <a:srgbClr val="595959"/>
+                </a:solidFill>
+                <a:effectLst/>
                 <a:hlinkClick r:id="rId5"/>
               </a:rPr>
+              <a:t>10.1126/science.aah6168</a:t>
+            </a:r>
+            <a:endParaRPr lang="en-US" dirty="0"/>
+          </a:p>
+          <a:p>
+            <a:r>
+              <a:rPr lang="en-US" dirty="0"/>
+              <a:t>Simple experiments in reproducibility and technical trust by Mike Heroux and students (work in progress),</a:t>
+            </a:r>
+            <a:r>
+              <a:rPr lang="en-US" dirty="0">
+                <a:hlinkClick r:id="rId6"/>
+              </a:rPr>
               <a:t> </a:t>
             </a:r>
             <a:r>
               <a:rPr lang="en-US" u="sng" dirty="0">
-                <a:hlinkClick r:id="rId5"/>
+                <a:hlinkClick r:id="rId6"/>
               </a:rPr>
               <a:t>https://betterscientificsoftware.github.io/Trust-Tools/</a:t>
             </a:r>
@@ -10676,7 +10696,7 @@
             </a:r>
             <a:r>
               <a:rPr lang="en-US" dirty="0">
-                <a:hlinkClick r:id="rId6"/>
+                <a:hlinkClick r:id="rId7"/>
               </a:rPr>
               <a:t>https://doi.org/10.1145/103162.103163</a:t>
             </a:r>
@@ -13143,12 +13163,9 @@
 </file>
 
 <file path=customXml/item1.xml><?xml version="1.0" encoding="utf-8"?>
-<?mso-contentType ?>
-<FormTemplates xmlns="http://schemas.microsoft.com/sharepoint/v3/contenttype/forms">
-  <Display>DocumentLibraryForm</Display>
-  <Edit>DocumentLibraryForm</Edit>
-  <New>DocumentLibraryForm</New>
-</FormTemplates>
+<p:properties xmlns:p="http://schemas.microsoft.com/office/2006/metadata/properties" xmlns:xsi="http://www.w3.org/2001/XMLSchema-instance" xmlns:pc="http://schemas.microsoft.com/office/infopath/2007/PartnerControls">
+  <documentManagement/>
+</p:properties>
 </file>
 
 <file path=customXml/item2.xml><?xml version="1.0" encoding="utf-8"?>
@@ -13201,15 +13218,25 @@
 </file>
 
 <file path=customXml/item3.xml><?xml version="1.0" encoding="utf-8"?>
-<p:properties xmlns:p="http://schemas.microsoft.com/office/2006/metadata/properties" xmlns:xsi="http://www.w3.org/2001/XMLSchema-instance" xmlns:pc="http://schemas.microsoft.com/office/infopath/2007/PartnerControls">
-  <documentManagement/>
-</p:properties>
+<?mso-contentType ?>
+<FormTemplates xmlns="http://schemas.microsoft.com/sharepoint/v3/contenttype/forms">
+  <Display>DocumentLibraryForm</Display>
+  <Edit>DocumentLibraryForm</Edit>
+  <New>DocumentLibraryForm</New>
+</FormTemplates>
 </file>
 
 <file path=customXml/itemProps1.xml><?xml version="1.0" encoding="utf-8"?>
-<ds:datastoreItem xmlns:ds="http://schemas.openxmlformats.org/officeDocument/2006/customXml" ds:itemID="{19E20559-B232-4371-8690-E3D8007EDB82}">
+<ds:datastoreItem xmlns:ds="http://schemas.openxmlformats.org/officeDocument/2006/customXml" ds:itemID="{A50EC660-24D0-43A0-AE5E-E274115E726B}">
   <ds:schemaRefs>
-    <ds:schemaRef ds:uri="http://schemas.microsoft.com/sharepoint/v3/contenttype/forms"/>
+    <ds:schemaRef ds:uri="http://purl.org/dc/elements/1.1/"/>
+    <ds:schemaRef ds:uri="http://schemas.microsoft.com/office/2006/metadata/properties"/>
+    <ds:schemaRef ds:uri="http://purl.org/dc/terms/"/>
+    <ds:schemaRef ds:uri="http://schemas.openxmlformats.org/package/2006/metadata/core-properties"/>
+    <ds:schemaRef ds:uri="http://schemas.microsoft.com/office/2006/documentManagement/types"/>
+    <ds:schemaRef ds:uri="http://www.w3.org/XML/1998/namespace"/>
+    <ds:schemaRef ds:uri="http://purl.org/dc/dcmitype/"/>
+    <ds:schemaRef ds:uri="http://schemas.microsoft.com/office/infopath/2007/PartnerControls"/>
   </ds:schemaRefs>
 </ds:datastoreItem>
 </file>
@@ -13230,16 +13257,9 @@
 </file>
 
 <file path=customXml/itemProps3.xml><?xml version="1.0" encoding="utf-8"?>
-<ds:datastoreItem xmlns:ds="http://schemas.openxmlformats.org/officeDocument/2006/customXml" ds:itemID="{A50EC660-24D0-43A0-AE5E-E274115E726B}">
+<ds:datastoreItem xmlns:ds="http://schemas.openxmlformats.org/officeDocument/2006/customXml" ds:itemID="{19E20559-B232-4371-8690-E3D8007EDB82}">
   <ds:schemaRefs>
-    <ds:schemaRef ds:uri="http://purl.org/dc/elements/1.1/"/>
-    <ds:schemaRef ds:uri="http://schemas.microsoft.com/office/2006/metadata/properties"/>
-    <ds:schemaRef ds:uri="http://purl.org/dc/terms/"/>
-    <ds:schemaRef ds:uri="http://schemas.openxmlformats.org/package/2006/metadata/core-properties"/>
-    <ds:schemaRef ds:uri="http://schemas.microsoft.com/office/2006/documentManagement/types"/>
-    <ds:schemaRef ds:uri="http://www.w3.org/XML/1998/namespace"/>
-    <ds:schemaRef ds:uri="http://purl.org/dc/dcmitype/"/>
-    <ds:schemaRef ds:uri="http://schemas.microsoft.com/office/infopath/2007/PartnerControls"/>
+    <ds:schemaRef ds:uri="http://schemas.microsoft.com/sharepoint/v3/contenttype/forms"/>
   </ds:schemaRefs>
 </ds:datastoreItem>
 </file>
--- a/reproducibility.pptx
+++ b/reproducibility.pptx
@@ -12,7 +12,7 @@
   </p:handoutMasterIdLst>
   <p:sldIdLst>
     <p:sldId id="318" r:id="rId5"/>
-    <p:sldId id="1846" r:id="rId6"/>
+    <p:sldId id="320" r:id="rId6"/>
     <p:sldId id="1820" r:id="rId7"/>
     <p:sldId id="1838" r:id="rId8"/>
     <p:sldId id="1824" r:id="rId9"/>
@@ -285,7 +285,7 @@
           <a:p>
             <a:fld id="{0B842F42-2CE9-4E35-95C1-410DC08A50B1}" type="datetimeFigureOut">
               <a:rPr lang="en-US" smtClean="0"/>
-              <a:t>11/14/2021</a:t>
+              <a:t>3/25/2022</a:t>
             </a:fld>
             <a:endParaRPr lang="en-US"/>
           </a:p>
@@ -450,7 +450,7 @@
           <a:p>
             <a:fld id="{6F282904-F315-4730-8D91-37D99E141A6F}" type="datetimeFigureOut">
               <a:rPr lang="en-US" smtClean="0"/>
-              <a:t>11/14/2021</a:t>
+              <a:t>3/25/2022</a:t>
             </a:fld>
             <a:endParaRPr lang="en-US"/>
           </a:p>
@@ -4958,16 +4958,12 @@
           <a:lstStyle/>
           <a:p>
             <a:r>
-              <a:rPr lang="en-US" u="sng" dirty="0"/>
-              <a:t>David E. Bernholdt</a:t>
-            </a:r>
-            <a:r>
-              <a:rPr lang="en-US" dirty="0"/>
-              <a:t> </a:t>
+              <a:rPr lang="en-US" sz="2000" u="sng" dirty="0"/>
+              <a:t>David M. Rogers</a:t>
             </a:r>
             <a:r>
               <a:rPr lang="en-US" sz="2000" dirty="0"/>
-              <a:t>(he/him)</a:t>
+              <a:t> (he/him)</a:t>
             </a:r>
             <a:br>
               <a:rPr lang="en-US" sz="2000" u="sng" dirty="0"/>
@@ -4985,7 +4981,7 @@
             </a:pPr>
             <a:r>
               <a:rPr lang="en-US" sz="2000" dirty="0"/>
-              <a:t>Better Scientific Software tutorial @ SC21</a:t>
+              <a:t>Better Scientific Software tutorial @ Improving Scientific Software 2022</a:t>
             </a:r>
           </a:p>
           <a:p>
@@ -7646,15 +7642,21 @@
             </a:pPr>
             <a:r>
               <a:rPr lang="en-US" sz="1600" b="1" dirty="0"/>
-              <a:t>The requested citation the overall tutorial is: David E. Bernholdt, Anshu Dubey, Patricia A. Grubel, Rinku K. Gupta, and Gregory R. Watson, Better Scientific Software tutorial, in the International Conference for High-Performance Computing, Networking, Storage, and Analysis (SC21), St. Louis, MO, USA and online, 2021. DOI: </a:t>
+              <a:t>The requested citation the overall tutorial is: David E. Bernholdt, Patricia A. Grubel, Rinku K. Gupta, and David M. Rogers, Better Scientific Software tutorial, in Improving Scientific Software conference, online, 2022. DOI: </a:t>
             </a:r>
             <a:r>
               <a:rPr lang="en-US" sz="1600" b="1" dirty="0">
                 <a:hlinkClick r:id="rId4"/>
               </a:rPr>
-              <a:t>10.6084/m9.figshare.16556628</a:t>
-            </a:r>
-            <a:endParaRPr lang="en-US" sz="1600" b="1" dirty="0"/>
+              <a:t>10.6084/m9.figshare</a:t>
+            </a:r>
+            <a:r>
+              <a:rPr lang="en-US" sz="1600" b="1">
+                <a:hlinkClick r:id="rId4"/>
+              </a:rPr>
+              <a:t>.19416767</a:t>
+            </a:r>
+            <a:endParaRPr lang="en-US" sz="1600" b="1"/>
           </a:p>
           <a:p>
             <a:pPr>
@@ -7826,7 +7828,7 @@
     </p:spTree>
     <p:extLst>
       <p:ext uri="{BB962C8B-B14F-4D97-AF65-F5344CB8AC3E}">
-        <p14:creationId xmlns:p14="http://schemas.microsoft.com/office/powerpoint/2010/main" val="4012735612"/>
+        <p14:creationId xmlns:p14="http://schemas.microsoft.com/office/powerpoint/2010/main" val="978726433"/>
       </p:ext>
     </p:extLst>
   </p:cSld>
@@ -13163,12 +13165,6 @@
 </file>
 
 <file path=customXml/item1.xml><?xml version="1.0" encoding="utf-8"?>
-<p:properties xmlns:p="http://schemas.microsoft.com/office/2006/metadata/properties" xmlns:xsi="http://www.w3.org/2001/XMLSchema-instance" xmlns:pc="http://schemas.microsoft.com/office/infopath/2007/PartnerControls">
-  <documentManagement/>
-</p:properties>
-</file>
-
-<file path=customXml/item2.xml><?xml version="1.0" encoding="utf-8"?>
 <ct:contentTypeSchema xmlns:ct="http://schemas.microsoft.com/office/2006/metadata/contentType" xmlns:ma="http://schemas.microsoft.com/office/2006/metadata/properties/metaAttributes" ct:_="" ma:_="" ma:contentTypeName="Document" ma:contentTypeID="0x010100565464437F680748A68B85EB6594EA7D" ma:contentTypeVersion="0" ma:contentTypeDescription="Create a new document." ma:contentTypeScope="" ma:versionID="fe3f4dd58d5914c51cfc6deaa8ad845c">
   <xsd:schema xmlns:xsd="http://www.w3.org/2001/XMLSchema" xmlns:p="http://schemas.microsoft.com/office/2006/metadata/properties" targetNamespace="http://schemas.microsoft.com/office/2006/metadata/properties" ma:root="true" ma:fieldsID="4aeb20c0e3442673af7ee10786458764">
     <xsd:element name="properties">
@@ -13217,6 +13213,12 @@
 </ct:contentTypeSchema>
 </file>
 
+<file path=customXml/item2.xml><?xml version="1.0" encoding="utf-8"?>
+<p:properties xmlns:p="http://schemas.microsoft.com/office/2006/metadata/properties" xmlns:xsi="http://www.w3.org/2001/XMLSchema-instance" xmlns:pc="http://schemas.microsoft.com/office/infopath/2007/PartnerControls">
+  <documentManagement/>
+</p:properties>
+</file>
+
 <file path=customXml/item3.xml><?xml version="1.0" encoding="utf-8"?>
 <?mso-contentType ?>
 <FormTemplates xmlns="http://schemas.microsoft.com/sharepoint/v3/contenttype/forms">
@@ -13227,6 +13229,21 @@
 </file>
 
 <file path=customXml/itemProps1.xml><?xml version="1.0" encoding="utf-8"?>
+<ds:datastoreItem xmlns:ds="http://schemas.openxmlformats.org/officeDocument/2006/customXml" ds:itemID="{E8DB7DEB-074E-4EE8-9B6E-FD277323109C}">
+  <ds:schemaRefs>
+    <ds:schemaRef ds:uri="http://schemas.microsoft.com/office/2006/metadata/contentType"/>
+    <ds:schemaRef ds:uri="http://schemas.microsoft.com/office/2006/metadata/properties/metaAttributes"/>
+    <ds:schemaRef ds:uri="http://www.w3.org/2001/XMLSchema"/>
+    <ds:schemaRef ds:uri="http://schemas.microsoft.com/office/2006/metadata/properties"/>
+    <ds:schemaRef ds:uri="http://schemas.openxmlformats.org/package/2006/metadata/core-properties"/>
+    <ds:schemaRef ds:uri="http://purl.org/dc/elements/1.1/"/>
+    <ds:schemaRef ds:uri="http://purl.org/dc/terms/"/>
+    <ds:schemaRef ds:uri="http://schemas.microsoft.com/office/internal/2005/internalDocumentation"/>
+  </ds:schemaRefs>
+</ds:datastoreItem>
+</file>
+
+<file path=customXml/itemProps2.xml><?xml version="1.0" encoding="utf-8"?>
 <ds:datastoreItem xmlns:ds="http://schemas.openxmlformats.org/officeDocument/2006/customXml" ds:itemID="{A50EC660-24D0-43A0-AE5E-E274115E726B}">
   <ds:schemaRefs>
     <ds:schemaRef ds:uri="http://purl.org/dc/elements/1.1/"/>
@@ -13241,21 +13258,6 @@
 </ds:datastoreItem>
 </file>
 
-<file path=customXml/itemProps2.xml><?xml version="1.0" encoding="utf-8"?>
-<ds:datastoreItem xmlns:ds="http://schemas.openxmlformats.org/officeDocument/2006/customXml" ds:itemID="{E8DB7DEB-074E-4EE8-9B6E-FD277323109C}">
-  <ds:schemaRefs>
-    <ds:schemaRef ds:uri="http://schemas.microsoft.com/office/2006/metadata/contentType"/>
-    <ds:schemaRef ds:uri="http://schemas.microsoft.com/office/2006/metadata/properties/metaAttributes"/>
-    <ds:schemaRef ds:uri="http://www.w3.org/2001/XMLSchema"/>
-    <ds:schemaRef ds:uri="http://schemas.microsoft.com/office/2006/metadata/properties"/>
-    <ds:schemaRef ds:uri="http://schemas.openxmlformats.org/package/2006/metadata/core-properties"/>
-    <ds:schemaRef ds:uri="http://purl.org/dc/elements/1.1/"/>
-    <ds:schemaRef ds:uri="http://purl.org/dc/terms/"/>
-    <ds:schemaRef ds:uri="http://schemas.microsoft.com/office/internal/2005/internalDocumentation"/>
-  </ds:schemaRefs>
-</ds:datastoreItem>
-</file>
-
 <file path=customXml/itemProps3.xml><?xml version="1.0" encoding="utf-8"?>
 <ds:datastoreItem xmlns:ds="http://schemas.openxmlformats.org/officeDocument/2006/customXml" ds:itemID="{19E20559-B232-4371-8690-E3D8007EDB82}">
   <ds:schemaRefs>
